--- a/EIMS/doc/JSHint TOI.pptx
+++ b/EIMS/doc/JSHint TOI.pptx
@@ -5,10 +5,10 @@
     <p:sldMasterId id="2147483840" r:id="rId1"/>
   </p:sldMasterIdLst>
   <p:notesMasterIdLst>
-    <p:notesMasterId r:id="rId20"/>
+    <p:notesMasterId r:id="rId26"/>
   </p:notesMasterIdLst>
   <p:handoutMasterIdLst>
-    <p:handoutMasterId r:id="rId21"/>
+    <p:handoutMasterId r:id="rId27"/>
   </p:handoutMasterIdLst>
   <p:sldIdLst>
     <p:sldId id="302" r:id="rId2"/>
@@ -26,14 +26,20 @@
     <p:sldId id="428" r:id="rId14"/>
     <p:sldId id="429" r:id="rId15"/>
     <p:sldId id="416" r:id="rId16"/>
-    <p:sldId id="417" r:id="rId17"/>
-    <p:sldId id="420" r:id="rId18"/>
-    <p:sldId id="303" r:id="rId19"/>
+    <p:sldId id="430" r:id="rId17"/>
+    <p:sldId id="431" r:id="rId18"/>
+    <p:sldId id="417" r:id="rId19"/>
+    <p:sldId id="432" r:id="rId20"/>
+    <p:sldId id="433" r:id="rId21"/>
+    <p:sldId id="434" r:id="rId22"/>
+    <p:sldId id="420" r:id="rId23"/>
+    <p:sldId id="436" r:id="rId24"/>
+    <p:sldId id="435" r:id="rId25"/>
   </p:sldIdLst>
   <p:sldSz cx="9144000" cy="6858000" type="screen4x3"/>
   <p:notesSz cx="6858000" cy="9144000"/>
   <p:custDataLst>
-    <p:tags r:id="rId22"/>
+    <p:tags r:id="rId28"/>
   </p:custDataLst>
   <p:defaultTextStyle>
     <a:defPPr>
@@ -258,7 +264,7 @@
               <a:pPr>
                 <a:defRPr/>
               </a:pPr>
-              <a:t>3/8/2015</a:t>
+              <a:t>3/9/2015</a:t>
             </a:fld>
             <a:endParaRPr lang="en-US" dirty="0">
               <a:latin typeface="+mn-lt"/>
@@ -1011,501 +1017,7 @@
       </p:grpSpPr>
       <p:sp>
         <p:nvSpPr>
-          <p:cNvPr id="54274" name="Rectangle 7"/>
-          <p:cNvSpPr>
-            <a:spLocks noGrp="1" noChangeArrowheads="1"/>
-          </p:cNvSpPr>
-          <p:nvPr>
-            <p:ph type="sldNum" sz="quarter" idx="5"/>
-          </p:nvPr>
-        </p:nvSpPr>
-        <p:spPr>
-          <a:noFill/>
-        </p:spPr>
-        <p:txBody>
-          <a:bodyPr/>
-          <a:lstStyle/>
-          <a:p>
-            <a:fld id="{6698ED02-3EBA-4AEA-92C7-B8D5D775CAF5}" type="slidenum">
-              <a:rPr lang="en-US" smtClean="0"/>
-              <a:pPr/>
-              <a:t>16</a:t>
-            </a:fld>
-            <a:endParaRPr lang="en-US" smtClean="0"/>
-          </a:p>
-        </p:txBody>
-      </p:sp>
-      <p:sp>
-        <p:nvSpPr>
-          <p:cNvPr id="5" name="Notes Placeholder 4"/>
-          <p:cNvSpPr>
-            <a:spLocks noGrp="1"/>
-          </p:cNvSpPr>
-          <p:nvPr>
-            <p:ph type="body" sz="quarter" idx="10"/>
-          </p:nvPr>
-        </p:nvSpPr>
-        <p:spPr/>
-        <p:txBody>
-          <a:bodyPr>
-            <a:normAutofit/>
-          </a:bodyPr>
-          <a:lstStyle/>
-          <a:p>
-            <a:pPr>
-              <a:spcBef>
-                <a:spcPts val="0"/>
-              </a:spcBef>
-              <a:spcAft>
-                <a:spcPts val="0"/>
-              </a:spcAft>
-            </a:pPr>
-            <a:r>
-              <a:rPr lang="en-US" dirty="0" smtClean="0"/>
-              <a:t>This is a sample </a:t>
-            </a:r>
-            <a:r>
-              <a:rPr lang="en-US" b="1" dirty="0" smtClean="0"/>
-              <a:t>Agenda/Preview</a:t>
-            </a:r>
-            <a:r>
-              <a:rPr lang="en-US" dirty="0" smtClean="0"/>
-              <a:t> slide. This slide is ideal for </a:t>
-            </a:r>
-            <a:r>
-              <a:rPr lang="en-US" i="1" dirty="0" smtClean="0"/>
-              <a:t>setting the scene </a:t>
-            </a:r>
-            <a:r>
-              <a:rPr lang="en-US" dirty="0" smtClean="0"/>
-              <a:t>at the beginning of your presentation by providing a big picture overview of what you plan to cover. </a:t>
-            </a:r>
-          </a:p>
-          <a:p>
-            <a:pPr>
-              <a:spcBef>
-                <a:spcPts val="0"/>
-              </a:spcBef>
-              <a:spcAft>
-                <a:spcPts val="0"/>
-              </a:spcAft>
-            </a:pPr>
-            <a:endParaRPr lang="en-US" b="1" dirty="0" smtClean="0"/>
-          </a:p>
-          <a:p>
-            <a:pPr>
-              <a:spcBef>
-                <a:spcPts val="0"/>
-              </a:spcBef>
-              <a:spcAft>
-                <a:spcPts val="0"/>
-              </a:spcAft>
-            </a:pPr>
-            <a:r>
-              <a:rPr lang="en-US" b="1" dirty="0" smtClean="0"/>
-              <a:t>To Change Titles in Shapes (i.e.: “Text here”):</a:t>
-            </a:r>
-          </a:p>
-          <a:p>
-            <a:pPr>
-              <a:spcBef>
-                <a:spcPts val="0"/>
-              </a:spcBef>
-              <a:spcAft>
-                <a:spcPts val="0"/>
-              </a:spcAft>
-            </a:pPr>
-            <a:r>
-              <a:rPr lang="en-US" dirty="0" smtClean="0"/>
-              <a:t>Select text. (Optional:</a:t>
-            </a:r>
-            <a:r>
-              <a:rPr lang="en-US" baseline="0" dirty="0" smtClean="0"/>
-              <a:t> </a:t>
-            </a:r>
-            <a:r>
-              <a:rPr lang="en-US" dirty="0" smtClean="0"/>
-              <a:t>Press </a:t>
-            </a:r>
-            <a:r>
-              <a:rPr lang="en-US" i="1" dirty="0" smtClean="0"/>
-              <a:t>Delete</a:t>
-            </a:r>
-            <a:r>
-              <a:rPr lang="en-US" dirty="0" smtClean="0"/>
-              <a:t>.) Begin typing desired text.</a:t>
-            </a:r>
-          </a:p>
-          <a:p>
-            <a:pPr>
-              <a:spcBef>
-                <a:spcPts val="0"/>
-              </a:spcBef>
-              <a:spcAft>
-                <a:spcPts val="0"/>
-              </a:spcAft>
-            </a:pPr>
-            <a:endParaRPr lang="en-US" dirty="0" smtClean="0"/>
-          </a:p>
-          <a:p>
-            <a:pPr lvl="0">
-              <a:spcBef>
-                <a:spcPts val="0"/>
-              </a:spcBef>
-              <a:spcAft>
-                <a:spcPts val="0"/>
-              </a:spcAft>
-            </a:pPr>
-            <a:r>
-              <a:rPr lang="en-US" b="1" dirty="0" smtClean="0">
-                <a:solidFill>
-                  <a:srgbClr val="000000"/>
-                </a:solidFill>
-              </a:rPr>
-              <a:t>To Change Font Color/Size: </a:t>
-            </a:r>
-            <a:endParaRPr lang="en-US" dirty="0" smtClean="0">
-              <a:solidFill>
-                <a:srgbClr val="000000"/>
-              </a:solidFill>
-            </a:endParaRPr>
-          </a:p>
-          <a:p>
-            <a:pPr lvl="0">
-              <a:spcBef>
-                <a:spcPts val="0"/>
-              </a:spcBef>
-              <a:spcAft>
-                <a:spcPts val="0"/>
-              </a:spcAft>
-            </a:pPr>
-            <a:r>
-              <a:rPr lang="en-US" dirty="0" smtClean="0">
-                <a:solidFill>
-                  <a:srgbClr val="000000"/>
-                </a:solidFill>
-              </a:rPr>
-              <a:t>Select text,</a:t>
-            </a:r>
-            <a:r>
-              <a:rPr lang="en-US" baseline="0" dirty="0" smtClean="0">
-                <a:solidFill>
-                  <a:srgbClr val="000000"/>
-                </a:solidFill>
-              </a:rPr>
-              <a:t> </a:t>
-            </a:r>
-            <a:r>
-              <a:rPr lang="en-US" dirty="0" smtClean="0">
-                <a:solidFill>
-                  <a:srgbClr val="000000"/>
-                </a:solidFill>
-              </a:rPr>
-              <a:t>right-click and adjust the font setting on the </a:t>
-            </a:r>
-            <a:r>
-              <a:rPr lang="en-US" i="1" dirty="0" smtClean="0">
-                <a:solidFill>
-                  <a:srgbClr val="000000"/>
-                </a:solidFill>
-              </a:rPr>
-              <a:t>Mini toolbar</a:t>
-            </a:r>
-            <a:r>
-              <a:rPr lang="en-US" dirty="0" smtClean="0">
-                <a:solidFill>
-                  <a:srgbClr val="000000"/>
-                </a:solidFill>
-              </a:rPr>
-              <a:t>.  Select desired attributes to change: font, size, boldness, color, etc.  Note: many of the same commands can also be accessed from the </a:t>
-            </a:r>
-            <a:r>
-              <a:rPr lang="en-US" i="1" dirty="0" smtClean="0">
-                <a:solidFill>
-                  <a:srgbClr val="000000"/>
-                </a:solidFill>
-              </a:rPr>
-              <a:t>Font</a:t>
-            </a:r>
-            <a:r>
-              <a:rPr lang="en-US" dirty="0" smtClean="0">
-                <a:solidFill>
-                  <a:srgbClr val="000000"/>
-                </a:solidFill>
-              </a:rPr>
-              <a:t> group of the </a:t>
-            </a:r>
-            <a:r>
-              <a:rPr lang="en-US" i="1" dirty="0" smtClean="0">
-                <a:solidFill>
-                  <a:srgbClr val="000000"/>
-                </a:solidFill>
-              </a:rPr>
-              <a:t>Home</a:t>
-            </a:r>
-            <a:r>
-              <a:rPr lang="en-US" dirty="0" smtClean="0">
-                <a:solidFill>
-                  <a:srgbClr val="000000"/>
-                </a:solidFill>
-              </a:rPr>
-              <a:t> tab.</a:t>
-            </a:r>
-          </a:p>
-          <a:p>
-            <a:pPr>
-              <a:spcBef>
-                <a:spcPts val="0"/>
-              </a:spcBef>
-              <a:spcAft>
-                <a:spcPts val="0"/>
-              </a:spcAft>
-            </a:pPr>
-            <a:endParaRPr lang="en-US" b="1" dirty="0" smtClean="0"/>
-          </a:p>
-          <a:p>
-            <a:pPr>
-              <a:spcBef>
-                <a:spcPts val="0"/>
-              </a:spcBef>
-              <a:spcAft>
-                <a:spcPts val="0"/>
-              </a:spcAft>
-            </a:pPr>
-            <a:r>
-              <a:rPr lang="en-US" b="1" dirty="0" smtClean="0"/>
-              <a:t>To Change a Shape’s Fill Color:</a:t>
-            </a:r>
-          </a:p>
-          <a:p>
-            <a:pPr marL="0" marR="0" indent="0" algn="l" defTabSz="914400" rtl="0" eaLnBrk="1" fontAlgn="base" latinLnBrk="0" hangingPunct="1">
-              <a:spcBef>
-                <a:spcPts val="0"/>
-              </a:spcBef>
-              <a:spcAft>
-                <a:spcPts val="0"/>
-              </a:spcAft>
-              <a:buClrTx/>
-              <a:buSzTx/>
-              <a:buFontTx/>
-              <a:buNone/>
-              <a:tabLst/>
-              <a:defRPr/>
-            </a:pPr>
-            <a:r>
-              <a:rPr lang="en-US" dirty="0" smtClean="0"/>
-              <a:t>Select the desired object by clicking once</a:t>
-            </a:r>
-            <a:r>
-              <a:rPr lang="en-US" baseline="0" dirty="0" smtClean="0"/>
-              <a:t> on its edge. O</a:t>
-            </a:r>
-            <a:r>
-              <a:rPr lang="en-US" dirty="0" smtClean="0"/>
-              <a:t>n the </a:t>
-            </a:r>
-            <a:r>
-              <a:rPr lang="en-US" i="1" dirty="0" smtClean="0"/>
-              <a:t>Home</a:t>
-            </a:r>
-            <a:r>
-              <a:rPr lang="en-US" dirty="0" smtClean="0"/>
-              <a:t> tab, click the </a:t>
-            </a:r>
-            <a:r>
-              <a:rPr lang="en-US" i="1" dirty="0" smtClean="0"/>
-              <a:t>Shape Fill </a:t>
-            </a:r>
-            <a:r>
-              <a:rPr lang="en-US" dirty="0" smtClean="0"/>
-              <a:t>button within the </a:t>
-            </a:r>
-            <a:r>
-              <a:rPr lang="en-US" i="1" dirty="0" smtClean="0"/>
-              <a:t>Drawing</a:t>
-            </a:r>
-            <a:r>
-              <a:rPr lang="en-US" dirty="0" smtClean="0"/>
-              <a:t> group to select a theme color from the Symantec color palette. </a:t>
-            </a:r>
-          </a:p>
-          <a:p>
-            <a:pPr marL="0" marR="0" indent="0" algn="l" defTabSz="914400" rtl="0" eaLnBrk="1" fontAlgn="base" latinLnBrk="0" hangingPunct="1">
-              <a:spcBef>
-                <a:spcPts val="0"/>
-              </a:spcBef>
-              <a:spcAft>
-                <a:spcPts val="0"/>
-              </a:spcAft>
-              <a:buClrTx/>
-              <a:buSzTx/>
-              <a:buFontTx/>
-              <a:buNone/>
-              <a:tabLst/>
-              <a:defRPr/>
-            </a:pPr>
-            <a:endParaRPr lang="en-US" dirty="0" smtClean="0"/>
-          </a:p>
-          <a:p>
-            <a:pPr>
-              <a:spcBef>
-                <a:spcPts val="0"/>
-              </a:spcBef>
-              <a:spcAft>
-                <a:spcPts val="0"/>
-              </a:spcAft>
-            </a:pPr>
-            <a:endParaRPr lang="en-US" dirty="0" smtClean="0"/>
-          </a:p>
-          <a:p>
-            <a:pPr>
-              <a:spcBef>
-                <a:spcPts val="0"/>
-              </a:spcBef>
-              <a:spcAft>
-                <a:spcPts val="0"/>
-              </a:spcAft>
-            </a:pPr>
-            <a:r>
-              <a:rPr lang="en-US" b="1" dirty="0" smtClean="0"/>
-              <a:t>To Delete a Shape:</a:t>
-            </a:r>
-          </a:p>
-          <a:p>
-            <a:pPr>
-              <a:spcBef>
-                <a:spcPts val="0"/>
-              </a:spcBef>
-              <a:spcAft>
-                <a:spcPts val="0"/>
-              </a:spcAft>
-            </a:pPr>
-            <a:r>
-              <a:rPr lang="en-US" dirty="0" smtClean="0"/>
-              <a:t>Select the desired object by clicking once</a:t>
-            </a:r>
-            <a:r>
-              <a:rPr lang="en-US" baseline="0" dirty="0" smtClean="0"/>
-              <a:t> on its edge. </a:t>
-            </a:r>
-            <a:r>
-              <a:rPr lang="en-US" dirty="0" smtClean="0"/>
-              <a:t>Press the </a:t>
-            </a:r>
-            <a:r>
-              <a:rPr lang="en-US" i="1" dirty="0" smtClean="0"/>
-              <a:t>Delete</a:t>
-            </a:r>
-            <a:r>
-              <a:rPr lang="en-US" dirty="0" smtClean="0"/>
-              <a:t> key</a:t>
-            </a:r>
-            <a:r>
-              <a:rPr lang="en-US" baseline="0" dirty="0" smtClean="0"/>
-              <a:t> on your keyboard.</a:t>
-            </a:r>
-            <a:endParaRPr lang="en-US" dirty="0" smtClean="0"/>
-          </a:p>
-          <a:p>
-            <a:pPr>
-              <a:spcBef>
-                <a:spcPts val="0"/>
-              </a:spcBef>
-              <a:spcAft>
-                <a:spcPts val="0"/>
-              </a:spcAft>
-            </a:pPr>
-            <a:endParaRPr lang="en-US" dirty="0" smtClean="0"/>
-          </a:p>
-          <a:p>
-            <a:pPr>
-              <a:spcBef>
-                <a:spcPts val="0"/>
-              </a:spcBef>
-              <a:spcAft>
-                <a:spcPts val="0"/>
-              </a:spcAft>
-            </a:pPr>
-            <a:r>
-              <a:rPr lang="en-US" b="1" dirty="0" smtClean="0"/>
-              <a:t>To Copy a Text Box or Shape:</a:t>
-            </a:r>
-          </a:p>
-          <a:p>
-            <a:pPr marL="0" marR="0" indent="0" algn="l" defTabSz="914400" rtl="0" eaLnBrk="0" fontAlgn="base" latinLnBrk="0" hangingPunct="0">
-              <a:spcBef>
-                <a:spcPts val="0"/>
-              </a:spcBef>
-              <a:spcAft>
-                <a:spcPts val="0"/>
-              </a:spcAft>
-              <a:buClrTx/>
-              <a:buSzTx/>
-              <a:buFontTx/>
-              <a:buNone/>
-              <a:tabLst/>
-              <a:defRPr/>
-            </a:pPr>
-            <a:r>
-              <a:rPr lang="en-US" kern="1200" dirty="0" smtClean="0">
-                <a:solidFill>
-                  <a:schemeClr val="tx1"/>
-                </a:solidFill>
-              </a:rPr>
-              <a:t>Select the text box or shape.</a:t>
-            </a:r>
-            <a:r>
-              <a:rPr lang="en-US" kern="1200" baseline="0" dirty="0" smtClean="0">
-                <a:solidFill>
-                  <a:schemeClr val="tx1"/>
-                </a:solidFill>
-              </a:rPr>
-              <a:t> </a:t>
-            </a:r>
-            <a:r>
-              <a:rPr lang="en-US" kern="1200" dirty="0" smtClean="0">
-                <a:solidFill>
-                  <a:schemeClr val="tx1"/>
-                </a:solidFill>
-              </a:rPr>
-              <a:t>Note: Make sure to select the entire object, not just the text, by clicking the edge of the text box or shape.</a:t>
-            </a:r>
-          </a:p>
-          <a:p>
-            <a:pPr>
-              <a:spcBef>
-                <a:spcPts val="0"/>
-              </a:spcBef>
-              <a:spcAft>
-                <a:spcPts val="0"/>
-              </a:spcAft>
-            </a:pPr>
-            <a:r>
-              <a:rPr lang="en-US" dirty="0" smtClean="0"/>
-              <a:t>Type </a:t>
-            </a:r>
-            <a:r>
-              <a:rPr lang="en-US" i="1" dirty="0" smtClean="0"/>
-              <a:t>Ctrl C </a:t>
-            </a:r>
-            <a:r>
-              <a:rPr lang="en-US" dirty="0" smtClean="0"/>
-              <a:t>(copy), click outside object, then type </a:t>
-            </a:r>
-            <a:r>
-              <a:rPr lang="en-US" i="1" dirty="0" smtClean="0"/>
-              <a:t>Ctrl V</a:t>
-            </a:r>
-            <a:r>
-              <a:rPr lang="en-US" dirty="0" smtClean="0"/>
-              <a:t> (paste) to place the object. Click and drag the pasted object to desired location.</a:t>
-            </a:r>
-          </a:p>
-        </p:txBody>
-      </p:sp>
-      <p:sp>
-        <p:nvSpPr>
-          <p:cNvPr id="6" name="Slide Image Placeholder 5"/>
+          <p:cNvPr id="2" name="Slide Image Placeholder 1"/>
           <p:cNvSpPr>
             <a:spLocks noGrp="1" noRot="1" noChangeAspect="1"/>
           </p:cNvSpPr>
@@ -1520,7 +1032,76 @@
           </a:xfrm>
         </p:spPr>
       </p:sp>
+      <p:sp>
+        <p:nvSpPr>
+          <p:cNvPr id="3" name="Notes Placeholder 2"/>
+          <p:cNvSpPr>
+            <a:spLocks noGrp="1"/>
+          </p:cNvSpPr>
+          <p:nvPr>
+            <p:ph type="body" idx="1"/>
+          </p:nvPr>
+        </p:nvSpPr>
+        <p:spPr/>
+        <p:txBody>
+          <a:bodyPr/>
+          <a:lstStyle/>
+          <a:p>
+            <a:r>
+              <a:rPr lang="en-US" dirty="0" smtClean="0"/>
+              <a:t>We prefer Maven</a:t>
+            </a:r>
+            <a:r>
+              <a:rPr lang="en-US" baseline="0" dirty="0" smtClean="0"/>
+              <a:t> as our project building tool in new architecture. So we’d better know how to integrate </a:t>
+            </a:r>
+            <a:r>
+              <a:rPr lang="en-US" baseline="0" dirty="0" err="1" smtClean="0"/>
+              <a:t>JSHint</a:t>
+            </a:r>
+            <a:r>
+              <a:rPr lang="en-US" baseline="0" dirty="0" smtClean="0"/>
+              <a:t> with Maven. </a:t>
+            </a:r>
+            <a:endParaRPr lang="en-US" dirty="0"/>
+          </a:p>
+        </p:txBody>
+      </p:sp>
+      <p:sp>
+        <p:nvSpPr>
+          <p:cNvPr id="4" name="Slide Number Placeholder 3"/>
+          <p:cNvSpPr>
+            <a:spLocks noGrp="1"/>
+          </p:cNvSpPr>
+          <p:nvPr>
+            <p:ph type="sldNum" sz="quarter" idx="10"/>
+          </p:nvPr>
+        </p:nvSpPr>
+        <p:spPr/>
+        <p:txBody>
+          <a:bodyPr/>
+          <a:lstStyle/>
+          <a:p>
+            <a:pPr>
+              <a:defRPr/>
+            </a:pPr>
+            <a:fld id="{CEA96130-80FE-450A-9D6E-2375B464A403}" type="slidenum">
+              <a:rPr lang="en-US" smtClean="0"/>
+              <a:pPr>
+                <a:defRPr/>
+              </a:pPr>
+              <a:t>16</a:t>
+            </a:fld>
+            <a:endParaRPr lang="en-US" dirty="0"/>
+          </a:p>
+        </p:txBody>
+      </p:sp>
     </p:spTree>
+    <p:extLst>
+      <p:ext uri="{BB962C8B-B14F-4D97-AF65-F5344CB8AC3E}">
+        <p14:creationId xmlns:p14="http://schemas.microsoft.com/office/powerpoint/2010/main" val="1170059121"/>
+      </p:ext>
+    </p:extLst>
   </p:cSld>
   <p:clrMapOvr>
     <a:masterClrMapping/>
@@ -1547,7 +1128,501 @@
       </p:grpSpPr>
       <p:sp>
         <p:nvSpPr>
-          <p:cNvPr id="2" name="Slide Image Placeholder 1"/>
+          <p:cNvPr id="54274" name="Rectangle 7"/>
+          <p:cNvSpPr>
+            <a:spLocks noGrp="1" noChangeArrowheads="1"/>
+          </p:cNvSpPr>
+          <p:nvPr>
+            <p:ph type="sldNum" sz="quarter" idx="5"/>
+          </p:nvPr>
+        </p:nvSpPr>
+        <p:spPr>
+          <a:noFill/>
+        </p:spPr>
+        <p:txBody>
+          <a:bodyPr/>
+          <a:lstStyle/>
+          <a:p>
+            <a:fld id="{6698ED02-3EBA-4AEA-92C7-B8D5D775CAF5}" type="slidenum">
+              <a:rPr lang="en-US" smtClean="0"/>
+              <a:pPr/>
+              <a:t>18</a:t>
+            </a:fld>
+            <a:endParaRPr lang="en-US" smtClean="0"/>
+          </a:p>
+        </p:txBody>
+      </p:sp>
+      <p:sp>
+        <p:nvSpPr>
+          <p:cNvPr id="5" name="Notes Placeholder 4"/>
+          <p:cNvSpPr>
+            <a:spLocks noGrp="1"/>
+          </p:cNvSpPr>
+          <p:nvPr>
+            <p:ph type="body" sz="quarter" idx="10"/>
+          </p:nvPr>
+        </p:nvSpPr>
+        <p:spPr/>
+        <p:txBody>
+          <a:bodyPr>
+            <a:normAutofit/>
+          </a:bodyPr>
+          <a:lstStyle/>
+          <a:p>
+            <a:pPr>
+              <a:spcBef>
+                <a:spcPts val="0"/>
+              </a:spcBef>
+              <a:spcAft>
+                <a:spcPts val="0"/>
+              </a:spcAft>
+            </a:pPr>
+            <a:r>
+              <a:rPr lang="en-US" dirty="0" smtClean="0"/>
+              <a:t>This is a sample </a:t>
+            </a:r>
+            <a:r>
+              <a:rPr lang="en-US" b="1" dirty="0" smtClean="0"/>
+              <a:t>Agenda/Preview</a:t>
+            </a:r>
+            <a:r>
+              <a:rPr lang="en-US" dirty="0" smtClean="0"/>
+              <a:t> slide. This slide is ideal for </a:t>
+            </a:r>
+            <a:r>
+              <a:rPr lang="en-US" i="1" dirty="0" smtClean="0"/>
+              <a:t>setting the scene </a:t>
+            </a:r>
+            <a:r>
+              <a:rPr lang="en-US" dirty="0" smtClean="0"/>
+              <a:t>at the beginning of your presentation by providing a big picture overview of what you plan to cover. </a:t>
+            </a:r>
+          </a:p>
+          <a:p>
+            <a:pPr>
+              <a:spcBef>
+                <a:spcPts val="0"/>
+              </a:spcBef>
+              <a:spcAft>
+                <a:spcPts val="0"/>
+              </a:spcAft>
+            </a:pPr>
+            <a:endParaRPr lang="en-US" b="1" dirty="0" smtClean="0"/>
+          </a:p>
+          <a:p>
+            <a:pPr>
+              <a:spcBef>
+                <a:spcPts val="0"/>
+              </a:spcBef>
+              <a:spcAft>
+                <a:spcPts val="0"/>
+              </a:spcAft>
+            </a:pPr>
+            <a:r>
+              <a:rPr lang="en-US" b="1" dirty="0" smtClean="0"/>
+              <a:t>To Change Titles in Shapes (i.e.: “Text here”):</a:t>
+            </a:r>
+          </a:p>
+          <a:p>
+            <a:pPr>
+              <a:spcBef>
+                <a:spcPts val="0"/>
+              </a:spcBef>
+              <a:spcAft>
+                <a:spcPts val="0"/>
+              </a:spcAft>
+            </a:pPr>
+            <a:r>
+              <a:rPr lang="en-US" dirty="0" smtClean="0"/>
+              <a:t>Select text. (Optional:</a:t>
+            </a:r>
+            <a:r>
+              <a:rPr lang="en-US" baseline="0" dirty="0" smtClean="0"/>
+              <a:t> </a:t>
+            </a:r>
+            <a:r>
+              <a:rPr lang="en-US" dirty="0" smtClean="0"/>
+              <a:t>Press </a:t>
+            </a:r>
+            <a:r>
+              <a:rPr lang="en-US" i="1" dirty="0" smtClean="0"/>
+              <a:t>Delete</a:t>
+            </a:r>
+            <a:r>
+              <a:rPr lang="en-US" dirty="0" smtClean="0"/>
+              <a:t>.) Begin typing desired text.</a:t>
+            </a:r>
+          </a:p>
+          <a:p>
+            <a:pPr>
+              <a:spcBef>
+                <a:spcPts val="0"/>
+              </a:spcBef>
+              <a:spcAft>
+                <a:spcPts val="0"/>
+              </a:spcAft>
+            </a:pPr>
+            <a:endParaRPr lang="en-US" dirty="0" smtClean="0"/>
+          </a:p>
+          <a:p>
+            <a:pPr lvl="0">
+              <a:spcBef>
+                <a:spcPts val="0"/>
+              </a:spcBef>
+              <a:spcAft>
+                <a:spcPts val="0"/>
+              </a:spcAft>
+            </a:pPr>
+            <a:r>
+              <a:rPr lang="en-US" b="1" dirty="0" smtClean="0">
+                <a:solidFill>
+                  <a:srgbClr val="000000"/>
+                </a:solidFill>
+              </a:rPr>
+              <a:t>To Change Font Color/Size: </a:t>
+            </a:r>
+            <a:endParaRPr lang="en-US" dirty="0" smtClean="0">
+              <a:solidFill>
+                <a:srgbClr val="000000"/>
+              </a:solidFill>
+            </a:endParaRPr>
+          </a:p>
+          <a:p>
+            <a:pPr lvl="0">
+              <a:spcBef>
+                <a:spcPts val="0"/>
+              </a:spcBef>
+              <a:spcAft>
+                <a:spcPts val="0"/>
+              </a:spcAft>
+            </a:pPr>
+            <a:r>
+              <a:rPr lang="en-US" dirty="0" smtClean="0">
+                <a:solidFill>
+                  <a:srgbClr val="000000"/>
+                </a:solidFill>
+              </a:rPr>
+              <a:t>Select text,</a:t>
+            </a:r>
+            <a:r>
+              <a:rPr lang="en-US" baseline="0" dirty="0" smtClean="0">
+                <a:solidFill>
+                  <a:srgbClr val="000000"/>
+                </a:solidFill>
+              </a:rPr>
+              <a:t> </a:t>
+            </a:r>
+            <a:r>
+              <a:rPr lang="en-US" dirty="0" smtClean="0">
+                <a:solidFill>
+                  <a:srgbClr val="000000"/>
+                </a:solidFill>
+              </a:rPr>
+              <a:t>right-click and adjust the font setting on the </a:t>
+            </a:r>
+            <a:r>
+              <a:rPr lang="en-US" i="1" dirty="0" smtClean="0">
+                <a:solidFill>
+                  <a:srgbClr val="000000"/>
+                </a:solidFill>
+              </a:rPr>
+              <a:t>Mini toolbar</a:t>
+            </a:r>
+            <a:r>
+              <a:rPr lang="en-US" dirty="0" smtClean="0">
+                <a:solidFill>
+                  <a:srgbClr val="000000"/>
+                </a:solidFill>
+              </a:rPr>
+              <a:t>.  Select desired attributes to change: font, size, boldness, color, etc.  Note: many of the same commands can also be accessed from the </a:t>
+            </a:r>
+            <a:r>
+              <a:rPr lang="en-US" i="1" dirty="0" smtClean="0">
+                <a:solidFill>
+                  <a:srgbClr val="000000"/>
+                </a:solidFill>
+              </a:rPr>
+              <a:t>Font</a:t>
+            </a:r>
+            <a:r>
+              <a:rPr lang="en-US" dirty="0" smtClean="0">
+                <a:solidFill>
+                  <a:srgbClr val="000000"/>
+                </a:solidFill>
+              </a:rPr>
+              <a:t> group of the </a:t>
+            </a:r>
+            <a:r>
+              <a:rPr lang="en-US" i="1" dirty="0" smtClean="0">
+                <a:solidFill>
+                  <a:srgbClr val="000000"/>
+                </a:solidFill>
+              </a:rPr>
+              <a:t>Home</a:t>
+            </a:r>
+            <a:r>
+              <a:rPr lang="en-US" dirty="0" smtClean="0">
+                <a:solidFill>
+                  <a:srgbClr val="000000"/>
+                </a:solidFill>
+              </a:rPr>
+              <a:t> tab.</a:t>
+            </a:r>
+          </a:p>
+          <a:p>
+            <a:pPr>
+              <a:spcBef>
+                <a:spcPts val="0"/>
+              </a:spcBef>
+              <a:spcAft>
+                <a:spcPts val="0"/>
+              </a:spcAft>
+            </a:pPr>
+            <a:endParaRPr lang="en-US" b="1" dirty="0" smtClean="0"/>
+          </a:p>
+          <a:p>
+            <a:pPr>
+              <a:spcBef>
+                <a:spcPts val="0"/>
+              </a:spcBef>
+              <a:spcAft>
+                <a:spcPts val="0"/>
+              </a:spcAft>
+            </a:pPr>
+            <a:r>
+              <a:rPr lang="en-US" b="1" dirty="0" smtClean="0"/>
+              <a:t>To Change a Shape’s Fill Color:</a:t>
+            </a:r>
+          </a:p>
+          <a:p>
+            <a:pPr marL="0" marR="0" indent="0" algn="l" defTabSz="914400" rtl="0" eaLnBrk="1" fontAlgn="base" latinLnBrk="0" hangingPunct="1">
+              <a:spcBef>
+                <a:spcPts val="0"/>
+              </a:spcBef>
+              <a:spcAft>
+                <a:spcPts val="0"/>
+              </a:spcAft>
+              <a:buClrTx/>
+              <a:buSzTx/>
+              <a:buFontTx/>
+              <a:buNone/>
+              <a:tabLst/>
+              <a:defRPr/>
+            </a:pPr>
+            <a:r>
+              <a:rPr lang="en-US" dirty="0" smtClean="0"/>
+              <a:t>Select the desired object by clicking once</a:t>
+            </a:r>
+            <a:r>
+              <a:rPr lang="en-US" baseline="0" dirty="0" smtClean="0"/>
+              <a:t> on its edge. O</a:t>
+            </a:r>
+            <a:r>
+              <a:rPr lang="en-US" dirty="0" smtClean="0"/>
+              <a:t>n the </a:t>
+            </a:r>
+            <a:r>
+              <a:rPr lang="en-US" i="1" dirty="0" smtClean="0"/>
+              <a:t>Home</a:t>
+            </a:r>
+            <a:r>
+              <a:rPr lang="en-US" dirty="0" smtClean="0"/>
+              <a:t> tab, click the </a:t>
+            </a:r>
+            <a:r>
+              <a:rPr lang="en-US" i="1" dirty="0" smtClean="0"/>
+              <a:t>Shape Fill </a:t>
+            </a:r>
+            <a:r>
+              <a:rPr lang="en-US" dirty="0" smtClean="0"/>
+              <a:t>button within the </a:t>
+            </a:r>
+            <a:r>
+              <a:rPr lang="en-US" i="1" dirty="0" smtClean="0"/>
+              <a:t>Drawing</a:t>
+            </a:r>
+            <a:r>
+              <a:rPr lang="en-US" dirty="0" smtClean="0"/>
+              <a:t> group to select a theme color from the Symantec color palette. </a:t>
+            </a:r>
+          </a:p>
+          <a:p>
+            <a:pPr marL="0" marR="0" indent="0" algn="l" defTabSz="914400" rtl="0" eaLnBrk="1" fontAlgn="base" latinLnBrk="0" hangingPunct="1">
+              <a:spcBef>
+                <a:spcPts val="0"/>
+              </a:spcBef>
+              <a:spcAft>
+                <a:spcPts val="0"/>
+              </a:spcAft>
+              <a:buClrTx/>
+              <a:buSzTx/>
+              <a:buFontTx/>
+              <a:buNone/>
+              <a:tabLst/>
+              <a:defRPr/>
+            </a:pPr>
+            <a:endParaRPr lang="en-US" dirty="0" smtClean="0"/>
+          </a:p>
+          <a:p>
+            <a:pPr>
+              <a:spcBef>
+                <a:spcPts val="0"/>
+              </a:spcBef>
+              <a:spcAft>
+                <a:spcPts val="0"/>
+              </a:spcAft>
+            </a:pPr>
+            <a:endParaRPr lang="en-US" dirty="0" smtClean="0"/>
+          </a:p>
+          <a:p>
+            <a:pPr>
+              <a:spcBef>
+                <a:spcPts val="0"/>
+              </a:spcBef>
+              <a:spcAft>
+                <a:spcPts val="0"/>
+              </a:spcAft>
+            </a:pPr>
+            <a:r>
+              <a:rPr lang="en-US" b="1" dirty="0" smtClean="0"/>
+              <a:t>To Delete a Shape:</a:t>
+            </a:r>
+          </a:p>
+          <a:p>
+            <a:pPr>
+              <a:spcBef>
+                <a:spcPts val="0"/>
+              </a:spcBef>
+              <a:spcAft>
+                <a:spcPts val="0"/>
+              </a:spcAft>
+            </a:pPr>
+            <a:r>
+              <a:rPr lang="en-US" dirty="0" smtClean="0"/>
+              <a:t>Select the desired object by clicking once</a:t>
+            </a:r>
+            <a:r>
+              <a:rPr lang="en-US" baseline="0" dirty="0" smtClean="0"/>
+              <a:t> on its edge. </a:t>
+            </a:r>
+            <a:r>
+              <a:rPr lang="en-US" dirty="0" smtClean="0"/>
+              <a:t>Press the </a:t>
+            </a:r>
+            <a:r>
+              <a:rPr lang="en-US" i="1" dirty="0" smtClean="0"/>
+              <a:t>Delete</a:t>
+            </a:r>
+            <a:r>
+              <a:rPr lang="en-US" dirty="0" smtClean="0"/>
+              <a:t> key</a:t>
+            </a:r>
+            <a:r>
+              <a:rPr lang="en-US" baseline="0" dirty="0" smtClean="0"/>
+              <a:t> on your keyboard.</a:t>
+            </a:r>
+            <a:endParaRPr lang="en-US" dirty="0" smtClean="0"/>
+          </a:p>
+          <a:p>
+            <a:pPr>
+              <a:spcBef>
+                <a:spcPts val="0"/>
+              </a:spcBef>
+              <a:spcAft>
+                <a:spcPts val="0"/>
+              </a:spcAft>
+            </a:pPr>
+            <a:endParaRPr lang="en-US" dirty="0" smtClean="0"/>
+          </a:p>
+          <a:p>
+            <a:pPr>
+              <a:spcBef>
+                <a:spcPts val="0"/>
+              </a:spcBef>
+              <a:spcAft>
+                <a:spcPts val="0"/>
+              </a:spcAft>
+            </a:pPr>
+            <a:r>
+              <a:rPr lang="en-US" b="1" dirty="0" smtClean="0"/>
+              <a:t>To Copy a Text Box or Shape:</a:t>
+            </a:r>
+          </a:p>
+          <a:p>
+            <a:pPr marL="0" marR="0" indent="0" algn="l" defTabSz="914400" rtl="0" eaLnBrk="0" fontAlgn="base" latinLnBrk="0" hangingPunct="0">
+              <a:spcBef>
+                <a:spcPts val="0"/>
+              </a:spcBef>
+              <a:spcAft>
+                <a:spcPts val="0"/>
+              </a:spcAft>
+              <a:buClrTx/>
+              <a:buSzTx/>
+              <a:buFontTx/>
+              <a:buNone/>
+              <a:tabLst/>
+              <a:defRPr/>
+            </a:pPr>
+            <a:r>
+              <a:rPr lang="en-US" kern="1200" dirty="0" smtClean="0">
+                <a:solidFill>
+                  <a:schemeClr val="tx1"/>
+                </a:solidFill>
+              </a:rPr>
+              <a:t>Select the text box or shape.</a:t>
+            </a:r>
+            <a:r>
+              <a:rPr lang="en-US" kern="1200" baseline="0" dirty="0" smtClean="0">
+                <a:solidFill>
+                  <a:schemeClr val="tx1"/>
+                </a:solidFill>
+              </a:rPr>
+              <a:t> </a:t>
+            </a:r>
+            <a:r>
+              <a:rPr lang="en-US" kern="1200" dirty="0" smtClean="0">
+                <a:solidFill>
+                  <a:schemeClr val="tx1"/>
+                </a:solidFill>
+              </a:rPr>
+              <a:t>Note: Make sure to select the entire object, not just the text, by clicking the edge of the text box or shape.</a:t>
+            </a:r>
+          </a:p>
+          <a:p>
+            <a:pPr>
+              <a:spcBef>
+                <a:spcPts val="0"/>
+              </a:spcBef>
+              <a:spcAft>
+                <a:spcPts val="0"/>
+              </a:spcAft>
+            </a:pPr>
+            <a:r>
+              <a:rPr lang="en-US" dirty="0" smtClean="0"/>
+              <a:t>Type </a:t>
+            </a:r>
+            <a:r>
+              <a:rPr lang="en-US" i="1" dirty="0" smtClean="0"/>
+              <a:t>Ctrl C </a:t>
+            </a:r>
+            <a:r>
+              <a:rPr lang="en-US" dirty="0" smtClean="0"/>
+              <a:t>(copy), click outside object, then type </a:t>
+            </a:r>
+            <a:r>
+              <a:rPr lang="en-US" i="1" dirty="0" smtClean="0"/>
+              <a:t>Ctrl V</a:t>
+            </a:r>
+            <a:r>
+              <a:rPr lang="en-US" dirty="0" smtClean="0"/>
+              <a:t> (paste) to place the object. Click and drag the pasted object to desired location.</a:t>
+            </a:r>
+          </a:p>
+        </p:txBody>
+      </p:sp>
+      <p:sp>
+        <p:nvSpPr>
+          <p:cNvPr id="6" name="Slide Image Placeholder 5"/>
           <p:cNvSpPr>
             <a:spLocks noGrp="1" noRot="1" noChangeAspect="1"/>
           </p:cNvSpPr>
@@ -1562,6 +1637,48 @@
           </a:xfrm>
         </p:spPr>
       </p:sp>
+    </p:spTree>
+  </p:cSld>
+  <p:clrMapOvr>
+    <a:masterClrMapping/>
+  </p:clrMapOvr>
+</p:notes>
+</file>
+
+<file path=ppt/notesSlides/notesSlide13.xml><?xml version="1.0" encoding="utf-8"?>
+<p:notes xmlns:a="http://schemas.openxmlformats.org/drawingml/2006/main" xmlns:r="http://schemas.openxmlformats.org/officeDocument/2006/relationships" xmlns:p="http://schemas.openxmlformats.org/presentationml/2006/main">
+  <p:cSld>
+    <p:spTree>
+      <p:nvGrpSpPr>
+        <p:cNvPr id="1" name=""/>
+        <p:cNvGrpSpPr/>
+        <p:nvPr/>
+      </p:nvGrpSpPr>
+      <p:grpSpPr>
+        <a:xfrm>
+          <a:off x="0" y="0"/>
+          <a:ext cx="0" cy="0"/>
+          <a:chOff x="0" y="0"/>
+          <a:chExt cx="0" cy="0"/>
+        </a:xfrm>
+      </p:grpSpPr>
+      <p:sp>
+        <p:nvSpPr>
+          <p:cNvPr id="2" name="Slide Image Placeholder 1"/>
+          <p:cNvSpPr>
+            <a:spLocks noGrp="1" noRot="1" noChangeAspect="1"/>
+          </p:cNvSpPr>
+          <p:nvPr>
+            <p:ph type="sldImg"/>
+          </p:nvPr>
+        </p:nvSpPr>
+        <p:spPr>
+          <a:xfrm>
+            <a:off x="1558925" y="284163"/>
+            <a:ext cx="3740150" cy="2805112"/>
+          </a:xfrm>
+        </p:spPr>
+      </p:sp>
       <p:sp>
         <p:nvSpPr>
           <p:cNvPr id="3" name="Notes Placeholder 2"/>
@@ -1574,12 +1691,26 @@
         </p:nvSpPr>
         <p:spPr/>
         <p:txBody>
-          <a:bodyPr>
-            <a:normAutofit/>
-          </a:bodyPr>
+          <a:bodyPr/>
           <a:lstStyle/>
           <a:p>
-            <a:endParaRPr lang="en-US"/>
+            <a:r>
+              <a:rPr lang="en-US" dirty="0" smtClean="0"/>
+              <a:t>Currently,</a:t>
+            </a:r>
+            <a:r>
+              <a:rPr lang="en-US" baseline="0" dirty="0" smtClean="0"/>
+              <a:t> we are using Jenkins as our CI server. </a:t>
+            </a:r>
+            <a:r>
+              <a:rPr lang="en-US" baseline="0" dirty="0" err="1" smtClean="0"/>
+              <a:t>JSHint</a:t>
+            </a:r>
+            <a:r>
+              <a:rPr lang="en-US" baseline="0" dirty="0" smtClean="0"/>
+              <a:t> also provides a plugin to integrate with Jenkins.</a:t>
+            </a:r>
+            <a:endParaRPr lang="en-US" dirty="0"/>
           </a:p>
         </p:txBody>
       </p:sp>
@@ -1606,13 +1737,18 @@
               <a:pPr>
                 <a:defRPr/>
               </a:pPr>
-              <a:t>18</a:t>
+              <a:t>19</a:t>
             </a:fld>
             <a:endParaRPr lang="en-US" dirty="0"/>
           </a:p>
         </p:txBody>
       </p:sp>
     </p:spTree>
+    <p:extLst>
+      <p:ext uri="{BB962C8B-B14F-4D97-AF65-F5344CB8AC3E}">
+        <p14:creationId xmlns:p14="http://schemas.microsoft.com/office/powerpoint/2010/main" val="4053427200"/>
+      </p:ext>
+    </p:extLst>
   </p:cSld>
   <p:clrMapOvr>
     <a:masterClrMapping/>
@@ -1780,11 +1916,7 @@
             </a:r>
             <a:r>
               <a:rPr lang="en-US" dirty="0" smtClean="0"/>
-              <a:t> </a:t>
-            </a:r>
-            <a:r>
-              <a:rPr lang="en-US" dirty="0" smtClean="0"/>
-              <a:t>code. It is very flexible so you can easily adjust it to your particular coding guidelines and the environment you expect your code to execute in.</a:t>
+              <a:t> code. It is very flexible so you can easily adjust it to your particular coding guidelines and the environment you expect your code to execute in.</a:t>
             </a:r>
             <a:endParaRPr lang="en-US" dirty="0"/>
           </a:p>
@@ -3310,11 +3442,7 @@
             </a:r>
             <a:r>
               <a:rPr lang="en-US" dirty="0" smtClean="0"/>
-              <a:t>: </a:t>
-            </a:r>
-            <a:r>
-              <a:rPr lang="en-US" dirty="0" smtClean="0"/>
-              <a:t>When set to true, these options will make </a:t>
+              <a:t>: When set to true, these options will make </a:t>
             </a:r>
             <a:r>
               <a:rPr lang="en-US" dirty="0" err="1" smtClean="0"/>
@@ -3324,7 +3452,6 @@
               <a:rPr lang="en-US" dirty="0" smtClean="0"/>
               <a:t> produce fewer warnings about your code.</a:t>
             </a:r>
-            <a:endParaRPr lang="en-US" dirty="0" smtClean="0"/>
           </a:p>
           <a:p>
             <a:r>
@@ -3333,11 +3460,7 @@
             </a:r>
             <a:r>
               <a:rPr lang="en-US" dirty="0" smtClean="0"/>
-              <a:t>:  </a:t>
-            </a:r>
-            <a:r>
-              <a:rPr lang="en-US" dirty="0" smtClean="0"/>
-              <a:t>These options let </a:t>
+              <a:t>:  These options let </a:t>
             </a:r>
             <a:r>
               <a:rPr lang="en-US" dirty="0" err="1" smtClean="0"/>
@@ -9832,7 +9955,6 @@
               <a:rPr lang="en-US" sz="2400" dirty="0"/>
               <a:t> code standard</a:t>
             </a:r>
-            <a:endParaRPr lang="en-US" sz="2400" dirty="0"/>
           </a:p>
         </p:txBody>
       </p:sp>
@@ -11061,13 +11183,6 @@
               </a:rPr>
               <a:t>3</a:t>
             </a:r>
-            <a:endParaRPr lang="en-US" b="1" dirty="0">
-              <a:solidFill>
-                <a:schemeClr val="accent2"/>
-              </a:solidFill>
-              <a:latin typeface="Calibri" pitchFamily="34" charset="0"/>
-              <a:cs typeface="Calibri" pitchFamily="34" charset="0"/>
-            </a:endParaRPr>
           </a:p>
         </p:txBody>
       </p:sp>
@@ -11204,13 +11319,6 @@
               </a:rPr>
               <a:t>4</a:t>
             </a:r>
-            <a:endParaRPr lang="en-US" b="1" dirty="0">
-              <a:solidFill>
-                <a:schemeClr val="accent2"/>
-              </a:solidFill>
-              <a:latin typeface="Calibri" pitchFamily="34" charset="0"/>
-              <a:cs typeface="Calibri" pitchFamily="34" charset="0"/>
-            </a:endParaRPr>
           </a:p>
         </p:txBody>
       </p:sp>
@@ -11329,13 +11437,6 @@
               </a:rPr>
               <a:t>5</a:t>
             </a:r>
-            <a:endParaRPr lang="en-US" b="1" dirty="0">
-              <a:solidFill>
-                <a:schemeClr val="accent2"/>
-              </a:solidFill>
-              <a:latin typeface="Calibri" pitchFamily="34" charset="0"/>
-              <a:cs typeface="Calibri" pitchFamily="34" charset="0"/>
-            </a:endParaRPr>
           </a:p>
         </p:txBody>
       </p:sp>
@@ -11379,6 +11480,373 @@
       </p:grpSpPr>
       <p:sp>
         <p:nvSpPr>
+          <p:cNvPr id="2" name="Title 1"/>
+          <p:cNvSpPr>
+            <a:spLocks noGrp="1"/>
+          </p:cNvSpPr>
+          <p:nvPr>
+            <p:ph type="title"/>
+          </p:nvPr>
+        </p:nvSpPr>
+        <p:spPr/>
+        <p:txBody>
+          <a:bodyPr/>
+          <a:lstStyle/>
+          <a:p>
+            <a:r>
+              <a:rPr lang="en-US" dirty="0" smtClean="0"/>
+              <a:t>Integrate </a:t>
+            </a:r>
+            <a:r>
+              <a:rPr lang="en-US" dirty="0" err="1" smtClean="0"/>
+              <a:t>JSHint</a:t>
+            </a:r>
+            <a:r>
+              <a:rPr lang="en-US" dirty="0" smtClean="0"/>
+              <a:t> with Maven</a:t>
+            </a:r>
+            <a:endParaRPr lang="en-US" dirty="0"/>
+          </a:p>
+        </p:txBody>
+      </p:sp>
+      <p:sp>
+        <p:nvSpPr>
+          <p:cNvPr id="3" name="Content Placeholder 2"/>
+          <p:cNvSpPr>
+            <a:spLocks noGrp="1"/>
+          </p:cNvSpPr>
+          <p:nvPr>
+            <p:ph idx="1"/>
+          </p:nvPr>
+        </p:nvSpPr>
+        <p:spPr/>
+        <p:txBody>
+          <a:bodyPr/>
+          <a:lstStyle/>
+          <a:p>
+            <a:r>
+              <a:rPr lang="en-US" sz="2800" b="1" dirty="0" err="1"/>
+              <a:t>j</a:t>
+            </a:r>
+            <a:r>
+              <a:rPr lang="en-US" sz="2800" b="1" dirty="0" err="1" smtClean="0"/>
+              <a:t>shint</a:t>
+            </a:r>
+            <a:r>
+              <a:rPr lang="en-US" sz="2800" b="1" dirty="0" smtClean="0"/>
+              <a:t>-mojo</a:t>
+            </a:r>
+            <a:r>
+              <a:rPr lang="en-US" dirty="0" smtClean="0"/>
+              <a:t> is a </a:t>
+            </a:r>
+            <a:r>
+              <a:rPr lang="en-US" dirty="0"/>
+              <a:t>recommended plugin for </a:t>
+            </a:r>
+            <a:r>
+              <a:rPr lang="en-US" dirty="0" smtClean="0"/>
+              <a:t>Maven.</a:t>
+            </a:r>
+          </a:p>
+          <a:p>
+            <a:endParaRPr lang="en-US" dirty="0"/>
+          </a:p>
+        </p:txBody>
+      </p:sp>
+      <p:sp>
+        <p:nvSpPr>
+          <p:cNvPr id="4" name="Footer Placeholder 3"/>
+          <p:cNvSpPr>
+            <a:spLocks noGrp="1"/>
+          </p:cNvSpPr>
+          <p:nvPr>
+            <p:ph type="ftr" sz="quarter" idx="10"/>
+          </p:nvPr>
+        </p:nvSpPr>
+        <p:spPr/>
+        <p:txBody>
+          <a:bodyPr/>
+          <a:lstStyle/>
+          <a:p>
+            <a:pPr>
+              <a:defRPr/>
+            </a:pPr>
+            <a:r>
+              <a:rPr lang="en-US" smtClean="0"/>
+              <a:t>Presentation Identifier Goes Here</a:t>
+            </a:r>
+            <a:endParaRPr lang="en-US"/>
+          </a:p>
+        </p:txBody>
+      </p:sp>
+      <p:sp>
+        <p:nvSpPr>
+          <p:cNvPr id="5" name="Slide Number Placeholder 4"/>
+          <p:cNvSpPr>
+            <a:spLocks noGrp="1"/>
+          </p:cNvSpPr>
+          <p:nvPr>
+            <p:ph type="sldNum" sz="quarter" idx="11"/>
+          </p:nvPr>
+        </p:nvSpPr>
+        <p:spPr/>
+        <p:txBody>
+          <a:bodyPr/>
+          <a:lstStyle/>
+          <a:p>
+            <a:pPr>
+              <a:defRPr/>
+            </a:pPr>
+            <a:fld id="{446C9BED-6FD4-4BA4-B6B0-4A26058AC9EF}" type="slidenum">
+              <a:rPr lang="en-US" smtClean="0"/>
+              <a:pPr>
+                <a:defRPr/>
+              </a:pPr>
+              <a:t>16</a:t>
+            </a:fld>
+            <a:endParaRPr lang="en-US" dirty="0"/>
+          </a:p>
+        </p:txBody>
+      </p:sp>
+      <p:pic>
+        <p:nvPicPr>
+          <p:cNvPr id="6" name="Picture 5" descr="cid:image003.png@01D037D6.802EBCA0"/>
+          <p:cNvPicPr/>
+          <p:nvPr/>
+        </p:nvPicPr>
+        <p:blipFill>
+          <a:blip r:embed="rId3" r:link="rId4">
+            <a:extLst>
+              <a:ext uri="{28A0092B-C50C-407E-A947-70E740481C1C}">
+                <a14:useLocalDpi xmlns:a14="http://schemas.microsoft.com/office/drawing/2010/main" val="0"/>
+              </a:ext>
+            </a:extLst>
+          </a:blip>
+          <a:srcRect/>
+          <a:stretch>
+            <a:fillRect/>
+          </a:stretch>
+        </p:blipFill>
+        <p:spPr bwMode="auto">
+          <a:xfrm>
+            <a:off x="609600" y="2362200"/>
+            <a:ext cx="6629400" cy="2057400"/>
+          </a:xfrm>
+          <a:prstGeom prst="rect">
+            <a:avLst/>
+          </a:prstGeom>
+          <a:noFill/>
+          <a:ln>
+            <a:noFill/>
+          </a:ln>
+        </p:spPr>
+      </p:pic>
+    </p:spTree>
+    <p:extLst>
+      <p:ext uri="{BB962C8B-B14F-4D97-AF65-F5344CB8AC3E}">
+        <p14:creationId xmlns:p14="http://schemas.microsoft.com/office/powerpoint/2010/main" val="3333707071"/>
+      </p:ext>
+    </p:extLst>
+  </p:cSld>
+  <p:clrMapOvr>
+    <a:masterClrMapping/>
+  </p:clrMapOvr>
+  <p:timing>
+    <p:tnLst>
+      <p:par>
+        <p:cTn id="1" dur="indefinite" restart="never" nodeType="tmRoot"/>
+      </p:par>
+    </p:tnLst>
+  </p:timing>
+</p:sld>
+</file>
+
+<file path=ppt/slides/slide17.xml><?xml version="1.0" encoding="utf-8"?>
+<p:sld xmlns:a="http://schemas.openxmlformats.org/drawingml/2006/main" xmlns:r="http://schemas.openxmlformats.org/officeDocument/2006/relationships" xmlns:p="http://schemas.openxmlformats.org/presentationml/2006/main">
+  <p:cSld>
+    <p:spTree>
+      <p:nvGrpSpPr>
+        <p:cNvPr id="1" name=""/>
+        <p:cNvGrpSpPr/>
+        <p:nvPr/>
+      </p:nvGrpSpPr>
+      <p:grpSpPr>
+        <a:xfrm>
+          <a:off x="0" y="0"/>
+          <a:ext cx="0" cy="0"/>
+          <a:chOff x="0" y="0"/>
+          <a:chExt cx="0" cy="0"/>
+        </a:xfrm>
+      </p:grpSpPr>
+      <p:sp>
+        <p:nvSpPr>
+          <p:cNvPr id="2" name="Title 1"/>
+          <p:cNvSpPr>
+            <a:spLocks noGrp="1"/>
+          </p:cNvSpPr>
+          <p:nvPr>
+            <p:ph type="title"/>
+          </p:nvPr>
+        </p:nvSpPr>
+        <p:spPr>
+          <a:xfrm>
+            <a:off x="381000" y="246744"/>
+            <a:ext cx="8382000" cy="439056"/>
+          </a:xfrm>
+        </p:spPr>
+        <p:txBody>
+          <a:bodyPr/>
+          <a:lstStyle/>
+          <a:p>
+            <a:r>
+              <a:rPr lang="en-US" dirty="0"/>
+              <a:t>Integrate </a:t>
+            </a:r>
+            <a:r>
+              <a:rPr lang="en-US" dirty="0" err="1"/>
+              <a:t>JSHint</a:t>
+            </a:r>
+            <a:r>
+              <a:rPr lang="en-US" dirty="0"/>
+              <a:t> with </a:t>
+            </a:r>
+            <a:r>
+              <a:rPr lang="en-US" dirty="0" smtClean="0"/>
+              <a:t>Maven(</a:t>
+            </a:r>
+            <a:r>
+              <a:rPr lang="en-US" dirty="0" err="1" smtClean="0"/>
+              <a:t>contd</a:t>
+            </a:r>
+            <a:r>
+              <a:rPr lang="en-US" dirty="0" smtClean="0"/>
+              <a:t>)</a:t>
+            </a:r>
+            <a:endParaRPr lang="en-US" dirty="0"/>
+          </a:p>
+        </p:txBody>
+      </p:sp>
+      <p:sp>
+        <p:nvSpPr>
+          <p:cNvPr id="4" name="Footer Placeholder 3"/>
+          <p:cNvSpPr>
+            <a:spLocks noGrp="1"/>
+          </p:cNvSpPr>
+          <p:nvPr>
+            <p:ph type="ftr" sz="quarter" idx="10"/>
+          </p:nvPr>
+        </p:nvSpPr>
+        <p:spPr/>
+        <p:txBody>
+          <a:bodyPr/>
+          <a:lstStyle/>
+          <a:p>
+            <a:pPr>
+              <a:defRPr/>
+            </a:pPr>
+            <a:r>
+              <a:rPr lang="en-US" smtClean="0"/>
+              <a:t>Presentation Identifier Goes Here</a:t>
+            </a:r>
+            <a:endParaRPr lang="en-US"/>
+          </a:p>
+        </p:txBody>
+      </p:sp>
+      <p:sp>
+        <p:nvSpPr>
+          <p:cNvPr id="5" name="Slide Number Placeholder 4"/>
+          <p:cNvSpPr>
+            <a:spLocks noGrp="1"/>
+          </p:cNvSpPr>
+          <p:nvPr>
+            <p:ph type="sldNum" sz="quarter" idx="11"/>
+          </p:nvPr>
+        </p:nvSpPr>
+        <p:spPr/>
+        <p:txBody>
+          <a:bodyPr/>
+          <a:lstStyle/>
+          <a:p>
+            <a:pPr>
+              <a:defRPr/>
+            </a:pPr>
+            <a:fld id="{446C9BED-6FD4-4BA4-B6B0-4A26058AC9EF}" type="slidenum">
+              <a:rPr lang="en-US" smtClean="0"/>
+              <a:pPr>
+                <a:defRPr/>
+              </a:pPr>
+              <a:t>17</a:t>
+            </a:fld>
+            <a:endParaRPr lang="en-US" dirty="0"/>
+          </a:p>
+        </p:txBody>
+      </p:sp>
+      <p:pic>
+        <p:nvPicPr>
+          <p:cNvPr id="6" name="Content Placeholder 5"/>
+          <p:cNvPicPr>
+            <a:picLocks noGrp="1"/>
+          </p:cNvPicPr>
+          <p:nvPr>
+            <p:ph idx="1"/>
+          </p:nvPr>
+        </p:nvPicPr>
+        <p:blipFill>
+          <a:blip r:embed="rId2"/>
+          <a:stretch>
+            <a:fillRect/>
+          </a:stretch>
+        </p:blipFill>
+        <p:spPr>
+          <a:xfrm>
+            <a:off x="381000" y="762001"/>
+            <a:ext cx="9067800" cy="5791200"/>
+          </a:xfrm>
+          <a:prstGeom prst="rect">
+            <a:avLst/>
+          </a:prstGeom>
+        </p:spPr>
+      </p:pic>
+    </p:spTree>
+    <p:extLst>
+      <p:ext uri="{BB962C8B-B14F-4D97-AF65-F5344CB8AC3E}">
+        <p14:creationId xmlns:p14="http://schemas.microsoft.com/office/powerpoint/2010/main" val="727599343"/>
+      </p:ext>
+    </p:extLst>
+  </p:cSld>
+  <p:clrMapOvr>
+    <a:masterClrMapping/>
+  </p:clrMapOvr>
+  <p:timing>
+    <p:tnLst>
+      <p:par>
+        <p:cTn id="1" dur="indefinite" restart="never" nodeType="tmRoot"/>
+      </p:par>
+    </p:tnLst>
+  </p:timing>
+</p:sld>
+</file>
+
+<file path=ppt/slides/slide18.xml><?xml version="1.0" encoding="utf-8"?>
+<p:sld xmlns:a="http://schemas.openxmlformats.org/drawingml/2006/main" xmlns:r="http://schemas.openxmlformats.org/officeDocument/2006/relationships" xmlns:p="http://schemas.openxmlformats.org/presentationml/2006/main">
+  <p:cSld>
+    <p:spTree>
+      <p:nvGrpSpPr>
+        <p:cNvPr id="1" name=""/>
+        <p:cNvGrpSpPr/>
+        <p:nvPr/>
+      </p:nvGrpSpPr>
+      <p:grpSpPr>
+        <a:xfrm>
+          <a:off x="0" y="0"/>
+          <a:ext cx="0" cy="0"/>
+          <a:chOff x="0" y="0"/>
+          <a:chExt cx="0" cy="0"/>
+        </a:xfrm>
+      </p:grpSpPr>
+      <p:sp>
+        <p:nvSpPr>
           <p:cNvPr id="28675" name="Rectangle 2"/>
           <p:cNvSpPr>
             <a:spLocks noGrp="1" noChangeArrowheads="1"/>
@@ -11448,7 +11916,7 @@
             <a:fld id="{337B3952-71FB-45F3-B68A-CE9BEAF88A7D}" type="slidenum">
               <a:rPr lang="en-US" smtClean="0"/>
               <a:pPr/>
-              <a:t>16</a:t>
+              <a:t>18</a:t>
             </a:fld>
             <a:endParaRPr lang="en-US" smtClean="0"/>
           </a:p>
@@ -11871,13 +12339,6 @@
               </a:rPr>
               <a:t>3</a:t>
             </a:r>
-            <a:endParaRPr lang="en-US" b="1" dirty="0">
-              <a:solidFill>
-                <a:schemeClr val="accent2"/>
-              </a:solidFill>
-              <a:latin typeface="Calibri" pitchFamily="34" charset="0"/>
-              <a:cs typeface="Calibri" pitchFamily="34" charset="0"/>
-            </a:endParaRPr>
           </a:p>
         </p:txBody>
       </p:sp>
@@ -12013,13 +12474,6 @@
               </a:rPr>
               <a:t>4</a:t>
             </a:r>
-            <a:endParaRPr lang="en-US" b="1" dirty="0">
-              <a:solidFill>
-                <a:schemeClr val="accent2"/>
-              </a:solidFill>
-              <a:latin typeface="Calibri" pitchFamily="34" charset="0"/>
-              <a:cs typeface="Calibri" pitchFamily="34" charset="0"/>
-            </a:endParaRPr>
           </a:p>
         </p:txBody>
       </p:sp>
@@ -12138,13 +12592,6 @@
               </a:rPr>
               <a:t>5</a:t>
             </a:r>
-            <a:endParaRPr lang="en-US" b="1" dirty="0">
-              <a:solidFill>
-                <a:schemeClr val="accent2"/>
-              </a:solidFill>
-              <a:latin typeface="Calibri" pitchFamily="34" charset="0"/>
-              <a:cs typeface="Calibri" pitchFamily="34" charset="0"/>
-            </a:endParaRPr>
           </a:p>
         </p:txBody>
       </p:sp>
@@ -12169,7 +12616,7 @@
 </p:sld>
 </file>
 
-<file path=ppt/slides/slide17.xml><?xml version="1.0" encoding="utf-8"?>
+<file path=ppt/slides/slide19.xml><?xml version="1.0" encoding="utf-8"?>
 <p:sld xmlns:a="http://schemas.openxmlformats.org/drawingml/2006/main" xmlns:r="http://schemas.openxmlformats.org/officeDocument/2006/relationships" xmlns:p="http://schemas.openxmlformats.org/presentationml/2006/main">
   <p:cSld>
     <p:spTree>
@@ -12203,7 +12650,15 @@
           <a:p>
             <a:r>
               <a:rPr lang="en-US" dirty="0" smtClean="0"/>
-              <a:t>Reference</a:t>
+              <a:t>Integrate </a:t>
+            </a:r>
+            <a:r>
+              <a:rPr lang="en-US" dirty="0" err="1" smtClean="0"/>
+              <a:t>JSHint</a:t>
+            </a:r>
+            <a:r>
+              <a:rPr lang="en-US" dirty="0" smtClean="0"/>
+              <a:t> with Jenkins</a:t>
             </a:r>
             <a:endParaRPr lang="en-US" dirty="0"/>
           </a:p>
@@ -12225,122 +12680,19 @@
           <a:lstStyle/>
           <a:p>
             <a:r>
+              <a:rPr lang="en-US" dirty="0" smtClean="0"/>
+              <a:t>‘</a:t>
+            </a:r>
+            <a:r>
               <a:rPr lang="en-US" dirty="0" err="1" smtClean="0"/>
-              <a:t>JSHint</a:t>
+              <a:t>Checkstyle</a:t>
             </a:r>
             <a:r>
               <a:rPr lang="en-US" dirty="0" smtClean="0"/>
-              <a:t> source code   </a:t>
-            </a:r>
-            <a:r>
-              <a:rPr lang="en-US" dirty="0" smtClean="0">
-                <a:hlinkClick r:id="rId2"/>
-              </a:rPr>
-              <a:t>https</a:t>
-            </a:r>
-            <a:r>
-              <a:rPr lang="en-US" dirty="0">
-                <a:hlinkClick r:id="rId2"/>
-              </a:rPr>
-              <a:t>://</a:t>
-            </a:r>
-            <a:r>
-              <a:rPr lang="en-US" dirty="0" smtClean="0">
-                <a:hlinkClick r:id="rId2"/>
-              </a:rPr>
-              <a:t>github.com/jshint/jshint</a:t>
-            </a:r>
-            <a:endParaRPr lang="en-US" dirty="0" smtClean="0"/>
-          </a:p>
-          <a:p>
-            <a:r>
-              <a:rPr lang="en-US" dirty="0" err="1"/>
-              <a:t>JSHint</a:t>
-            </a:r>
-            <a:r>
-              <a:rPr lang="en-US" dirty="0"/>
-              <a:t> Home: </a:t>
-            </a:r>
-            <a:r>
-              <a:rPr lang="en-US" dirty="0">
-                <a:hlinkClick r:id="rId3"/>
-              </a:rPr>
-              <a:t>http://www.jshint.com</a:t>
-            </a:r>
-            <a:r>
-              <a:rPr lang="en-US" dirty="0" smtClean="0">
-                <a:hlinkClick r:id="rId3"/>
-              </a:rPr>
-              <a:t>/</a:t>
-            </a:r>
-            <a:endParaRPr lang="en-US" dirty="0" smtClean="0"/>
-          </a:p>
-          <a:p>
-            <a:r>
-              <a:rPr lang="en-US" dirty="0" err="1"/>
-              <a:t>JSHint</a:t>
-            </a:r>
-            <a:r>
-              <a:rPr lang="en-US" dirty="0"/>
-              <a:t> Options: </a:t>
-            </a:r>
-            <a:r>
-              <a:rPr lang="en-US" dirty="0">
-                <a:hlinkClick r:id="rId4"/>
-              </a:rPr>
-              <a:t>http://www.jshint.com/options</a:t>
-            </a:r>
-            <a:r>
-              <a:rPr lang="en-US" dirty="0" smtClean="0">
-                <a:hlinkClick r:id="rId4"/>
-              </a:rPr>
-              <a:t>/</a:t>
-            </a:r>
-            <a:endParaRPr lang="en-US" dirty="0" smtClean="0"/>
-          </a:p>
-          <a:p>
-            <a:r>
-              <a:rPr lang="en-US" dirty="0" err="1" smtClean="0"/>
-              <a:t>JSHint</a:t>
-            </a:r>
-            <a:r>
-              <a:rPr lang="en-US" dirty="0"/>
-              <a:t> Wiki </a:t>
-            </a:r>
-            <a:r>
-              <a:rPr lang="en-US" dirty="0" smtClean="0"/>
-              <a:t> in </a:t>
-            </a:r>
-            <a:r>
-              <a:rPr lang="en-US" dirty="0" err="1" smtClean="0"/>
-              <a:t>Symweb</a:t>
-            </a:r>
-            <a:r>
-              <a:rPr lang="en-US" dirty="0" smtClean="0"/>
-              <a:t>: </a:t>
-            </a:r>
-            <a:r>
-              <a:rPr lang="en-US" dirty="0">
-                <a:hlinkClick r:id="rId5"/>
-              </a:rPr>
-              <a:t>https://symweb.rmnus.sen.symantec.com/BnR/Appliance/Engineering/DocumentsTechnologyTrack/JSHint.docx</a:t>
-            </a:r>
-            <a:endParaRPr lang="en-US" dirty="0" smtClean="0"/>
-          </a:p>
-          <a:p>
-            <a:endParaRPr lang="en-US" dirty="0"/>
-          </a:p>
-          <a:p>
-            <a:pPr marL="0" indent="0">
-              <a:buNone/>
-            </a:pPr>
-            <a:r>
-              <a:rPr lang="en-US" dirty="0"/>
-              <a:t/>
-            </a:r>
-            <a:br>
-              <a:rPr lang="en-US" dirty="0"/>
-            </a:br>
+              <a:t> Plugin’  is recommended tool.</a:t>
+            </a:r>
+          </a:p>
+          <a:p>
             <a:endParaRPr lang="en-US" dirty="0"/>
           </a:p>
         </p:txBody>
@@ -12394,133 +12746,62 @@
               <a:pPr>
                 <a:defRPr/>
               </a:pPr>
-              <a:t>17</a:t>
+              <a:t>19</a:t>
             </a:fld>
             <a:endParaRPr lang="en-US" dirty="0"/>
           </a:p>
         </p:txBody>
       </p:sp>
+      <p:pic>
+        <p:nvPicPr>
+          <p:cNvPr id="8" name="Picture 7"/>
+          <p:cNvPicPr/>
+          <p:nvPr/>
+        </p:nvPicPr>
+        <p:blipFill>
+          <a:blip r:embed="rId3"/>
+          <a:stretch>
+            <a:fillRect/>
+          </a:stretch>
+        </p:blipFill>
+        <p:spPr>
+          <a:xfrm>
+            <a:off x="3897486" y="3733800"/>
+            <a:ext cx="5231765" cy="2272030"/>
+          </a:xfrm>
+          <a:prstGeom prst="rect">
+            <a:avLst/>
+          </a:prstGeom>
+        </p:spPr>
+      </p:pic>
+      <p:pic>
+        <p:nvPicPr>
+          <p:cNvPr id="9" name="Picture 8"/>
+          <p:cNvPicPr/>
+          <p:nvPr/>
+        </p:nvPicPr>
+        <p:blipFill>
+          <a:blip r:embed="rId4"/>
+          <a:stretch>
+            <a:fillRect/>
+          </a:stretch>
+        </p:blipFill>
+        <p:spPr>
+          <a:xfrm>
+            <a:off x="228600" y="2012376"/>
+            <a:ext cx="5486400" cy="3093024"/>
+          </a:xfrm>
+          <a:prstGeom prst="rect">
+            <a:avLst/>
+          </a:prstGeom>
+        </p:spPr>
+      </p:pic>
     </p:spTree>
     <p:extLst>
       <p:ext uri="{BB962C8B-B14F-4D97-AF65-F5344CB8AC3E}">
-        <p14:creationId xmlns:p14="http://schemas.microsoft.com/office/powerpoint/2010/main" val="1395716626"/>
+        <p14:creationId xmlns:p14="http://schemas.microsoft.com/office/powerpoint/2010/main" val="1056585319"/>
       </p:ext>
     </p:extLst>
-  </p:cSld>
-  <p:clrMapOvr>
-    <a:masterClrMapping/>
-  </p:clrMapOvr>
-</p:sld>
-</file>
-
-<file path=ppt/slides/slide18.xml><?xml version="1.0" encoding="utf-8"?>
-<p:sld xmlns:a="http://schemas.openxmlformats.org/drawingml/2006/main" xmlns:r="http://schemas.openxmlformats.org/officeDocument/2006/relationships" xmlns:p="http://schemas.openxmlformats.org/presentationml/2006/main">
-  <p:cSld>
-    <p:spTree>
-      <p:nvGrpSpPr>
-        <p:cNvPr id="1" name=""/>
-        <p:cNvGrpSpPr/>
-        <p:nvPr/>
-      </p:nvGrpSpPr>
-      <p:grpSpPr>
-        <a:xfrm>
-          <a:off x="0" y="0"/>
-          <a:ext cx="0" cy="0"/>
-          <a:chOff x="0" y="0"/>
-          <a:chExt cx="0" cy="0"/>
-        </a:xfrm>
-      </p:grpSpPr>
-      <p:sp>
-        <p:nvSpPr>
-          <p:cNvPr id="2" name="Footer Placeholder 1"/>
-          <p:cNvSpPr>
-            <a:spLocks noGrp="1"/>
-          </p:cNvSpPr>
-          <p:nvPr>
-            <p:ph type="ftr" sz="quarter" idx="3"/>
-          </p:nvPr>
-        </p:nvSpPr>
-        <p:spPr/>
-        <p:txBody>
-          <a:bodyPr/>
-          <a:lstStyle/>
-          <a:p>
-            <a:pPr>
-              <a:defRPr/>
-            </a:pPr>
-            <a:r>
-              <a:rPr lang="en-US" smtClean="0"/>
-              <a:t>Presentation Identifier Goes Here</a:t>
-            </a:r>
-            <a:endParaRPr lang="en-US" dirty="0"/>
-          </a:p>
-        </p:txBody>
-      </p:sp>
-      <p:sp>
-        <p:nvSpPr>
-          <p:cNvPr id="3" name="Slide Number Placeholder 2"/>
-          <p:cNvSpPr>
-            <a:spLocks noGrp="1"/>
-          </p:cNvSpPr>
-          <p:nvPr>
-            <p:ph type="sldNum" sz="quarter" idx="4"/>
-          </p:nvPr>
-        </p:nvSpPr>
-        <p:spPr/>
-        <p:txBody>
-          <a:bodyPr/>
-          <a:lstStyle/>
-          <a:p>
-            <a:pPr>
-              <a:defRPr/>
-            </a:pPr>
-            <a:fld id="{46082381-925A-4C25-AB18-0C99AD89CFC0}" type="slidenum">
-              <a:rPr lang="en-US" smtClean="0"/>
-              <a:pPr>
-                <a:defRPr/>
-              </a:pPr>
-              <a:t>18</a:t>
-            </a:fld>
-            <a:endParaRPr lang="en-US" dirty="0"/>
-          </a:p>
-        </p:txBody>
-      </p:sp>
-      <p:sp>
-        <p:nvSpPr>
-          <p:cNvPr id="4" name="Subtitle 3"/>
-          <p:cNvSpPr>
-            <a:spLocks noGrp="1"/>
-          </p:cNvSpPr>
-          <p:nvPr>
-            <p:ph type="subTitle" idx="1"/>
-          </p:nvPr>
-        </p:nvSpPr>
-        <p:spPr/>
-        <p:txBody>
-          <a:bodyPr/>
-          <a:lstStyle/>
-          <a:p>
-            <a:r>
-              <a:rPr lang="en-US" dirty="0" smtClean="0"/>
-              <a:t>Presenter’s Name</a:t>
-            </a:r>
-          </a:p>
-          <a:p>
-            <a:r>
-              <a:rPr lang="en-US" dirty="0" smtClean="0"/>
-              <a:t>Presenter’s Email</a:t>
-            </a:r>
-          </a:p>
-          <a:p>
-            <a:r>
-              <a:rPr lang="en-US" dirty="0" smtClean="0"/>
-              <a:t>Presenter’s Phone</a:t>
-            </a:r>
-            <a:endParaRPr lang="en-US" dirty="0"/>
-          </a:p>
-        </p:txBody>
-      </p:sp>
-    </p:spTree>
   </p:cSld>
   <p:clrMapOvr>
     <a:masterClrMapping/>
@@ -13039,13 +13320,6 @@
               </a:rPr>
               <a:t>3</a:t>
             </a:r>
-            <a:endParaRPr lang="en-US" b="1" dirty="0">
-              <a:solidFill>
-                <a:schemeClr val="accent2"/>
-              </a:solidFill>
-              <a:latin typeface="Calibri" pitchFamily="34" charset="0"/>
-              <a:cs typeface="Calibri" pitchFamily="34" charset="0"/>
-            </a:endParaRPr>
           </a:p>
         </p:txBody>
       </p:sp>
@@ -13182,13 +13456,6 @@
               </a:rPr>
               <a:t>4</a:t>
             </a:r>
-            <a:endParaRPr lang="en-US" b="1" dirty="0">
-              <a:solidFill>
-                <a:schemeClr val="accent2"/>
-              </a:solidFill>
-              <a:latin typeface="Calibri" pitchFamily="34" charset="0"/>
-              <a:cs typeface="Calibri" pitchFamily="34" charset="0"/>
-            </a:endParaRPr>
           </a:p>
         </p:txBody>
       </p:sp>
@@ -13307,13 +13574,6 @@
               </a:rPr>
               <a:t>5</a:t>
             </a:r>
-            <a:endParaRPr lang="en-US" b="1" dirty="0">
-              <a:solidFill>
-                <a:schemeClr val="accent2"/>
-              </a:solidFill>
-              <a:latin typeface="Calibri" pitchFamily="34" charset="0"/>
-              <a:cs typeface="Calibri" pitchFamily="34" charset="0"/>
-            </a:endParaRPr>
           </a:p>
         </p:txBody>
       </p:sp>
@@ -13328,6 +13588,810 @@
     <a:masterClrMapping/>
   </p:clrMapOvr>
   <p:transition/>
+  <p:timing>
+    <p:tnLst>
+      <p:par>
+        <p:cTn id="1" dur="indefinite" restart="never" nodeType="tmRoot"/>
+      </p:par>
+    </p:tnLst>
+  </p:timing>
+</p:sld>
+</file>
+
+<file path=ppt/slides/slide20.xml><?xml version="1.0" encoding="utf-8"?>
+<p:sld xmlns:a="http://schemas.openxmlformats.org/drawingml/2006/main" xmlns:r="http://schemas.openxmlformats.org/officeDocument/2006/relationships" xmlns:p="http://schemas.openxmlformats.org/presentationml/2006/main">
+  <p:cSld>
+    <p:spTree>
+      <p:nvGrpSpPr>
+        <p:cNvPr id="1" name=""/>
+        <p:cNvGrpSpPr/>
+        <p:nvPr/>
+      </p:nvGrpSpPr>
+      <p:grpSpPr>
+        <a:xfrm>
+          <a:off x="0" y="0"/>
+          <a:ext cx="0" cy="0"/>
+          <a:chOff x="0" y="0"/>
+          <a:chExt cx="0" cy="0"/>
+        </a:xfrm>
+      </p:grpSpPr>
+      <p:sp>
+        <p:nvSpPr>
+          <p:cNvPr id="2" name="Title 1"/>
+          <p:cNvSpPr>
+            <a:spLocks noGrp="1"/>
+          </p:cNvSpPr>
+          <p:nvPr>
+            <p:ph type="title"/>
+          </p:nvPr>
+        </p:nvSpPr>
+        <p:spPr/>
+        <p:txBody>
+          <a:bodyPr/>
+          <a:lstStyle/>
+          <a:p>
+            <a:r>
+              <a:rPr lang="en-US" dirty="0"/>
+              <a:t>Integrate </a:t>
+            </a:r>
+            <a:r>
+              <a:rPr lang="en-US" dirty="0" err="1"/>
+              <a:t>JSHint</a:t>
+            </a:r>
+            <a:r>
+              <a:rPr lang="en-US" dirty="0"/>
+              <a:t> with </a:t>
+            </a:r>
+            <a:r>
+              <a:rPr lang="en-US" dirty="0" smtClean="0"/>
+              <a:t>Jenkins(</a:t>
+            </a:r>
+            <a:r>
+              <a:rPr lang="en-US" dirty="0" err="1"/>
+              <a:t>c</a:t>
+            </a:r>
+            <a:r>
+              <a:rPr lang="en-US" dirty="0" err="1" smtClean="0"/>
+              <a:t>ontd</a:t>
+            </a:r>
+            <a:r>
+              <a:rPr lang="en-US" dirty="0" smtClean="0"/>
+              <a:t>)</a:t>
+            </a:r>
+            <a:endParaRPr lang="en-US" dirty="0"/>
+          </a:p>
+        </p:txBody>
+      </p:sp>
+      <p:sp>
+        <p:nvSpPr>
+          <p:cNvPr id="4" name="Footer Placeholder 3"/>
+          <p:cNvSpPr>
+            <a:spLocks noGrp="1"/>
+          </p:cNvSpPr>
+          <p:nvPr>
+            <p:ph type="ftr" sz="quarter" idx="10"/>
+          </p:nvPr>
+        </p:nvSpPr>
+        <p:spPr/>
+        <p:txBody>
+          <a:bodyPr/>
+          <a:lstStyle/>
+          <a:p>
+            <a:pPr>
+              <a:defRPr/>
+            </a:pPr>
+            <a:r>
+              <a:rPr lang="en-US" smtClean="0"/>
+              <a:t>Presentation Identifier Goes Here</a:t>
+            </a:r>
+            <a:endParaRPr lang="en-US"/>
+          </a:p>
+        </p:txBody>
+      </p:sp>
+      <p:sp>
+        <p:nvSpPr>
+          <p:cNvPr id="5" name="Slide Number Placeholder 4"/>
+          <p:cNvSpPr>
+            <a:spLocks noGrp="1"/>
+          </p:cNvSpPr>
+          <p:nvPr>
+            <p:ph type="sldNum" sz="quarter" idx="11"/>
+          </p:nvPr>
+        </p:nvSpPr>
+        <p:spPr/>
+        <p:txBody>
+          <a:bodyPr/>
+          <a:lstStyle/>
+          <a:p>
+            <a:pPr>
+              <a:defRPr/>
+            </a:pPr>
+            <a:fld id="{446C9BED-6FD4-4BA4-B6B0-4A26058AC9EF}" type="slidenum">
+              <a:rPr lang="en-US" smtClean="0"/>
+              <a:pPr>
+                <a:defRPr/>
+              </a:pPr>
+              <a:t>20</a:t>
+            </a:fld>
+            <a:endParaRPr lang="en-US" dirty="0"/>
+          </a:p>
+        </p:txBody>
+      </p:sp>
+      <p:pic>
+        <p:nvPicPr>
+          <p:cNvPr id="6" name="Content Placeholder 5"/>
+          <p:cNvPicPr>
+            <a:picLocks noGrp="1"/>
+          </p:cNvPicPr>
+          <p:nvPr>
+            <p:ph idx="1"/>
+          </p:nvPr>
+        </p:nvPicPr>
+        <p:blipFill>
+          <a:blip r:embed="rId2"/>
+          <a:stretch>
+            <a:fillRect/>
+          </a:stretch>
+        </p:blipFill>
+        <p:spPr>
+          <a:xfrm>
+            <a:off x="381000" y="1459157"/>
+            <a:ext cx="8382000" cy="4473086"/>
+          </a:xfrm>
+          <a:prstGeom prst="rect">
+            <a:avLst/>
+          </a:prstGeom>
+        </p:spPr>
+      </p:pic>
+    </p:spTree>
+    <p:extLst>
+      <p:ext uri="{BB962C8B-B14F-4D97-AF65-F5344CB8AC3E}">
+        <p14:creationId xmlns:p14="http://schemas.microsoft.com/office/powerpoint/2010/main" val="3982459288"/>
+      </p:ext>
+    </p:extLst>
+  </p:cSld>
+  <p:clrMapOvr>
+    <a:masterClrMapping/>
+  </p:clrMapOvr>
+  <p:timing>
+    <p:tnLst>
+      <p:par>
+        <p:cTn id="1" dur="indefinite" restart="never" nodeType="tmRoot"/>
+      </p:par>
+    </p:tnLst>
+  </p:timing>
+</p:sld>
+</file>
+
+<file path=ppt/slides/slide21.xml><?xml version="1.0" encoding="utf-8"?>
+<p:sld xmlns:a="http://schemas.openxmlformats.org/drawingml/2006/main" xmlns:r="http://schemas.openxmlformats.org/officeDocument/2006/relationships" xmlns:p="http://schemas.openxmlformats.org/presentationml/2006/main">
+  <p:cSld>
+    <p:spTree>
+      <p:nvGrpSpPr>
+        <p:cNvPr id="1" name=""/>
+        <p:cNvGrpSpPr/>
+        <p:nvPr/>
+      </p:nvGrpSpPr>
+      <p:grpSpPr>
+        <a:xfrm>
+          <a:off x="0" y="0"/>
+          <a:ext cx="0" cy="0"/>
+          <a:chOff x="0" y="0"/>
+          <a:chExt cx="0" cy="0"/>
+        </a:xfrm>
+      </p:grpSpPr>
+      <p:sp>
+        <p:nvSpPr>
+          <p:cNvPr id="2" name="Title 1"/>
+          <p:cNvSpPr>
+            <a:spLocks noGrp="1"/>
+          </p:cNvSpPr>
+          <p:nvPr>
+            <p:ph type="title"/>
+          </p:nvPr>
+        </p:nvSpPr>
+        <p:spPr/>
+        <p:txBody>
+          <a:bodyPr/>
+          <a:lstStyle/>
+          <a:p>
+            <a:r>
+              <a:rPr lang="en-US" dirty="0"/>
+              <a:t>Integrate </a:t>
+            </a:r>
+            <a:r>
+              <a:rPr lang="en-US" dirty="0" err="1"/>
+              <a:t>JSHint</a:t>
+            </a:r>
+            <a:r>
+              <a:rPr lang="en-US" dirty="0"/>
+              <a:t> with Jenkins(</a:t>
+            </a:r>
+            <a:r>
+              <a:rPr lang="en-US" dirty="0" err="1"/>
+              <a:t>contd</a:t>
+            </a:r>
+            <a:r>
+              <a:rPr lang="en-US" dirty="0"/>
+              <a:t>)</a:t>
+            </a:r>
+          </a:p>
+        </p:txBody>
+      </p:sp>
+      <p:sp>
+        <p:nvSpPr>
+          <p:cNvPr id="4" name="Footer Placeholder 3"/>
+          <p:cNvSpPr>
+            <a:spLocks noGrp="1"/>
+          </p:cNvSpPr>
+          <p:nvPr>
+            <p:ph type="ftr" sz="quarter" idx="10"/>
+          </p:nvPr>
+        </p:nvSpPr>
+        <p:spPr/>
+        <p:txBody>
+          <a:bodyPr/>
+          <a:lstStyle/>
+          <a:p>
+            <a:pPr>
+              <a:defRPr/>
+            </a:pPr>
+            <a:r>
+              <a:rPr lang="en-US" smtClean="0"/>
+              <a:t>Presentation Identifier Goes Here</a:t>
+            </a:r>
+            <a:endParaRPr lang="en-US"/>
+          </a:p>
+        </p:txBody>
+      </p:sp>
+      <p:sp>
+        <p:nvSpPr>
+          <p:cNvPr id="5" name="Slide Number Placeholder 4"/>
+          <p:cNvSpPr>
+            <a:spLocks noGrp="1"/>
+          </p:cNvSpPr>
+          <p:nvPr>
+            <p:ph type="sldNum" sz="quarter" idx="11"/>
+          </p:nvPr>
+        </p:nvSpPr>
+        <p:spPr/>
+        <p:txBody>
+          <a:bodyPr/>
+          <a:lstStyle/>
+          <a:p>
+            <a:pPr>
+              <a:defRPr/>
+            </a:pPr>
+            <a:fld id="{446C9BED-6FD4-4BA4-B6B0-4A26058AC9EF}" type="slidenum">
+              <a:rPr lang="en-US" smtClean="0"/>
+              <a:pPr>
+                <a:defRPr/>
+              </a:pPr>
+              <a:t>21</a:t>
+            </a:fld>
+            <a:endParaRPr lang="en-US" dirty="0"/>
+          </a:p>
+        </p:txBody>
+      </p:sp>
+      <p:pic>
+        <p:nvPicPr>
+          <p:cNvPr id="6" name="Content Placeholder 5"/>
+          <p:cNvPicPr>
+            <a:picLocks noGrp="1"/>
+          </p:cNvPicPr>
+          <p:nvPr>
+            <p:ph idx="1"/>
+          </p:nvPr>
+        </p:nvPicPr>
+        <p:blipFill>
+          <a:blip r:embed="rId2"/>
+          <a:stretch>
+            <a:fillRect/>
+          </a:stretch>
+        </p:blipFill>
+        <p:spPr>
+          <a:xfrm>
+            <a:off x="381000" y="1300294"/>
+            <a:ext cx="8382000" cy="4790812"/>
+          </a:xfrm>
+          <a:prstGeom prst="rect">
+            <a:avLst/>
+          </a:prstGeom>
+        </p:spPr>
+      </p:pic>
+    </p:spTree>
+    <p:extLst>
+      <p:ext uri="{BB962C8B-B14F-4D97-AF65-F5344CB8AC3E}">
+        <p14:creationId xmlns:p14="http://schemas.microsoft.com/office/powerpoint/2010/main" val="399923137"/>
+      </p:ext>
+    </p:extLst>
+  </p:cSld>
+  <p:clrMapOvr>
+    <a:masterClrMapping/>
+  </p:clrMapOvr>
+  <p:timing>
+    <p:tnLst>
+      <p:par>
+        <p:cTn id="1" dur="indefinite" restart="never" nodeType="tmRoot"/>
+      </p:par>
+    </p:tnLst>
+  </p:timing>
+</p:sld>
+</file>
+
+<file path=ppt/slides/slide22.xml><?xml version="1.0" encoding="utf-8"?>
+<p:sld xmlns:a="http://schemas.openxmlformats.org/drawingml/2006/main" xmlns:r="http://schemas.openxmlformats.org/officeDocument/2006/relationships" xmlns:p="http://schemas.openxmlformats.org/presentationml/2006/main">
+  <p:cSld>
+    <p:spTree>
+      <p:nvGrpSpPr>
+        <p:cNvPr id="1" name=""/>
+        <p:cNvGrpSpPr/>
+        <p:nvPr/>
+      </p:nvGrpSpPr>
+      <p:grpSpPr>
+        <a:xfrm>
+          <a:off x="0" y="0"/>
+          <a:ext cx="0" cy="0"/>
+          <a:chOff x="0" y="0"/>
+          <a:chExt cx="0" cy="0"/>
+        </a:xfrm>
+      </p:grpSpPr>
+      <p:sp>
+        <p:nvSpPr>
+          <p:cNvPr id="2" name="Title 1"/>
+          <p:cNvSpPr>
+            <a:spLocks noGrp="1"/>
+          </p:cNvSpPr>
+          <p:nvPr>
+            <p:ph type="title"/>
+          </p:nvPr>
+        </p:nvSpPr>
+        <p:spPr/>
+        <p:txBody>
+          <a:bodyPr/>
+          <a:lstStyle/>
+          <a:p>
+            <a:r>
+              <a:rPr lang="en-US" dirty="0" smtClean="0"/>
+              <a:t>Reference</a:t>
+            </a:r>
+            <a:endParaRPr lang="en-US" dirty="0"/>
+          </a:p>
+        </p:txBody>
+      </p:sp>
+      <p:sp>
+        <p:nvSpPr>
+          <p:cNvPr id="3" name="Content Placeholder 2"/>
+          <p:cNvSpPr>
+            <a:spLocks noGrp="1"/>
+          </p:cNvSpPr>
+          <p:nvPr>
+            <p:ph idx="1"/>
+          </p:nvPr>
+        </p:nvSpPr>
+        <p:spPr/>
+        <p:txBody>
+          <a:bodyPr/>
+          <a:lstStyle/>
+          <a:p>
+            <a:r>
+              <a:rPr lang="en-US" dirty="0" err="1" smtClean="0"/>
+              <a:t>JSHint</a:t>
+            </a:r>
+            <a:r>
+              <a:rPr lang="en-US" dirty="0" smtClean="0"/>
+              <a:t> source code   </a:t>
+            </a:r>
+            <a:r>
+              <a:rPr lang="en-US" dirty="0" smtClean="0">
+                <a:hlinkClick r:id="rId2"/>
+              </a:rPr>
+              <a:t>https</a:t>
+            </a:r>
+            <a:r>
+              <a:rPr lang="en-US" dirty="0">
+                <a:hlinkClick r:id="rId2"/>
+              </a:rPr>
+              <a:t>://</a:t>
+            </a:r>
+            <a:r>
+              <a:rPr lang="en-US" dirty="0" smtClean="0">
+                <a:hlinkClick r:id="rId2"/>
+              </a:rPr>
+              <a:t>github.com/jshint/jshint</a:t>
+            </a:r>
+            <a:endParaRPr lang="en-US" dirty="0" smtClean="0"/>
+          </a:p>
+          <a:p>
+            <a:r>
+              <a:rPr lang="en-US" dirty="0" err="1"/>
+              <a:t>JSHint</a:t>
+            </a:r>
+            <a:r>
+              <a:rPr lang="en-US" dirty="0"/>
+              <a:t> Home: </a:t>
+            </a:r>
+            <a:r>
+              <a:rPr lang="en-US" dirty="0">
+                <a:hlinkClick r:id="rId3"/>
+              </a:rPr>
+              <a:t>http://www.jshint.com</a:t>
+            </a:r>
+            <a:r>
+              <a:rPr lang="en-US" dirty="0" smtClean="0">
+                <a:hlinkClick r:id="rId3"/>
+              </a:rPr>
+              <a:t>/</a:t>
+            </a:r>
+            <a:endParaRPr lang="en-US" dirty="0" smtClean="0"/>
+          </a:p>
+          <a:p>
+            <a:r>
+              <a:rPr lang="en-US" dirty="0" err="1"/>
+              <a:t>JSHint</a:t>
+            </a:r>
+            <a:r>
+              <a:rPr lang="en-US" dirty="0"/>
+              <a:t> Options: </a:t>
+            </a:r>
+            <a:r>
+              <a:rPr lang="en-US" dirty="0">
+                <a:hlinkClick r:id="rId4"/>
+              </a:rPr>
+              <a:t>http://www.jshint.com/options</a:t>
+            </a:r>
+            <a:r>
+              <a:rPr lang="en-US" dirty="0" smtClean="0">
+                <a:hlinkClick r:id="rId4"/>
+              </a:rPr>
+              <a:t>/</a:t>
+            </a:r>
+            <a:endParaRPr lang="en-US" dirty="0" smtClean="0"/>
+          </a:p>
+          <a:p>
+            <a:r>
+              <a:rPr lang="en-US" dirty="0" err="1" smtClean="0"/>
+              <a:t>JSHint</a:t>
+            </a:r>
+            <a:r>
+              <a:rPr lang="en-US" dirty="0"/>
+              <a:t> Wiki </a:t>
+            </a:r>
+            <a:r>
+              <a:rPr lang="en-US" dirty="0" smtClean="0"/>
+              <a:t> in </a:t>
+            </a:r>
+            <a:r>
+              <a:rPr lang="en-US" dirty="0" err="1" smtClean="0"/>
+              <a:t>Symweb</a:t>
+            </a:r>
+            <a:r>
+              <a:rPr lang="en-US" dirty="0" smtClean="0"/>
+              <a:t>: </a:t>
+            </a:r>
+            <a:r>
+              <a:rPr lang="en-US" dirty="0">
+                <a:hlinkClick r:id="rId5"/>
+              </a:rPr>
+              <a:t>https://symweb.rmnus.sen.symantec.com/BnR/Appliance/Engineering/DocumentsTechnologyTrack/JSHint.docx</a:t>
+            </a:r>
+            <a:endParaRPr lang="en-US" dirty="0" smtClean="0"/>
+          </a:p>
+          <a:p>
+            <a:endParaRPr lang="en-US" dirty="0"/>
+          </a:p>
+          <a:p>
+            <a:pPr marL="0" indent="0">
+              <a:buNone/>
+            </a:pPr>
+            <a:r>
+              <a:rPr lang="en-US" dirty="0"/>
+              <a:t/>
+            </a:r>
+            <a:br>
+              <a:rPr lang="en-US" dirty="0"/>
+            </a:br>
+            <a:endParaRPr lang="en-US" dirty="0"/>
+          </a:p>
+        </p:txBody>
+      </p:sp>
+      <p:sp>
+        <p:nvSpPr>
+          <p:cNvPr id="4" name="Footer Placeholder 3"/>
+          <p:cNvSpPr>
+            <a:spLocks noGrp="1"/>
+          </p:cNvSpPr>
+          <p:nvPr>
+            <p:ph type="ftr" sz="quarter" idx="10"/>
+          </p:nvPr>
+        </p:nvSpPr>
+        <p:spPr/>
+        <p:txBody>
+          <a:bodyPr/>
+          <a:lstStyle/>
+          <a:p>
+            <a:pPr>
+              <a:defRPr/>
+            </a:pPr>
+            <a:r>
+              <a:rPr lang="en-US" smtClean="0"/>
+              <a:t>Presentation Identifier Goes Here</a:t>
+            </a:r>
+            <a:endParaRPr lang="en-US"/>
+          </a:p>
+        </p:txBody>
+      </p:sp>
+      <p:sp>
+        <p:nvSpPr>
+          <p:cNvPr id="5" name="Slide Number Placeholder 4"/>
+          <p:cNvSpPr>
+            <a:spLocks noGrp="1"/>
+          </p:cNvSpPr>
+          <p:nvPr>
+            <p:ph type="sldNum" sz="quarter" idx="11"/>
+          </p:nvPr>
+        </p:nvSpPr>
+        <p:spPr/>
+        <p:txBody>
+          <a:bodyPr/>
+          <a:lstStyle/>
+          <a:p>
+            <a:pPr>
+              <a:defRPr/>
+            </a:pPr>
+            <a:fld id="{446C9BED-6FD4-4BA4-B6B0-4A26058AC9EF}" type="slidenum">
+              <a:rPr lang="en-US" smtClean="0"/>
+              <a:pPr>
+                <a:defRPr/>
+              </a:pPr>
+              <a:t>22</a:t>
+            </a:fld>
+            <a:endParaRPr lang="en-US" dirty="0"/>
+          </a:p>
+        </p:txBody>
+      </p:sp>
+    </p:spTree>
+    <p:extLst>
+      <p:ext uri="{BB962C8B-B14F-4D97-AF65-F5344CB8AC3E}">
+        <p14:creationId xmlns:p14="http://schemas.microsoft.com/office/powerpoint/2010/main" val="1395716626"/>
+      </p:ext>
+    </p:extLst>
+  </p:cSld>
+  <p:clrMapOvr>
+    <a:masterClrMapping/>
+  </p:clrMapOvr>
+  <p:timing>
+    <p:tnLst>
+      <p:par>
+        <p:cTn id="1" dur="indefinite" restart="never" nodeType="tmRoot"/>
+      </p:par>
+    </p:tnLst>
+  </p:timing>
+</p:sld>
+</file>
+
+<file path=ppt/slides/slide23.xml><?xml version="1.0" encoding="utf-8"?>
+<p:sld xmlns:a="http://schemas.openxmlformats.org/drawingml/2006/main" xmlns:r="http://schemas.openxmlformats.org/officeDocument/2006/relationships" xmlns:p="http://schemas.openxmlformats.org/presentationml/2006/main">
+  <p:cSld>
+    <p:spTree>
+      <p:nvGrpSpPr>
+        <p:cNvPr id="1" name=""/>
+        <p:cNvGrpSpPr/>
+        <p:nvPr/>
+      </p:nvGrpSpPr>
+      <p:grpSpPr>
+        <a:xfrm>
+          <a:off x="0" y="0"/>
+          <a:ext cx="0" cy="0"/>
+          <a:chOff x="0" y="0"/>
+          <a:chExt cx="0" cy="0"/>
+        </a:xfrm>
+      </p:grpSpPr>
+      <p:sp>
+        <p:nvSpPr>
+          <p:cNvPr id="2" name="Title 1"/>
+          <p:cNvSpPr>
+            <a:spLocks noGrp="1"/>
+          </p:cNvSpPr>
+          <p:nvPr>
+            <p:ph type="title"/>
+          </p:nvPr>
+        </p:nvSpPr>
+        <p:spPr>
+          <a:xfrm>
+            <a:off x="381000" y="246744"/>
+            <a:ext cx="8382000" cy="3334656"/>
+          </a:xfrm>
+        </p:spPr>
+        <p:txBody>
+          <a:bodyPr/>
+          <a:lstStyle/>
+          <a:p>
+            <a:pPr algn="ctr"/>
+            <a:r>
+              <a:rPr lang="en-US" sz="6000" dirty="0" smtClean="0"/>
+              <a:t>Q &amp; A</a:t>
+            </a:r>
+            <a:endParaRPr lang="en-US" sz="6000" dirty="0"/>
+          </a:p>
+        </p:txBody>
+      </p:sp>
+      <p:sp>
+        <p:nvSpPr>
+          <p:cNvPr id="3" name="Footer Placeholder 2"/>
+          <p:cNvSpPr>
+            <a:spLocks noGrp="1"/>
+          </p:cNvSpPr>
+          <p:nvPr>
+            <p:ph type="ftr" sz="quarter" idx="10"/>
+          </p:nvPr>
+        </p:nvSpPr>
+        <p:spPr/>
+        <p:txBody>
+          <a:bodyPr/>
+          <a:lstStyle/>
+          <a:p>
+            <a:pPr>
+              <a:defRPr/>
+            </a:pPr>
+            <a:r>
+              <a:rPr lang="en-US" smtClean="0"/>
+              <a:t>Presentation Identifier Goes Here</a:t>
+            </a:r>
+            <a:endParaRPr lang="en-US"/>
+          </a:p>
+        </p:txBody>
+      </p:sp>
+      <p:sp>
+        <p:nvSpPr>
+          <p:cNvPr id="4" name="Slide Number Placeholder 3"/>
+          <p:cNvSpPr>
+            <a:spLocks noGrp="1"/>
+          </p:cNvSpPr>
+          <p:nvPr>
+            <p:ph type="sldNum" sz="quarter" idx="11"/>
+          </p:nvPr>
+        </p:nvSpPr>
+        <p:spPr/>
+        <p:txBody>
+          <a:bodyPr/>
+          <a:lstStyle/>
+          <a:p>
+            <a:pPr>
+              <a:defRPr/>
+            </a:pPr>
+            <a:fld id="{446C9BED-6FD4-4BA4-B6B0-4A26058AC9EF}" type="slidenum">
+              <a:rPr lang="en-US" smtClean="0"/>
+              <a:pPr>
+                <a:defRPr/>
+              </a:pPr>
+              <a:t>23</a:t>
+            </a:fld>
+            <a:endParaRPr lang="en-US" dirty="0"/>
+          </a:p>
+        </p:txBody>
+      </p:sp>
+    </p:spTree>
+    <p:extLst>
+      <p:ext uri="{BB962C8B-B14F-4D97-AF65-F5344CB8AC3E}">
+        <p14:creationId xmlns:p14="http://schemas.microsoft.com/office/powerpoint/2010/main" val="935841429"/>
+      </p:ext>
+    </p:extLst>
+  </p:cSld>
+  <p:clrMapOvr>
+    <a:masterClrMapping/>
+  </p:clrMapOvr>
+  <p:timing>
+    <p:tnLst>
+      <p:par>
+        <p:cTn id="1" dur="indefinite" restart="never" nodeType="tmRoot"/>
+      </p:par>
+    </p:tnLst>
+  </p:timing>
+</p:sld>
+</file>
+
+<file path=ppt/slides/slide24.xml><?xml version="1.0" encoding="utf-8"?>
+<p:sld xmlns:a="http://schemas.openxmlformats.org/drawingml/2006/main" xmlns:r="http://schemas.openxmlformats.org/officeDocument/2006/relationships" xmlns:p="http://schemas.openxmlformats.org/presentationml/2006/main">
+  <p:cSld>
+    <p:spTree>
+      <p:nvGrpSpPr>
+        <p:cNvPr id="1" name=""/>
+        <p:cNvGrpSpPr/>
+        <p:nvPr/>
+      </p:nvGrpSpPr>
+      <p:grpSpPr>
+        <a:xfrm>
+          <a:off x="0" y="0"/>
+          <a:ext cx="0" cy="0"/>
+          <a:chOff x="0" y="0"/>
+          <a:chExt cx="0" cy="0"/>
+        </a:xfrm>
+      </p:grpSpPr>
+      <p:sp>
+        <p:nvSpPr>
+          <p:cNvPr id="2" name="Footer Placeholder 1"/>
+          <p:cNvSpPr>
+            <a:spLocks noGrp="1"/>
+          </p:cNvSpPr>
+          <p:nvPr>
+            <p:ph type="ftr" sz="quarter" idx="3"/>
+          </p:nvPr>
+        </p:nvSpPr>
+        <p:spPr/>
+        <p:txBody>
+          <a:bodyPr/>
+          <a:lstStyle/>
+          <a:p>
+            <a:pPr>
+              <a:defRPr/>
+            </a:pPr>
+            <a:r>
+              <a:rPr lang="en-US" smtClean="0"/>
+              <a:t>Presentation Identifier Goes Here</a:t>
+            </a:r>
+            <a:endParaRPr lang="en-US" dirty="0"/>
+          </a:p>
+        </p:txBody>
+      </p:sp>
+      <p:sp>
+        <p:nvSpPr>
+          <p:cNvPr id="3" name="Slide Number Placeholder 2"/>
+          <p:cNvSpPr>
+            <a:spLocks noGrp="1"/>
+          </p:cNvSpPr>
+          <p:nvPr>
+            <p:ph type="sldNum" sz="quarter" idx="4"/>
+          </p:nvPr>
+        </p:nvSpPr>
+        <p:spPr/>
+        <p:txBody>
+          <a:bodyPr/>
+          <a:lstStyle/>
+          <a:p>
+            <a:pPr>
+              <a:defRPr/>
+            </a:pPr>
+            <a:fld id="{46082381-925A-4C25-AB18-0C99AD89CFC0}" type="slidenum">
+              <a:rPr lang="en-US" smtClean="0"/>
+              <a:pPr>
+                <a:defRPr/>
+              </a:pPr>
+              <a:t>24</a:t>
+            </a:fld>
+            <a:endParaRPr lang="en-US" dirty="0"/>
+          </a:p>
+        </p:txBody>
+      </p:sp>
+      <p:sp>
+        <p:nvSpPr>
+          <p:cNvPr id="4" name="Subtitle 3"/>
+          <p:cNvSpPr>
+            <a:spLocks noGrp="1"/>
+          </p:cNvSpPr>
+          <p:nvPr>
+            <p:ph type="subTitle" idx="1"/>
+          </p:nvPr>
+        </p:nvSpPr>
+        <p:spPr/>
+        <p:txBody>
+          <a:bodyPr/>
+          <a:lstStyle/>
+          <a:p>
+            <a:endParaRPr lang="en-US"/>
+          </a:p>
+        </p:txBody>
+      </p:sp>
+    </p:spTree>
+    <p:extLst>
+      <p:ext uri="{BB962C8B-B14F-4D97-AF65-F5344CB8AC3E}">
+        <p14:creationId xmlns:p14="http://schemas.microsoft.com/office/powerpoint/2010/main" val="216727419"/>
+      </p:ext>
+    </p:extLst>
+  </p:cSld>
+  <p:clrMapOvr>
+    <a:masterClrMapping/>
+  </p:clrMapOvr>
   <p:timing>
     <p:tnLst>
       <p:par>
@@ -13837,11 +14901,7 @@
           <a:p>
             <a:r>
               <a:rPr lang="en-US" dirty="0" smtClean="0"/>
-              <a:t>Detect errors and potential </a:t>
-            </a:r>
-            <a:r>
-              <a:rPr lang="en-US" dirty="0" smtClean="0"/>
-              <a:t>problems in </a:t>
+              <a:t>Detect errors and potential problems in </a:t>
             </a:r>
             <a:r>
               <a:rPr lang="en-US" dirty="0" err="1" smtClean="0"/>
@@ -13851,7 +14911,6 @@
               <a:rPr lang="en-US" dirty="0" smtClean="0"/>
               <a:t> code.</a:t>
             </a:r>
-            <a:endParaRPr lang="en-US" dirty="0" smtClean="0"/>
           </a:p>
           <a:p>
             <a:r>
@@ -14455,13 +15514,6 @@
               </a:rPr>
               <a:t>3</a:t>
             </a:r>
-            <a:endParaRPr lang="en-US" b="1" dirty="0">
-              <a:solidFill>
-                <a:schemeClr val="accent2"/>
-              </a:solidFill>
-              <a:latin typeface="Calibri" pitchFamily="34" charset="0"/>
-              <a:cs typeface="Calibri" pitchFamily="34" charset="0"/>
-            </a:endParaRPr>
           </a:p>
         </p:txBody>
       </p:sp>
@@ -14598,13 +15650,6 @@
               </a:rPr>
               <a:t>4</a:t>
             </a:r>
-            <a:endParaRPr lang="en-US" b="1" dirty="0">
-              <a:solidFill>
-                <a:schemeClr val="accent2"/>
-              </a:solidFill>
-              <a:latin typeface="Calibri" pitchFamily="34" charset="0"/>
-              <a:cs typeface="Calibri" pitchFamily="34" charset="0"/>
-            </a:endParaRPr>
           </a:p>
         </p:txBody>
       </p:sp>
@@ -14723,13 +15768,6 @@
               </a:rPr>
               <a:t>5</a:t>
             </a:r>
-            <a:endParaRPr lang="en-US" b="1" dirty="0">
-              <a:solidFill>
-                <a:schemeClr val="accent2"/>
-              </a:solidFill>
-              <a:latin typeface="Calibri" pitchFamily="34" charset="0"/>
-              <a:cs typeface="Calibri" pitchFamily="34" charset="0"/>
-            </a:endParaRPr>
           </a:p>
         </p:txBody>
       </p:sp>
@@ -15016,11 +16054,7 @@
             <a:pPr lvl="0"/>
             <a:r>
               <a:rPr lang="en-US" dirty="0" smtClean="0"/>
-              <a:t>Using </a:t>
-            </a:r>
-            <a:r>
-              <a:rPr lang="en-US" dirty="0" smtClean="0"/>
-              <a:t>Configuration File</a:t>
+              <a:t>Using Configuration File</a:t>
             </a:r>
           </a:p>
           <a:p>
@@ -15102,11 +16136,7 @@
             </a:r>
             <a:r>
               <a:rPr lang="en-US" sz="2200" dirty="0" smtClean="0"/>
-              <a:t> (recommended</a:t>
-            </a:r>
-            <a:r>
-              <a:rPr lang="en-US" sz="2200" dirty="0" smtClean="0"/>
-              <a:t>)</a:t>
+              <a:t> (recommended)</a:t>
             </a:r>
           </a:p>
           <a:p>
@@ -15121,7 +16151,6 @@
               <a:rPr lang="en-US" dirty="0" smtClean="0"/>
               <a:t>Inline Configuration</a:t>
             </a:r>
-            <a:endParaRPr lang="en-US" dirty="0" smtClean="0"/>
           </a:p>
           <a:p>
             <a:pPr lvl="0"/>
@@ -15484,7 +16513,6 @@
               <a:rPr lang="en-US" b="1" dirty="0" smtClean="0"/>
               <a:t> file</a:t>
             </a:r>
-            <a:endParaRPr lang="en-US" b="1" dirty="0" smtClean="0"/>
           </a:p>
           <a:p>
             <a:endParaRPr lang="en-US" b="1" dirty="0"/>

--- a/EIMS/doc/JSHint TOI.pptx
+++ b/EIMS/doc/JSHint TOI.pptx
@@ -264,7 +264,7 @@
               <a:pPr>
                 <a:defRPr/>
               </a:pPr>
-              <a:t>3/9/2015</a:t>
+              <a:t>3/10/2015</a:t>
             </a:fld>
             <a:endParaRPr lang="en-US" dirty="0">
               <a:latin typeface="+mn-lt"/>
@@ -920,77 +920,172 @@
       </p:grpSpPr>
       <p:sp>
         <p:nvSpPr>
-          <p:cNvPr id="54274" name="Rectangle 7"/>
-          <p:cNvSpPr>
-            <a:spLocks noGrp="1" noChangeArrowheads="1"/>
-          </p:cNvSpPr>
-          <p:nvPr>
-            <p:ph type="sldNum" sz="quarter" idx="5"/>
-          </p:nvPr>
-        </p:nvSpPr>
-        <p:spPr>
-          <a:noFill/>
-        </p:spPr>
+          <p:cNvPr id="2" name="Slide Image Placeholder 1"/>
+          <p:cNvSpPr>
+            <a:spLocks noGrp="1" noRot="1" noChangeAspect="1"/>
+          </p:cNvSpPr>
+          <p:nvPr>
+            <p:ph type="sldImg"/>
+          </p:nvPr>
+        </p:nvSpPr>
+        <p:spPr/>
+      </p:sp>
+      <p:sp>
+        <p:nvSpPr>
+          <p:cNvPr id="3" name="Notes Placeholder 2"/>
+          <p:cNvSpPr>
+            <a:spLocks noGrp="1"/>
+          </p:cNvSpPr>
+          <p:nvPr>
+            <p:ph type="body" idx="1"/>
+          </p:nvPr>
+        </p:nvSpPr>
+        <p:spPr/>
         <p:txBody>
           <a:bodyPr/>
           <a:lstStyle/>
           <a:p>
-            <a:fld id="{6698ED02-3EBA-4AEA-92C7-B8D5D775CAF5}" type="slidenum">
-              <a:rPr lang="en-US" smtClean="0"/>
-              <a:pPr/>
-              <a:t>15</a:t>
-            </a:fld>
-            <a:endParaRPr lang="en-US" smtClean="0"/>
-          </a:p>
-        </p:txBody>
-      </p:sp>
-      <p:sp>
-        <p:nvSpPr>
-          <p:cNvPr id="5" name="Notes Placeholder 4"/>
-          <p:cNvSpPr>
-            <a:spLocks noGrp="1"/>
-          </p:cNvSpPr>
-          <p:nvPr>
-            <p:ph type="body" sz="quarter" idx="10"/>
-          </p:nvPr>
-        </p:nvSpPr>
-        <p:spPr/>
-        <p:txBody>
-          <a:bodyPr>
-            <a:normAutofit/>
-          </a:bodyPr>
-          <a:lstStyle/>
-          <a:p>
-            <a:pPr>
+            <a:pPr marL="0" marR="0" indent="0" algn="l" defTabSz="914400" rtl="0" eaLnBrk="0" fontAlgn="base" latinLnBrk="0" hangingPunct="0">
+              <a:lnSpc>
+                <a:spcPct val="90000"/>
+              </a:lnSpc>
               <a:spcBef>
-                <a:spcPts val="0"/>
+                <a:spcPct val="20000"/>
               </a:spcBef>
               <a:spcAft>
-                <a:spcPts val="0"/>
+                <a:spcPct val="20000"/>
               </a:spcAft>
-            </a:pPr>
-            <a:endParaRPr lang="en-US" dirty="0" smtClean="0"/>
-          </a:p>
-        </p:txBody>
-      </p:sp>
-      <p:sp>
-        <p:nvSpPr>
-          <p:cNvPr id="6" name="Slide Image Placeholder 5"/>
-          <p:cNvSpPr>
-            <a:spLocks noGrp="1" noRot="1" noChangeAspect="1"/>
-          </p:cNvSpPr>
-          <p:nvPr>
-            <p:ph type="sldImg"/>
-          </p:nvPr>
-        </p:nvSpPr>
-        <p:spPr>
-          <a:xfrm>
-            <a:off x="1558925" y="284163"/>
-            <a:ext cx="3740150" cy="2805112"/>
-          </a:xfrm>
-        </p:spPr>
+              <a:buClrTx/>
+              <a:buSzTx/>
+              <a:buFontTx/>
+              <a:buNone/>
+              <a:tabLst/>
+              <a:defRPr/>
+            </a:pPr>
+            <a:r>
+              <a:rPr lang="en-US" b="1" dirty="0" smtClean="0">
+                <a:solidFill>
+                  <a:srgbClr val="00B050"/>
+                </a:solidFill>
+              </a:rPr>
+              <a:t>Enforcing Options</a:t>
+            </a:r>
+            <a:r>
+              <a:rPr lang="en-US" b="1" baseline="0" dirty="0" smtClean="0">
+                <a:solidFill>
+                  <a:srgbClr val="00B050"/>
+                </a:solidFill>
+              </a:rPr>
+              <a:t> </a:t>
+            </a:r>
+            <a:r>
+              <a:rPr lang="en-US" baseline="0" dirty="0" smtClean="0"/>
+              <a:t>:</a:t>
+            </a:r>
+            <a:r>
+              <a:rPr lang="en-US" dirty="0" smtClean="0"/>
+              <a:t>When set to true, these options will make </a:t>
+            </a:r>
+            <a:r>
+              <a:rPr lang="en-US" dirty="0" err="1" smtClean="0"/>
+              <a:t>JSHint</a:t>
+            </a:r>
+            <a:r>
+              <a:rPr lang="en-US" dirty="0" smtClean="0"/>
+              <a:t> produce more warnings about your code.</a:t>
+            </a:r>
+          </a:p>
+          <a:p>
+            <a:pPr marL="0" marR="0" indent="0" algn="l" defTabSz="914400" rtl="0" eaLnBrk="0" fontAlgn="base" latinLnBrk="0" hangingPunct="0">
+              <a:lnSpc>
+                <a:spcPct val="90000"/>
+              </a:lnSpc>
+              <a:spcBef>
+                <a:spcPct val="20000"/>
+              </a:spcBef>
+              <a:spcAft>
+                <a:spcPct val="20000"/>
+              </a:spcAft>
+              <a:buClrTx/>
+              <a:buSzTx/>
+              <a:buFontTx/>
+              <a:buNone/>
+              <a:tabLst/>
+              <a:defRPr/>
+            </a:pPr>
+            <a:r>
+              <a:rPr lang="en-US" b="1" dirty="0" smtClean="0"/>
+              <a:t>Relaxing Options</a:t>
+            </a:r>
+            <a:r>
+              <a:rPr lang="en-US" dirty="0" smtClean="0"/>
+              <a:t>: When set to true, these options will make </a:t>
+            </a:r>
+            <a:r>
+              <a:rPr lang="en-US" dirty="0" err="1" smtClean="0"/>
+              <a:t>JSHint</a:t>
+            </a:r>
+            <a:r>
+              <a:rPr lang="en-US" dirty="0" smtClean="0"/>
+              <a:t> produce fewer warnings about your code.</a:t>
+            </a:r>
+          </a:p>
+          <a:p>
+            <a:r>
+              <a:rPr lang="en-US" b="1" dirty="0" smtClean="0"/>
+              <a:t>Environments</a:t>
+            </a:r>
+            <a:r>
+              <a:rPr lang="en-US" dirty="0" smtClean="0"/>
+              <a:t>:  These options let </a:t>
+            </a:r>
+            <a:r>
+              <a:rPr lang="en-US" dirty="0" err="1" smtClean="0"/>
+              <a:t>JSHint</a:t>
+            </a:r>
+            <a:r>
+              <a:rPr lang="en-US" dirty="0" smtClean="0"/>
+              <a:t> know about some pre-defined global variables.</a:t>
+            </a:r>
+            <a:endParaRPr lang="en-US" dirty="0"/>
+          </a:p>
+        </p:txBody>
+      </p:sp>
+      <p:sp>
+        <p:nvSpPr>
+          <p:cNvPr id="4" name="Slide Number Placeholder 3"/>
+          <p:cNvSpPr>
+            <a:spLocks noGrp="1"/>
+          </p:cNvSpPr>
+          <p:nvPr>
+            <p:ph type="sldNum" sz="quarter" idx="10"/>
+          </p:nvPr>
+        </p:nvSpPr>
+        <p:spPr/>
+        <p:txBody>
+          <a:bodyPr/>
+          <a:lstStyle/>
+          <a:p>
+            <a:pPr>
+              <a:defRPr/>
+            </a:pPr>
+            <a:fld id="{CEA96130-80FE-450A-9D6E-2375B464A403}" type="slidenum">
+              <a:rPr lang="en-US" smtClean="0"/>
+              <a:pPr>
+                <a:defRPr/>
+              </a:pPr>
+              <a:t>11</a:t>
+            </a:fld>
+            <a:endParaRPr lang="en-US" dirty="0"/>
+          </a:p>
+        </p:txBody>
       </p:sp>
     </p:spTree>
+    <p:extLst>
+      <p:ext uri="{BB962C8B-B14F-4D97-AF65-F5344CB8AC3E}">
+        <p14:creationId xmlns:p14="http://schemas.microsoft.com/office/powerpoint/2010/main" val="3752541305"/>
+      </p:ext>
+    </p:extLst>
   </p:cSld>
   <p:clrMapOvr>
     <a:masterClrMapping/>
@@ -1047,22 +1142,6 @@
           <a:bodyPr/>
           <a:lstStyle/>
           <a:p>
-            <a:r>
-              <a:rPr lang="en-US" dirty="0" smtClean="0"/>
-              <a:t>We prefer Maven</a:t>
-            </a:r>
-            <a:r>
-              <a:rPr lang="en-US" baseline="0" dirty="0" smtClean="0"/>
-              <a:t> as our project building tool in new architecture. So we’d better know how to integrate </a:t>
-            </a:r>
-            <a:r>
-              <a:rPr lang="en-US" baseline="0" dirty="0" err="1" smtClean="0"/>
-              <a:t>JSHint</a:t>
-            </a:r>
-            <a:r>
-              <a:rPr lang="en-US" baseline="0" dirty="0" smtClean="0"/>
-              <a:t> with Maven. </a:t>
-            </a:r>
             <a:endParaRPr lang="en-US" dirty="0"/>
           </a:p>
         </p:txBody>
@@ -1090,7 +1169,7 @@
               <a:pPr>
                 <a:defRPr/>
               </a:pPr>
-              <a:t>16</a:t>
+              <a:t>12</a:t>
             </a:fld>
             <a:endParaRPr lang="en-US" dirty="0"/>
           </a:p>
@@ -1099,7 +1178,7 @@
     </p:spTree>
     <p:extLst>
       <p:ext uri="{BB962C8B-B14F-4D97-AF65-F5344CB8AC3E}">
-        <p14:creationId xmlns:p14="http://schemas.microsoft.com/office/powerpoint/2010/main" val="1170059121"/>
+        <p14:creationId xmlns:p14="http://schemas.microsoft.com/office/powerpoint/2010/main" val="399078192"/>
       </p:ext>
     </p:extLst>
   </p:cSld>
@@ -1128,6 +1207,206 @@
       </p:grpSpPr>
       <p:sp>
         <p:nvSpPr>
+          <p:cNvPr id="2" name="Slide Image Placeholder 1"/>
+          <p:cNvSpPr>
+            <a:spLocks noGrp="1" noRot="1" noChangeAspect="1"/>
+          </p:cNvSpPr>
+          <p:nvPr>
+            <p:ph type="sldImg"/>
+          </p:nvPr>
+        </p:nvSpPr>
+        <p:spPr/>
+      </p:sp>
+      <p:sp>
+        <p:nvSpPr>
+          <p:cNvPr id="3" name="Notes Placeholder 2"/>
+          <p:cNvSpPr>
+            <a:spLocks noGrp="1"/>
+          </p:cNvSpPr>
+          <p:nvPr>
+            <p:ph type="body" idx="1"/>
+          </p:nvPr>
+        </p:nvSpPr>
+        <p:spPr/>
+        <p:txBody>
+          <a:bodyPr/>
+          <a:lstStyle/>
+          <a:p>
+            <a:r>
+              <a:rPr lang="en-US" dirty="0" smtClean="0"/>
+              <a:t>Usually,</a:t>
+            </a:r>
+            <a:r>
+              <a:rPr lang="en-US" baseline="0" dirty="0" smtClean="0"/>
+              <a:t> we define these relaxing options as false to expose problems as many as we can. Of course, how to use these options depends yourself.</a:t>
+            </a:r>
+            <a:endParaRPr lang="en-US" dirty="0"/>
+          </a:p>
+        </p:txBody>
+      </p:sp>
+      <p:sp>
+        <p:nvSpPr>
+          <p:cNvPr id="4" name="Slide Number Placeholder 3"/>
+          <p:cNvSpPr>
+            <a:spLocks noGrp="1"/>
+          </p:cNvSpPr>
+          <p:nvPr>
+            <p:ph type="sldNum" sz="quarter" idx="10"/>
+          </p:nvPr>
+        </p:nvSpPr>
+        <p:spPr/>
+        <p:txBody>
+          <a:bodyPr/>
+          <a:lstStyle/>
+          <a:p>
+            <a:pPr>
+              <a:defRPr/>
+            </a:pPr>
+            <a:fld id="{CEA96130-80FE-450A-9D6E-2375B464A403}" type="slidenum">
+              <a:rPr lang="en-US" smtClean="0"/>
+              <a:pPr>
+                <a:defRPr/>
+              </a:pPr>
+              <a:t>13</a:t>
+            </a:fld>
+            <a:endParaRPr lang="en-US" dirty="0"/>
+          </a:p>
+        </p:txBody>
+      </p:sp>
+    </p:spTree>
+    <p:extLst>
+      <p:ext uri="{BB962C8B-B14F-4D97-AF65-F5344CB8AC3E}">
+        <p14:creationId xmlns:p14="http://schemas.microsoft.com/office/powerpoint/2010/main" val="2690912743"/>
+      </p:ext>
+    </p:extLst>
+  </p:cSld>
+  <p:clrMapOvr>
+    <a:masterClrMapping/>
+  </p:clrMapOvr>
+</p:notes>
+</file>
+
+<file path=ppt/notesSlides/notesSlide13.xml><?xml version="1.0" encoding="utf-8"?>
+<p:notes xmlns:a="http://schemas.openxmlformats.org/drawingml/2006/main" xmlns:r="http://schemas.openxmlformats.org/officeDocument/2006/relationships" xmlns:p="http://schemas.openxmlformats.org/presentationml/2006/main">
+  <p:cSld>
+    <p:spTree>
+      <p:nvGrpSpPr>
+        <p:cNvPr id="1" name=""/>
+        <p:cNvGrpSpPr/>
+        <p:nvPr/>
+      </p:nvGrpSpPr>
+      <p:grpSpPr>
+        <a:xfrm>
+          <a:off x="0" y="0"/>
+          <a:ext cx="0" cy="0"/>
+          <a:chOff x="0" y="0"/>
+          <a:chExt cx="0" cy="0"/>
+        </a:xfrm>
+      </p:grpSpPr>
+      <p:sp>
+        <p:nvSpPr>
+          <p:cNvPr id="2" name="Slide Image Placeholder 1"/>
+          <p:cNvSpPr>
+            <a:spLocks noGrp="1" noRot="1" noChangeAspect="1"/>
+          </p:cNvSpPr>
+          <p:nvPr>
+            <p:ph type="sldImg"/>
+          </p:nvPr>
+        </p:nvSpPr>
+        <p:spPr/>
+      </p:sp>
+      <p:sp>
+        <p:nvSpPr>
+          <p:cNvPr id="3" name="Notes Placeholder 2"/>
+          <p:cNvSpPr>
+            <a:spLocks noGrp="1"/>
+          </p:cNvSpPr>
+          <p:nvPr>
+            <p:ph type="body" idx="1"/>
+          </p:nvPr>
+        </p:nvSpPr>
+        <p:spPr/>
+        <p:txBody>
+          <a:bodyPr/>
+          <a:lstStyle/>
+          <a:p>
+            <a:r>
+              <a:rPr lang="en-US" dirty="0" smtClean="0"/>
+              <a:t>These options let </a:t>
+            </a:r>
+            <a:r>
+              <a:rPr lang="en-US" dirty="0" err="1" smtClean="0"/>
+              <a:t>JSHint</a:t>
+            </a:r>
+            <a:r>
+              <a:rPr lang="en-US" dirty="0" smtClean="0"/>
+              <a:t> know about some pre-defined global variables.</a:t>
+            </a:r>
+            <a:endParaRPr lang="en-US" dirty="0"/>
+          </a:p>
+        </p:txBody>
+      </p:sp>
+      <p:sp>
+        <p:nvSpPr>
+          <p:cNvPr id="4" name="Slide Number Placeholder 3"/>
+          <p:cNvSpPr>
+            <a:spLocks noGrp="1"/>
+          </p:cNvSpPr>
+          <p:nvPr>
+            <p:ph type="sldNum" sz="quarter" idx="10"/>
+          </p:nvPr>
+        </p:nvSpPr>
+        <p:spPr/>
+        <p:txBody>
+          <a:bodyPr/>
+          <a:lstStyle/>
+          <a:p>
+            <a:pPr>
+              <a:defRPr/>
+            </a:pPr>
+            <a:fld id="{CEA96130-80FE-450A-9D6E-2375B464A403}" type="slidenum">
+              <a:rPr lang="en-US" smtClean="0"/>
+              <a:pPr>
+                <a:defRPr/>
+              </a:pPr>
+              <a:t>14</a:t>
+            </a:fld>
+            <a:endParaRPr lang="en-US" dirty="0"/>
+          </a:p>
+        </p:txBody>
+      </p:sp>
+    </p:spTree>
+    <p:extLst>
+      <p:ext uri="{BB962C8B-B14F-4D97-AF65-F5344CB8AC3E}">
+        <p14:creationId xmlns:p14="http://schemas.microsoft.com/office/powerpoint/2010/main" val="1933030215"/>
+      </p:ext>
+    </p:extLst>
+  </p:cSld>
+  <p:clrMapOvr>
+    <a:masterClrMapping/>
+  </p:clrMapOvr>
+</p:notes>
+</file>
+
+<file path=ppt/notesSlides/notesSlide14.xml><?xml version="1.0" encoding="utf-8"?>
+<p:notes xmlns:a="http://schemas.openxmlformats.org/drawingml/2006/main" xmlns:r="http://schemas.openxmlformats.org/officeDocument/2006/relationships" xmlns:p="http://schemas.openxmlformats.org/presentationml/2006/main">
+  <p:cSld>
+    <p:spTree>
+      <p:nvGrpSpPr>
+        <p:cNvPr id="1" name=""/>
+        <p:cNvGrpSpPr/>
+        <p:nvPr/>
+      </p:nvGrpSpPr>
+      <p:grpSpPr>
+        <a:xfrm>
+          <a:off x="0" y="0"/>
+          <a:ext cx="0" cy="0"/>
+          <a:chOff x="0" y="0"/>
+          <a:chExt cx="0" cy="0"/>
+        </a:xfrm>
+      </p:grpSpPr>
+      <p:sp>
+        <p:nvSpPr>
           <p:cNvPr id="54274" name="Rectangle 7"/>
           <p:cNvSpPr>
             <a:spLocks noGrp="1" noChangeArrowheads="1"/>
@@ -1146,7 +1425,7 @@
             <a:fld id="{6698ED02-3EBA-4AEA-92C7-B8D5D775CAF5}" type="slidenum">
               <a:rPr lang="en-US" smtClean="0"/>
               <a:pPr/>
-              <a:t>18</a:t>
+              <a:t>15</a:t>
             </a:fld>
             <a:endParaRPr lang="en-US" smtClean="0"/>
           </a:p>
@@ -1177,446 +1456,7 @@
                 <a:spcPts val="0"/>
               </a:spcAft>
             </a:pPr>
-            <a:r>
-              <a:rPr lang="en-US" dirty="0" smtClean="0"/>
-              <a:t>This is a sample </a:t>
-            </a:r>
-            <a:r>
-              <a:rPr lang="en-US" b="1" dirty="0" smtClean="0"/>
-              <a:t>Agenda/Preview</a:t>
-            </a:r>
-            <a:r>
-              <a:rPr lang="en-US" dirty="0" smtClean="0"/>
-              <a:t> slide. This slide is ideal for </a:t>
-            </a:r>
-            <a:r>
-              <a:rPr lang="en-US" i="1" dirty="0" smtClean="0"/>
-              <a:t>setting the scene </a:t>
-            </a:r>
-            <a:r>
-              <a:rPr lang="en-US" dirty="0" smtClean="0"/>
-              <a:t>at the beginning of your presentation by providing a big picture overview of what you plan to cover. </a:t>
-            </a:r>
-          </a:p>
-          <a:p>
-            <a:pPr>
-              <a:spcBef>
-                <a:spcPts val="0"/>
-              </a:spcBef>
-              <a:spcAft>
-                <a:spcPts val="0"/>
-              </a:spcAft>
-            </a:pPr>
-            <a:endParaRPr lang="en-US" b="1" dirty="0" smtClean="0"/>
-          </a:p>
-          <a:p>
-            <a:pPr>
-              <a:spcBef>
-                <a:spcPts val="0"/>
-              </a:spcBef>
-              <a:spcAft>
-                <a:spcPts val="0"/>
-              </a:spcAft>
-            </a:pPr>
-            <a:r>
-              <a:rPr lang="en-US" b="1" dirty="0" smtClean="0"/>
-              <a:t>To Change Titles in Shapes (i.e.: “Text here”):</a:t>
-            </a:r>
-          </a:p>
-          <a:p>
-            <a:pPr>
-              <a:spcBef>
-                <a:spcPts val="0"/>
-              </a:spcBef>
-              <a:spcAft>
-                <a:spcPts val="0"/>
-              </a:spcAft>
-            </a:pPr>
-            <a:r>
-              <a:rPr lang="en-US" dirty="0" smtClean="0"/>
-              <a:t>Select text. (Optional:</a:t>
-            </a:r>
-            <a:r>
-              <a:rPr lang="en-US" baseline="0" dirty="0" smtClean="0"/>
-              <a:t> </a:t>
-            </a:r>
-            <a:r>
-              <a:rPr lang="en-US" dirty="0" smtClean="0"/>
-              <a:t>Press </a:t>
-            </a:r>
-            <a:r>
-              <a:rPr lang="en-US" i="1" dirty="0" smtClean="0"/>
-              <a:t>Delete</a:t>
-            </a:r>
-            <a:r>
-              <a:rPr lang="en-US" dirty="0" smtClean="0"/>
-              <a:t>.) Begin typing desired text.</a:t>
-            </a:r>
-          </a:p>
-          <a:p>
-            <a:pPr>
-              <a:spcBef>
-                <a:spcPts val="0"/>
-              </a:spcBef>
-              <a:spcAft>
-                <a:spcPts val="0"/>
-              </a:spcAft>
-            </a:pPr>
             <a:endParaRPr lang="en-US" dirty="0" smtClean="0"/>
-          </a:p>
-          <a:p>
-            <a:pPr lvl="0">
-              <a:spcBef>
-                <a:spcPts val="0"/>
-              </a:spcBef>
-              <a:spcAft>
-                <a:spcPts val="0"/>
-              </a:spcAft>
-            </a:pPr>
-            <a:r>
-              <a:rPr lang="en-US" b="1" dirty="0" smtClean="0">
-                <a:solidFill>
-                  <a:srgbClr val="000000"/>
-                </a:solidFill>
-              </a:rPr>
-              <a:t>To Change Font Color/Size: </a:t>
-            </a:r>
-            <a:endParaRPr lang="en-US" dirty="0" smtClean="0">
-              <a:solidFill>
-                <a:srgbClr val="000000"/>
-              </a:solidFill>
-            </a:endParaRPr>
-          </a:p>
-          <a:p>
-            <a:pPr lvl="0">
-              <a:spcBef>
-                <a:spcPts val="0"/>
-              </a:spcBef>
-              <a:spcAft>
-                <a:spcPts val="0"/>
-              </a:spcAft>
-            </a:pPr>
-            <a:r>
-              <a:rPr lang="en-US" dirty="0" smtClean="0">
-                <a:solidFill>
-                  <a:srgbClr val="000000"/>
-                </a:solidFill>
-              </a:rPr>
-              <a:t>Select text,</a:t>
-            </a:r>
-            <a:r>
-              <a:rPr lang="en-US" baseline="0" dirty="0" smtClean="0">
-                <a:solidFill>
-                  <a:srgbClr val="000000"/>
-                </a:solidFill>
-              </a:rPr>
-              <a:t> </a:t>
-            </a:r>
-            <a:r>
-              <a:rPr lang="en-US" dirty="0" smtClean="0">
-                <a:solidFill>
-                  <a:srgbClr val="000000"/>
-                </a:solidFill>
-              </a:rPr>
-              <a:t>right-click and adjust the font setting on the </a:t>
-            </a:r>
-            <a:r>
-              <a:rPr lang="en-US" i="1" dirty="0" smtClean="0">
-                <a:solidFill>
-                  <a:srgbClr val="000000"/>
-                </a:solidFill>
-              </a:rPr>
-              <a:t>Mini toolbar</a:t>
-            </a:r>
-            <a:r>
-              <a:rPr lang="en-US" dirty="0" smtClean="0">
-                <a:solidFill>
-                  <a:srgbClr val="000000"/>
-                </a:solidFill>
-              </a:rPr>
-              <a:t>.  Select desired attributes to change: font, size, boldness, color, etc.  Note: many of the same commands can also be accessed from the </a:t>
-            </a:r>
-            <a:r>
-              <a:rPr lang="en-US" i="1" dirty="0" smtClean="0">
-                <a:solidFill>
-                  <a:srgbClr val="000000"/>
-                </a:solidFill>
-              </a:rPr>
-              <a:t>Font</a:t>
-            </a:r>
-            <a:r>
-              <a:rPr lang="en-US" dirty="0" smtClean="0">
-                <a:solidFill>
-                  <a:srgbClr val="000000"/>
-                </a:solidFill>
-              </a:rPr>
-              <a:t> group of the </a:t>
-            </a:r>
-            <a:r>
-              <a:rPr lang="en-US" i="1" dirty="0" smtClean="0">
-                <a:solidFill>
-                  <a:srgbClr val="000000"/>
-                </a:solidFill>
-              </a:rPr>
-              <a:t>Home</a:t>
-            </a:r>
-            <a:r>
-              <a:rPr lang="en-US" dirty="0" smtClean="0">
-                <a:solidFill>
-                  <a:srgbClr val="000000"/>
-                </a:solidFill>
-              </a:rPr>
-              <a:t> tab.</a:t>
-            </a:r>
-          </a:p>
-          <a:p>
-            <a:pPr>
-              <a:spcBef>
-                <a:spcPts val="0"/>
-              </a:spcBef>
-              <a:spcAft>
-                <a:spcPts val="0"/>
-              </a:spcAft>
-            </a:pPr>
-            <a:endParaRPr lang="en-US" b="1" dirty="0" smtClean="0"/>
-          </a:p>
-          <a:p>
-            <a:pPr>
-              <a:spcBef>
-                <a:spcPts val="0"/>
-              </a:spcBef>
-              <a:spcAft>
-                <a:spcPts val="0"/>
-              </a:spcAft>
-            </a:pPr>
-            <a:r>
-              <a:rPr lang="en-US" b="1" dirty="0" smtClean="0"/>
-              <a:t>To Change a Shape’s Fill Color:</a:t>
-            </a:r>
-          </a:p>
-          <a:p>
-            <a:pPr marL="0" marR="0" indent="0" algn="l" defTabSz="914400" rtl="0" eaLnBrk="1" fontAlgn="base" latinLnBrk="0" hangingPunct="1">
-              <a:spcBef>
-                <a:spcPts val="0"/>
-              </a:spcBef>
-              <a:spcAft>
-                <a:spcPts val="0"/>
-              </a:spcAft>
-              <a:buClrTx/>
-              <a:buSzTx/>
-              <a:buFontTx/>
-              <a:buNone/>
-              <a:tabLst/>
-              <a:defRPr/>
-            </a:pPr>
-            <a:r>
-              <a:rPr lang="en-US" dirty="0" smtClean="0"/>
-              <a:t>Select the desired object by clicking once</a:t>
-            </a:r>
-            <a:r>
-              <a:rPr lang="en-US" baseline="0" dirty="0" smtClean="0"/>
-              <a:t> on its edge. O</a:t>
-            </a:r>
-            <a:r>
-              <a:rPr lang="en-US" dirty="0" smtClean="0"/>
-              <a:t>n the </a:t>
-            </a:r>
-            <a:r>
-              <a:rPr lang="en-US" i="1" dirty="0" smtClean="0"/>
-              <a:t>Home</a:t>
-            </a:r>
-            <a:r>
-              <a:rPr lang="en-US" dirty="0" smtClean="0"/>
-              <a:t> tab, click the </a:t>
-            </a:r>
-            <a:r>
-              <a:rPr lang="en-US" i="1" dirty="0" smtClean="0"/>
-              <a:t>Shape Fill </a:t>
-            </a:r>
-            <a:r>
-              <a:rPr lang="en-US" dirty="0" smtClean="0"/>
-              <a:t>button within the </a:t>
-            </a:r>
-            <a:r>
-              <a:rPr lang="en-US" i="1" dirty="0" smtClean="0"/>
-              <a:t>Drawing</a:t>
-            </a:r>
-            <a:r>
-              <a:rPr lang="en-US" dirty="0" smtClean="0"/>
-              <a:t> group to select a theme color from the Symantec color palette. </a:t>
-            </a:r>
-          </a:p>
-          <a:p>
-            <a:pPr marL="0" marR="0" indent="0" algn="l" defTabSz="914400" rtl="0" eaLnBrk="1" fontAlgn="base" latinLnBrk="0" hangingPunct="1">
-              <a:spcBef>
-                <a:spcPts val="0"/>
-              </a:spcBef>
-              <a:spcAft>
-                <a:spcPts val="0"/>
-              </a:spcAft>
-              <a:buClrTx/>
-              <a:buSzTx/>
-              <a:buFontTx/>
-              <a:buNone/>
-              <a:tabLst/>
-              <a:defRPr/>
-            </a:pPr>
-            <a:endParaRPr lang="en-US" dirty="0" smtClean="0"/>
-          </a:p>
-          <a:p>
-            <a:pPr>
-              <a:spcBef>
-                <a:spcPts val="0"/>
-              </a:spcBef>
-              <a:spcAft>
-                <a:spcPts val="0"/>
-              </a:spcAft>
-            </a:pPr>
-            <a:endParaRPr lang="en-US" dirty="0" smtClean="0"/>
-          </a:p>
-          <a:p>
-            <a:pPr>
-              <a:spcBef>
-                <a:spcPts val="0"/>
-              </a:spcBef>
-              <a:spcAft>
-                <a:spcPts val="0"/>
-              </a:spcAft>
-            </a:pPr>
-            <a:r>
-              <a:rPr lang="en-US" b="1" dirty="0" smtClean="0"/>
-              <a:t>To Delete a Shape:</a:t>
-            </a:r>
-          </a:p>
-          <a:p>
-            <a:pPr>
-              <a:spcBef>
-                <a:spcPts val="0"/>
-              </a:spcBef>
-              <a:spcAft>
-                <a:spcPts val="0"/>
-              </a:spcAft>
-            </a:pPr>
-            <a:r>
-              <a:rPr lang="en-US" dirty="0" smtClean="0"/>
-              <a:t>Select the desired object by clicking once</a:t>
-            </a:r>
-            <a:r>
-              <a:rPr lang="en-US" baseline="0" dirty="0" smtClean="0"/>
-              <a:t> on its edge. </a:t>
-            </a:r>
-            <a:r>
-              <a:rPr lang="en-US" dirty="0" smtClean="0"/>
-              <a:t>Press the </a:t>
-            </a:r>
-            <a:r>
-              <a:rPr lang="en-US" i="1" dirty="0" smtClean="0"/>
-              <a:t>Delete</a:t>
-            </a:r>
-            <a:r>
-              <a:rPr lang="en-US" dirty="0" smtClean="0"/>
-              <a:t> key</a:t>
-            </a:r>
-            <a:r>
-              <a:rPr lang="en-US" baseline="0" dirty="0" smtClean="0"/>
-              <a:t> on your keyboard.</a:t>
-            </a:r>
-            <a:endParaRPr lang="en-US" dirty="0" smtClean="0"/>
-          </a:p>
-          <a:p>
-            <a:pPr>
-              <a:spcBef>
-                <a:spcPts val="0"/>
-              </a:spcBef>
-              <a:spcAft>
-                <a:spcPts val="0"/>
-              </a:spcAft>
-            </a:pPr>
-            <a:endParaRPr lang="en-US" dirty="0" smtClean="0"/>
-          </a:p>
-          <a:p>
-            <a:pPr>
-              <a:spcBef>
-                <a:spcPts val="0"/>
-              </a:spcBef>
-              <a:spcAft>
-                <a:spcPts val="0"/>
-              </a:spcAft>
-            </a:pPr>
-            <a:r>
-              <a:rPr lang="en-US" b="1" dirty="0" smtClean="0"/>
-              <a:t>To Copy a Text Box or Shape:</a:t>
-            </a:r>
-          </a:p>
-          <a:p>
-            <a:pPr marL="0" marR="0" indent="0" algn="l" defTabSz="914400" rtl="0" eaLnBrk="0" fontAlgn="base" latinLnBrk="0" hangingPunct="0">
-              <a:spcBef>
-                <a:spcPts val="0"/>
-              </a:spcBef>
-              <a:spcAft>
-                <a:spcPts val="0"/>
-              </a:spcAft>
-              <a:buClrTx/>
-              <a:buSzTx/>
-              <a:buFontTx/>
-              <a:buNone/>
-              <a:tabLst/>
-              <a:defRPr/>
-            </a:pPr>
-            <a:r>
-              <a:rPr lang="en-US" kern="1200" dirty="0" smtClean="0">
-                <a:solidFill>
-                  <a:schemeClr val="tx1"/>
-                </a:solidFill>
-              </a:rPr>
-              <a:t>Select the text box or shape.</a:t>
-            </a:r>
-            <a:r>
-              <a:rPr lang="en-US" kern="1200" baseline="0" dirty="0" smtClean="0">
-                <a:solidFill>
-                  <a:schemeClr val="tx1"/>
-                </a:solidFill>
-              </a:rPr>
-              <a:t> </a:t>
-            </a:r>
-            <a:r>
-              <a:rPr lang="en-US" kern="1200" dirty="0" smtClean="0">
-                <a:solidFill>
-                  <a:schemeClr val="tx1"/>
-                </a:solidFill>
-              </a:rPr>
-              <a:t>Note: Make sure to select the entire object, not just the text, by clicking the edge of the text box or shape.</a:t>
-            </a:r>
-          </a:p>
-          <a:p>
-            <a:pPr>
-              <a:spcBef>
-                <a:spcPts val="0"/>
-              </a:spcBef>
-              <a:spcAft>
-                <a:spcPts val="0"/>
-              </a:spcAft>
-            </a:pPr>
-            <a:r>
-              <a:rPr lang="en-US" dirty="0" smtClean="0"/>
-              <a:t>Type </a:t>
-            </a:r>
-            <a:r>
-              <a:rPr lang="en-US" i="1" dirty="0" smtClean="0"/>
-              <a:t>Ctrl C </a:t>
-            </a:r>
-            <a:r>
-              <a:rPr lang="en-US" dirty="0" smtClean="0"/>
-              <a:t>(copy), click outside object, then type </a:t>
-            </a:r>
-            <a:r>
-              <a:rPr lang="en-US" i="1" dirty="0" smtClean="0"/>
-              <a:t>Ctrl V</a:t>
-            </a:r>
-            <a:r>
-              <a:rPr lang="en-US" dirty="0" smtClean="0"/>
-              <a:t> (paste) to place the object. Click and drag the pasted object to desired location.</a:t>
-            </a:r>
           </a:p>
         </p:txBody>
       </p:sp>
@@ -1645,7 +1485,215 @@
 </p:notes>
 </file>
 
-<file path=ppt/notesSlides/notesSlide13.xml><?xml version="1.0" encoding="utf-8"?>
+<file path=ppt/notesSlides/notesSlide15.xml><?xml version="1.0" encoding="utf-8"?>
+<p:notes xmlns:a="http://schemas.openxmlformats.org/drawingml/2006/main" xmlns:r="http://schemas.openxmlformats.org/officeDocument/2006/relationships" xmlns:p="http://schemas.openxmlformats.org/presentationml/2006/main">
+  <p:cSld>
+    <p:spTree>
+      <p:nvGrpSpPr>
+        <p:cNvPr id="1" name=""/>
+        <p:cNvGrpSpPr/>
+        <p:nvPr/>
+      </p:nvGrpSpPr>
+      <p:grpSpPr>
+        <a:xfrm>
+          <a:off x="0" y="0"/>
+          <a:ext cx="0" cy="0"/>
+          <a:chOff x="0" y="0"/>
+          <a:chExt cx="0" cy="0"/>
+        </a:xfrm>
+      </p:grpSpPr>
+      <p:sp>
+        <p:nvSpPr>
+          <p:cNvPr id="2" name="Slide Image Placeholder 1"/>
+          <p:cNvSpPr>
+            <a:spLocks noGrp="1" noRot="1" noChangeAspect="1"/>
+          </p:cNvSpPr>
+          <p:nvPr>
+            <p:ph type="sldImg"/>
+          </p:nvPr>
+        </p:nvSpPr>
+        <p:spPr>
+          <a:xfrm>
+            <a:off x="1558925" y="284163"/>
+            <a:ext cx="3740150" cy="2805112"/>
+          </a:xfrm>
+        </p:spPr>
+      </p:sp>
+      <p:sp>
+        <p:nvSpPr>
+          <p:cNvPr id="3" name="Notes Placeholder 2"/>
+          <p:cNvSpPr>
+            <a:spLocks noGrp="1"/>
+          </p:cNvSpPr>
+          <p:nvPr>
+            <p:ph type="body" idx="1"/>
+          </p:nvPr>
+        </p:nvSpPr>
+        <p:spPr/>
+        <p:txBody>
+          <a:bodyPr/>
+          <a:lstStyle/>
+          <a:p>
+            <a:r>
+              <a:rPr lang="en-US" dirty="0" smtClean="0"/>
+              <a:t>We prefer Maven</a:t>
+            </a:r>
+            <a:r>
+              <a:rPr lang="en-US" baseline="0" dirty="0" smtClean="0"/>
+              <a:t> as our project building tool in new architecture. So we’d better know how to integrate </a:t>
+            </a:r>
+            <a:r>
+              <a:rPr lang="en-US" baseline="0" dirty="0" err="1" smtClean="0"/>
+              <a:t>JSHint</a:t>
+            </a:r>
+            <a:r>
+              <a:rPr lang="en-US" baseline="0" dirty="0" smtClean="0"/>
+              <a:t> with Maven. </a:t>
+            </a:r>
+            <a:endParaRPr lang="en-US" dirty="0"/>
+          </a:p>
+        </p:txBody>
+      </p:sp>
+      <p:sp>
+        <p:nvSpPr>
+          <p:cNvPr id="4" name="Slide Number Placeholder 3"/>
+          <p:cNvSpPr>
+            <a:spLocks noGrp="1"/>
+          </p:cNvSpPr>
+          <p:nvPr>
+            <p:ph type="sldNum" sz="quarter" idx="10"/>
+          </p:nvPr>
+        </p:nvSpPr>
+        <p:spPr/>
+        <p:txBody>
+          <a:bodyPr/>
+          <a:lstStyle/>
+          <a:p>
+            <a:pPr>
+              <a:defRPr/>
+            </a:pPr>
+            <a:fld id="{CEA96130-80FE-450A-9D6E-2375B464A403}" type="slidenum">
+              <a:rPr lang="en-US" smtClean="0"/>
+              <a:pPr>
+                <a:defRPr/>
+              </a:pPr>
+              <a:t>16</a:t>
+            </a:fld>
+            <a:endParaRPr lang="en-US" dirty="0"/>
+          </a:p>
+        </p:txBody>
+      </p:sp>
+    </p:spTree>
+    <p:extLst>
+      <p:ext uri="{BB962C8B-B14F-4D97-AF65-F5344CB8AC3E}">
+        <p14:creationId xmlns:p14="http://schemas.microsoft.com/office/powerpoint/2010/main" val="1170059121"/>
+      </p:ext>
+    </p:extLst>
+  </p:cSld>
+  <p:clrMapOvr>
+    <a:masterClrMapping/>
+  </p:clrMapOvr>
+</p:notes>
+</file>
+
+<file path=ppt/notesSlides/notesSlide16.xml><?xml version="1.0" encoding="utf-8"?>
+<p:notes xmlns:a="http://schemas.openxmlformats.org/drawingml/2006/main" xmlns:r="http://schemas.openxmlformats.org/officeDocument/2006/relationships" xmlns:p="http://schemas.openxmlformats.org/presentationml/2006/main">
+  <p:cSld>
+    <p:spTree>
+      <p:nvGrpSpPr>
+        <p:cNvPr id="1" name=""/>
+        <p:cNvGrpSpPr/>
+        <p:nvPr/>
+      </p:nvGrpSpPr>
+      <p:grpSpPr>
+        <a:xfrm>
+          <a:off x="0" y="0"/>
+          <a:ext cx="0" cy="0"/>
+          <a:chOff x="0" y="0"/>
+          <a:chExt cx="0" cy="0"/>
+        </a:xfrm>
+      </p:grpSpPr>
+      <p:sp>
+        <p:nvSpPr>
+          <p:cNvPr id="54274" name="Rectangle 7"/>
+          <p:cNvSpPr>
+            <a:spLocks noGrp="1" noChangeArrowheads="1"/>
+          </p:cNvSpPr>
+          <p:nvPr>
+            <p:ph type="sldNum" sz="quarter" idx="5"/>
+          </p:nvPr>
+        </p:nvSpPr>
+        <p:spPr>
+          <a:noFill/>
+        </p:spPr>
+        <p:txBody>
+          <a:bodyPr/>
+          <a:lstStyle/>
+          <a:p>
+            <a:fld id="{6698ED02-3EBA-4AEA-92C7-B8D5D775CAF5}" type="slidenum">
+              <a:rPr lang="en-US" smtClean="0"/>
+              <a:pPr/>
+              <a:t>18</a:t>
+            </a:fld>
+            <a:endParaRPr lang="en-US" smtClean="0"/>
+          </a:p>
+        </p:txBody>
+      </p:sp>
+      <p:sp>
+        <p:nvSpPr>
+          <p:cNvPr id="5" name="Notes Placeholder 4"/>
+          <p:cNvSpPr>
+            <a:spLocks noGrp="1"/>
+          </p:cNvSpPr>
+          <p:nvPr>
+            <p:ph type="body" sz="quarter" idx="10"/>
+          </p:nvPr>
+        </p:nvSpPr>
+        <p:spPr/>
+        <p:txBody>
+          <a:bodyPr>
+            <a:normAutofit/>
+          </a:bodyPr>
+          <a:lstStyle/>
+          <a:p>
+            <a:pPr>
+              <a:spcBef>
+                <a:spcPts val="0"/>
+              </a:spcBef>
+              <a:spcAft>
+                <a:spcPts val="0"/>
+              </a:spcAft>
+            </a:pPr>
+            <a:endParaRPr lang="en-US" dirty="0" smtClean="0"/>
+          </a:p>
+        </p:txBody>
+      </p:sp>
+      <p:sp>
+        <p:nvSpPr>
+          <p:cNvPr id="6" name="Slide Image Placeholder 5"/>
+          <p:cNvSpPr>
+            <a:spLocks noGrp="1" noRot="1" noChangeAspect="1"/>
+          </p:cNvSpPr>
+          <p:nvPr>
+            <p:ph type="sldImg"/>
+          </p:nvPr>
+        </p:nvSpPr>
+        <p:spPr>
+          <a:xfrm>
+            <a:off x="1558925" y="284163"/>
+            <a:ext cx="3740150" cy="2805112"/>
+          </a:xfrm>
+        </p:spPr>
+      </p:sp>
+    </p:spTree>
+  </p:cSld>
+  <p:clrMapOvr>
+    <a:masterClrMapping/>
+  </p:clrMapOvr>
+</p:notes>
+</file>
+
+<file path=ppt/notesSlides/notesSlide17.xml><?xml version="1.0" encoding="utf-8"?>
 <p:notes xmlns:a="http://schemas.openxmlformats.org/drawingml/2006/main" xmlns:r="http://schemas.openxmlformats.org/officeDocument/2006/relationships" xmlns:p="http://schemas.openxmlformats.org/presentationml/2006/main">
   <p:cSld>
     <p:spTree>
@@ -1880,12 +1928,7 @@
             <p:ph type="sldImg"/>
           </p:nvPr>
         </p:nvSpPr>
-        <p:spPr>
-          <a:xfrm>
-            <a:off x="1558925" y="284163"/>
-            <a:ext cx="3740150" cy="2805112"/>
-          </a:xfrm>
-        </p:spPr>
+        <p:spPr/>
       </p:sp>
       <p:sp>
         <p:nvSpPr>
@@ -1903,20 +1946,48 @@
           <a:lstStyle/>
           <a:p>
             <a:r>
-              <a:rPr lang="en-US" dirty="0" err="1" smtClean="0"/>
-              <a:t>JSHint</a:t>
-            </a:r>
-            <a:r>
               <a:rPr lang="en-US" dirty="0" smtClean="0"/>
-              <a:t> is a community-driven tool to detect errors and potential problems in </a:t>
-            </a:r>
-            <a:r>
-              <a:rPr lang="en-US" dirty="0" err="1" smtClean="0"/>
-              <a:t>Javascript</a:t>
-            </a:r>
-            <a:r>
-              <a:rPr lang="en-US" dirty="0" smtClean="0"/>
-              <a:t> code. It is very flexible so you can easily adjust it to your particular coding guidelines and the environment you expect your code to execute in.</a:t>
+              <a:t>To</a:t>
+            </a:r>
+            <a:r>
+              <a:rPr lang="en-US" baseline="0" dirty="0" smtClean="0"/>
+              <a:t> pursue the quality of code. These three aspects should be considered. </a:t>
+            </a:r>
+          </a:p>
+          <a:p>
+            <a:r>
+              <a:rPr lang="en-US" baseline="0" dirty="0" smtClean="0"/>
+              <a:t>Fortunately, we have adopted many amazing tools into developing and building environments.</a:t>
+            </a:r>
+          </a:p>
+          <a:p>
+            <a:r>
+              <a:rPr lang="en-US" baseline="0" dirty="0" smtClean="0"/>
+              <a:t>For example, </a:t>
+            </a:r>
+            <a:r>
+              <a:rPr lang="en-US" baseline="0" dirty="0" err="1" smtClean="0"/>
+              <a:t>TestNG</a:t>
+            </a:r>
+            <a:r>
+              <a:rPr lang="en-US" baseline="0" dirty="0" smtClean="0"/>
+              <a:t>, </a:t>
+            </a:r>
+            <a:r>
+              <a:rPr lang="en-US" baseline="0" dirty="0" err="1" smtClean="0"/>
+              <a:t>Jmokit</a:t>
+            </a:r>
+            <a:r>
+              <a:rPr lang="en-US" baseline="0" dirty="0" smtClean="0"/>
+              <a:t> for Java Unit Test, Clover for Code Coverage, </a:t>
+            </a:r>
+            <a:r>
+              <a:rPr lang="en-US" baseline="0" dirty="0" err="1" smtClean="0"/>
+              <a:t>CheckStyle</a:t>
+            </a:r>
+            <a:r>
+              <a:rPr lang="en-US" baseline="0" dirty="0" smtClean="0"/>
+              <a:t> for Java code static analysis.  </a:t>
             </a:r>
             <a:endParaRPr lang="en-US" dirty="0"/>
           </a:p>
@@ -1945,7 +2016,7 @@
               <a:pPr>
                 <a:defRPr/>
               </a:pPr>
-              <a:t>4</a:t>
+              <a:t>3</a:t>
             </a:fld>
             <a:endParaRPr lang="en-US" dirty="0"/>
           </a:p>
@@ -1954,7 +2025,7 @@
     </p:spTree>
     <p:extLst>
       <p:ext uri="{BB962C8B-B14F-4D97-AF65-F5344CB8AC3E}">
-        <p14:creationId xmlns:p14="http://schemas.microsoft.com/office/powerpoint/2010/main" val="626382660"/>
+        <p14:creationId xmlns:p14="http://schemas.microsoft.com/office/powerpoint/2010/main" val="2109889974"/>
       </p:ext>
     </p:extLst>
   </p:cSld>
@@ -1983,501 +2054,7 @@
       </p:grpSpPr>
       <p:sp>
         <p:nvSpPr>
-          <p:cNvPr id="54274" name="Rectangle 7"/>
-          <p:cNvSpPr>
-            <a:spLocks noGrp="1" noChangeArrowheads="1"/>
-          </p:cNvSpPr>
-          <p:nvPr>
-            <p:ph type="sldNum" sz="quarter" idx="5"/>
-          </p:nvPr>
-        </p:nvSpPr>
-        <p:spPr>
-          <a:noFill/>
-        </p:spPr>
-        <p:txBody>
-          <a:bodyPr/>
-          <a:lstStyle/>
-          <a:p>
-            <a:fld id="{6698ED02-3EBA-4AEA-92C7-B8D5D775CAF5}" type="slidenum">
-              <a:rPr lang="en-US" smtClean="0"/>
-              <a:pPr/>
-              <a:t>5</a:t>
-            </a:fld>
-            <a:endParaRPr lang="en-US" smtClean="0"/>
-          </a:p>
-        </p:txBody>
-      </p:sp>
-      <p:sp>
-        <p:nvSpPr>
-          <p:cNvPr id="5" name="Notes Placeholder 4"/>
-          <p:cNvSpPr>
-            <a:spLocks noGrp="1"/>
-          </p:cNvSpPr>
-          <p:nvPr>
-            <p:ph type="body" sz="quarter" idx="10"/>
-          </p:nvPr>
-        </p:nvSpPr>
-        <p:spPr/>
-        <p:txBody>
-          <a:bodyPr>
-            <a:normAutofit/>
-          </a:bodyPr>
-          <a:lstStyle/>
-          <a:p>
-            <a:pPr>
-              <a:spcBef>
-                <a:spcPts val="0"/>
-              </a:spcBef>
-              <a:spcAft>
-                <a:spcPts val="0"/>
-              </a:spcAft>
-            </a:pPr>
-            <a:r>
-              <a:rPr lang="en-US" dirty="0" smtClean="0"/>
-              <a:t>This is a sample </a:t>
-            </a:r>
-            <a:r>
-              <a:rPr lang="en-US" b="1" dirty="0" smtClean="0"/>
-              <a:t>Agenda/Preview</a:t>
-            </a:r>
-            <a:r>
-              <a:rPr lang="en-US" dirty="0" smtClean="0"/>
-              <a:t> slide. This slide is ideal for </a:t>
-            </a:r>
-            <a:r>
-              <a:rPr lang="en-US" i="1" dirty="0" smtClean="0"/>
-              <a:t>setting the scene </a:t>
-            </a:r>
-            <a:r>
-              <a:rPr lang="en-US" dirty="0" smtClean="0"/>
-              <a:t>at the beginning of your presentation by providing a big picture overview of what you plan to cover. </a:t>
-            </a:r>
-          </a:p>
-          <a:p>
-            <a:pPr>
-              <a:spcBef>
-                <a:spcPts val="0"/>
-              </a:spcBef>
-              <a:spcAft>
-                <a:spcPts val="0"/>
-              </a:spcAft>
-            </a:pPr>
-            <a:endParaRPr lang="en-US" b="1" dirty="0" smtClean="0"/>
-          </a:p>
-          <a:p>
-            <a:pPr>
-              <a:spcBef>
-                <a:spcPts val="0"/>
-              </a:spcBef>
-              <a:spcAft>
-                <a:spcPts val="0"/>
-              </a:spcAft>
-            </a:pPr>
-            <a:r>
-              <a:rPr lang="en-US" b="1" dirty="0" smtClean="0"/>
-              <a:t>To Change Titles in Shapes (i.e.: “Text here”):</a:t>
-            </a:r>
-          </a:p>
-          <a:p>
-            <a:pPr>
-              <a:spcBef>
-                <a:spcPts val="0"/>
-              </a:spcBef>
-              <a:spcAft>
-                <a:spcPts val="0"/>
-              </a:spcAft>
-            </a:pPr>
-            <a:r>
-              <a:rPr lang="en-US" dirty="0" smtClean="0"/>
-              <a:t>Select text. (Optional:</a:t>
-            </a:r>
-            <a:r>
-              <a:rPr lang="en-US" baseline="0" dirty="0" smtClean="0"/>
-              <a:t> </a:t>
-            </a:r>
-            <a:r>
-              <a:rPr lang="en-US" dirty="0" smtClean="0"/>
-              <a:t>Press </a:t>
-            </a:r>
-            <a:r>
-              <a:rPr lang="en-US" i="1" dirty="0" smtClean="0"/>
-              <a:t>Delete</a:t>
-            </a:r>
-            <a:r>
-              <a:rPr lang="en-US" dirty="0" smtClean="0"/>
-              <a:t>.) Begin typing desired text.</a:t>
-            </a:r>
-          </a:p>
-          <a:p>
-            <a:pPr>
-              <a:spcBef>
-                <a:spcPts val="0"/>
-              </a:spcBef>
-              <a:spcAft>
-                <a:spcPts val="0"/>
-              </a:spcAft>
-            </a:pPr>
-            <a:endParaRPr lang="en-US" dirty="0" smtClean="0"/>
-          </a:p>
-          <a:p>
-            <a:pPr lvl="0">
-              <a:spcBef>
-                <a:spcPts val="0"/>
-              </a:spcBef>
-              <a:spcAft>
-                <a:spcPts val="0"/>
-              </a:spcAft>
-            </a:pPr>
-            <a:r>
-              <a:rPr lang="en-US" b="1" dirty="0" smtClean="0">
-                <a:solidFill>
-                  <a:srgbClr val="000000"/>
-                </a:solidFill>
-              </a:rPr>
-              <a:t>To Change Font Color/Size: </a:t>
-            </a:r>
-            <a:endParaRPr lang="en-US" dirty="0" smtClean="0">
-              <a:solidFill>
-                <a:srgbClr val="000000"/>
-              </a:solidFill>
-            </a:endParaRPr>
-          </a:p>
-          <a:p>
-            <a:pPr lvl="0">
-              <a:spcBef>
-                <a:spcPts val="0"/>
-              </a:spcBef>
-              <a:spcAft>
-                <a:spcPts val="0"/>
-              </a:spcAft>
-            </a:pPr>
-            <a:r>
-              <a:rPr lang="en-US" dirty="0" smtClean="0">
-                <a:solidFill>
-                  <a:srgbClr val="000000"/>
-                </a:solidFill>
-              </a:rPr>
-              <a:t>Select text,</a:t>
-            </a:r>
-            <a:r>
-              <a:rPr lang="en-US" baseline="0" dirty="0" smtClean="0">
-                <a:solidFill>
-                  <a:srgbClr val="000000"/>
-                </a:solidFill>
-              </a:rPr>
-              <a:t> </a:t>
-            </a:r>
-            <a:r>
-              <a:rPr lang="en-US" dirty="0" smtClean="0">
-                <a:solidFill>
-                  <a:srgbClr val="000000"/>
-                </a:solidFill>
-              </a:rPr>
-              <a:t>right-click and adjust the font setting on the </a:t>
-            </a:r>
-            <a:r>
-              <a:rPr lang="en-US" i="1" dirty="0" smtClean="0">
-                <a:solidFill>
-                  <a:srgbClr val="000000"/>
-                </a:solidFill>
-              </a:rPr>
-              <a:t>Mini toolbar</a:t>
-            </a:r>
-            <a:r>
-              <a:rPr lang="en-US" dirty="0" smtClean="0">
-                <a:solidFill>
-                  <a:srgbClr val="000000"/>
-                </a:solidFill>
-              </a:rPr>
-              <a:t>.  Select desired attributes to change: font, size, boldness, color, etc.  Note: many of the same commands can also be accessed from the </a:t>
-            </a:r>
-            <a:r>
-              <a:rPr lang="en-US" i="1" dirty="0" smtClean="0">
-                <a:solidFill>
-                  <a:srgbClr val="000000"/>
-                </a:solidFill>
-              </a:rPr>
-              <a:t>Font</a:t>
-            </a:r>
-            <a:r>
-              <a:rPr lang="en-US" dirty="0" smtClean="0">
-                <a:solidFill>
-                  <a:srgbClr val="000000"/>
-                </a:solidFill>
-              </a:rPr>
-              <a:t> group of the </a:t>
-            </a:r>
-            <a:r>
-              <a:rPr lang="en-US" i="1" dirty="0" smtClean="0">
-                <a:solidFill>
-                  <a:srgbClr val="000000"/>
-                </a:solidFill>
-              </a:rPr>
-              <a:t>Home</a:t>
-            </a:r>
-            <a:r>
-              <a:rPr lang="en-US" dirty="0" smtClean="0">
-                <a:solidFill>
-                  <a:srgbClr val="000000"/>
-                </a:solidFill>
-              </a:rPr>
-              <a:t> tab.</a:t>
-            </a:r>
-          </a:p>
-          <a:p>
-            <a:pPr>
-              <a:spcBef>
-                <a:spcPts val="0"/>
-              </a:spcBef>
-              <a:spcAft>
-                <a:spcPts val="0"/>
-              </a:spcAft>
-            </a:pPr>
-            <a:endParaRPr lang="en-US" b="1" dirty="0" smtClean="0"/>
-          </a:p>
-          <a:p>
-            <a:pPr>
-              <a:spcBef>
-                <a:spcPts val="0"/>
-              </a:spcBef>
-              <a:spcAft>
-                <a:spcPts val="0"/>
-              </a:spcAft>
-            </a:pPr>
-            <a:r>
-              <a:rPr lang="en-US" b="1" dirty="0" smtClean="0"/>
-              <a:t>To Change a Shape’s Fill Color:</a:t>
-            </a:r>
-          </a:p>
-          <a:p>
-            <a:pPr marL="0" marR="0" indent="0" algn="l" defTabSz="914400" rtl="0" eaLnBrk="1" fontAlgn="base" latinLnBrk="0" hangingPunct="1">
-              <a:spcBef>
-                <a:spcPts val="0"/>
-              </a:spcBef>
-              <a:spcAft>
-                <a:spcPts val="0"/>
-              </a:spcAft>
-              <a:buClrTx/>
-              <a:buSzTx/>
-              <a:buFontTx/>
-              <a:buNone/>
-              <a:tabLst/>
-              <a:defRPr/>
-            </a:pPr>
-            <a:r>
-              <a:rPr lang="en-US" dirty="0" smtClean="0"/>
-              <a:t>Select the desired object by clicking once</a:t>
-            </a:r>
-            <a:r>
-              <a:rPr lang="en-US" baseline="0" dirty="0" smtClean="0"/>
-              <a:t> on its edge. O</a:t>
-            </a:r>
-            <a:r>
-              <a:rPr lang="en-US" dirty="0" smtClean="0"/>
-              <a:t>n the </a:t>
-            </a:r>
-            <a:r>
-              <a:rPr lang="en-US" i="1" dirty="0" smtClean="0"/>
-              <a:t>Home</a:t>
-            </a:r>
-            <a:r>
-              <a:rPr lang="en-US" dirty="0" smtClean="0"/>
-              <a:t> tab, click the </a:t>
-            </a:r>
-            <a:r>
-              <a:rPr lang="en-US" i="1" dirty="0" smtClean="0"/>
-              <a:t>Shape Fill </a:t>
-            </a:r>
-            <a:r>
-              <a:rPr lang="en-US" dirty="0" smtClean="0"/>
-              <a:t>button within the </a:t>
-            </a:r>
-            <a:r>
-              <a:rPr lang="en-US" i="1" dirty="0" smtClean="0"/>
-              <a:t>Drawing</a:t>
-            </a:r>
-            <a:r>
-              <a:rPr lang="en-US" dirty="0" smtClean="0"/>
-              <a:t> group to select a theme color from the Symantec color palette. </a:t>
-            </a:r>
-          </a:p>
-          <a:p>
-            <a:pPr marL="0" marR="0" indent="0" algn="l" defTabSz="914400" rtl="0" eaLnBrk="1" fontAlgn="base" latinLnBrk="0" hangingPunct="1">
-              <a:spcBef>
-                <a:spcPts val="0"/>
-              </a:spcBef>
-              <a:spcAft>
-                <a:spcPts val="0"/>
-              </a:spcAft>
-              <a:buClrTx/>
-              <a:buSzTx/>
-              <a:buFontTx/>
-              <a:buNone/>
-              <a:tabLst/>
-              <a:defRPr/>
-            </a:pPr>
-            <a:endParaRPr lang="en-US" dirty="0" smtClean="0"/>
-          </a:p>
-          <a:p>
-            <a:pPr>
-              <a:spcBef>
-                <a:spcPts val="0"/>
-              </a:spcBef>
-              <a:spcAft>
-                <a:spcPts val="0"/>
-              </a:spcAft>
-            </a:pPr>
-            <a:endParaRPr lang="en-US" dirty="0" smtClean="0"/>
-          </a:p>
-          <a:p>
-            <a:pPr>
-              <a:spcBef>
-                <a:spcPts val="0"/>
-              </a:spcBef>
-              <a:spcAft>
-                <a:spcPts val="0"/>
-              </a:spcAft>
-            </a:pPr>
-            <a:r>
-              <a:rPr lang="en-US" b="1" dirty="0" smtClean="0"/>
-              <a:t>To Delete a Shape:</a:t>
-            </a:r>
-          </a:p>
-          <a:p>
-            <a:pPr>
-              <a:spcBef>
-                <a:spcPts val="0"/>
-              </a:spcBef>
-              <a:spcAft>
-                <a:spcPts val="0"/>
-              </a:spcAft>
-            </a:pPr>
-            <a:r>
-              <a:rPr lang="en-US" dirty="0" smtClean="0"/>
-              <a:t>Select the desired object by clicking once</a:t>
-            </a:r>
-            <a:r>
-              <a:rPr lang="en-US" baseline="0" dirty="0" smtClean="0"/>
-              <a:t> on its edge. </a:t>
-            </a:r>
-            <a:r>
-              <a:rPr lang="en-US" dirty="0" smtClean="0"/>
-              <a:t>Press the </a:t>
-            </a:r>
-            <a:r>
-              <a:rPr lang="en-US" i="1" dirty="0" smtClean="0"/>
-              <a:t>Delete</a:t>
-            </a:r>
-            <a:r>
-              <a:rPr lang="en-US" dirty="0" smtClean="0"/>
-              <a:t> key</a:t>
-            </a:r>
-            <a:r>
-              <a:rPr lang="en-US" baseline="0" dirty="0" smtClean="0"/>
-              <a:t> on your keyboard.</a:t>
-            </a:r>
-            <a:endParaRPr lang="en-US" dirty="0" smtClean="0"/>
-          </a:p>
-          <a:p>
-            <a:pPr>
-              <a:spcBef>
-                <a:spcPts val="0"/>
-              </a:spcBef>
-              <a:spcAft>
-                <a:spcPts val="0"/>
-              </a:spcAft>
-            </a:pPr>
-            <a:endParaRPr lang="en-US" dirty="0" smtClean="0"/>
-          </a:p>
-          <a:p>
-            <a:pPr>
-              <a:spcBef>
-                <a:spcPts val="0"/>
-              </a:spcBef>
-              <a:spcAft>
-                <a:spcPts val="0"/>
-              </a:spcAft>
-            </a:pPr>
-            <a:r>
-              <a:rPr lang="en-US" b="1" dirty="0" smtClean="0"/>
-              <a:t>To Copy a Text Box or Shape:</a:t>
-            </a:r>
-          </a:p>
-          <a:p>
-            <a:pPr marL="0" marR="0" indent="0" algn="l" defTabSz="914400" rtl="0" eaLnBrk="0" fontAlgn="base" latinLnBrk="0" hangingPunct="0">
-              <a:spcBef>
-                <a:spcPts val="0"/>
-              </a:spcBef>
-              <a:spcAft>
-                <a:spcPts val="0"/>
-              </a:spcAft>
-              <a:buClrTx/>
-              <a:buSzTx/>
-              <a:buFontTx/>
-              <a:buNone/>
-              <a:tabLst/>
-              <a:defRPr/>
-            </a:pPr>
-            <a:r>
-              <a:rPr lang="en-US" kern="1200" dirty="0" smtClean="0">
-                <a:solidFill>
-                  <a:schemeClr val="tx1"/>
-                </a:solidFill>
-              </a:rPr>
-              <a:t>Select the text box or shape.</a:t>
-            </a:r>
-            <a:r>
-              <a:rPr lang="en-US" kern="1200" baseline="0" dirty="0" smtClean="0">
-                <a:solidFill>
-                  <a:schemeClr val="tx1"/>
-                </a:solidFill>
-              </a:rPr>
-              <a:t> </a:t>
-            </a:r>
-            <a:r>
-              <a:rPr lang="en-US" kern="1200" dirty="0" smtClean="0">
-                <a:solidFill>
-                  <a:schemeClr val="tx1"/>
-                </a:solidFill>
-              </a:rPr>
-              <a:t>Note: Make sure to select the entire object, not just the text, by clicking the edge of the text box or shape.</a:t>
-            </a:r>
-          </a:p>
-          <a:p>
-            <a:pPr>
-              <a:spcBef>
-                <a:spcPts val="0"/>
-              </a:spcBef>
-              <a:spcAft>
-                <a:spcPts val="0"/>
-              </a:spcAft>
-            </a:pPr>
-            <a:r>
-              <a:rPr lang="en-US" dirty="0" smtClean="0"/>
-              <a:t>Type </a:t>
-            </a:r>
-            <a:r>
-              <a:rPr lang="en-US" i="1" dirty="0" smtClean="0"/>
-              <a:t>Ctrl C </a:t>
-            </a:r>
-            <a:r>
-              <a:rPr lang="en-US" dirty="0" smtClean="0"/>
-              <a:t>(copy), click outside object, then type </a:t>
-            </a:r>
-            <a:r>
-              <a:rPr lang="en-US" i="1" dirty="0" smtClean="0"/>
-              <a:t>Ctrl V</a:t>
-            </a:r>
-            <a:r>
-              <a:rPr lang="en-US" dirty="0" smtClean="0"/>
-              <a:t> (paste) to place the object. Click and drag the pasted object to desired location.</a:t>
-            </a:r>
-          </a:p>
-        </p:txBody>
-      </p:sp>
-      <p:sp>
-        <p:nvSpPr>
-          <p:cNvPr id="6" name="Slide Image Placeholder 5"/>
+          <p:cNvPr id="2" name="Slide Image Placeholder 1"/>
           <p:cNvSpPr>
             <a:spLocks noGrp="1" noRot="1" noChangeAspect="1"/>
           </p:cNvSpPr>
@@ -2492,7 +2069,92 @@
           </a:xfrm>
         </p:spPr>
       </p:sp>
+      <p:sp>
+        <p:nvSpPr>
+          <p:cNvPr id="3" name="Notes Placeholder 2"/>
+          <p:cNvSpPr>
+            <a:spLocks noGrp="1"/>
+          </p:cNvSpPr>
+          <p:nvPr>
+            <p:ph type="body" idx="1"/>
+          </p:nvPr>
+        </p:nvSpPr>
+        <p:spPr/>
+        <p:txBody>
+          <a:bodyPr/>
+          <a:lstStyle/>
+          <a:p>
+            <a:r>
+              <a:rPr lang="en-US" dirty="0" err="1" smtClean="0"/>
+              <a:t>JSHint</a:t>
+            </a:r>
+            <a:r>
+              <a:rPr lang="en-US" dirty="0" smtClean="0"/>
+              <a:t> is a community-driven tool to detect errors and potential problems in </a:t>
+            </a:r>
+            <a:r>
+              <a:rPr lang="en-US" dirty="0" err="1" smtClean="0"/>
+              <a:t>Javascript</a:t>
+            </a:r>
+            <a:r>
+              <a:rPr lang="en-US" dirty="0" smtClean="0"/>
+              <a:t> code. It is very flexible so you can easily </a:t>
+            </a:r>
+            <a:r>
+              <a:rPr lang="en-US" dirty="0" smtClean="0"/>
+              <a:t>customize it </a:t>
+            </a:r>
+            <a:r>
+              <a:rPr lang="en-US" dirty="0" smtClean="0"/>
+              <a:t>to </a:t>
+            </a:r>
+            <a:r>
+              <a:rPr lang="en-US" dirty="0" smtClean="0"/>
+              <a:t>your </a:t>
+            </a:r>
+            <a:r>
+              <a:rPr lang="en-US" dirty="0" smtClean="0"/>
+              <a:t>coding guidelines and the environment you expect your code to execute in.</a:t>
+            </a:r>
+            <a:endParaRPr lang="en-US" dirty="0"/>
+          </a:p>
+        </p:txBody>
+      </p:sp>
+      <p:sp>
+        <p:nvSpPr>
+          <p:cNvPr id="4" name="Slide Number Placeholder 3"/>
+          <p:cNvSpPr>
+            <a:spLocks noGrp="1"/>
+          </p:cNvSpPr>
+          <p:nvPr>
+            <p:ph type="sldNum" sz="quarter" idx="10"/>
+          </p:nvPr>
+        </p:nvSpPr>
+        <p:spPr/>
+        <p:txBody>
+          <a:bodyPr/>
+          <a:lstStyle/>
+          <a:p>
+            <a:pPr>
+              <a:defRPr/>
+            </a:pPr>
+            <a:fld id="{CEA96130-80FE-450A-9D6E-2375B464A403}" type="slidenum">
+              <a:rPr lang="en-US" smtClean="0"/>
+              <a:pPr>
+                <a:defRPr/>
+              </a:pPr>
+              <a:t>4</a:t>
+            </a:fld>
+            <a:endParaRPr lang="en-US" dirty="0"/>
+          </a:p>
+        </p:txBody>
+      </p:sp>
     </p:spTree>
+    <p:extLst>
+      <p:ext uri="{BB962C8B-B14F-4D97-AF65-F5344CB8AC3E}">
+        <p14:creationId xmlns:p14="http://schemas.microsoft.com/office/powerpoint/2010/main" val="626382660"/>
+      </p:ext>
+    </p:extLst>
   </p:cSld>
   <p:clrMapOvr>
     <a:masterClrMapping/>
@@ -2519,7 +2181,62 @@
       </p:grpSpPr>
       <p:sp>
         <p:nvSpPr>
-          <p:cNvPr id="2" name="Slide Image Placeholder 1"/>
+          <p:cNvPr id="54274" name="Rectangle 7"/>
+          <p:cNvSpPr>
+            <a:spLocks noGrp="1" noChangeArrowheads="1"/>
+          </p:cNvSpPr>
+          <p:nvPr>
+            <p:ph type="sldNum" sz="quarter" idx="5"/>
+          </p:nvPr>
+        </p:nvSpPr>
+        <p:spPr>
+          <a:noFill/>
+        </p:spPr>
+        <p:txBody>
+          <a:bodyPr/>
+          <a:lstStyle/>
+          <a:p>
+            <a:fld id="{6698ED02-3EBA-4AEA-92C7-B8D5D775CAF5}" type="slidenum">
+              <a:rPr lang="en-US" smtClean="0"/>
+              <a:pPr/>
+              <a:t>5</a:t>
+            </a:fld>
+            <a:endParaRPr lang="en-US" smtClean="0"/>
+          </a:p>
+        </p:txBody>
+      </p:sp>
+      <p:sp>
+        <p:nvSpPr>
+          <p:cNvPr id="5" name="Notes Placeholder 4"/>
+          <p:cNvSpPr>
+            <a:spLocks noGrp="1"/>
+          </p:cNvSpPr>
+          <p:nvPr>
+            <p:ph type="body" sz="quarter" idx="10"/>
+          </p:nvPr>
+        </p:nvSpPr>
+        <p:spPr/>
+        <p:txBody>
+          <a:bodyPr>
+            <a:normAutofit/>
+          </a:bodyPr>
+          <a:lstStyle/>
+          <a:p>
+            <a:pPr>
+              <a:spcBef>
+                <a:spcPts val="0"/>
+              </a:spcBef>
+              <a:spcAft>
+                <a:spcPts val="0"/>
+              </a:spcAft>
+            </a:pPr>
+            <a:endParaRPr lang="en-US" dirty="0" smtClean="0"/>
+          </a:p>
+        </p:txBody>
+      </p:sp>
+      <p:sp>
+        <p:nvSpPr>
+          <p:cNvPr id="6" name="Slide Image Placeholder 5"/>
           <p:cNvSpPr>
             <a:spLocks noGrp="1" noRot="1" noChangeAspect="1"/>
           </p:cNvSpPr>
@@ -2534,212 +2251,7 @@
           </a:xfrm>
         </p:spPr>
       </p:sp>
-      <p:sp>
-        <p:nvSpPr>
-          <p:cNvPr id="3" name="Notes Placeholder 2"/>
-          <p:cNvSpPr>
-            <a:spLocks noGrp="1"/>
-          </p:cNvSpPr>
-          <p:nvPr>
-            <p:ph type="body" idx="1"/>
-          </p:nvPr>
-        </p:nvSpPr>
-        <p:spPr/>
-        <p:txBody>
-          <a:bodyPr/>
-          <a:lstStyle/>
-          <a:p>
-            <a:pPr marL="228600" indent="-228600">
-              <a:buAutoNum type="arabicPeriod"/>
-            </a:pPr>
-            <a:r>
-              <a:rPr lang="en-US" sz="1200" kern="1200" dirty="0" smtClean="0">
-                <a:solidFill>
-                  <a:schemeClr val="tx1"/>
-                </a:solidFill>
-                <a:effectLst/>
-                <a:latin typeface="+mn-lt"/>
-                <a:ea typeface="+mn-ea"/>
-                <a:cs typeface="+mn-cs"/>
-              </a:rPr>
-              <a:t>The easiest way to use </a:t>
-            </a:r>
-            <a:r>
-              <a:rPr lang="en-US" sz="1200" kern="1200" dirty="0" err="1" smtClean="0">
-                <a:solidFill>
-                  <a:schemeClr val="tx1"/>
-                </a:solidFill>
-                <a:effectLst/>
-                <a:latin typeface="+mn-lt"/>
-                <a:ea typeface="+mn-ea"/>
-                <a:cs typeface="+mn-cs"/>
-              </a:rPr>
-              <a:t>JSHint</a:t>
-            </a:r>
-            <a:r>
-              <a:rPr lang="en-US" sz="1200" kern="1200" dirty="0" smtClean="0">
-                <a:solidFill>
-                  <a:schemeClr val="tx1"/>
-                </a:solidFill>
-                <a:effectLst/>
-                <a:latin typeface="+mn-lt"/>
-                <a:ea typeface="+mn-ea"/>
-                <a:cs typeface="+mn-cs"/>
-              </a:rPr>
-              <a:t> is to install it as a Node program. To do so, simply run the following command in your terminal </a:t>
-            </a:r>
-            <a:r>
-              <a:rPr lang="en-US" sz="1200" kern="1200" dirty="0" err="1" smtClean="0">
-                <a:solidFill>
-                  <a:schemeClr val="tx1"/>
-                </a:solidFill>
-                <a:effectLst/>
-                <a:latin typeface="+mn-lt"/>
-                <a:ea typeface="+mn-ea"/>
-                <a:cs typeface="+mn-cs"/>
-              </a:rPr>
-              <a:t>npm</a:t>
-            </a:r>
-            <a:r>
-              <a:rPr lang="en-US" sz="1200" kern="1200" dirty="0" smtClean="0">
-                <a:solidFill>
-                  <a:schemeClr val="tx1"/>
-                </a:solidFill>
-                <a:effectLst/>
-                <a:latin typeface="+mn-lt"/>
-                <a:ea typeface="+mn-ea"/>
-                <a:cs typeface="+mn-cs"/>
-              </a:rPr>
-              <a:t> install </a:t>
-            </a:r>
-            <a:r>
-              <a:rPr lang="en-US" sz="1200" kern="1200" dirty="0" err="1" smtClean="0">
-                <a:solidFill>
-                  <a:schemeClr val="tx1"/>
-                </a:solidFill>
-                <a:effectLst/>
-                <a:latin typeface="+mn-lt"/>
-                <a:ea typeface="+mn-ea"/>
-                <a:cs typeface="+mn-cs"/>
-              </a:rPr>
-              <a:t>jshint</a:t>
-            </a:r>
-            <a:r>
-              <a:rPr lang="en-US" sz="1200" kern="1200" dirty="0" smtClean="0">
-                <a:solidFill>
-                  <a:schemeClr val="tx1"/>
-                </a:solidFill>
-                <a:effectLst/>
-                <a:latin typeface="+mn-lt"/>
-                <a:ea typeface="+mn-ea"/>
-                <a:cs typeface="+mn-cs"/>
-              </a:rPr>
-              <a:t> –g</a:t>
-            </a:r>
-          </a:p>
-          <a:p>
-            <a:pPr marL="228600" indent="-228600">
-              <a:buAutoNum type="arabicPeriod"/>
-            </a:pPr>
-            <a:r>
-              <a:rPr lang="en-US" sz="1200" kern="1200" dirty="0" smtClean="0">
-                <a:solidFill>
-                  <a:schemeClr val="tx1"/>
-                </a:solidFill>
-                <a:effectLst/>
-                <a:latin typeface="+mn-lt"/>
-                <a:ea typeface="+mn-ea"/>
-                <a:cs typeface="+mn-cs"/>
-              </a:rPr>
-              <a:t>After you've done that you should be able to use the </a:t>
-            </a:r>
-            <a:r>
-              <a:rPr lang="en-US" sz="1200" kern="1200" dirty="0" err="1" smtClean="0">
-                <a:solidFill>
-                  <a:schemeClr val="tx1"/>
-                </a:solidFill>
-                <a:effectLst/>
-                <a:latin typeface="+mn-lt"/>
-                <a:ea typeface="+mn-ea"/>
-                <a:cs typeface="+mn-cs"/>
-              </a:rPr>
-              <a:t>jshint</a:t>
-            </a:r>
-            <a:r>
-              <a:rPr lang="en-US" sz="1200" kern="1200" dirty="0" smtClean="0">
-                <a:solidFill>
-                  <a:schemeClr val="tx1"/>
-                </a:solidFill>
-                <a:effectLst/>
-                <a:latin typeface="+mn-lt"/>
-                <a:ea typeface="+mn-ea"/>
-                <a:cs typeface="+mn-cs"/>
-              </a:rPr>
-              <a:t> program. The simplest use case  would be </a:t>
-            </a:r>
-            <a:r>
-              <a:rPr lang="en-US" sz="1200" kern="1200" dirty="0" err="1" smtClean="0">
-                <a:solidFill>
-                  <a:schemeClr val="tx1"/>
-                </a:solidFill>
-                <a:effectLst/>
-                <a:latin typeface="+mn-lt"/>
-                <a:ea typeface="+mn-ea"/>
-                <a:cs typeface="+mn-cs"/>
-              </a:rPr>
-              <a:t>linting</a:t>
-            </a:r>
-            <a:r>
-              <a:rPr lang="en-US" sz="1200" kern="1200" dirty="0" smtClean="0">
-                <a:solidFill>
-                  <a:schemeClr val="tx1"/>
-                </a:solidFill>
-                <a:effectLst/>
-                <a:latin typeface="+mn-lt"/>
-                <a:ea typeface="+mn-ea"/>
-                <a:cs typeface="+mn-cs"/>
-              </a:rPr>
-              <a:t> a single file or all JavaScript files in a directory.</a:t>
-            </a:r>
-            <a:endParaRPr lang="en-US" dirty="0"/>
-          </a:p>
-        </p:txBody>
-      </p:sp>
-      <p:sp>
-        <p:nvSpPr>
-          <p:cNvPr id="4" name="Slide Number Placeholder 3"/>
-          <p:cNvSpPr>
-            <a:spLocks noGrp="1"/>
-          </p:cNvSpPr>
-          <p:nvPr>
-            <p:ph type="sldNum" sz="quarter" idx="10"/>
-          </p:nvPr>
-        </p:nvSpPr>
-        <p:spPr/>
-        <p:txBody>
-          <a:bodyPr/>
-          <a:lstStyle/>
-          <a:p>
-            <a:pPr>
-              <a:defRPr/>
-            </a:pPr>
-            <a:fld id="{CEA96130-80FE-450A-9D6E-2375B464A403}" type="slidenum">
-              <a:rPr lang="en-US" smtClean="0"/>
-              <a:pPr>
-                <a:defRPr/>
-              </a:pPr>
-              <a:t>6</a:t>
-            </a:fld>
-            <a:endParaRPr lang="en-US" dirty="0"/>
-          </a:p>
-        </p:txBody>
-      </p:sp>
     </p:spTree>
-    <p:extLst>
-      <p:ext uri="{BB962C8B-B14F-4D97-AF65-F5344CB8AC3E}">
-        <p14:creationId xmlns:p14="http://schemas.microsoft.com/office/powerpoint/2010/main" val="3487769655"/>
-      </p:ext>
-    </p:extLst>
   </p:cSld>
   <p:clrMapOvr>
     <a:masterClrMapping/>
@@ -2796,6 +2308,21 @@
           <a:bodyPr/>
           <a:lstStyle/>
           <a:p>
+            <a:pPr marL="228600" indent="-228600">
+              <a:buAutoNum type="arabicPeriod"/>
+            </a:pPr>
+            <a:r>
+              <a:rPr lang="en-US" sz="1200" kern="1200" dirty="0" smtClean="0">
+                <a:solidFill>
+                  <a:schemeClr val="tx1"/>
+                </a:solidFill>
+                <a:effectLst/>
+                <a:latin typeface="+mn-lt"/>
+                <a:ea typeface="+mn-ea"/>
+                <a:cs typeface="+mn-cs"/>
+              </a:rPr>
+              <a:t>The easiest way to use </a:t>
+            </a:r>
             <a:r>
               <a:rPr lang="en-US" sz="1200" kern="1200" dirty="0" err="1" smtClean="0">
                 <a:solidFill>
@@ -2818,7 +2345,7 @@
                 <a:ea typeface="+mn-ea"/>
                 <a:cs typeface="+mn-cs"/>
               </a:rPr>
-              <a:t> comes with a default set of warnings but it was designed to be very configurable. You have three methods to configure your copy of </a:t>
+              <a:t> is to install it as a Node program. To do so, simply run the following command in your terminal </a:t>
             </a:r>
             <a:r>
               <a:rPr lang="en-US" sz="1200" kern="1200" dirty="0" err="1" smtClean="0">
@@ -2830,8 +2357,126 @@
                 <a:ea typeface="+mn-ea"/>
                 <a:cs typeface="+mn-cs"/>
               </a:rPr>
-              <a:t>JSHint</a:t>
-            </a:r>
+              <a:t>npm</a:t>
+            </a:r>
+            <a:r>
+              <a:rPr lang="en-US" sz="1200" kern="1200" dirty="0" smtClean="0">
+                <a:solidFill>
+                  <a:schemeClr val="tx1"/>
+                </a:solidFill>
+                <a:effectLst/>
+                <a:latin typeface="+mn-lt"/>
+                <a:ea typeface="+mn-ea"/>
+                <a:cs typeface="+mn-cs"/>
+              </a:rPr>
+              <a:t> install </a:t>
+            </a:r>
+            <a:r>
+              <a:rPr lang="en-US" sz="1200" kern="1200" dirty="0" err="1" smtClean="0">
+                <a:solidFill>
+                  <a:schemeClr val="tx1"/>
+                </a:solidFill>
+                <a:effectLst/>
+                <a:latin typeface="+mn-lt"/>
+                <a:ea typeface="+mn-ea"/>
+                <a:cs typeface="+mn-cs"/>
+              </a:rPr>
+              <a:t>jshint</a:t>
+            </a:r>
+            <a:r>
+              <a:rPr lang="en-US" sz="1200" kern="1200" dirty="0" smtClean="0">
+                <a:solidFill>
+                  <a:schemeClr val="tx1"/>
+                </a:solidFill>
+                <a:effectLst/>
+                <a:latin typeface="+mn-lt"/>
+                <a:ea typeface="+mn-ea"/>
+                <a:cs typeface="+mn-cs"/>
+              </a:rPr>
+              <a:t> –g</a:t>
+            </a:r>
+          </a:p>
+          <a:p>
+            <a:pPr marL="228600" indent="-228600">
+              <a:buAutoNum type="arabicPeriod"/>
+            </a:pPr>
+            <a:r>
+              <a:rPr lang="en-US" sz="1200" kern="1200" dirty="0" smtClean="0">
+                <a:solidFill>
+                  <a:schemeClr val="tx1"/>
+                </a:solidFill>
+                <a:effectLst/>
+                <a:latin typeface="+mn-lt"/>
+                <a:ea typeface="+mn-ea"/>
+                <a:cs typeface="+mn-cs"/>
+              </a:rPr>
+              <a:t>After you've done that you should be able to use the </a:t>
+            </a:r>
+            <a:r>
+              <a:rPr lang="en-US" sz="1200" kern="1200" dirty="0" err="1" smtClean="0">
+                <a:solidFill>
+                  <a:schemeClr val="tx1"/>
+                </a:solidFill>
+                <a:effectLst/>
+                <a:latin typeface="+mn-lt"/>
+                <a:ea typeface="+mn-ea"/>
+                <a:cs typeface="+mn-cs"/>
+              </a:rPr>
+              <a:t>jshint</a:t>
+            </a:r>
+            <a:r>
+              <a:rPr lang="en-US" sz="1200" kern="1200" dirty="0" smtClean="0">
+                <a:solidFill>
+                  <a:schemeClr val="tx1"/>
+                </a:solidFill>
+                <a:effectLst/>
+                <a:latin typeface="+mn-lt"/>
+                <a:ea typeface="+mn-ea"/>
+                <a:cs typeface="+mn-cs"/>
+              </a:rPr>
+              <a:t> program. The simplest use case  would be </a:t>
+            </a:r>
+            <a:r>
+              <a:rPr lang="en-US" sz="1200" kern="1200" dirty="0" err="1" smtClean="0">
+                <a:solidFill>
+                  <a:schemeClr val="tx1"/>
+                </a:solidFill>
+                <a:effectLst/>
+                <a:latin typeface="+mn-lt"/>
+                <a:ea typeface="+mn-ea"/>
+                <a:cs typeface="+mn-cs"/>
+              </a:rPr>
+              <a:t>linting</a:t>
+            </a:r>
+            <a:r>
+              <a:rPr lang="en-US" sz="1200" kern="1200" dirty="0" smtClean="0">
+                <a:solidFill>
+                  <a:schemeClr val="tx1"/>
+                </a:solidFill>
+                <a:effectLst/>
+                <a:latin typeface="+mn-lt"/>
+                <a:ea typeface="+mn-ea"/>
+                <a:cs typeface="+mn-cs"/>
+              </a:rPr>
+              <a:t> a single file or all JavaScript files in a directory</a:t>
+            </a:r>
+            <a:r>
+              <a:rPr lang="en-US" sz="1200" kern="1200" dirty="0" smtClean="0">
+                <a:solidFill>
+                  <a:schemeClr val="tx1"/>
+                </a:solidFill>
+                <a:effectLst/>
+                <a:latin typeface="+mn-lt"/>
+                <a:ea typeface="+mn-ea"/>
+                <a:cs typeface="+mn-cs"/>
+              </a:rPr>
+              <a:t>.</a:t>
+            </a:r>
+          </a:p>
+          <a:p>
+            <a:pPr marL="228600" indent="-228600">
+              <a:buAutoNum type="arabicPeriod"/>
+            </a:pPr>
             <a:endParaRPr lang="en-US" sz="1200" kern="1200" dirty="0" smtClean="0">
               <a:solidFill>
                 <a:schemeClr val="tx1"/>
@@ -2844,10 +2489,10 @@
           </a:p>
           <a:p>
             <a:pPr marL="228600" indent="-228600">
-              <a:buAutoNum type="arabicParenR"/>
-            </a:pPr>
-            <a:r>
-              <a:rPr lang="en-US" sz="1200" kern="1200" baseline="0" dirty="0" err="1" smtClean="0">
+              <a:buAutoNum type="arabicPeriod"/>
+            </a:pPr>
+            <a:r>
+              <a:rPr lang="en-US" sz="1200" kern="1200" dirty="0" smtClean="0">
                 <a:solidFill>
                   <a:schemeClr val="tx1"/>
                 </a:solidFill>
@@ -2856,7 +2501,7 @@
                 <a:ea typeface="+mn-ea"/>
                 <a:cs typeface="+mn-cs"/>
               </a:rPr>
-              <a:t>jshint</a:t>
+              <a:t>By</a:t>
             </a:r>
             <a:r>
               <a:rPr lang="en-US" sz="1200" kern="1200" baseline="0" dirty="0" smtClean="0">
@@ -2868,7 +2513,7 @@
                 <a:ea typeface="+mn-ea"/>
                 <a:cs typeface="+mn-cs"/>
               </a:rPr>
-              <a:t>  undefined.js –</a:t>
+              <a:t> default, </a:t>
             </a:r>
             <a:r>
               <a:rPr lang="en-US" sz="1200" kern="1200" baseline="0" dirty="0" err="1" smtClean="0">
@@ -2880,7 +2525,7 @@
                 <a:ea typeface="+mn-ea"/>
                 <a:cs typeface="+mn-cs"/>
               </a:rPr>
-              <a:t>config</a:t>
+              <a:t>JSHint</a:t>
             </a:r>
             <a:r>
               <a:rPr lang="en-US" sz="1200" kern="1200" baseline="0" dirty="0" smtClean="0">
@@ -2892,7 +2537,7 @@
                 <a:ea typeface="+mn-ea"/>
                 <a:cs typeface="+mn-cs"/>
               </a:rPr>
-              <a:t> </a:t>
+              <a:t> will search for a configuration file named ‘.</a:t>
             </a:r>
             <a:r>
               <a:rPr lang="en-US" sz="1200" kern="1200" baseline="0" dirty="0" err="1" smtClean="0">
@@ -2906,36 +2551,8 @@
               </a:rPr>
               <a:t>jshintrc</a:t>
             </a:r>
-            <a:endParaRPr lang="en-US" sz="1200" kern="1200" baseline="0" dirty="0" smtClean="0">
-              <a:solidFill>
-                <a:schemeClr val="tx1"/>
-              </a:solidFill>
-              <a:effectLst/>
-              <a:latin typeface="+mn-lt"/>
-              <a:ea typeface="+mn-ea"/>
-              <a:cs typeface="+mn-cs"/>
-            </a:endParaRPr>
-          </a:p>
-          <a:p>
-            <a:pPr marL="228600" marR="0" indent="-228600" algn="l" defTabSz="914400" rtl="0" eaLnBrk="0" fontAlgn="base" latinLnBrk="0" hangingPunct="0">
-              <a:lnSpc>
-                <a:spcPct val="90000"/>
-              </a:lnSpc>
-              <a:spcBef>
-                <a:spcPct val="20000"/>
-              </a:spcBef>
-              <a:spcAft>
-                <a:spcPct val="20000"/>
-              </a:spcAft>
-              <a:buClrTx/>
-              <a:buSzTx/>
-              <a:buFontTx/>
-              <a:buAutoNum type="arabicParenR"/>
-              <a:tabLst/>
-              <a:defRPr/>
-            </a:pPr>
-            <a:r>
-              <a:rPr lang="en-US" sz="1200" kern="1200" dirty="0" smtClean="0">
+            <a:r>
+              <a:rPr lang="en-US" sz="1200" kern="1200" baseline="0" dirty="0" smtClean="0">
                 <a:solidFill>
                   <a:schemeClr val="tx1"/>
                 </a:solidFill>
@@ -2944,10 +2561,10 @@
                 <a:ea typeface="+mn-ea"/>
                 <a:cs typeface="+mn-cs"/>
               </a:rPr>
-              <a:t>The third method is recommended, using .</a:t>
-            </a:r>
-            <a:r>
-              <a:rPr lang="en-US" sz="1200" kern="1200" dirty="0" err="1" smtClean="0">
+              <a:t>’ , all the code checking criterion will be found. Take it easy for the options, I am </a:t>
+            </a:r>
+            <a:r>
+              <a:rPr lang="en-US" sz="1200" kern="1200" baseline="0" dirty="0" err="1" smtClean="0">
                 <a:solidFill>
                   <a:schemeClr val="tx1"/>
                 </a:solidFill>
@@ -2956,10 +2573,10 @@
                 <a:ea typeface="+mn-ea"/>
                 <a:cs typeface="+mn-cs"/>
               </a:rPr>
-              <a:t>jshintrc</a:t>
-            </a:r>
-            <a:r>
-              <a:rPr lang="en-US" sz="1200" kern="1200" dirty="0" smtClean="0">
+              <a:t>gonna</a:t>
+            </a:r>
+            <a:r>
+              <a:rPr lang="en-US" sz="1200" kern="1200" baseline="0" dirty="0" smtClean="0">
                 <a:solidFill>
                   <a:schemeClr val="tx1"/>
                 </a:solidFill>
@@ -2968,85 +2585,8 @@
                 <a:ea typeface="+mn-ea"/>
                 <a:cs typeface="+mn-cs"/>
               </a:rPr>
-              <a:t>, </a:t>
-            </a:r>
-            <a:r>
-              <a:rPr lang="en-US" sz="1200" kern="1200" dirty="0" err="1" smtClean="0">
-                <a:solidFill>
-                  <a:schemeClr val="tx1"/>
-                </a:solidFill>
-                <a:effectLst/>
-                <a:latin typeface="+mn-lt"/>
-                <a:ea typeface="+mn-ea"/>
-                <a:cs typeface="+mn-cs"/>
-              </a:rPr>
-              <a:t>JSHint</a:t>
-            </a:r>
-            <a:r>
-              <a:rPr lang="en-US" sz="1200" kern="1200" dirty="0" smtClean="0">
-                <a:solidFill>
-                  <a:schemeClr val="tx1"/>
-                </a:solidFill>
-                <a:effectLst/>
-                <a:latin typeface="+mn-lt"/>
-                <a:ea typeface="+mn-ea"/>
-                <a:cs typeface="+mn-cs"/>
-              </a:rPr>
-              <a:t> will start looking for this file in the same folder as the files to be </a:t>
-            </a:r>
-            <a:r>
-              <a:rPr lang="en-US" sz="1200" kern="1200" dirty="0" err="1" smtClean="0">
-                <a:solidFill>
-                  <a:schemeClr val="tx1"/>
-                </a:solidFill>
-                <a:effectLst/>
-                <a:latin typeface="+mn-lt"/>
-                <a:ea typeface="+mn-ea"/>
-                <a:cs typeface="+mn-cs"/>
-              </a:rPr>
-              <a:t>linted</a:t>
-            </a:r>
-            <a:r>
-              <a:rPr lang="en-US" sz="1200" kern="1200" dirty="0" smtClean="0">
-                <a:solidFill>
-                  <a:schemeClr val="tx1"/>
-                </a:solidFill>
-                <a:effectLst/>
-                <a:latin typeface="+mn-lt"/>
-                <a:ea typeface="+mn-ea"/>
-                <a:cs typeface="+mn-cs"/>
-              </a:rPr>
-              <a:t>. If not found, it will move one level up the directory tree all the way up to the file system root. You can make use of this character, place your file into the project root directory and, as long as you run </a:t>
-            </a:r>
-            <a:r>
-              <a:rPr lang="en-US" sz="1200" kern="1200" dirty="0" err="1" smtClean="0">
-                <a:solidFill>
-                  <a:schemeClr val="tx1"/>
-                </a:solidFill>
-                <a:effectLst/>
-                <a:latin typeface="+mn-lt"/>
-                <a:ea typeface="+mn-ea"/>
-                <a:cs typeface="+mn-cs"/>
-              </a:rPr>
-              <a:t>JSHint</a:t>
-            </a:r>
-            <a:r>
-              <a:rPr lang="en-US" sz="1200" kern="1200" dirty="0" smtClean="0">
-                <a:solidFill>
-                  <a:schemeClr val="tx1"/>
-                </a:solidFill>
-                <a:effectLst/>
-                <a:latin typeface="+mn-lt"/>
-                <a:ea typeface="+mn-ea"/>
-                <a:cs typeface="+mn-cs"/>
-              </a:rPr>
-              <a:t> from anywhere within your project directory tree, the same configuration file will be used.</a:t>
-            </a:r>
-          </a:p>
-          <a:p>
-            <a:pPr marL="228600" indent="-228600">
-              <a:buAutoNum type="arabicParenR"/>
-            </a:pPr>
+              <a:t> explain them later.  </a:t>
+            </a:r>
             <a:endParaRPr lang="en-US" dirty="0"/>
           </a:p>
         </p:txBody>
@@ -3074,7 +2614,7 @@
               <a:pPr>
                 <a:defRPr/>
               </a:pPr>
-              <a:t>7</a:t>
+              <a:t>6</a:t>
             </a:fld>
             <a:endParaRPr lang="en-US" dirty="0"/>
           </a:p>
@@ -3083,7 +2623,7 @@
     </p:spTree>
     <p:extLst>
       <p:ext uri="{BB962C8B-B14F-4D97-AF65-F5344CB8AC3E}">
-        <p14:creationId xmlns:p14="http://schemas.microsoft.com/office/powerpoint/2010/main" val="3769607495"/>
+        <p14:creationId xmlns:p14="http://schemas.microsoft.com/office/powerpoint/2010/main" val="3487769655"/>
       </p:ext>
     </p:extLst>
   </p:cSld>
@@ -3143,25 +2683,256 @@
           <a:lstStyle/>
           <a:p>
             <a:r>
-              <a:rPr lang="en-US" dirty="0" smtClean="0"/>
-              <a:t>In addition to using configuration files you can configure </a:t>
-            </a:r>
-            <a:r>
-              <a:rPr lang="en-US" dirty="0" err="1" smtClean="0"/>
+              <a:rPr lang="en-US" sz="1200" kern="1200" dirty="0" err="1" smtClean="0">
+                <a:solidFill>
+                  <a:schemeClr val="tx1"/>
+                </a:solidFill>
+                <a:effectLst/>
+                <a:latin typeface="+mn-lt"/>
+                <a:ea typeface="+mn-ea"/>
+                <a:cs typeface="+mn-cs"/>
+              </a:rPr>
               <a:t>JSHint</a:t>
             </a:r>
             <a:r>
-              <a:rPr lang="en-US" dirty="0" smtClean="0"/>
-              <a:t> from within your files using special comments. These comments start either with </a:t>
-            </a:r>
-            <a:r>
-              <a:rPr lang="en-US" dirty="0" err="1" smtClean="0"/>
+              <a:rPr lang="en-US" sz="1200" kern="1200" dirty="0" smtClean="0">
+                <a:solidFill>
+                  <a:schemeClr val="tx1"/>
+                </a:solidFill>
+                <a:effectLst/>
+                <a:latin typeface="+mn-lt"/>
+                <a:ea typeface="+mn-ea"/>
+                <a:cs typeface="+mn-cs"/>
+              </a:rPr>
+              <a:t> comes with a default set of warnings but it was designed to be very configurable. You have three methods to configure your copy of </a:t>
+            </a:r>
+            <a:r>
+              <a:rPr lang="en-US" sz="1200" kern="1200" dirty="0" err="1" smtClean="0">
+                <a:solidFill>
+                  <a:schemeClr val="tx1"/>
+                </a:solidFill>
+                <a:effectLst/>
+                <a:latin typeface="+mn-lt"/>
+                <a:ea typeface="+mn-ea"/>
+                <a:cs typeface="+mn-cs"/>
+              </a:rPr>
+              <a:t>JSHint</a:t>
+            </a:r>
+            <a:endParaRPr lang="en-US" sz="1200" kern="1200" dirty="0" smtClean="0">
+              <a:solidFill>
+                <a:schemeClr val="tx1"/>
+              </a:solidFill>
+              <a:effectLst/>
+              <a:latin typeface="+mn-lt"/>
+              <a:ea typeface="+mn-ea"/>
+              <a:cs typeface="+mn-cs"/>
+            </a:endParaRPr>
+          </a:p>
+          <a:p>
+            <a:pPr marL="228600" indent="-228600">
+              <a:buAutoNum type="arabicParenR"/>
+            </a:pPr>
+            <a:r>
+              <a:rPr lang="en-US" sz="1200" kern="1200" baseline="0" dirty="0" err="1" smtClean="0">
+                <a:solidFill>
+                  <a:schemeClr val="tx1"/>
+                </a:solidFill>
+                <a:effectLst/>
+                <a:latin typeface="+mn-lt"/>
+                <a:ea typeface="+mn-ea"/>
+                <a:cs typeface="+mn-cs"/>
+              </a:rPr>
               <a:t>jshint</a:t>
             </a:r>
             <a:r>
-              <a:rPr lang="en-US" dirty="0" smtClean="0"/>
-              <a:t> or global and are followed by a comma-separated list of values.</a:t>
-            </a:r>
+              <a:rPr lang="en-US" sz="1200" kern="1200" baseline="0" dirty="0" smtClean="0">
+                <a:solidFill>
+                  <a:schemeClr val="tx1"/>
+                </a:solidFill>
+                <a:effectLst/>
+                <a:latin typeface="+mn-lt"/>
+                <a:ea typeface="+mn-ea"/>
+                <a:cs typeface="+mn-cs"/>
+              </a:rPr>
+              <a:t>  undefined.js –</a:t>
+            </a:r>
+            <a:r>
+              <a:rPr lang="en-US" sz="1200" kern="1200" baseline="0" dirty="0" err="1" smtClean="0">
+                <a:solidFill>
+                  <a:schemeClr val="tx1"/>
+                </a:solidFill>
+                <a:effectLst/>
+                <a:latin typeface="+mn-lt"/>
+                <a:ea typeface="+mn-ea"/>
+                <a:cs typeface="+mn-cs"/>
+              </a:rPr>
+              <a:t>config</a:t>
+            </a:r>
+            <a:r>
+              <a:rPr lang="en-US" sz="1200" kern="1200" baseline="0" dirty="0" smtClean="0">
+                <a:solidFill>
+                  <a:schemeClr val="tx1"/>
+                </a:solidFill>
+                <a:effectLst/>
+                <a:latin typeface="+mn-lt"/>
+                <a:ea typeface="+mn-ea"/>
+                <a:cs typeface="+mn-cs"/>
+              </a:rPr>
+              <a:t> </a:t>
+            </a:r>
+            <a:r>
+              <a:rPr lang="en-US" sz="1200" kern="1200" baseline="0" dirty="0" err="1" smtClean="0">
+                <a:solidFill>
+                  <a:schemeClr val="tx1"/>
+                </a:solidFill>
+                <a:effectLst/>
+                <a:latin typeface="+mn-lt"/>
+                <a:ea typeface="+mn-ea"/>
+                <a:cs typeface="+mn-cs"/>
+              </a:rPr>
+              <a:t>jshintrc</a:t>
+            </a:r>
+            <a:endParaRPr lang="en-US" sz="1200" kern="1200" baseline="0" dirty="0" smtClean="0">
+              <a:solidFill>
+                <a:schemeClr val="tx1"/>
+              </a:solidFill>
+              <a:effectLst/>
+              <a:latin typeface="+mn-lt"/>
+              <a:ea typeface="+mn-ea"/>
+              <a:cs typeface="+mn-cs"/>
+            </a:endParaRPr>
+          </a:p>
+          <a:p>
+            <a:pPr marL="228600" marR="0" indent="-228600" algn="l" defTabSz="914400" rtl="0" eaLnBrk="0" fontAlgn="base" latinLnBrk="0" hangingPunct="0">
+              <a:lnSpc>
+                <a:spcPct val="90000"/>
+              </a:lnSpc>
+              <a:spcBef>
+                <a:spcPct val="20000"/>
+              </a:spcBef>
+              <a:spcAft>
+                <a:spcPct val="20000"/>
+              </a:spcAft>
+              <a:buClrTx/>
+              <a:buSzTx/>
+              <a:buFontTx/>
+              <a:buAutoNum type="arabicParenR"/>
+              <a:tabLst/>
+              <a:defRPr/>
+            </a:pPr>
+            <a:r>
+              <a:rPr lang="en-US" sz="1200" kern="1200" dirty="0" smtClean="0">
+                <a:solidFill>
+                  <a:schemeClr val="tx1"/>
+                </a:solidFill>
+                <a:effectLst/>
+                <a:latin typeface="+mn-lt"/>
+                <a:ea typeface="+mn-ea"/>
+                <a:cs typeface="+mn-cs"/>
+              </a:rPr>
+              <a:t>The third method is recommended, using .</a:t>
+            </a:r>
+            <a:r>
+              <a:rPr lang="en-US" sz="1200" kern="1200" dirty="0" err="1" smtClean="0">
+                <a:solidFill>
+                  <a:schemeClr val="tx1"/>
+                </a:solidFill>
+                <a:effectLst/>
+                <a:latin typeface="+mn-lt"/>
+                <a:ea typeface="+mn-ea"/>
+                <a:cs typeface="+mn-cs"/>
+              </a:rPr>
+              <a:t>jshintrc</a:t>
+            </a:r>
+            <a:r>
+              <a:rPr lang="en-US" sz="1200" kern="1200" dirty="0" smtClean="0">
+                <a:solidFill>
+                  <a:schemeClr val="tx1"/>
+                </a:solidFill>
+                <a:effectLst/>
+                <a:latin typeface="+mn-lt"/>
+                <a:ea typeface="+mn-ea"/>
+                <a:cs typeface="+mn-cs"/>
+              </a:rPr>
+              <a:t>, </a:t>
+            </a:r>
+            <a:r>
+              <a:rPr lang="en-US" sz="1200" kern="1200" dirty="0" err="1" smtClean="0">
+                <a:solidFill>
+                  <a:schemeClr val="tx1"/>
+                </a:solidFill>
+                <a:effectLst/>
+                <a:latin typeface="+mn-lt"/>
+                <a:ea typeface="+mn-ea"/>
+                <a:cs typeface="+mn-cs"/>
+              </a:rPr>
+              <a:t>JSHint</a:t>
+            </a:r>
+            <a:r>
+              <a:rPr lang="en-US" sz="1200" kern="1200" dirty="0" smtClean="0">
+                <a:solidFill>
+                  <a:schemeClr val="tx1"/>
+                </a:solidFill>
+                <a:effectLst/>
+                <a:latin typeface="+mn-lt"/>
+                <a:ea typeface="+mn-ea"/>
+                <a:cs typeface="+mn-cs"/>
+              </a:rPr>
+              <a:t> will start looking for this file in the same folder as the files to be </a:t>
+            </a:r>
+            <a:r>
+              <a:rPr lang="en-US" sz="1200" kern="1200" dirty="0" err="1" smtClean="0">
+                <a:solidFill>
+                  <a:schemeClr val="tx1"/>
+                </a:solidFill>
+                <a:effectLst/>
+                <a:latin typeface="+mn-lt"/>
+                <a:ea typeface="+mn-ea"/>
+                <a:cs typeface="+mn-cs"/>
+              </a:rPr>
+              <a:t>linted</a:t>
+            </a:r>
+            <a:r>
+              <a:rPr lang="en-US" sz="1200" kern="1200" dirty="0" smtClean="0">
+                <a:solidFill>
+                  <a:schemeClr val="tx1"/>
+                </a:solidFill>
+                <a:effectLst/>
+                <a:latin typeface="+mn-lt"/>
+                <a:ea typeface="+mn-ea"/>
+                <a:cs typeface="+mn-cs"/>
+              </a:rPr>
+              <a:t>. If not found, it will move one level up the directory tree all the way up to the file system root. You can make use of this character, place your file into the project root directory and, as long as you run </a:t>
+            </a:r>
+            <a:r>
+              <a:rPr lang="en-US" sz="1200" kern="1200" dirty="0" err="1" smtClean="0">
+                <a:solidFill>
+                  <a:schemeClr val="tx1"/>
+                </a:solidFill>
+                <a:effectLst/>
+                <a:latin typeface="+mn-lt"/>
+                <a:ea typeface="+mn-ea"/>
+                <a:cs typeface="+mn-cs"/>
+              </a:rPr>
+              <a:t>JSHint</a:t>
+            </a:r>
+            <a:r>
+              <a:rPr lang="en-US" sz="1200" kern="1200" dirty="0" smtClean="0">
+                <a:solidFill>
+                  <a:schemeClr val="tx1"/>
+                </a:solidFill>
+                <a:effectLst/>
+                <a:latin typeface="+mn-lt"/>
+                <a:ea typeface="+mn-ea"/>
+                <a:cs typeface="+mn-cs"/>
+              </a:rPr>
+              <a:t> from anywhere within your project directory tree, the same configuration file will be used.</a:t>
+            </a:r>
+          </a:p>
+          <a:p>
+            <a:pPr marL="228600" indent="-228600">
+              <a:buAutoNum type="arabicParenR"/>
+            </a:pPr>
             <a:endParaRPr lang="en-US" dirty="0"/>
           </a:p>
         </p:txBody>
@@ -3189,7 +2960,7 @@
               <a:pPr>
                 <a:defRPr/>
               </a:pPr>
-              <a:t>9</a:t>
+              <a:t>7</a:t>
             </a:fld>
             <a:endParaRPr lang="en-US" dirty="0"/>
           </a:p>
@@ -3198,7 +2969,7 @@
     </p:spTree>
     <p:extLst>
       <p:ext uri="{BB962C8B-B14F-4D97-AF65-F5344CB8AC3E}">
-        <p14:creationId xmlns:p14="http://schemas.microsoft.com/office/powerpoint/2010/main" val="814726730"/>
+        <p14:creationId xmlns:p14="http://schemas.microsoft.com/office/powerpoint/2010/main" val="3769607495"/>
       </p:ext>
     </p:extLst>
   </p:cSld>
@@ -3259,7 +3030,7 @@
           <a:p>
             <a:r>
               <a:rPr lang="en-US" dirty="0" smtClean="0"/>
-              <a:t>Here's a list of configuration directives supported by </a:t>
+              <a:t>In addition to using configuration files you can configure </a:t>
             </a:r>
             <a:r>
               <a:rPr lang="en-US" dirty="0" err="1" smtClean="0"/>
@@ -3267,16 +3038,31 @@
             </a:r>
             <a:r>
               <a:rPr lang="en-US" dirty="0" smtClean="0"/>
-              <a:t>.</a:t>
-            </a:r>
-          </a:p>
-          <a:p>
-            <a:endParaRPr lang="en-US" dirty="0" smtClean="0"/>
-          </a:p>
-          <a:p>
+              <a:t> </a:t>
+            </a:r>
             <a:r>
               <a:rPr lang="en-US" dirty="0" smtClean="0"/>
-              <a:t>You can also blacklist certain global variables to make sure they are not used anywhere in the current file.</a:t>
+              <a:t>options</a:t>
+            </a:r>
+            <a:r>
+              <a:rPr lang="en-US" baseline="0" dirty="0" smtClean="0"/>
+              <a:t> </a:t>
+            </a:r>
+            <a:r>
+              <a:rPr lang="en-US" dirty="0" smtClean="0"/>
+              <a:t>within </a:t>
+            </a:r>
+            <a:r>
+              <a:rPr lang="en-US" dirty="0" smtClean="0"/>
+              <a:t>your files using special comments. These comments start either with </a:t>
+            </a:r>
+            <a:r>
+              <a:rPr lang="en-US" dirty="0" err="1" smtClean="0"/>
+              <a:t>jshint</a:t>
+            </a:r>
+            <a:r>
+              <a:rPr lang="en-US" dirty="0" smtClean="0"/>
+              <a:t> or global and are followed by a comma-separated list of values.</a:t>
             </a:r>
             <a:endParaRPr lang="en-US" dirty="0"/>
           </a:p>
@@ -3305,7 +3091,7 @@
               <a:pPr>
                 <a:defRPr/>
               </a:pPr>
-              <a:t>10</a:t>
+              <a:t>9</a:t>
             </a:fld>
             <a:endParaRPr lang="en-US" dirty="0"/>
           </a:p>
@@ -3314,7 +3100,7 @@
     </p:spTree>
     <p:extLst>
       <p:ext uri="{BB962C8B-B14F-4D97-AF65-F5344CB8AC3E}">
-        <p14:creationId xmlns:p14="http://schemas.microsoft.com/office/powerpoint/2010/main" val="1433458189"/>
+        <p14:creationId xmlns:p14="http://schemas.microsoft.com/office/powerpoint/2010/main" val="814726730"/>
       </p:ext>
     </p:extLst>
   </p:cSld>
@@ -3351,63 +3137,31 @@
             <p:ph type="sldImg"/>
           </p:nvPr>
         </p:nvSpPr>
+        <p:spPr>
+          <a:xfrm>
+            <a:off x="1558925" y="284163"/>
+            <a:ext cx="3740150" cy="2805112"/>
+          </a:xfrm>
+        </p:spPr>
+      </p:sp>
+      <p:sp>
+        <p:nvSpPr>
+          <p:cNvPr id="3" name="Notes Placeholder 2"/>
+          <p:cNvSpPr>
+            <a:spLocks noGrp="1"/>
+          </p:cNvSpPr>
+          <p:nvPr>
+            <p:ph type="body" idx="1"/>
+          </p:nvPr>
+        </p:nvSpPr>
         <p:spPr/>
-      </p:sp>
-      <p:sp>
-        <p:nvSpPr>
-          <p:cNvPr id="3" name="Notes Placeholder 2"/>
-          <p:cNvSpPr>
-            <a:spLocks noGrp="1"/>
-          </p:cNvSpPr>
-          <p:nvPr>
-            <p:ph type="body" idx="1"/>
-          </p:nvPr>
-        </p:nvSpPr>
-        <p:spPr/>
         <p:txBody>
           <a:bodyPr/>
           <a:lstStyle/>
           <a:p>
-            <a:pPr marL="0" marR="0" indent="0" algn="l" defTabSz="914400" rtl="0" eaLnBrk="0" fontAlgn="base" latinLnBrk="0" hangingPunct="0">
-              <a:lnSpc>
-                <a:spcPct val="90000"/>
-              </a:lnSpc>
-              <a:spcBef>
-                <a:spcPct val="20000"/>
-              </a:spcBef>
-              <a:spcAft>
-                <a:spcPct val="20000"/>
-              </a:spcAft>
-              <a:buClrTx/>
-              <a:buSzTx/>
-              <a:buFontTx/>
-              <a:buNone/>
-              <a:tabLst/>
-              <a:defRPr/>
-            </a:pPr>
-            <a:r>
-              <a:rPr lang="en-US" b="1" dirty="0" smtClean="0">
-                <a:solidFill>
-                  <a:srgbClr val="00B050"/>
-                </a:solidFill>
-              </a:rPr>
-              <a:t>Enforcing Options</a:t>
-            </a:r>
-            <a:r>
-              <a:rPr lang="en-US" b="1" baseline="0" dirty="0" smtClean="0">
-                <a:solidFill>
-                  <a:srgbClr val="00B050"/>
-                </a:solidFill>
-              </a:rPr>
-              <a:t> </a:t>
-            </a:r>
-            <a:r>
-              <a:rPr lang="en-US" baseline="0" dirty="0" smtClean="0"/>
-              <a:t>:</a:t>
-            </a:r>
             <a:r>
               <a:rPr lang="en-US" dirty="0" smtClean="0"/>
-              <a:t>When set to true, these options will make </a:t>
+              <a:t>Here's a list of configuration directives supported by </a:t>
             </a:r>
             <a:r>
               <a:rPr lang="en-US" dirty="0" err="1" smtClean="0"/>
@@ -3415,60 +3169,16 @@
             </a:r>
             <a:r>
               <a:rPr lang="en-US" dirty="0" smtClean="0"/>
-              <a:t> produce more warnings about your code.</a:t>
-            </a:r>
-          </a:p>
-          <a:p>
-            <a:pPr marL="0" marR="0" indent="0" algn="l" defTabSz="914400" rtl="0" eaLnBrk="0" fontAlgn="base" latinLnBrk="0" hangingPunct="0">
-              <a:lnSpc>
-                <a:spcPct val="90000"/>
-              </a:lnSpc>
-              <a:spcBef>
-                <a:spcPct val="20000"/>
-              </a:spcBef>
-              <a:spcAft>
-                <a:spcPct val="20000"/>
-              </a:spcAft>
-              <a:buClrTx/>
-              <a:buSzTx/>
-              <a:buFontTx/>
-              <a:buNone/>
-              <a:tabLst/>
-              <a:defRPr/>
-            </a:pPr>
-            <a:r>
-              <a:rPr lang="en-US" b="1" dirty="0" smtClean="0"/>
-              <a:t>Relaxing Options</a:t>
-            </a:r>
+              <a:t>.</a:t>
+            </a:r>
+          </a:p>
+          <a:p>
+            <a:endParaRPr lang="en-US" dirty="0" smtClean="0"/>
+          </a:p>
+          <a:p>
             <a:r>
               <a:rPr lang="en-US" dirty="0" smtClean="0"/>
-              <a:t>: When set to true, these options will make </a:t>
-            </a:r>
-            <a:r>
-              <a:rPr lang="en-US" dirty="0" err="1" smtClean="0"/>
-              <a:t>JSHint</a:t>
-            </a:r>
-            <a:r>
-              <a:rPr lang="en-US" dirty="0" smtClean="0"/>
-              <a:t> produce fewer warnings about your code.</a:t>
-            </a:r>
-          </a:p>
-          <a:p>
-            <a:r>
-              <a:rPr lang="en-US" b="1" dirty="0" smtClean="0"/>
-              <a:t>Environments</a:t>
-            </a:r>
-            <a:r>
-              <a:rPr lang="en-US" dirty="0" smtClean="0"/>
-              <a:t>:  These options let </a:t>
-            </a:r>
-            <a:r>
-              <a:rPr lang="en-US" dirty="0" err="1" smtClean="0"/>
-              <a:t>JSHint</a:t>
-            </a:r>
-            <a:r>
-              <a:rPr lang="en-US" dirty="0" smtClean="0"/>
-              <a:t> know about some pre-defined global variables.</a:t>
+              <a:t>You can also blacklist certain global variables to make sure they are not used anywhere in the current file.</a:t>
             </a:r>
             <a:endParaRPr lang="en-US" dirty="0"/>
           </a:p>
@@ -3497,7 +3207,7 @@
               <a:pPr>
                 <a:defRPr/>
               </a:pPr>
-              <a:t>11</a:t>
+              <a:t>10</a:t>
             </a:fld>
             <a:endParaRPr lang="en-US" dirty="0"/>
           </a:p>
@@ -3506,7 +3216,7 @@
     </p:spTree>
     <p:extLst>
       <p:ext uri="{BB962C8B-B14F-4D97-AF65-F5344CB8AC3E}">
-        <p14:creationId xmlns:p14="http://schemas.microsoft.com/office/powerpoint/2010/main" val="3752541305"/>
+        <p14:creationId xmlns:p14="http://schemas.microsoft.com/office/powerpoint/2010/main" val="1433458189"/>
       </p:ext>
     </p:extLst>
   </p:cSld>
@@ -10147,10 +9857,10 @@
           <a:bodyPr/>
           <a:lstStyle/>
           <a:p>
-            <a:r>
-              <a:rPr lang="en-US" dirty="0"/>
-              <a:t>Enforcing Options</a:t>
-            </a:r>
+            <a:pPr marL="0" indent="0">
+              <a:buNone/>
+            </a:pPr>
+            <a:endParaRPr lang="en-US" dirty="0"/>
           </a:p>
           <a:p>
             <a:pPr marL="0" indent="0">
@@ -10217,14 +9927,14 @@
       </p:sp>
       <p:pic>
         <p:nvPicPr>
-          <p:cNvPr id="2050" name="Picture 2"/>
+          <p:cNvPr id="1027" name="Picture 3"/>
           <p:cNvPicPr>
             <a:picLocks noChangeAspect="1" noChangeArrowheads="1"/>
           </p:cNvPicPr>
           <p:nvPr/>
         </p:nvPicPr>
         <p:blipFill>
-          <a:blip r:embed="rId2">
+          <a:blip r:embed="rId3">
             <a:extLst>
               <a:ext uri="{28A0092B-C50C-407E-A947-70E740481C1C}">
                 <a14:useLocalDpi xmlns:a14="http://schemas.microsoft.com/office/drawing/2010/main" val="0"/>
@@ -10238,8 +9948,8 @@
         </p:blipFill>
         <p:spPr bwMode="auto">
           <a:xfrm>
-            <a:off x="381000" y="914400"/>
-            <a:ext cx="9877773" cy="5181600"/>
+            <a:off x="4916" y="990600"/>
+            <a:ext cx="9139084" cy="5029200"/>
           </a:xfrm>
           <a:prstGeom prst="rect">
             <a:avLst/>
@@ -10416,7 +10126,7 @@
           </p:nvPr>
         </p:nvPicPr>
         <p:blipFill>
-          <a:blip r:embed="rId2">
+          <a:blip r:embed="rId3">
             <a:extLst>
               <a:ext uri="{28A0092B-C50C-407E-A947-70E740481C1C}">
                 <a14:useLocalDpi xmlns:a14="http://schemas.microsoft.com/office/drawing/2010/main" val="0"/>
@@ -10608,7 +10318,7 @@
           </p:nvPr>
         </p:nvPicPr>
         <p:blipFill>
-          <a:blip r:embed="rId2">
+          <a:blip r:embed="rId3">
             <a:extLst>
               <a:ext uri="{28A0092B-C50C-407E-A947-70E740481C1C}">
                 <a14:useLocalDpi xmlns:a14="http://schemas.microsoft.com/office/drawing/2010/main" val="0"/>
@@ -11105,22 +10815,13 @@
               <a:t> with </a:t>
             </a:r>
             <a:r>
-              <a:rPr lang="en-US" dirty="0" err="1" smtClean="0">
+              <a:rPr lang="en-US" dirty="0" smtClean="0">
                 <a:solidFill>
                   <a:srgbClr val="FFFFFF"/>
                 </a:solidFill>
                 <a:latin typeface="Calibri" pitchFamily="34" charset="0"/>
               </a:rPr>
-              <a:t>Mave</a:t>
-            </a:r>
-            <a:r>
-              <a:rPr lang="en-US" dirty="0" smtClean="0">
-                <a:solidFill>
-                  <a:srgbClr val="FFFFFF"/>
-                </a:solidFill>
-                <a:latin typeface="Calibri" pitchFamily="34" charset="0"/>
-              </a:rPr>
-              <a:t>  </a:t>
+              <a:t>Maven  </a:t>
             </a:r>
             <a:endParaRPr lang="en-US" dirty="0">
               <a:solidFill>
@@ -12260,22 +11961,13 @@
               <a:t> with </a:t>
             </a:r>
             <a:r>
-              <a:rPr lang="en-US" dirty="0" err="1" smtClean="0">
+              <a:rPr lang="en-US" dirty="0" smtClean="0">
                 <a:solidFill>
                   <a:srgbClr val="FFFFFF"/>
                 </a:solidFill>
                 <a:latin typeface="Calibri" pitchFamily="34" charset="0"/>
               </a:rPr>
-              <a:t>Mave</a:t>
-            </a:r>
-            <a:r>
-              <a:rPr lang="en-US" dirty="0" smtClean="0">
-                <a:solidFill>
-                  <a:srgbClr val="FFFFFF"/>
-                </a:solidFill>
-                <a:latin typeface="Calibri" pitchFamily="34" charset="0"/>
-              </a:rPr>
-              <a:t>  </a:t>
+              <a:t>Maven  </a:t>
             </a:r>
             <a:endParaRPr lang="en-US" dirty="0">
               <a:solidFill>
@@ -13241,22 +12933,13 @@
               <a:t> with </a:t>
             </a:r>
             <a:r>
-              <a:rPr lang="en-US" dirty="0" err="1" smtClean="0">
+              <a:rPr lang="en-US" dirty="0" smtClean="0">
                 <a:solidFill>
                   <a:srgbClr val="FFFFFF"/>
                 </a:solidFill>
                 <a:latin typeface="Calibri" pitchFamily="34" charset="0"/>
               </a:rPr>
-              <a:t>Mave</a:t>
-            </a:r>
-            <a:r>
-              <a:rPr lang="en-US" dirty="0" smtClean="0">
-                <a:solidFill>
-                  <a:srgbClr val="FFFFFF"/>
-                </a:solidFill>
-                <a:latin typeface="Calibri" pitchFamily="34" charset="0"/>
-              </a:rPr>
-              <a:t>  </a:t>
+              <a:t>Maven  </a:t>
             </a:r>
             <a:endParaRPr lang="en-US" dirty="0">
               <a:solidFill>
@@ -15435,22 +15118,13 @@
               <a:t> with </a:t>
             </a:r>
             <a:r>
-              <a:rPr lang="en-US" dirty="0" err="1" smtClean="0">
+              <a:rPr lang="en-US" dirty="0" smtClean="0">
                 <a:solidFill>
                   <a:srgbClr val="FFFFFF"/>
                 </a:solidFill>
                 <a:latin typeface="Calibri" pitchFamily="34" charset="0"/>
               </a:rPr>
-              <a:t>Mave</a:t>
-            </a:r>
-            <a:r>
-              <a:rPr lang="en-US" dirty="0" smtClean="0">
-                <a:solidFill>
-                  <a:srgbClr val="FFFFFF"/>
-                </a:solidFill>
-                <a:latin typeface="Calibri" pitchFamily="34" charset="0"/>
-              </a:rPr>
-              <a:t>  </a:t>
+              <a:t>Maven  </a:t>
             </a:r>
             <a:endParaRPr lang="en-US" dirty="0">
               <a:solidFill>
@@ -16136,8 +15810,13 @@
             </a:r>
             <a:r>
               <a:rPr lang="en-US" sz="2200" dirty="0" smtClean="0"/>
-              <a:t> (recommended)</a:t>
-            </a:r>
+              <a:t> </a:t>
+            </a:r>
+            <a:r>
+              <a:rPr lang="en-US" sz="2200" dirty="0" smtClean="0"/>
+              <a:t>(default)</a:t>
+            </a:r>
+            <a:endParaRPr lang="en-US" sz="2200" dirty="0" smtClean="0"/>
           </a:p>
           <a:p>
             <a:pPr marL="0" lvl="0" indent="0">

--- a/EIMS/doc/JSHint TOI.pptx
+++ b/EIMS/doc/JSHint TOI.pptx
@@ -5,10 +5,10 @@
     <p:sldMasterId id="2147483840" r:id="rId1"/>
   </p:sldMasterIdLst>
   <p:notesMasterIdLst>
-    <p:notesMasterId r:id="rId26"/>
+    <p:notesMasterId r:id="rId25"/>
   </p:notesMasterIdLst>
   <p:handoutMasterIdLst>
-    <p:handoutMasterId r:id="rId27"/>
+    <p:handoutMasterId r:id="rId26"/>
   </p:handoutMasterIdLst>
   <p:sldIdLst>
     <p:sldId id="302" r:id="rId2"/>
@@ -17,29 +17,28 @@
     <p:sldId id="419" r:id="rId5"/>
     <p:sldId id="414" r:id="rId6"/>
     <p:sldId id="421" r:id="rId7"/>
-    <p:sldId id="422" r:id="rId8"/>
-    <p:sldId id="423" r:id="rId9"/>
-    <p:sldId id="424" r:id="rId10"/>
+    <p:sldId id="438" r:id="rId8"/>
+    <p:sldId id="422" r:id="rId9"/>
+    <p:sldId id="423" r:id="rId10"/>
     <p:sldId id="426" r:id="rId11"/>
     <p:sldId id="425" r:id="rId12"/>
-    <p:sldId id="427" r:id="rId13"/>
-    <p:sldId id="428" r:id="rId14"/>
-    <p:sldId id="429" r:id="rId15"/>
-    <p:sldId id="416" r:id="rId16"/>
-    <p:sldId id="430" r:id="rId17"/>
-    <p:sldId id="431" r:id="rId18"/>
-    <p:sldId id="417" r:id="rId19"/>
-    <p:sldId id="432" r:id="rId20"/>
-    <p:sldId id="433" r:id="rId21"/>
-    <p:sldId id="434" r:id="rId22"/>
-    <p:sldId id="420" r:id="rId23"/>
-    <p:sldId id="436" r:id="rId24"/>
-    <p:sldId id="435" r:id="rId25"/>
+    <p:sldId id="439" r:id="rId13"/>
+    <p:sldId id="429" r:id="rId14"/>
+    <p:sldId id="416" r:id="rId15"/>
+    <p:sldId id="430" r:id="rId16"/>
+    <p:sldId id="431" r:id="rId17"/>
+    <p:sldId id="417" r:id="rId18"/>
+    <p:sldId id="432" r:id="rId19"/>
+    <p:sldId id="433" r:id="rId20"/>
+    <p:sldId id="434" r:id="rId21"/>
+    <p:sldId id="420" r:id="rId22"/>
+    <p:sldId id="436" r:id="rId23"/>
+    <p:sldId id="435" r:id="rId24"/>
   </p:sldIdLst>
   <p:sldSz cx="9144000" cy="6858000" type="screen4x3"/>
   <p:notesSz cx="6858000" cy="9144000"/>
   <p:custDataLst>
-    <p:tags r:id="rId28"/>
+    <p:tags r:id="rId27"/>
   </p:custDataLst>
   <p:defaultTextStyle>
     <a:defPPr>
@@ -264,7 +263,7 @@
               <a:pPr>
                 <a:defRPr/>
               </a:pPr>
-              <a:t>3/10/2015</a:t>
+              <a:t>3/11/2015</a:t>
             </a:fld>
             <a:endParaRPr lang="en-US" dirty="0">
               <a:latin typeface="+mn-lt"/>
@@ -928,7 +927,12 @@
             <p:ph type="sldImg"/>
           </p:nvPr>
         </p:nvSpPr>
-        <p:spPr/>
+        <p:spPr>
+          <a:xfrm>
+            <a:off x="1558925" y="284163"/>
+            <a:ext cx="3740150" cy="2805112"/>
+          </a:xfrm>
+        </p:spPr>
       </p:sp>
       <p:sp>
         <p:nvSpPr>
@@ -1019,18 +1023,8 @@
             </a:r>
             <a:r>
               <a:rPr lang="en-US" dirty="0" smtClean="0"/>
-              <a:t>: When set to true, these options will make </a:t>
-            </a:r>
-            <a:r>
-              <a:rPr lang="en-US" dirty="0" err="1" smtClean="0"/>
-              <a:t>JSHint</a:t>
-            </a:r>
-            <a:r>
-              <a:rPr lang="en-US" dirty="0" smtClean="0"/>
-              <a:t> produce fewer warnings about your code.</a:t>
-            </a:r>
-          </a:p>
-          <a:p>
+              <a:t>: </a:t>
+            </a:r>
             <a:r>
               <a:rPr lang="en-US" b="1" dirty="0" smtClean="0"/>
               <a:t>Environments</a:t>
@@ -1142,6 +1136,18 @@
           <a:bodyPr/>
           <a:lstStyle/>
           <a:p>
+            <a:r>
+              <a:rPr lang="en-US" dirty="0" smtClean="0"/>
+              <a:t>These options let </a:t>
+            </a:r>
+            <a:r>
+              <a:rPr lang="en-US" dirty="0" err="1" smtClean="0"/>
+              <a:t>JSHint</a:t>
+            </a:r>
+            <a:r>
+              <a:rPr lang="en-US" dirty="0" smtClean="0"/>
+              <a:t> know about some pre-defined global variables.</a:t>
+            </a:r>
             <a:endParaRPr lang="en-US" dirty="0"/>
           </a:p>
         </p:txBody>
@@ -1169,7 +1175,7 @@
               <a:pPr>
                 <a:defRPr/>
               </a:pPr>
-              <a:t>12</a:t>
+              <a:t>13</a:t>
             </a:fld>
             <a:endParaRPr lang="en-US" dirty="0"/>
           </a:p>
@@ -1178,7 +1184,7 @@
     </p:spTree>
     <p:extLst>
       <p:ext uri="{BB962C8B-B14F-4D97-AF65-F5344CB8AC3E}">
-        <p14:creationId xmlns:p14="http://schemas.microsoft.com/office/powerpoint/2010/main" val="399078192"/>
+        <p14:creationId xmlns:p14="http://schemas.microsoft.com/office/powerpoint/2010/main" val="1933030215"/>
       </p:ext>
     </p:extLst>
   </p:cSld>
@@ -1207,78 +1213,77 @@
       </p:grpSpPr>
       <p:sp>
         <p:nvSpPr>
-          <p:cNvPr id="2" name="Slide Image Placeholder 1"/>
-          <p:cNvSpPr>
-            <a:spLocks noGrp="1" noRot="1" noChangeAspect="1"/>
-          </p:cNvSpPr>
-          <p:nvPr>
-            <p:ph type="sldImg"/>
-          </p:nvPr>
-        </p:nvSpPr>
-        <p:spPr/>
-      </p:sp>
-      <p:sp>
-        <p:nvSpPr>
-          <p:cNvPr id="3" name="Notes Placeholder 2"/>
-          <p:cNvSpPr>
-            <a:spLocks noGrp="1"/>
-          </p:cNvSpPr>
-          <p:nvPr>
-            <p:ph type="body" idx="1"/>
-          </p:nvPr>
-        </p:nvSpPr>
-        <p:spPr/>
+          <p:cNvPr id="54274" name="Rectangle 7"/>
+          <p:cNvSpPr>
+            <a:spLocks noGrp="1" noChangeArrowheads="1"/>
+          </p:cNvSpPr>
+          <p:nvPr>
+            <p:ph type="sldNum" sz="quarter" idx="5"/>
+          </p:nvPr>
+        </p:nvSpPr>
+        <p:spPr>
+          <a:noFill/>
+        </p:spPr>
         <p:txBody>
           <a:bodyPr/>
           <a:lstStyle/>
           <a:p>
-            <a:r>
-              <a:rPr lang="en-US" dirty="0" smtClean="0"/>
-              <a:t>Usually,</a:t>
-            </a:r>
-            <a:r>
-              <a:rPr lang="en-US" baseline="0" dirty="0" smtClean="0"/>
-              <a:t> we define these relaxing options as false to expose problems as many as we can. Of course, how to use these options depends yourself.</a:t>
-            </a:r>
-            <a:endParaRPr lang="en-US" dirty="0"/>
-          </a:p>
-        </p:txBody>
-      </p:sp>
-      <p:sp>
-        <p:nvSpPr>
-          <p:cNvPr id="4" name="Slide Number Placeholder 3"/>
+            <a:fld id="{6698ED02-3EBA-4AEA-92C7-B8D5D775CAF5}" type="slidenum">
+              <a:rPr lang="en-US" smtClean="0"/>
+              <a:pPr/>
+              <a:t>14</a:t>
+            </a:fld>
+            <a:endParaRPr lang="en-US" smtClean="0"/>
+          </a:p>
+        </p:txBody>
+      </p:sp>
+      <p:sp>
+        <p:nvSpPr>
+          <p:cNvPr id="5" name="Notes Placeholder 4"/>
           <p:cNvSpPr>
             <a:spLocks noGrp="1"/>
           </p:cNvSpPr>
           <p:nvPr>
-            <p:ph type="sldNum" sz="quarter" idx="10"/>
+            <p:ph type="body" sz="quarter" idx="10"/>
           </p:nvPr>
         </p:nvSpPr>
         <p:spPr/>
         <p:txBody>
-          <a:bodyPr/>
+          <a:bodyPr>
+            <a:normAutofit/>
+          </a:bodyPr>
           <a:lstStyle/>
           <a:p>
             <a:pPr>
-              <a:defRPr/>
-            </a:pPr>
-            <a:fld id="{CEA96130-80FE-450A-9D6E-2375B464A403}" type="slidenum">
-              <a:rPr lang="en-US" smtClean="0"/>
-              <a:pPr>
-                <a:defRPr/>
-              </a:pPr>
-              <a:t>13</a:t>
-            </a:fld>
-            <a:endParaRPr lang="en-US" dirty="0"/>
-          </a:p>
-        </p:txBody>
+              <a:spcBef>
+                <a:spcPts val="0"/>
+              </a:spcBef>
+              <a:spcAft>
+                <a:spcPts val="0"/>
+              </a:spcAft>
+            </a:pPr>
+            <a:endParaRPr lang="en-US" dirty="0" smtClean="0"/>
+          </a:p>
+        </p:txBody>
+      </p:sp>
+      <p:sp>
+        <p:nvSpPr>
+          <p:cNvPr id="6" name="Slide Image Placeholder 5"/>
+          <p:cNvSpPr>
+            <a:spLocks noGrp="1" noRot="1" noChangeAspect="1"/>
+          </p:cNvSpPr>
+          <p:nvPr>
+            <p:ph type="sldImg"/>
+          </p:nvPr>
+        </p:nvSpPr>
+        <p:spPr>
+          <a:xfrm>
+            <a:off x="1558925" y="284163"/>
+            <a:ext cx="3740150" cy="2805112"/>
+          </a:xfrm>
+        </p:spPr>
       </p:sp>
     </p:spTree>
-    <p:extLst>
-      <p:ext uri="{BB962C8B-B14F-4D97-AF65-F5344CB8AC3E}">
-        <p14:creationId xmlns:p14="http://schemas.microsoft.com/office/powerpoint/2010/main" val="2690912743"/>
-      </p:ext>
-    </p:extLst>
   </p:cSld>
   <p:clrMapOvr>
     <a:masterClrMapping/>
@@ -1313,7 +1318,12 @@
             <p:ph type="sldImg"/>
           </p:nvPr>
         </p:nvSpPr>
-        <p:spPr/>
+        <p:spPr>
+          <a:xfrm>
+            <a:off x="1558925" y="284163"/>
+            <a:ext cx="3740150" cy="2805112"/>
+          </a:xfrm>
+        </p:spPr>
       </p:sp>
       <p:sp>
         <p:nvSpPr>
@@ -1332,15 +1342,19 @@
           <a:p>
             <a:r>
               <a:rPr lang="en-US" dirty="0" smtClean="0"/>
-              <a:t>These options let </a:t>
-            </a:r>
-            <a:r>
-              <a:rPr lang="en-US" dirty="0" err="1" smtClean="0"/>
+              <a:t>We prefer Maven</a:t>
+            </a:r>
+            <a:r>
+              <a:rPr lang="en-US" baseline="0" dirty="0" smtClean="0"/>
+              <a:t> as our project building tool in new architecture. So we’d better know how to integrate </a:t>
+            </a:r>
+            <a:r>
+              <a:rPr lang="en-US" baseline="0" dirty="0" err="1" smtClean="0"/>
               <a:t>JSHint</a:t>
             </a:r>
             <a:r>
-              <a:rPr lang="en-US" dirty="0" smtClean="0"/>
-              <a:t> know about some pre-defined global variables.</a:t>
+              <a:rPr lang="en-US" baseline="0" dirty="0" smtClean="0"/>
+              <a:t> with Maven. </a:t>
             </a:r>
             <a:endParaRPr lang="en-US" dirty="0"/>
           </a:p>
@@ -1369,7 +1383,7 @@
               <a:pPr>
                 <a:defRPr/>
               </a:pPr>
-              <a:t>14</a:t>
+              <a:t>15</a:t>
             </a:fld>
             <a:endParaRPr lang="en-US" dirty="0"/>
           </a:p>
@@ -1378,7 +1392,7 @@
     </p:spTree>
     <p:extLst>
       <p:ext uri="{BB962C8B-B14F-4D97-AF65-F5344CB8AC3E}">
-        <p14:creationId xmlns:p14="http://schemas.microsoft.com/office/powerpoint/2010/main" val="1933030215"/>
+        <p14:creationId xmlns:p14="http://schemas.microsoft.com/office/powerpoint/2010/main" val="1170059121"/>
       </p:ext>
     </p:extLst>
   </p:cSld>
@@ -1425,7 +1439,7 @@
             <a:fld id="{6698ED02-3EBA-4AEA-92C7-B8D5D775CAF5}" type="slidenum">
               <a:rPr lang="en-US" smtClean="0"/>
               <a:pPr/>
-              <a:t>15</a:t>
+              <a:t>17</a:t>
             </a:fld>
             <a:endParaRPr lang="en-US" smtClean="0"/>
           </a:p>
@@ -1536,11 +1550,11 @@
           <a:p>
             <a:r>
               <a:rPr lang="en-US" dirty="0" smtClean="0"/>
-              <a:t>We prefer Maven</a:t>
+              <a:t>Currently,</a:t>
             </a:r>
             <a:r>
               <a:rPr lang="en-US" baseline="0" dirty="0" smtClean="0"/>
-              <a:t> as our project building tool in new architecture. So we’d better know how to integrate </a:t>
+              <a:t> we are using Jenkins as our CI server. </a:t>
             </a:r>
             <a:r>
               <a:rPr lang="en-US" baseline="0" dirty="0" err="1" smtClean="0"/>
@@ -1548,7 +1562,7 @@
             </a:r>
             <a:r>
               <a:rPr lang="en-US" baseline="0" dirty="0" smtClean="0"/>
-              <a:t> with Maven. </a:t>
+              <a:t> also provides a plugin to integrate with Jenkins.</a:t>
             </a:r>
             <a:endParaRPr lang="en-US" dirty="0"/>
           </a:p>
@@ -1577,7 +1591,7 @@
               <a:pPr>
                 <a:defRPr/>
               </a:pPr>
-              <a:t>16</a:t>
+              <a:t>18</a:t>
             </a:fld>
             <a:endParaRPr lang="en-US" dirty="0"/>
           </a:p>
@@ -1586,7 +1600,7 @@
     </p:spTree>
     <p:extLst>
       <p:ext uri="{BB962C8B-B14F-4D97-AF65-F5344CB8AC3E}">
-        <p14:creationId xmlns:p14="http://schemas.microsoft.com/office/powerpoint/2010/main" val="1170059121"/>
+        <p14:creationId xmlns:p14="http://schemas.microsoft.com/office/powerpoint/2010/main" val="4053427200"/>
       </p:ext>
     </p:extLst>
   </p:cSld>
@@ -1615,62 +1629,7 @@
       </p:grpSpPr>
       <p:sp>
         <p:nvSpPr>
-          <p:cNvPr id="54274" name="Rectangle 7"/>
-          <p:cNvSpPr>
-            <a:spLocks noGrp="1" noChangeArrowheads="1"/>
-          </p:cNvSpPr>
-          <p:nvPr>
-            <p:ph type="sldNum" sz="quarter" idx="5"/>
-          </p:nvPr>
-        </p:nvSpPr>
-        <p:spPr>
-          <a:noFill/>
-        </p:spPr>
-        <p:txBody>
-          <a:bodyPr/>
-          <a:lstStyle/>
-          <a:p>
-            <a:fld id="{6698ED02-3EBA-4AEA-92C7-B8D5D775CAF5}" type="slidenum">
-              <a:rPr lang="en-US" smtClean="0"/>
-              <a:pPr/>
-              <a:t>18</a:t>
-            </a:fld>
-            <a:endParaRPr lang="en-US" smtClean="0"/>
-          </a:p>
-        </p:txBody>
-      </p:sp>
-      <p:sp>
-        <p:nvSpPr>
-          <p:cNvPr id="5" name="Notes Placeholder 4"/>
-          <p:cNvSpPr>
-            <a:spLocks noGrp="1"/>
-          </p:cNvSpPr>
-          <p:nvPr>
-            <p:ph type="body" sz="quarter" idx="10"/>
-          </p:nvPr>
-        </p:nvSpPr>
-        <p:spPr/>
-        <p:txBody>
-          <a:bodyPr>
-            <a:normAutofit/>
-          </a:bodyPr>
-          <a:lstStyle/>
-          <a:p>
-            <a:pPr>
-              <a:spcBef>
-                <a:spcPts val="0"/>
-              </a:spcBef>
-              <a:spcAft>
-                <a:spcPts val="0"/>
-              </a:spcAft>
-            </a:pPr>
-            <a:endParaRPr lang="en-US" dirty="0" smtClean="0"/>
-          </a:p>
-        </p:txBody>
-      </p:sp>
-      <p:sp>
-        <p:nvSpPr>
-          <p:cNvPr id="6" name="Slide Image Placeholder 5"/>
+          <p:cNvPr id="2" name="Slide Image Placeholder 1"/>
           <p:cNvSpPr>
             <a:spLocks noGrp="1" noRot="1" noChangeAspect="1"/>
           </p:cNvSpPr>
@@ -1685,48 +1644,6 @@
           </a:xfrm>
         </p:spPr>
       </p:sp>
-    </p:spTree>
-  </p:cSld>
-  <p:clrMapOvr>
-    <a:masterClrMapping/>
-  </p:clrMapOvr>
-</p:notes>
-</file>
-
-<file path=ppt/notesSlides/notesSlide17.xml><?xml version="1.0" encoding="utf-8"?>
-<p:notes xmlns:a="http://schemas.openxmlformats.org/drawingml/2006/main" xmlns:r="http://schemas.openxmlformats.org/officeDocument/2006/relationships" xmlns:p="http://schemas.openxmlformats.org/presentationml/2006/main">
-  <p:cSld>
-    <p:spTree>
-      <p:nvGrpSpPr>
-        <p:cNvPr id="1" name=""/>
-        <p:cNvGrpSpPr/>
-        <p:nvPr/>
-      </p:nvGrpSpPr>
-      <p:grpSpPr>
-        <a:xfrm>
-          <a:off x="0" y="0"/>
-          <a:ext cx="0" cy="0"/>
-          <a:chOff x="0" y="0"/>
-          <a:chExt cx="0" cy="0"/>
-        </a:xfrm>
-      </p:grpSpPr>
-      <p:sp>
-        <p:nvSpPr>
-          <p:cNvPr id="2" name="Slide Image Placeholder 1"/>
-          <p:cNvSpPr>
-            <a:spLocks noGrp="1" noRot="1" noChangeAspect="1"/>
-          </p:cNvSpPr>
-          <p:nvPr>
-            <p:ph type="sldImg"/>
-          </p:nvPr>
-        </p:nvSpPr>
-        <p:spPr>
-          <a:xfrm>
-            <a:off x="1558925" y="284163"/>
-            <a:ext cx="3740150" cy="2805112"/>
-          </a:xfrm>
-        </p:spPr>
-      </p:sp>
       <p:sp>
         <p:nvSpPr>
           <p:cNvPr id="3" name="Notes Placeholder 2"/>
@@ -1742,22 +1659,6 @@
           <a:bodyPr/>
           <a:lstStyle/>
           <a:p>
-            <a:r>
-              <a:rPr lang="en-US" dirty="0" smtClean="0"/>
-              <a:t>Currently,</a:t>
-            </a:r>
-            <a:r>
-              <a:rPr lang="en-US" baseline="0" dirty="0" smtClean="0"/>
-              <a:t> we are using Jenkins as our CI server. </a:t>
-            </a:r>
-            <a:r>
-              <a:rPr lang="en-US" baseline="0" dirty="0" err="1" smtClean="0"/>
-              <a:t>JSHint</a:t>
-            </a:r>
-            <a:r>
-              <a:rPr lang="en-US" baseline="0" dirty="0" smtClean="0"/>
-              <a:t> also provides a plugin to integrate with Jenkins.</a:t>
-            </a:r>
             <a:endParaRPr lang="en-US" dirty="0"/>
           </a:p>
         </p:txBody>
@@ -1785,7 +1686,7 @@
               <a:pPr>
                 <a:defRPr/>
               </a:pPr>
-              <a:t>19</a:t>
+              <a:t>21</a:t>
             </a:fld>
             <a:endParaRPr lang="en-US" dirty="0"/>
           </a:p>
@@ -1794,7 +1695,7 @@
     </p:spTree>
     <p:extLst>
       <p:ext uri="{BB962C8B-B14F-4D97-AF65-F5344CB8AC3E}">
-        <p14:creationId xmlns:p14="http://schemas.microsoft.com/office/powerpoint/2010/main" val="4053427200"/>
+        <p14:creationId xmlns:p14="http://schemas.microsoft.com/office/powerpoint/2010/main" val="4243276932"/>
       </p:ext>
     </p:extLst>
   </p:cSld>
@@ -2098,23 +1999,7 @@
             </a:r>
             <a:r>
               <a:rPr lang="en-US" dirty="0" smtClean="0"/>
-              <a:t> code. It is very flexible so you can easily </a:t>
-            </a:r>
-            <a:r>
-              <a:rPr lang="en-US" dirty="0" smtClean="0"/>
-              <a:t>customize it </a:t>
-            </a:r>
-            <a:r>
-              <a:rPr lang="en-US" dirty="0" smtClean="0"/>
-              <a:t>to </a:t>
-            </a:r>
-            <a:r>
-              <a:rPr lang="en-US" dirty="0" smtClean="0"/>
-              <a:t>your </a:t>
-            </a:r>
-            <a:r>
-              <a:rPr lang="en-US" dirty="0" smtClean="0"/>
-              <a:t>coding guidelines and the environment you expect your code to execute in.</a:t>
+              <a:t> code. It is very flexible so you can easily customize it to your coding guidelines and the environment you expect your code to execute in.</a:t>
             </a:r>
             <a:endParaRPr lang="en-US" dirty="0"/>
           </a:p>
@@ -2397,85 +2282,8 @@
             </a:r>
           </a:p>
           <a:p>
-            <a:pPr marL="228600" indent="-228600">
-              <a:buAutoNum type="arabicPeriod"/>
-            </a:pPr>
-            <a:r>
-              <a:rPr lang="en-US" sz="1200" kern="1200" dirty="0" smtClean="0">
-                <a:solidFill>
-                  <a:schemeClr val="tx1"/>
-                </a:solidFill>
-                <a:effectLst/>
-                <a:latin typeface="+mn-lt"/>
-                <a:ea typeface="+mn-ea"/>
-                <a:cs typeface="+mn-cs"/>
-              </a:rPr>
-              <a:t>After you've done that you should be able to use the </a:t>
-            </a:r>
-            <a:r>
-              <a:rPr lang="en-US" sz="1200" kern="1200" dirty="0" err="1" smtClean="0">
-                <a:solidFill>
-                  <a:schemeClr val="tx1"/>
-                </a:solidFill>
-                <a:effectLst/>
-                <a:latin typeface="+mn-lt"/>
-                <a:ea typeface="+mn-ea"/>
-                <a:cs typeface="+mn-cs"/>
-              </a:rPr>
-              <a:t>jshint</a:t>
-            </a:r>
-            <a:r>
-              <a:rPr lang="en-US" sz="1200" kern="1200" dirty="0" smtClean="0">
-                <a:solidFill>
-                  <a:schemeClr val="tx1"/>
-                </a:solidFill>
-                <a:effectLst/>
-                <a:latin typeface="+mn-lt"/>
-                <a:ea typeface="+mn-ea"/>
-                <a:cs typeface="+mn-cs"/>
-              </a:rPr>
-              <a:t> program. The simplest use case  would be </a:t>
-            </a:r>
-            <a:r>
-              <a:rPr lang="en-US" sz="1200" kern="1200" dirty="0" err="1" smtClean="0">
-                <a:solidFill>
-                  <a:schemeClr val="tx1"/>
-                </a:solidFill>
-                <a:effectLst/>
-                <a:latin typeface="+mn-lt"/>
-                <a:ea typeface="+mn-ea"/>
-                <a:cs typeface="+mn-cs"/>
-              </a:rPr>
-              <a:t>linting</a:t>
-            </a:r>
-            <a:r>
-              <a:rPr lang="en-US" sz="1200" kern="1200" dirty="0" smtClean="0">
-                <a:solidFill>
-                  <a:schemeClr val="tx1"/>
-                </a:solidFill>
-                <a:effectLst/>
-                <a:latin typeface="+mn-lt"/>
-                <a:ea typeface="+mn-ea"/>
-                <a:cs typeface="+mn-cs"/>
-              </a:rPr>
-              <a:t> a single file or all JavaScript files in a directory</a:t>
-            </a:r>
-            <a:r>
-              <a:rPr lang="en-US" sz="1200" kern="1200" dirty="0" smtClean="0">
-                <a:solidFill>
-                  <a:schemeClr val="tx1"/>
-                </a:solidFill>
-                <a:effectLst/>
-                <a:latin typeface="+mn-lt"/>
-                <a:ea typeface="+mn-ea"/>
-                <a:cs typeface="+mn-cs"/>
-              </a:rPr>
-              <a:t>.</a:t>
-            </a:r>
-          </a:p>
-          <a:p>
-            <a:pPr marL="228600" indent="-228600">
-              <a:buAutoNum type="arabicPeriod"/>
+            <a:pPr marL="0" indent="0">
+              <a:buNone/>
             </a:pPr>
             <a:endParaRPr lang="en-US" sz="1200" kern="1200" dirty="0" smtClean="0">
               <a:solidFill>
@@ -2486,108 +2294,6 @@
               <a:ea typeface="+mn-ea"/>
               <a:cs typeface="+mn-cs"/>
             </a:endParaRPr>
-          </a:p>
-          <a:p>
-            <a:pPr marL="228600" indent="-228600">
-              <a:buAutoNum type="arabicPeriod"/>
-            </a:pPr>
-            <a:r>
-              <a:rPr lang="en-US" sz="1200" kern="1200" dirty="0" smtClean="0">
-                <a:solidFill>
-                  <a:schemeClr val="tx1"/>
-                </a:solidFill>
-                <a:effectLst/>
-                <a:latin typeface="+mn-lt"/>
-                <a:ea typeface="+mn-ea"/>
-                <a:cs typeface="+mn-cs"/>
-              </a:rPr>
-              <a:t>By</a:t>
-            </a:r>
-            <a:r>
-              <a:rPr lang="en-US" sz="1200" kern="1200" baseline="0" dirty="0" smtClean="0">
-                <a:solidFill>
-                  <a:schemeClr val="tx1"/>
-                </a:solidFill>
-                <a:effectLst/>
-                <a:latin typeface="+mn-lt"/>
-                <a:ea typeface="+mn-ea"/>
-                <a:cs typeface="+mn-cs"/>
-              </a:rPr>
-              <a:t> default, </a:t>
-            </a:r>
-            <a:r>
-              <a:rPr lang="en-US" sz="1200" kern="1200" baseline="0" dirty="0" err="1" smtClean="0">
-                <a:solidFill>
-                  <a:schemeClr val="tx1"/>
-                </a:solidFill>
-                <a:effectLst/>
-                <a:latin typeface="+mn-lt"/>
-                <a:ea typeface="+mn-ea"/>
-                <a:cs typeface="+mn-cs"/>
-              </a:rPr>
-              <a:t>JSHint</a:t>
-            </a:r>
-            <a:r>
-              <a:rPr lang="en-US" sz="1200" kern="1200" baseline="0" dirty="0" smtClean="0">
-                <a:solidFill>
-                  <a:schemeClr val="tx1"/>
-                </a:solidFill>
-                <a:effectLst/>
-                <a:latin typeface="+mn-lt"/>
-                <a:ea typeface="+mn-ea"/>
-                <a:cs typeface="+mn-cs"/>
-              </a:rPr>
-              <a:t> will search for a configuration file named ‘.</a:t>
-            </a:r>
-            <a:r>
-              <a:rPr lang="en-US" sz="1200" kern="1200" baseline="0" dirty="0" err="1" smtClean="0">
-                <a:solidFill>
-                  <a:schemeClr val="tx1"/>
-                </a:solidFill>
-                <a:effectLst/>
-                <a:latin typeface="+mn-lt"/>
-                <a:ea typeface="+mn-ea"/>
-                <a:cs typeface="+mn-cs"/>
-              </a:rPr>
-              <a:t>jshintrc</a:t>
-            </a:r>
-            <a:r>
-              <a:rPr lang="en-US" sz="1200" kern="1200" baseline="0" dirty="0" smtClean="0">
-                <a:solidFill>
-                  <a:schemeClr val="tx1"/>
-                </a:solidFill>
-                <a:effectLst/>
-                <a:latin typeface="+mn-lt"/>
-                <a:ea typeface="+mn-ea"/>
-                <a:cs typeface="+mn-cs"/>
-              </a:rPr>
-              <a:t>’ , all the code checking criterion will be found. Take it easy for the options, I am </a:t>
-            </a:r>
-            <a:r>
-              <a:rPr lang="en-US" sz="1200" kern="1200" baseline="0" dirty="0" err="1" smtClean="0">
-                <a:solidFill>
-                  <a:schemeClr val="tx1"/>
-                </a:solidFill>
-                <a:effectLst/>
-                <a:latin typeface="+mn-lt"/>
-                <a:ea typeface="+mn-ea"/>
-                <a:cs typeface="+mn-cs"/>
-              </a:rPr>
-              <a:t>gonna</a:t>
-            </a:r>
-            <a:r>
-              <a:rPr lang="en-US" sz="1200" kern="1200" baseline="0" dirty="0" smtClean="0">
-                <a:solidFill>
-                  <a:schemeClr val="tx1"/>
-                </a:solidFill>
-                <a:effectLst/>
-                <a:latin typeface="+mn-lt"/>
-                <a:ea typeface="+mn-ea"/>
-                <a:cs typeface="+mn-cs"/>
-              </a:rPr>
-              <a:t> explain them later.  </a:t>
-            </a:r>
-            <a:endParaRPr lang="en-US" dirty="0"/>
           </a:p>
         </p:txBody>
       </p:sp>
@@ -2682,128 +2388,7 @@
           <a:bodyPr/>
           <a:lstStyle/>
           <a:p>
-            <a:r>
-              <a:rPr lang="en-US" sz="1200" kern="1200" dirty="0" err="1" smtClean="0">
-                <a:solidFill>
-                  <a:schemeClr val="tx1"/>
-                </a:solidFill>
-                <a:effectLst/>
-                <a:latin typeface="+mn-lt"/>
-                <a:ea typeface="+mn-ea"/>
-                <a:cs typeface="+mn-cs"/>
-              </a:rPr>
-              <a:t>JSHint</a:t>
-            </a:r>
-            <a:r>
-              <a:rPr lang="en-US" sz="1200" kern="1200" dirty="0" smtClean="0">
-                <a:solidFill>
-                  <a:schemeClr val="tx1"/>
-                </a:solidFill>
-                <a:effectLst/>
-                <a:latin typeface="+mn-lt"/>
-                <a:ea typeface="+mn-ea"/>
-                <a:cs typeface="+mn-cs"/>
-              </a:rPr>
-              <a:t> comes with a default set of warnings but it was designed to be very configurable. You have three methods to configure your copy of </a:t>
-            </a:r>
-            <a:r>
-              <a:rPr lang="en-US" sz="1200" kern="1200" dirty="0" err="1" smtClean="0">
-                <a:solidFill>
-                  <a:schemeClr val="tx1"/>
-                </a:solidFill>
-                <a:effectLst/>
-                <a:latin typeface="+mn-lt"/>
-                <a:ea typeface="+mn-ea"/>
-                <a:cs typeface="+mn-cs"/>
-              </a:rPr>
-              <a:t>JSHint</a:t>
-            </a:r>
-            <a:endParaRPr lang="en-US" sz="1200" kern="1200" dirty="0" smtClean="0">
-              <a:solidFill>
-                <a:schemeClr val="tx1"/>
-              </a:solidFill>
-              <a:effectLst/>
-              <a:latin typeface="+mn-lt"/>
-              <a:ea typeface="+mn-ea"/>
-              <a:cs typeface="+mn-cs"/>
-            </a:endParaRPr>
-          </a:p>
-          <a:p>
-            <a:pPr marL="228600" indent="-228600">
-              <a:buAutoNum type="arabicParenR"/>
-            </a:pPr>
-            <a:r>
-              <a:rPr lang="en-US" sz="1200" kern="1200" baseline="0" dirty="0" err="1" smtClean="0">
-                <a:solidFill>
-                  <a:schemeClr val="tx1"/>
-                </a:solidFill>
-                <a:effectLst/>
-                <a:latin typeface="+mn-lt"/>
-                <a:ea typeface="+mn-ea"/>
-                <a:cs typeface="+mn-cs"/>
-              </a:rPr>
-              <a:t>jshint</a:t>
-            </a:r>
-            <a:r>
-              <a:rPr lang="en-US" sz="1200" kern="1200" baseline="0" dirty="0" smtClean="0">
-                <a:solidFill>
-                  <a:schemeClr val="tx1"/>
-                </a:solidFill>
-                <a:effectLst/>
-                <a:latin typeface="+mn-lt"/>
-                <a:ea typeface="+mn-ea"/>
-                <a:cs typeface="+mn-cs"/>
-              </a:rPr>
-              <a:t>  undefined.js –</a:t>
-            </a:r>
-            <a:r>
-              <a:rPr lang="en-US" sz="1200" kern="1200" baseline="0" dirty="0" err="1" smtClean="0">
-                <a:solidFill>
-                  <a:schemeClr val="tx1"/>
-                </a:solidFill>
-                <a:effectLst/>
-                <a:latin typeface="+mn-lt"/>
-                <a:ea typeface="+mn-ea"/>
-                <a:cs typeface="+mn-cs"/>
-              </a:rPr>
-              <a:t>config</a:t>
-            </a:r>
-            <a:r>
-              <a:rPr lang="en-US" sz="1200" kern="1200" baseline="0" dirty="0" smtClean="0">
-                <a:solidFill>
-                  <a:schemeClr val="tx1"/>
-                </a:solidFill>
-                <a:effectLst/>
-                <a:latin typeface="+mn-lt"/>
-                <a:ea typeface="+mn-ea"/>
-                <a:cs typeface="+mn-cs"/>
-              </a:rPr>
-              <a:t> </a:t>
-            </a:r>
-            <a:r>
-              <a:rPr lang="en-US" sz="1200" kern="1200" baseline="0" dirty="0" err="1" smtClean="0">
-                <a:solidFill>
-                  <a:schemeClr val="tx1"/>
-                </a:solidFill>
-                <a:effectLst/>
-                <a:latin typeface="+mn-lt"/>
-                <a:ea typeface="+mn-ea"/>
-                <a:cs typeface="+mn-cs"/>
-              </a:rPr>
-              <a:t>jshintrc</a:t>
-            </a:r>
-            <a:endParaRPr lang="en-US" sz="1200" kern="1200" baseline="0" dirty="0" smtClean="0">
-              <a:solidFill>
-                <a:schemeClr val="tx1"/>
-              </a:solidFill>
-              <a:effectLst/>
-              <a:latin typeface="+mn-lt"/>
-              <a:ea typeface="+mn-ea"/>
-              <a:cs typeface="+mn-cs"/>
-            </a:endParaRPr>
-          </a:p>
-          <a:p>
-            <a:pPr marL="228600" marR="0" indent="-228600" algn="l" defTabSz="914400" rtl="0" eaLnBrk="0" fontAlgn="base" latinLnBrk="0" hangingPunct="0">
+            <a:pPr marL="0" marR="0" indent="0" algn="l" defTabSz="914400" rtl="0" eaLnBrk="0" fontAlgn="base" latinLnBrk="0" hangingPunct="0">
               <a:lnSpc>
                 <a:spcPct val="90000"/>
               </a:lnSpc>
@@ -2816,7 +2401,7 @@
               <a:buClrTx/>
               <a:buSzTx/>
               <a:buFontTx/>
-              <a:buAutoNum type="arabicParenR"/>
+              <a:buNone/>
               <a:tabLst/>
               <a:defRPr/>
             </a:pPr>
@@ -2830,7 +2415,7 @@
                 <a:ea typeface="+mn-ea"/>
                 <a:cs typeface="+mn-cs"/>
               </a:rPr>
-              <a:t>The third method is recommended, using .</a:t>
+              <a:t>After you've done that you should be able to use the </a:t>
             </a:r>
             <a:r>
               <a:rPr lang="en-US" sz="1200" kern="1200" dirty="0" err="1" smtClean="0">
@@ -2842,7 +2427,7 @@
                 <a:ea typeface="+mn-ea"/>
                 <a:cs typeface="+mn-cs"/>
               </a:rPr>
-              <a:t>jshintrc</a:t>
+              <a:t>jshint</a:t>
             </a:r>
             <a:r>
               <a:rPr lang="en-US" sz="1200" kern="1200" dirty="0" smtClean="0">
@@ -2854,7 +2439,7 @@
                 <a:ea typeface="+mn-ea"/>
                 <a:cs typeface="+mn-cs"/>
               </a:rPr>
-              <a:t>, </a:t>
+              <a:t> program. The simplest use case  would be </a:t>
             </a:r>
             <a:r>
               <a:rPr lang="en-US" sz="1200" kern="1200" dirty="0" err="1" smtClean="0">
@@ -2866,7 +2451,7 @@
                 <a:ea typeface="+mn-ea"/>
                 <a:cs typeface="+mn-cs"/>
               </a:rPr>
-              <a:t>JSHint</a:t>
+              <a:t>linting</a:t>
             </a:r>
             <a:r>
               <a:rPr lang="en-US" sz="1200" kern="1200" dirty="0" smtClean="0">
@@ -2878,10 +2463,29 @@
                 <a:ea typeface="+mn-ea"/>
                 <a:cs typeface="+mn-cs"/>
               </a:rPr>
-              <a:t> will start looking for this file in the same folder as the files to be </a:t>
-            </a:r>
-            <a:r>
-              <a:rPr lang="en-US" sz="1200" kern="1200" dirty="0" err="1" smtClean="0">
+              <a:t> a single file or all JavaScript files in a directory.</a:t>
+            </a:r>
+          </a:p>
+          <a:p>
+            <a:pPr marL="0" marR="0" indent="0" algn="l" defTabSz="914400" rtl="0" eaLnBrk="0" fontAlgn="base" latinLnBrk="0" hangingPunct="0">
+              <a:lnSpc>
+                <a:spcPct val="90000"/>
+              </a:lnSpc>
+              <a:spcBef>
+                <a:spcPct val="20000"/>
+              </a:spcBef>
+              <a:spcAft>
+                <a:spcPct val="20000"/>
+              </a:spcAft>
+              <a:buClrTx/>
+              <a:buSzTx/>
+              <a:buFontTx/>
+              <a:buNone/>
+              <a:tabLst/>
+              <a:defRPr/>
+            </a:pPr>
+            <a:r>
+              <a:rPr lang="en-US" sz="1200" kern="1200" dirty="0" smtClean="0">
                 <a:solidFill>
                   <a:schemeClr val="tx1"/>
                 </a:solidFill>
@@ -2890,10 +2494,10 @@
                 <a:ea typeface="+mn-ea"/>
                 <a:cs typeface="+mn-cs"/>
               </a:rPr>
-              <a:t>linted</a:t>
-            </a:r>
-            <a:r>
-              <a:rPr lang="en-US" sz="1200" kern="1200" dirty="0" smtClean="0">
+              <a:t>So there will be a question,</a:t>
+            </a:r>
+            <a:r>
+              <a:rPr lang="en-US" sz="1200" kern="1200" baseline="0" dirty="0" smtClean="0">
                 <a:solidFill>
                   <a:schemeClr val="tx1"/>
                 </a:solidFill>
@@ -2902,10 +2506,10 @@
                 <a:ea typeface="+mn-ea"/>
                 <a:cs typeface="+mn-cs"/>
               </a:rPr>
-              <a:t>. If not found, it will move one level up the directory tree all the way up to the file system root. You can make use of this character, place your file into the project root directory and, as long as you run </a:t>
-            </a:r>
-            <a:r>
-              <a:rPr lang="en-US" sz="1200" kern="1200" dirty="0" err="1" smtClean="0">
+              <a:t> how can </a:t>
+            </a:r>
+            <a:r>
+              <a:rPr lang="en-US" sz="1200" kern="1200" baseline="0" dirty="0" err="1" smtClean="0">
                 <a:solidFill>
                   <a:schemeClr val="tx1"/>
                 </a:solidFill>
@@ -2917,7 +2521,7 @@
               <a:t>JSHint</a:t>
             </a:r>
             <a:r>
-              <a:rPr lang="en-US" sz="1200" kern="1200" dirty="0" smtClean="0">
+              <a:rPr lang="en-US" sz="1200" kern="1200" baseline="0" dirty="0" smtClean="0">
                 <a:solidFill>
                   <a:schemeClr val="tx1"/>
                 </a:solidFill>
@@ -2926,13 +2530,67 @@
                 <a:ea typeface="+mn-ea"/>
                 <a:cs typeface="+mn-cs"/>
               </a:rPr>
-              <a:t> from anywhere within your project directory tree, the same configuration file will be used.</a:t>
-            </a:r>
-          </a:p>
-          <a:p>
-            <a:pPr marL="228600" indent="-228600">
-              <a:buAutoNum type="arabicParenR"/>
-            </a:pPr>
+              <a:t> check </a:t>
+            </a:r>
+            <a:r>
+              <a:rPr lang="en-US" sz="1200" kern="1200" baseline="0" dirty="0" err="1" smtClean="0">
+                <a:solidFill>
+                  <a:schemeClr val="tx1"/>
+                </a:solidFill>
+                <a:effectLst/>
+                <a:latin typeface="+mn-lt"/>
+                <a:ea typeface="+mn-ea"/>
+                <a:cs typeface="+mn-cs"/>
+              </a:rPr>
+              <a:t>javascript</a:t>
+            </a:r>
+            <a:r>
+              <a:rPr lang="en-US" sz="1200" kern="1200" baseline="0" dirty="0" smtClean="0">
+                <a:solidFill>
+                  <a:schemeClr val="tx1"/>
+                </a:solidFill>
+                <a:effectLst/>
+                <a:latin typeface="+mn-lt"/>
+                <a:ea typeface="+mn-ea"/>
+                <a:cs typeface="+mn-cs"/>
+              </a:rPr>
+              <a:t> code? What criterion </a:t>
+            </a:r>
+            <a:r>
+              <a:rPr lang="en-US" sz="1200" kern="1200" baseline="0" dirty="0" err="1" smtClean="0">
+                <a:solidFill>
+                  <a:schemeClr val="tx1"/>
+                </a:solidFill>
+                <a:effectLst/>
+                <a:latin typeface="+mn-lt"/>
+                <a:ea typeface="+mn-ea"/>
+                <a:cs typeface="+mn-cs"/>
+              </a:rPr>
+              <a:t>JSHint</a:t>
+            </a:r>
+            <a:r>
+              <a:rPr lang="en-US" sz="1200" kern="1200" baseline="0" dirty="0" smtClean="0">
+                <a:solidFill>
+                  <a:schemeClr val="tx1"/>
+                </a:solidFill>
+                <a:effectLst/>
+                <a:latin typeface="+mn-lt"/>
+                <a:ea typeface="+mn-ea"/>
+                <a:cs typeface="+mn-cs"/>
+              </a:rPr>
+              <a:t> is going to follow? </a:t>
+            </a:r>
+            <a:endParaRPr lang="en-US" sz="1200" kern="1200" dirty="0" smtClean="0">
+              <a:solidFill>
+                <a:schemeClr val="tx1"/>
+              </a:solidFill>
+              <a:effectLst/>
+              <a:latin typeface="+mn-lt"/>
+              <a:ea typeface="+mn-ea"/>
+              <a:cs typeface="+mn-cs"/>
+            </a:endParaRPr>
+          </a:p>
+          <a:p>
             <a:endParaRPr lang="en-US" dirty="0"/>
           </a:p>
         </p:txBody>
@@ -2969,7 +2627,7 @@
     </p:spTree>
     <p:extLst>
       <p:ext uri="{BB962C8B-B14F-4D97-AF65-F5344CB8AC3E}">
-        <p14:creationId xmlns:p14="http://schemas.microsoft.com/office/powerpoint/2010/main" val="3769607495"/>
+        <p14:creationId xmlns:p14="http://schemas.microsoft.com/office/powerpoint/2010/main" val="2517279965"/>
       </p:ext>
     </p:extLst>
   </p:cSld>
@@ -3029,41 +2687,385 @@
           <a:lstStyle/>
           <a:p>
             <a:r>
-              <a:rPr lang="en-US" dirty="0" smtClean="0"/>
-              <a:t>In addition to using configuration files you can configure </a:t>
-            </a:r>
-            <a:r>
-              <a:rPr lang="en-US" dirty="0" err="1" smtClean="0"/>
+              <a:rPr lang="en-US" sz="1200" kern="1200" dirty="0" smtClean="0">
+                <a:solidFill>
+                  <a:schemeClr val="tx1"/>
+                </a:solidFill>
+                <a:effectLst/>
+                <a:latin typeface="+mn-lt"/>
+                <a:ea typeface="+mn-ea"/>
+                <a:cs typeface="+mn-cs"/>
+              </a:rPr>
+              <a:t>By</a:t>
+            </a:r>
+            <a:r>
+              <a:rPr lang="en-US" sz="1200" kern="1200" baseline="0" dirty="0" smtClean="0">
+                <a:solidFill>
+                  <a:schemeClr val="tx1"/>
+                </a:solidFill>
+                <a:effectLst/>
+                <a:latin typeface="+mn-lt"/>
+                <a:ea typeface="+mn-ea"/>
+                <a:cs typeface="+mn-cs"/>
+              </a:rPr>
+              <a:t> default, </a:t>
+            </a:r>
+            <a:r>
+              <a:rPr lang="en-US" sz="1200" kern="1200" baseline="0" dirty="0" err="1" smtClean="0">
+                <a:solidFill>
+                  <a:schemeClr val="tx1"/>
+                </a:solidFill>
+                <a:effectLst/>
+                <a:latin typeface="+mn-lt"/>
+                <a:ea typeface="+mn-ea"/>
+                <a:cs typeface="+mn-cs"/>
+              </a:rPr>
               <a:t>JSHint</a:t>
             </a:r>
             <a:r>
-              <a:rPr lang="en-US" dirty="0" smtClean="0"/>
+              <a:rPr lang="en-US" sz="1200" kern="1200" baseline="0" dirty="0" smtClean="0">
+                <a:solidFill>
+                  <a:schemeClr val="tx1"/>
+                </a:solidFill>
+                <a:effectLst/>
+                <a:latin typeface="+mn-lt"/>
+                <a:ea typeface="+mn-ea"/>
+                <a:cs typeface="+mn-cs"/>
+              </a:rPr>
+              <a:t> will search for a configuration file named ‘.</a:t>
+            </a:r>
+            <a:r>
+              <a:rPr lang="en-US" sz="1200" kern="1200" baseline="0" dirty="0" err="1" smtClean="0">
+                <a:solidFill>
+                  <a:schemeClr val="tx1"/>
+                </a:solidFill>
+                <a:effectLst/>
+                <a:latin typeface="+mn-lt"/>
+                <a:ea typeface="+mn-ea"/>
+                <a:cs typeface="+mn-cs"/>
+              </a:rPr>
+              <a:t>jshintrc</a:t>
+            </a:r>
+            <a:r>
+              <a:rPr lang="en-US" sz="1200" kern="1200" baseline="0" dirty="0" smtClean="0">
+                <a:solidFill>
+                  <a:schemeClr val="tx1"/>
+                </a:solidFill>
+                <a:effectLst/>
+                <a:latin typeface="+mn-lt"/>
+                <a:ea typeface="+mn-ea"/>
+                <a:cs typeface="+mn-cs"/>
+              </a:rPr>
+              <a:t>’ , all the code checking criterion will be found. </a:t>
+            </a:r>
+            <a:endParaRPr lang="en-US" sz="1200" kern="1200" dirty="0" smtClean="0">
+              <a:solidFill>
+                <a:schemeClr val="tx1"/>
+              </a:solidFill>
+              <a:effectLst/>
+              <a:latin typeface="+mn-lt"/>
+              <a:ea typeface="+mn-ea"/>
+              <a:cs typeface="+mn-cs"/>
+            </a:endParaRPr>
+          </a:p>
+          <a:p>
+            <a:r>
+              <a:rPr lang="en-US" sz="1200" kern="1200" dirty="0" err="1" smtClean="0">
+                <a:solidFill>
+                  <a:schemeClr val="tx1"/>
+                </a:solidFill>
+                <a:effectLst/>
+                <a:latin typeface="+mn-lt"/>
+                <a:ea typeface="+mn-ea"/>
+                <a:cs typeface="+mn-cs"/>
+              </a:rPr>
+              <a:t>JSHint</a:t>
+            </a:r>
+            <a:r>
+              <a:rPr lang="en-US" sz="1200" kern="1200" dirty="0" smtClean="0">
+                <a:solidFill>
+                  <a:schemeClr val="tx1"/>
+                </a:solidFill>
+                <a:effectLst/>
+                <a:latin typeface="+mn-lt"/>
+                <a:ea typeface="+mn-ea"/>
+                <a:cs typeface="+mn-cs"/>
+              </a:rPr>
               <a:t> </a:t>
             </a:r>
             <a:r>
-              <a:rPr lang="en-US" dirty="0" smtClean="0"/>
-              <a:t>options</a:t>
-            </a:r>
-            <a:r>
-              <a:rPr lang="en-US" baseline="0" dirty="0" smtClean="0"/>
-              <a:t> </a:t>
-            </a:r>
-            <a:r>
-              <a:rPr lang="en-US" dirty="0" smtClean="0"/>
-              <a:t>within </a:t>
-            </a:r>
-            <a:r>
-              <a:rPr lang="en-US" dirty="0" smtClean="0"/>
-              <a:t>your files using special comments. These comments start either with </a:t>
-            </a:r>
-            <a:r>
-              <a:rPr lang="en-US" dirty="0" err="1" smtClean="0"/>
-              <a:t>jshint</a:t>
-            </a:r>
-            <a:r>
-              <a:rPr lang="en-US" dirty="0" smtClean="0"/>
-              <a:t> or global and are followed by a comma-separated list of values.</a:t>
-            </a:r>
+              <a:rPr lang="en-US" sz="1200" kern="1200" dirty="0" smtClean="0">
+                <a:solidFill>
+                  <a:schemeClr val="tx1"/>
+                </a:solidFill>
+                <a:effectLst/>
+                <a:latin typeface="+mn-lt"/>
+                <a:ea typeface="+mn-ea"/>
+                <a:cs typeface="+mn-cs"/>
+              </a:rPr>
+              <a:t>comes with a default set of warnings but it was designed to be very configurable. You have three methods to configure your copy of </a:t>
+            </a:r>
+            <a:r>
+              <a:rPr lang="en-US" sz="1200" kern="1200" dirty="0" err="1" smtClean="0">
+                <a:solidFill>
+                  <a:schemeClr val="tx1"/>
+                </a:solidFill>
+                <a:effectLst/>
+                <a:latin typeface="+mn-lt"/>
+                <a:ea typeface="+mn-ea"/>
+                <a:cs typeface="+mn-cs"/>
+              </a:rPr>
+              <a:t>JSHint</a:t>
+            </a:r>
+            <a:endParaRPr lang="en-US" sz="1200" kern="1200" dirty="0" smtClean="0">
+              <a:solidFill>
+                <a:schemeClr val="tx1"/>
+              </a:solidFill>
+              <a:effectLst/>
+              <a:latin typeface="+mn-lt"/>
+              <a:ea typeface="+mn-ea"/>
+              <a:cs typeface="+mn-cs"/>
+            </a:endParaRPr>
+          </a:p>
+          <a:p>
+            <a:pPr marL="0" marR="0" indent="0" algn="l" defTabSz="914400" rtl="0" eaLnBrk="0" fontAlgn="base" latinLnBrk="0" hangingPunct="0">
+              <a:lnSpc>
+                <a:spcPct val="90000"/>
+              </a:lnSpc>
+              <a:spcBef>
+                <a:spcPct val="20000"/>
+              </a:spcBef>
+              <a:spcAft>
+                <a:spcPct val="20000"/>
+              </a:spcAft>
+              <a:buClrTx/>
+              <a:buSzTx/>
+              <a:buFontTx/>
+              <a:buNone/>
+              <a:tabLst/>
+              <a:defRPr/>
+            </a:pPr>
+            <a:r>
+              <a:rPr lang="en-US" sz="1200" kern="1200" dirty="0" smtClean="0">
+                <a:solidFill>
+                  <a:schemeClr val="tx1"/>
+                </a:solidFill>
+                <a:effectLst/>
+                <a:latin typeface="+mn-lt"/>
+                <a:ea typeface="+mn-ea"/>
+                <a:cs typeface="+mn-cs"/>
+              </a:rPr>
+              <a:t>The </a:t>
+            </a:r>
+            <a:r>
+              <a:rPr lang="en-US" sz="1200" kern="1200" dirty="0" smtClean="0">
+                <a:solidFill>
+                  <a:schemeClr val="tx1"/>
+                </a:solidFill>
+                <a:effectLst/>
+                <a:latin typeface="+mn-lt"/>
+                <a:ea typeface="+mn-ea"/>
+                <a:cs typeface="+mn-cs"/>
+              </a:rPr>
+              <a:t>third method is recommended, using .</a:t>
+            </a:r>
+            <a:r>
+              <a:rPr lang="en-US" sz="1200" kern="1200" dirty="0" err="1" smtClean="0">
+                <a:solidFill>
+                  <a:schemeClr val="tx1"/>
+                </a:solidFill>
+                <a:effectLst/>
+                <a:latin typeface="+mn-lt"/>
+                <a:ea typeface="+mn-ea"/>
+                <a:cs typeface="+mn-cs"/>
+              </a:rPr>
+              <a:t>jshintrc</a:t>
+            </a:r>
+            <a:r>
+              <a:rPr lang="en-US" sz="1200" kern="1200" dirty="0" smtClean="0">
+                <a:solidFill>
+                  <a:schemeClr val="tx1"/>
+                </a:solidFill>
+                <a:effectLst/>
+                <a:latin typeface="+mn-lt"/>
+                <a:ea typeface="+mn-ea"/>
+                <a:cs typeface="+mn-cs"/>
+              </a:rPr>
+              <a:t>, </a:t>
+            </a:r>
+            <a:r>
+              <a:rPr lang="en-US" sz="1200" kern="1200" dirty="0" err="1" smtClean="0">
+                <a:solidFill>
+                  <a:schemeClr val="tx1"/>
+                </a:solidFill>
+                <a:effectLst/>
+                <a:latin typeface="+mn-lt"/>
+                <a:ea typeface="+mn-ea"/>
+                <a:cs typeface="+mn-cs"/>
+              </a:rPr>
+              <a:t>JSHint</a:t>
+            </a:r>
+            <a:r>
+              <a:rPr lang="en-US" sz="1200" kern="1200" dirty="0" smtClean="0">
+                <a:solidFill>
+                  <a:schemeClr val="tx1"/>
+                </a:solidFill>
+                <a:effectLst/>
+                <a:latin typeface="+mn-lt"/>
+                <a:ea typeface="+mn-ea"/>
+                <a:cs typeface="+mn-cs"/>
+              </a:rPr>
+              <a:t> will start looking for this file in the same folder as the files to be </a:t>
+            </a:r>
+            <a:r>
+              <a:rPr lang="en-US" sz="1200" kern="1200" dirty="0" err="1" smtClean="0">
+                <a:solidFill>
+                  <a:schemeClr val="tx1"/>
+                </a:solidFill>
+                <a:effectLst/>
+                <a:latin typeface="+mn-lt"/>
+                <a:ea typeface="+mn-ea"/>
+                <a:cs typeface="+mn-cs"/>
+              </a:rPr>
+              <a:t>linted</a:t>
+            </a:r>
+            <a:r>
+              <a:rPr lang="en-US" sz="1200" kern="1200" dirty="0" smtClean="0">
+                <a:solidFill>
+                  <a:schemeClr val="tx1"/>
+                </a:solidFill>
+                <a:effectLst/>
+                <a:latin typeface="+mn-lt"/>
+                <a:ea typeface="+mn-ea"/>
+                <a:cs typeface="+mn-cs"/>
+              </a:rPr>
+              <a:t>. If not found, it will move one level up the directory tree all the way up to the file system root. You can make use of this character, place your file into the project root directory and, as long as you run </a:t>
+            </a:r>
+            <a:r>
+              <a:rPr lang="en-US" sz="1200" kern="1200" dirty="0" err="1" smtClean="0">
+                <a:solidFill>
+                  <a:schemeClr val="tx1"/>
+                </a:solidFill>
+                <a:effectLst/>
+                <a:latin typeface="+mn-lt"/>
+                <a:ea typeface="+mn-ea"/>
+                <a:cs typeface="+mn-cs"/>
+              </a:rPr>
+              <a:t>JSHint</a:t>
+            </a:r>
+            <a:r>
+              <a:rPr lang="en-US" sz="1200" kern="1200" dirty="0" smtClean="0">
+                <a:solidFill>
+                  <a:schemeClr val="tx1"/>
+                </a:solidFill>
+                <a:effectLst/>
+                <a:latin typeface="+mn-lt"/>
+                <a:ea typeface="+mn-ea"/>
+                <a:cs typeface="+mn-cs"/>
+              </a:rPr>
+              <a:t> from anywhere within your project directory tree, the same configuration file will be used</a:t>
+            </a:r>
+            <a:r>
+              <a:rPr lang="en-US" sz="1200" kern="1200" dirty="0" smtClean="0">
+                <a:solidFill>
+                  <a:schemeClr val="tx1"/>
+                </a:solidFill>
+                <a:effectLst/>
+                <a:latin typeface="+mn-lt"/>
+                <a:ea typeface="+mn-ea"/>
+                <a:cs typeface="+mn-cs"/>
+              </a:rPr>
+              <a:t>.</a:t>
+            </a:r>
+          </a:p>
+          <a:p>
+            <a:pPr marL="228600" marR="0" indent="-228600" algn="l" defTabSz="914400" rtl="0" eaLnBrk="0" fontAlgn="base" latinLnBrk="0" hangingPunct="0">
+              <a:lnSpc>
+                <a:spcPct val="90000"/>
+              </a:lnSpc>
+              <a:spcBef>
+                <a:spcPct val="20000"/>
+              </a:spcBef>
+              <a:spcAft>
+                <a:spcPct val="20000"/>
+              </a:spcAft>
+              <a:buClrTx/>
+              <a:buSzTx/>
+              <a:buFontTx/>
+              <a:buAutoNum type="arabicParenR"/>
+              <a:tabLst/>
+              <a:defRPr/>
+            </a:pPr>
+            <a:r>
+              <a:rPr lang="en-US" sz="1200" kern="1200" baseline="0" dirty="0" smtClean="0">
+                <a:solidFill>
+                  <a:schemeClr val="tx1"/>
+                </a:solidFill>
+                <a:effectLst/>
+                <a:latin typeface="+mn-lt"/>
+                <a:ea typeface="+mn-ea"/>
+                <a:cs typeface="+mn-cs"/>
+              </a:rPr>
+              <a:t>Take it easy for the options, I am </a:t>
+            </a:r>
+            <a:r>
+              <a:rPr lang="en-US" sz="1200" kern="1200" baseline="0" dirty="0" err="1" smtClean="0">
+                <a:solidFill>
+                  <a:schemeClr val="tx1"/>
+                </a:solidFill>
+                <a:effectLst/>
+                <a:latin typeface="+mn-lt"/>
+                <a:ea typeface="+mn-ea"/>
+                <a:cs typeface="+mn-cs"/>
+              </a:rPr>
+              <a:t>gonna</a:t>
+            </a:r>
+            <a:r>
+              <a:rPr lang="en-US" sz="1200" kern="1200" baseline="0" dirty="0" smtClean="0">
+                <a:solidFill>
+                  <a:schemeClr val="tx1"/>
+                </a:solidFill>
+                <a:effectLst/>
+                <a:latin typeface="+mn-lt"/>
+                <a:ea typeface="+mn-ea"/>
+                <a:cs typeface="+mn-cs"/>
+              </a:rPr>
+              <a:t> explain them later.  </a:t>
+            </a:r>
+            <a:endParaRPr lang="en-US" dirty="0" smtClean="0"/>
+          </a:p>
+          <a:p>
+            <a:pPr marL="0" marR="0" indent="0" algn="l" defTabSz="914400" rtl="0" eaLnBrk="0" fontAlgn="base" latinLnBrk="0" hangingPunct="0">
+              <a:lnSpc>
+                <a:spcPct val="90000"/>
+              </a:lnSpc>
+              <a:spcBef>
+                <a:spcPct val="20000"/>
+              </a:spcBef>
+              <a:spcAft>
+                <a:spcPct val="20000"/>
+              </a:spcAft>
+              <a:buClrTx/>
+              <a:buSzTx/>
+              <a:buFontTx/>
+              <a:buNone/>
+              <a:tabLst/>
+              <a:defRPr/>
+            </a:pPr>
+            <a:endParaRPr lang="en-US" sz="1200" kern="1200" dirty="0" smtClean="0">
+              <a:solidFill>
+                <a:schemeClr val="tx1"/>
+              </a:solidFill>
+              <a:effectLst/>
+              <a:latin typeface="+mn-lt"/>
+              <a:ea typeface="+mn-ea"/>
+              <a:cs typeface="+mn-cs"/>
+            </a:endParaRPr>
+          </a:p>
+          <a:p>
+            <a:pPr marL="228600" indent="-228600">
+              <a:buAutoNum type="arabicParenR"/>
+            </a:pPr>
             <a:endParaRPr lang="en-US" dirty="0"/>
           </a:p>
         </p:txBody>
@@ -3091,7 +3093,7 @@
               <a:pPr>
                 <a:defRPr/>
               </a:pPr>
-              <a:t>9</a:t>
+              <a:t>8</a:t>
             </a:fld>
             <a:endParaRPr lang="en-US" dirty="0"/>
           </a:p>
@@ -3100,7 +3102,7 @@
     </p:spTree>
     <p:extLst>
       <p:ext uri="{BB962C8B-B14F-4D97-AF65-F5344CB8AC3E}">
-        <p14:creationId xmlns:p14="http://schemas.microsoft.com/office/powerpoint/2010/main" val="814726730"/>
+        <p14:creationId xmlns:p14="http://schemas.microsoft.com/office/powerpoint/2010/main" val="3769607495"/>
       </p:ext>
     </p:extLst>
   </p:cSld>
@@ -9032,16 +9034,123 @@
         </p:spPr>
         <p:txBody>
           <a:bodyPr>
-            <a:normAutofit fontScale="92500" lnSpcReduction="10000"/>
+            <a:normAutofit lnSpcReduction="10000"/>
           </a:bodyPr>
           <a:lstStyle/>
           <a:p>
             <a:r>
-              <a:rPr lang="en-US" b="1" dirty="0" err="1" smtClean="0"/>
-              <a:t>Jshint</a:t>
+              <a:rPr lang="en-US" b="1" dirty="0" err="1" smtClean="0">
+                <a:solidFill>
+                  <a:schemeClr val="tx1"/>
+                </a:solidFill>
+              </a:rPr>
+              <a:t>jshint</a:t>
             </a:r>
             <a:r>
               <a:rPr lang="en-US" b="1" dirty="0" smtClean="0"/>
+              <a:t> </a:t>
+            </a:r>
+            <a:r>
+              <a:rPr lang="en-US" b="1" dirty="0" smtClean="0"/>
+              <a:t>- </a:t>
+            </a:r>
+            <a:r>
+              <a:rPr lang="en-US" dirty="0"/>
+              <a:t>A directive for setting </a:t>
+            </a:r>
+            <a:r>
+              <a:rPr lang="en-US" dirty="0" err="1"/>
+              <a:t>JSHint</a:t>
+            </a:r>
+            <a:r>
+              <a:rPr lang="en-US" dirty="0"/>
+              <a:t> </a:t>
+            </a:r>
+            <a:r>
+              <a:rPr lang="en-US" dirty="0" smtClean="0"/>
+              <a:t>options.</a:t>
+            </a:r>
+          </a:p>
+          <a:p>
+            <a:pPr marL="0" indent="0">
+              <a:buNone/>
+            </a:pPr>
+            <a:r>
+              <a:rPr lang="en-US" sz="2000" dirty="0" smtClean="0"/>
+              <a:t>     </a:t>
+            </a:r>
+            <a:r>
+              <a:rPr lang="en-US" sz="2000" dirty="0" smtClean="0">
+                <a:solidFill>
+                  <a:schemeClr val="accent6"/>
+                </a:solidFill>
+              </a:rPr>
+              <a:t>/* </a:t>
+            </a:r>
+            <a:r>
+              <a:rPr lang="en-US" sz="2000" dirty="0" err="1">
+                <a:solidFill>
+                  <a:schemeClr val="accent6"/>
+                </a:solidFill>
+              </a:rPr>
+              <a:t>jslint</a:t>
+            </a:r>
+            <a:r>
+              <a:rPr lang="en-US" sz="2000" dirty="0">
+                <a:solidFill>
+                  <a:schemeClr val="accent6"/>
+                </a:solidFill>
+              </a:rPr>
+              <a:t> </a:t>
+            </a:r>
+            <a:r>
+              <a:rPr lang="en-US" sz="2000" dirty="0" smtClean="0">
+                <a:solidFill>
+                  <a:schemeClr val="accent6"/>
+                </a:solidFill>
+              </a:rPr>
+              <a:t>strict: </a:t>
+            </a:r>
+            <a:r>
+              <a:rPr lang="en-US" sz="2000" dirty="0">
+                <a:solidFill>
+                  <a:schemeClr val="accent6"/>
+                </a:solidFill>
+              </a:rPr>
+              <a:t>true </a:t>
+            </a:r>
+            <a:r>
+              <a:rPr lang="en-US" sz="2000" dirty="0" smtClean="0">
+                <a:solidFill>
+                  <a:schemeClr val="accent6"/>
+                </a:solidFill>
+              </a:rPr>
+              <a:t>*/</a:t>
+            </a:r>
+          </a:p>
+          <a:p>
+            <a:r>
+              <a:rPr lang="en-US" b="1" dirty="0">
+                <a:solidFill>
+                  <a:schemeClr val="tx1"/>
+                </a:solidFill>
+              </a:rPr>
+              <a:t>g</a:t>
+            </a:r>
+            <a:r>
+              <a:rPr lang="en-US" b="1" dirty="0" smtClean="0">
+                <a:solidFill>
+                  <a:schemeClr val="tx1"/>
+                </a:solidFill>
+              </a:rPr>
+              <a:t>lobal</a:t>
+            </a:r>
+            <a:r>
+              <a:rPr lang="en-US" b="1" dirty="0" smtClean="0">
+                <a:solidFill>
+                  <a:srgbClr val="00B050"/>
+                </a:solidFill>
+              </a:rPr>
               <a:t> - </a:t>
             </a:r>
             <a:r>
@@ -9050,7 +9159,7 @@
             </a:r>
             <a:r>
               <a:rPr lang="en-US" dirty="0"/>
-              <a:t>directive for setting </a:t>
+              <a:t>directive for telling </a:t>
             </a:r>
             <a:r>
               <a:rPr lang="en-US" dirty="0" err="1"/>
@@ -9058,69 +9167,113 @@
             </a:r>
             <a:r>
               <a:rPr lang="en-US" dirty="0"/>
-              <a:t>-compatible </a:t>
+              <a:t> about global variables that are defined elsewhere. </a:t>
+            </a:r>
+            <a:r>
+              <a:rPr lang="en-US" dirty="0" smtClean="0"/>
+              <a:t>For example v</a:t>
+            </a:r>
+            <a:r>
+              <a:rPr lang="en-US" dirty="0" smtClean="0"/>
+              <a:t>alue </a:t>
+            </a:r>
+            <a:r>
+              <a:rPr lang="en-US" dirty="0"/>
+              <a:t>is false (default), </a:t>
             </a:r>
             <a:r>
               <a:rPr lang="en-US" dirty="0" err="1"/>
-              <a:t>JSLint</a:t>
+              <a:t>JSHint</a:t>
             </a:r>
             <a:r>
               <a:rPr lang="en-US" dirty="0"/>
-              <a:t> options.</a:t>
-            </a:r>
+              <a:t> will consider that variable as </a:t>
+            </a:r>
+            <a:r>
+              <a:rPr lang="en-US" dirty="0" smtClean="0"/>
+              <a:t>read-only.</a:t>
+            </a:r>
+            <a:endParaRPr lang="en-US" dirty="0" smtClean="0"/>
           </a:p>
           <a:p>
             <a:pPr marL="0" indent="0">
               <a:buNone/>
             </a:pPr>
             <a:r>
-              <a:rPr lang="en-US" sz="2000" dirty="0" smtClean="0"/>
-              <a:t>     </a:t>
+              <a:rPr lang="en-US" sz="2000" b="1" dirty="0" smtClean="0">
+                <a:solidFill>
+                  <a:schemeClr val="tx1"/>
+                </a:solidFill>
+              </a:rPr>
+              <a:t>    </a:t>
+            </a:r>
+            <a:r>
+              <a:rPr lang="en-US" sz="2000" dirty="0">
+                <a:solidFill>
+                  <a:schemeClr val="accent6"/>
+                </a:solidFill>
+              </a:rPr>
+              <a:t>/* global MY_LIB: false </a:t>
             </a:r>
             <a:r>
               <a:rPr lang="en-US" sz="2000" dirty="0" smtClean="0">
                 <a:solidFill>
-                  <a:srgbClr val="00B050"/>
+                  <a:schemeClr val="accent6"/>
+                </a:solidFill>
+              </a:rPr>
+              <a:t>*/   </a:t>
+            </a:r>
+          </a:p>
+          <a:p>
+            <a:r>
+              <a:rPr lang="en-US" b="1" dirty="0"/>
+              <a:t>e</a:t>
+            </a:r>
+            <a:r>
+              <a:rPr lang="en-US" b="1" dirty="0" smtClean="0"/>
+              <a:t>xported - </a:t>
+            </a:r>
+            <a:r>
+              <a:rPr lang="en-US" dirty="0" smtClean="0"/>
+              <a:t>A directive for telling </a:t>
+            </a:r>
+            <a:r>
+              <a:rPr lang="en-US" dirty="0" err="1" smtClean="0"/>
+              <a:t>JSHint</a:t>
+            </a:r>
+            <a:r>
+              <a:rPr lang="en-US" dirty="0" smtClean="0"/>
+              <a:t> about global variables that are defined in the current file but used elsewhere.</a:t>
+            </a:r>
+          </a:p>
+          <a:p>
+            <a:pPr marL="0" indent="0">
+              <a:buNone/>
+            </a:pPr>
+            <a:r>
+              <a:rPr lang="en-US" dirty="0" smtClean="0"/>
+              <a:t>    </a:t>
+            </a:r>
+            <a:r>
+              <a:rPr lang="en-US" sz="2000" dirty="0" smtClean="0">
+                <a:solidFill>
+                  <a:schemeClr val="accent6"/>
                 </a:solidFill>
               </a:rPr>
               <a:t>/* </a:t>
             </a:r>
             <a:r>
-              <a:rPr lang="en-US" sz="2000" dirty="0" err="1">
-                <a:solidFill>
-                  <a:srgbClr val="00B050"/>
-                </a:solidFill>
-              </a:rPr>
-              <a:t>jslint</a:t>
-            </a:r>
-            <a:r>
               <a:rPr lang="en-US" sz="2000" dirty="0">
                 <a:solidFill>
-                  <a:srgbClr val="00B050"/>
-                </a:solidFill>
-              </a:rPr>
-              <a:t> </a:t>
-            </a:r>
-            <a:r>
-              <a:rPr lang="en-US" sz="2000" dirty="0" err="1">
-                <a:solidFill>
-                  <a:srgbClr val="00B050"/>
-                </a:solidFill>
-              </a:rPr>
-              <a:t>vars</a:t>
-            </a:r>
-            <a:r>
-              <a:rPr lang="en-US" sz="2000" dirty="0">
-                <a:solidFill>
-                  <a:srgbClr val="00B050"/>
-                </a:solidFill>
-              </a:rPr>
-              <a:t>: true </a:t>
+                  <a:schemeClr val="accent6"/>
+                </a:solidFill>
+              </a:rPr>
+              <a:t>exported EXPORTED_LIB </a:t>
             </a:r>
             <a:r>
               <a:rPr lang="en-US" sz="2000" dirty="0" smtClean="0">
                 <a:solidFill>
-                  <a:srgbClr val="00B050"/>
+                  <a:schemeClr val="accent6"/>
                 </a:solidFill>
               </a:rPr>
               <a:t>*/</a:t>
@@ -9128,36 +9281,12 @@
           </a:p>
           <a:p>
             <a:r>
-              <a:rPr lang="en-US" b="1" dirty="0">
-                <a:solidFill>
-                  <a:schemeClr val="tx1"/>
-                </a:solidFill>
-              </a:rPr>
-              <a:t>g</a:t>
-            </a:r>
-            <a:r>
-              <a:rPr lang="en-US" b="1" dirty="0" smtClean="0">
-                <a:solidFill>
-                  <a:schemeClr val="tx1"/>
-                </a:solidFill>
-              </a:rPr>
-              <a:t>lobal</a:t>
-            </a:r>
-            <a:r>
-              <a:rPr lang="en-US" b="1" dirty="0" smtClean="0">
-                <a:solidFill>
-                  <a:srgbClr val="00B050"/>
-                </a:solidFill>
-              </a:rPr>
-              <a:t> - </a:t>
-            </a:r>
-            <a:r>
-              <a:rPr lang="en-US" dirty="0" smtClean="0"/>
-              <a:t>A </a:t>
+              <a:rPr lang="en-US" b="1" dirty="0" smtClean="0"/>
+              <a:t>Ignore - </a:t>
             </a:r>
             <a:r>
               <a:rPr lang="en-US" dirty="0"/>
-              <a:t>directive for telling </a:t>
+              <a:t>A directive for telling </a:t>
             </a:r>
             <a:r>
               <a:rPr lang="en-US" dirty="0" err="1"/>
@@ -9165,19 +9294,11 @@
             </a:r>
             <a:r>
               <a:rPr lang="en-US" dirty="0"/>
-              <a:t> about global variables that are defined elsewhere. If value is false (default), </a:t>
-            </a:r>
-            <a:r>
-              <a:rPr lang="en-US" dirty="0" err="1"/>
-              <a:t>JSHint</a:t>
-            </a:r>
-            <a:r>
-              <a:rPr lang="en-US" dirty="0"/>
-              <a:t> will consider that variable as </a:t>
+              <a:t> to ignore a block of code</a:t>
             </a:r>
             <a:r>
               <a:rPr lang="en-US" dirty="0" smtClean="0"/>
-              <a:t>read-only</a:t>
+              <a:t>.</a:t>
             </a:r>
           </a:p>
           <a:p>
@@ -9185,29 +9306,66 @@
               <a:buNone/>
             </a:pPr>
             <a:r>
-              <a:rPr lang="en-US" sz="2000" b="1" dirty="0" smtClean="0">
-                <a:solidFill>
-                  <a:schemeClr val="tx1"/>
-                </a:solidFill>
-              </a:rPr>
-              <a:t>    </a:t>
+              <a:rPr lang="en-US" sz="2200" b="1" dirty="0">
+                <a:solidFill>
+                  <a:srgbClr val="00B050"/>
+                </a:solidFill>
+              </a:rPr>
+              <a:t> </a:t>
+            </a:r>
+            <a:r>
+              <a:rPr lang="en-US" sz="2200" b="1" dirty="0" smtClean="0">
+                <a:solidFill>
+                  <a:srgbClr val="00B050"/>
+                </a:solidFill>
+              </a:rPr>
+              <a:t>   </a:t>
             </a:r>
             <a:r>
               <a:rPr lang="en-US" sz="2000" dirty="0">
                 <a:solidFill>
-                  <a:srgbClr val="00B050"/>
-                </a:solidFill>
-              </a:rPr>
-              <a:t>/* global MY_LIB: false </a:t>
-            </a:r>
-            <a:r>
-              <a:rPr lang="en-US" sz="2000" dirty="0" smtClean="0">
-                <a:solidFill>
-                  <a:srgbClr val="00B050"/>
-                </a:solidFill>
-              </a:rPr>
-              <a:t>*/</a:t>
-            </a:r>
+                  <a:schemeClr val="accent6"/>
+                </a:solidFill>
+              </a:rPr>
+              <a:t>/* </a:t>
+            </a:r>
+            <a:r>
+              <a:rPr lang="en-US" sz="2000" dirty="0" err="1">
+                <a:solidFill>
+                  <a:schemeClr val="accent6"/>
+                </a:solidFill>
+              </a:rPr>
+              <a:t>jshint</a:t>
+            </a:r>
+            <a:r>
+              <a:rPr lang="en-US" sz="2000" dirty="0">
+                <a:solidFill>
+                  <a:schemeClr val="accent6"/>
+                </a:solidFill>
+              </a:rPr>
+              <a:t> </a:t>
+            </a:r>
+            <a:r>
+              <a:rPr lang="en-US" sz="2000" dirty="0" err="1">
+                <a:solidFill>
+                  <a:schemeClr val="accent6"/>
+                </a:solidFill>
+              </a:rPr>
+              <a:t>ignore:start</a:t>
+            </a:r>
+            <a:r>
+              <a:rPr lang="en-US" sz="2000" dirty="0">
+                <a:solidFill>
+                  <a:schemeClr val="accent6"/>
+                </a:solidFill>
+              </a:rPr>
+              <a:t> */ </a:t>
+            </a:r>
+            <a:endParaRPr lang="en-US" sz="2000" dirty="0" smtClean="0">
+              <a:solidFill>
+                <a:schemeClr val="accent6"/>
+              </a:solidFill>
+            </a:endParaRPr>
           </a:p>
           <a:p>
             <a:pPr marL="0" indent="0">
@@ -9216,7 +9374,7 @@
             <a:r>
               <a:rPr lang="en-US" sz="2000" dirty="0">
                 <a:solidFill>
-                  <a:srgbClr val="00B050"/>
+                  <a:schemeClr val="accent6"/>
                 </a:solidFill>
               </a:rPr>
               <a:t> </a:t>
@@ -9224,56 +9382,33 @@
             <a:r>
               <a:rPr lang="en-US" sz="2000" dirty="0" smtClean="0">
                 <a:solidFill>
-                  <a:srgbClr val="00B050"/>
-                </a:solidFill>
-              </a:rPr>
-              <a:t>   </a:t>
+                  <a:schemeClr val="accent6"/>
+                </a:solidFill>
+              </a:rPr>
+              <a:t>   // </a:t>
             </a:r>
             <a:r>
               <a:rPr lang="en-US" sz="2000" dirty="0">
                 <a:solidFill>
-                  <a:srgbClr val="00B050"/>
-                </a:solidFill>
-              </a:rPr>
-              <a:t>/* global -BAD_LIB </a:t>
+                  <a:schemeClr val="accent6"/>
+                </a:solidFill>
+              </a:rPr>
+              <a:t>Code here will be ignored by </a:t>
+            </a:r>
+            <a:r>
+              <a:rPr lang="en-US" sz="2000" dirty="0" err="1">
+                <a:solidFill>
+                  <a:schemeClr val="accent6"/>
+                </a:solidFill>
+              </a:rPr>
+              <a:t>JSHint</a:t>
             </a:r>
             <a:r>
               <a:rPr lang="en-US" sz="2000" dirty="0" smtClean="0">
                 <a:solidFill>
-                  <a:srgbClr val="00B050"/>
-                </a:solidFill>
-              </a:rPr>
-              <a:t>*/        --</a:t>
-            </a:r>
-            <a:r>
-              <a:rPr lang="en-US" sz="2000" dirty="0"/>
-              <a:t>blacklist certain global variables </a:t>
-            </a:r>
-            <a:endParaRPr lang="en-US" sz="2000" dirty="0" smtClean="0">
-              <a:solidFill>
-                <a:srgbClr val="00B050"/>
-              </a:solidFill>
-            </a:endParaRPr>
-          </a:p>
-          <a:p>
-            <a:r>
-              <a:rPr lang="en-US" b="1" dirty="0" smtClean="0"/>
-              <a:t>Exported - </a:t>
-            </a:r>
-            <a:r>
-              <a:rPr lang="en-US" dirty="0"/>
-              <a:t>A directive for telling </a:t>
-            </a:r>
-            <a:r>
-              <a:rPr lang="en-US" dirty="0" err="1"/>
-              <a:t>JSHint</a:t>
-            </a:r>
-            <a:r>
-              <a:rPr lang="en-US" dirty="0"/>
-              <a:t> about global variables that are defined in the current file but used elsewhere</a:t>
-            </a:r>
-            <a:r>
-              <a:rPr lang="en-US" dirty="0" smtClean="0"/>
+                  <a:schemeClr val="accent6"/>
+                </a:solidFill>
+              </a:rPr>
               <a:t>.</a:t>
             </a:r>
           </a:p>
@@ -9282,230 +9417,64 @@
               <a:buNone/>
             </a:pPr>
             <a:r>
-              <a:rPr lang="en-US" dirty="0" smtClean="0"/>
-              <a:t>    </a:t>
+              <a:rPr lang="en-US" sz="2000" dirty="0">
+                <a:solidFill>
+                  <a:schemeClr val="accent6"/>
+                </a:solidFill>
+              </a:rPr>
+              <a:t> </a:t>
             </a:r>
             <a:r>
               <a:rPr lang="en-US" sz="2000" dirty="0" smtClean="0">
                 <a:solidFill>
-                  <a:srgbClr val="00B050"/>
+                  <a:schemeClr val="accent6"/>
+                </a:solidFill>
+              </a:rPr>
+              <a:t>   </a:t>
+            </a:r>
+            <a:r>
+              <a:rPr lang="en-US" sz="2000" dirty="0">
+                <a:solidFill>
+                  <a:schemeClr val="accent6"/>
                 </a:solidFill>
               </a:rPr>
               <a:t>/* </a:t>
             </a:r>
             <a:r>
+              <a:rPr lang="en-US" sz="2000" dirty="0" err="1">
+                <a:solidFill>
+                  <a:schemeClr val="accent6"/>
+                </a:solidFill>
+              </a:rPr>
+              <a:t>jshint</a:t>
+            </a:r>
+            <a:r>
               <a:rPr lang="en-US" sz="2000" dirty="0">
                 <a:solidFill>
-                  <a:srgbClr val="00B050"/>
-                </a:solidFill>
-              </a:rPr>
-              <a:t>exported EXPORTED_LIB </a:t>
-            </a:r>
-            <a:r>
-              <a:rPr lang="en-US" sz="2000" dirty="0" smtClean="0">
-                <a:solidFill>
-                  <a:srgbClr val="00B050"/>
-                </a:solidFill>
-              </a:rPr>
-              <a:t>*/</a:t>
-            </a:r>
-          </a:p>
-          <a:p>
-            <a:r>
-              <a:rPr lang="en-US" b="1" dirty="0" smtClean="0"/>
-              <a:t>Ignore - </a:t>
-            </a:r>
-            <a:r>
-              <a:rPr lang="en-US" dirty="0"/>
-              <a:t>A directive for telling </a:t>
-            </a:r>
-            <a:r>
-              <a:rPr lang="en-US" dirty="0" err="1"/>
-              <a:t>JSHint</a:t>
-            </a:r>
-            <a:r>
-              <a:rPr lang="en-US" dirty="0"/>
-              <a:t> to ignore a block of code</a:t>
-            </a:r>
-            <a:r>
-              <a:rPr lang="en-US" dirty="0" smtClean="0"/>
-              <a:t>.</a:t>
-            </a:r>
-          </a:p>
-          <a:p>
-            <a:pPr marL="0" indent="0">
-              <a:buNone/>
-            </a:pPr>
-            <a:r>
-              <a:rPr lang="en-US" sz="2200" b="1" dirty="0">
-                <a:solidFill>
-                  <a:srgbClr val="00B050"/>
+                  <a:schemeClr val="accent6"/>
                 </a:solidFill>
               </a:rPr>
               <a:t> </a:t>
             </a:r>
             <a:r>
-              <a:rPr lang="en-US" sz="2200" b="1" dirty="0" smtClean="0">
-                <a:solidFill>
-                  <a:srgbClr val="00B050"/>
-                </a:solidFill>
-              </a:rPr>
-              <a:t>   </a:t>
-            </a:r>
-            <a:r>
-              <a:rPr lang="en-US" sz="2200" dirty="0">
-                <a:solidFill>
-                  <a:srgbClr val="00B050"/>
-                </a:solidFill>
-              </a:rPr>
-              <a:t>/* </a:t>
-            </a:r>
-            <a:r>
-              <a:rPr lang="en-US" sz="2200" dirty="0" err="1">
-                <a:solidFill>
-                  <a:srgbClr val="00B050"/>
-                </a:solidFill>
-              </a:rPr>
-              <a:t>jshint</a:t>
-            </a:r>
-            <a:r>
-              <a:rPr lang="en-US" sz="2200" dirty="0">
-                <a:solidFill>
-                  <a:srgbClr val="00B050"/>
-                </a:solidFill>
-              </a:rPr>
-              <a:t> </a:t>
-            </a:r>
-            <a:r>
-              <a:rPr lang="en-US" sz="2200" dirty="0" err="1">
-                <a:solidFill>
-                  <a:srgbClr val="00B050"/>
-                </a:solidFill>
-              </a:rPr>
-              <a:t>ignore:start</a:t>
-            </a:r>
-            <a:r>
-              <a:rPr lang="en-US" sz="2200" dirty="0">
-                <a:solidFill>
-                  <a:srgbClr val="00B050"/>
-                </a:solidFill>
-              </a:rPr>
-              <a:t> */ </a:t>
-            </a:r>
-            <a:endParaRPr lang="en-US" sz="2200" dirty="0" smtClean="0">
+              <a:rPr lang="en-US" sz="2000" dirty="0" err="1">
+                <a:solidFill>
+                  <a:schemeClr val="accent6"/>
+                </a:solidFill>
+              </a:rPr>
+              <a:t>ignore:end</a:t>
+            </a:r>
+            <a:r>
+              <a:rPr lang="en-US" sz="2000" dirty="0">
+                <a:solidFill>
+                  <a:schemeClr val="accent6"/>
+                </a:solidFill>
+              </a:rPr>
+              <a:t> */</a:t>
+            </a:r>
+            <a:endParaRPr lang="en-US" sz="2000" b="1" dirty="0">
               <a:solidFill>
-                <a:srgbClr val="00B050"/>
-              </a:solidFill>
-            </a:endParaRPr>
-          </a:p>
-          <a:p>
-            <a:pPr marL="0" indent="0">
-              <a:buNone/>
-            </a:pPr>
-            <a:r>
-              <a:rPr lang="en-US" sz="2200" dirty="0">
-                <a:solidFill>
-                  <a:srgbClr val="00B050"/>
-                </a:solidFill>
-              </a:rPr>
-              <a:t> </a:t>
-            </a:r>
-            <a:r>
-              <a:rPr lang="en-US" sz="2200" dirty="0" smtClean="0">
-                <a:solidFill>
-                  <a:srgbClr val="00B050"/>
-                </a:solidFill>
-              </a:rPr>
-              <a:t>   // </a:t>
-            </a:r>
-            <a:r>
-              <a:rPr lang="en-US" sz="2200" dirty="0">
-                <a:solidFill>
-                  <a:srgbClr val="00B050"/>
-                </a:solidFill>
-              </a:rPr>
-              <a:t>Code here will be ignored by </a:t>
-            </a:r>
-            <a:r>
-              <a:rPr lang="en-US" sz="2200" dirty="0" err="1">
-                <a:solidFill>
-                  <a:srgbClr val="00B050"/>
-                </a:solidFill>
-              </a:rPr>
-              <a:t>JSHint</a:t>
-            </a:r>
-            <a:r>
-              <a:rPr lang="en-US" sz="2200" dirty="0" smtClean="0">
-                <a:solidFill>
-                  <a:srgbClr val="00B050"/>
-                </a:solidFill>
-              </a:rPr>
-              <a:t>.</a:t>
-            </a:r>
-          </a:p>
-          <a:p>
-            <a:pPr marL="0" indent="0">
-              <a:buNone/>
-            </a:pPr>
-            <a:r>
-              <a:rPr lang="en-US" sz="2200" dirty="0">
-                <a:solidFill>
-                  <a:srgbClr val="00B050"/>
-                </a:solidFill>
-              </a:rPr>
-              <a:t> </a:t>
-            </a:r>
-            <a:r>
-              <a:rPr lang="en-US" sz="2200" dirty="0" smtClean="0">
-                <a:solidFill>
-                  <a:srgbClr val="00B050"/>
-                </a:solidFill>
-              </a:rPr>
-              <a:t>   </a:t>
-            </a:r>
-            <a:r>
-              <a:rPr lang="en-US" sz="2200" dirty="0">
-                <a:solidFill>
-                  <a:srgbClr val="00B050"/>
-                </a:solidFill>
-              </a:rPr>
-              <a:t>/* </a:t>
-            </a:r>
-            <a:r>
-              <a:rPr lang="en-US" sz="2200" dirty="0" err="1">
-                <a:solidFill>
-                  <a:srgbClr val="00B050"/>
-                </a:solidFill>
-              </a:rPr>
-              <a:t>jshint</a:t>
-            </a:r>
-            <a:r>
-              <a:rPr lang="en-US" sz="2200" dirty="0">
-                <a:solidFill>
-                  <a:srgbClr val="00B050"/>
-                </a:solidFill>
-              </a:rPr>
-              <a:t> </a:t>
-            </a:r>
-            <a:r>
-              <a:rPr lang="en-US" sz="2200" dirty="0" err="1">
-                <a:solidFill>
-                  <a:srgbClr val="00B050"/>
-                </a:solidFill>
-              </a:rPr>
-              <a:t>ignore:end</a:t>
-            </a:r>
-            <a:r>
-              <a:rPr lang="en-US" sz="2200" dirty="0">
-                <a:solidFill>
-                  <a:srgbClr val="00B050"/>
-                </a:solidFill>
-              </a:rPr>
-              <a:t> */</a:t>
-            </a:r>
-            <a:endParaRPr lang="en-US" sz="2200" b="1" dirty="0">
-              <a:solidFill>
-                <a:srgbClr val="00B050"/>
+                <a:schemeClr val="accent6"/>
               </a:solidFill>
             </a:endParaRPr>
           </a:p>
@@ -9636,7 +9605,12 @@
             <p:ph type="title"/>
           </p:nvPr>
         </p:nvSpPr>
-        <p:spPr/>
+        <p:spPr>
+          <a:xfrm>
+            <a:off x="381000" y="246744"/>
+            <a:ext cx="8534400" cy="515256"/>
+          </a:xfrm>
+        </p:spPr>
         <p:txBody>
           <a:bodyPr/>
           <a:lstStyle/>
@@ -9655,16 +9629,25 @@
             </a:r>
             <a:r>
               <a:rPr lang="en-US" sz="2400" dirty="0"/>
-              <a:t>define your own </a:t>
-            </a:r>
-            <a:r>
-              <a:rPr lang="en-US" sz="2400" dirty="0" err="1"/>
+              <a:t>define your </a:t>
+            </a:r>
+            <a:r>
+              <a:rPr lang="en-US" sz="2400" dirty="0" err="1" smtClean="0"/>
               <a:t>javascript</a:t>
             </a:r>
             <a:r>
+              <a:rPr lang="en-US" sz="2400" dirty="0" smtClean="0"/>
+              <a:t> </a:t>
+            </a:r>
+            <a:r>
               <a:rPr lang="en-US" sz="2400" dirty="0"/>
-              <a:t> code standard</a:t>
-            </a:r>
+              <a:t>code </a:t>
+            </a:r>
+            <a:r>
+              <a:rPr lang="en-US" sz="2400" dirty="0" smtClean="0"/>
+              <a:t>checking standard</a:t>
+            </a:r>
+            <a:endParaRPr lang="en-US" sz="2400" dirty="0"/>
           </a:p>
         </p:txBody>
       </p:sp>
@@ -9678,28 +9661,754 @@
             <p:ph idx="1"/>
           </p:nvPr>
         </p:nvSpPr>
-        <p:spPr/>
-        <p:txBody>
-          <a:bodyPr/>
+        <p:spPr>
+          <a:xfrm>
+            <a:off x="381000" y="990600"/>
+            <a:ext cx="8382000" cy="5181600"/>
+          </a:xfrm>
+        </p:spPr>
+        <p:txBody>
+          <a:bodyPr>
+            <a:normAutofit/>
+          </a:bodyPr>
           <a:lstStyle/>
           <a:p>
             <a:r>
               <a:rPr lang="en-US" dirty="0" smtClean="0"/>
-              <a:t>Enforcing Options</a:t>
-            </a:r>
-          </a:p>
-          <a:p>
+              <a:t>Enforcing </a:t>
+            </a:r>
             <a:r>
               <a:rPr lang="en-US" dirty="0" smtClean="0"/>
-              <a:t>Relaxing Options</a:t>
-            </a:r>
-          </a:p>
-          <a:p>
-            <a:r>
-              <a:rPr lang="en-US" dirty="0" smtClean="0"/>
-              <a:t>Environments</a:t>
-            </a:r>
-            <a:endParaRPr lang="en-US" dirty="0"/>
+              <a:t>Options</a:t>
+            </a:r>
+          </a:p>
+          <a:p>
+            <a:pPr marL="0" indent="0" eaLnBrk="0" hangingPunct="0">
+              <a:spcBef>
+                <a:spcPct val="20000"/>
+              </a:spcBef>
+              <a:spcAft>
+                <a:spcPct val="20000"/>
+              </a:spcAft>
+              <a:buClrTx/>
+              <a:buNone/>
+              <a:defRPr/>
+            </a:pPr>
+            <a:r>
+              <a:rPr lang="en-US" sz="1600" dirty="0"/>
+              <a:t> </a:t>
+            </a:r>
+            <a:r>
+              <a:rPr lang="en-US" sz="1600" dirty="0" smtClean="0"/>
+              <a:t>   </a:t>
+            </a:r>
+            <a:r>
+              <a:rPr lang="en-US" sz="1900" dirty="0"/>
+              <a:t>When set to true, these options will make </a:t>
+            </a:r>
+            <a:r>
+              <a:rPr lang="en-US" sz="1900" dirty="0" err="1"/>
+              <a:t>JSHint</a:t>
+            </a:r>
+            <a:r>
+              <a:rPr lang="en-US" sz="1900" dirty="0"/>
+              <a:t> produce more warnings about your code</a:t>
+            </a:r>
+            <a:r>
+              <a:rPr lang="en-US" sz="1900" dirty="0" smtClean="0"/>
+              <a:t>.</a:t>
+            </a:r>
+          </a:p>
+          <a:p>
+            <a:pPr marL="0" indent="0" eaLnBrk="0" hangingPunct="0">
+              <a:spcBef>
+                <a:spcPct val="20000"/>
+              </a:spcBef>
+              <a:spcAft>
+                <a:spcPct val="20000"/>
+              </a:spcAft>
+              <a:buClrTx/>
+              <a:buNone/>
+              <a:defRPr/>
+            </a:pPr>
+            <a:r>
+              <a:rPr lang="en-US" sz="1700" dirty="0" smtClean="0">
+                <a:solidFill>
+                  <a:schemeClr val="accent6"/>
+                </a:solidFill>
+              </a:rPr>
+              <a:t>     "</a:t>
+            </a:r>
+            <a:r>
+              <a:rPr lang="en-US" sz="1700" dirty="0" err="1">
+                <a:solidFill>
+                  <a:schemeClr val="accent6"/>
+                </a:solidFill>
+              </a:rPr>
+              <a:t>undef</a:t>
+            </a:r>
+            <a:r>
+              <a:rPr lang="en-US" sz="1700" dirty="0">
+                <a:solidFill>
+                  <a:schemeClr val="accent6"/>
+                </a:solidFill>
+              </a:rPr>
+              <a:t>"     </a:t>
+            </a:r>
+            <a:r>
+              <a:rPr lang="en-US" sz="1700" dirty="0" smtClean="0">
+                <a:solidFill>
+                  <a:schemeClr val="accent6"/>
+                </a:solidFill>
+              </a:rPr>
+              <a:t>     : </a:t>
+            </a:r>
+            <a:r>
+              <a:rPr lang="en-US" sz="1700" dirty="0">
+                <a:solidFill>
+                  <a:schemeClr val="accent6"/>
+                </a:solidFill>
+              </a:rPr>
+              <a:t>true,  </a:t>
+            </a:r>
+            <a:r>
+              <a:rPr lang="en-US" sz="1700" dirty="0" smtClean="0">
+                <a:solidFill>
+                  <a:schemeClr val="accent6"/>
+                </a:solidFill>
+              </a:rPr>
+              <a:t>       </a:t>
+            </a:r>
+            <a:r>
+              <a:rPr lang="en-US" sz="1400" dirty="0" smtClean="0">
+                <a:solidFill>
+                  <a:schemeClr val="accent6"/>
+                </a:solidFill>
+              </a:rPr>
+              <a:t>// </a:t>
+            </a:r>
+            <a:r>
+              <a:rPr lang="en-US" sz="1400" dirty="0">
+                <a:solidFill>
+                  <a:schemeClr val="accent6"/>
+                </a:solidFill>
+              </a:rPr>
+              <a:t>true: Require all non-global variables to be declared (prevents global leaks)</a:t>
+            </a:r>
+          </a:p>
+          <a:p>
+            <a:pPr marL="0" indent="0" eaLnBrk="0" hangingPunct="0">
+              <a:spcBef>
+                <a:spcPct val="20000"/>
+              </a:spcBef>
+              <a:spcAft>
+                <a:spcPct val="20000"/>
+              </a:spcAft>
+              <a:buClrTx/>
+              <a:buNone/>
+              <a:defRPr/>
+            </a:pPr>
+            <a:r>
+              <a:rPr lang="en-US" sz="1700" dirty="0">
+                <a:solidFill>
+                  <a:schemeClr val="accent6"/>
+                </a:solidFill>
+              </a:rPr>
+              <a:t>    "unused"    </a:t>
+            </a:r>
+            <a:r>
+              <a:rPr lang="en-US" sz="1700" dirty="0" smtClean="0">
+                <a:solidFill>
+                  <a:schemeClr val="accent6"/>
+                </a:solidFill>
+              </a:rPr>
+              <a:t>    : </a:t>
+            </a:r>
+            <a:r>
+              <a:rPr lang="en-US" sz="1700" dirty="0">
+                <a:solidFill>
+                  <a:schemeClr val="accent6"/>
+                </a:solidFill>
+              </a:rPr>
+              <a:t>true, </a:t>
+            </a:r>
+            <a:r>
+              <a:rPr lang="en-US" sz="1700" dirty="0" smtClean="0">
+                <a:solidFill>
+                  <a:schemeClr val="accent6"/>
+                </a:solidFill>
+              </a:rPr>
+              <a:t>        </a:t>
+            </a:r>
+            <a:r>
+              <a:rPr lang="en-US" sz="1400" dirty="0" smtClean="0">
+                <a:solidFill>
+                  <a:schemeClr val="accent6"/>
+                </a:solidFill>
+              </a:rPr>
+              <a:t>// </a:t>
+            </a:r>
+            <a:r>
+              <a:rPr lang="en-US" sz="1400" dirty="0">
+                <a:solidFill>
+                  <a:schemeClr val="accent6"/>
+                </a:solidFill>
+              </a:rPr>
+              <a:t>true: Require all defined variables be used</a:t>
+            </a:r>
+          </a:p>
+          <a:p>
+            <a:pPr marL="0" indent="0" eaLnBrk="0" hangingPunct="0">
+              <a:spcBef>
+                <a:spcPct val="20000"/>
+              </a:spcBef>
+              <a:spcAft>
+                <a:spcPct val="20000"/>
+              </a:spcAft>
+              <a:buClrTx/>
+              <a:buNone/>
+              <a:defRPr/>
+            </a:pPr>
+            <a:r>
+              <a:rPr lang="en-US" sz="1700" dirty="0">
+                <a:solidFill>
+                  <a:schemeClr val="accent6"/>
+                </a:solidFill>
+              </a:rPr>
+              <a:t>    "strict"        </a:t>
+            </a:r>
+            <a:r>
+              <a:rPr lang="en-US" sz="1700" dirty="0" smtClean="0">
+                <a:solidFill>
+                  <a:schemeClr val="accent6"/>
+                </a:solidFill>
+              </a:rPr>
+              <a:t>    : </a:t>
+            </a:r>
+            <a:r>
+              <a:rPr lang="en-US" sz="1700" dirty="0">
+                <a:solidFill>
+                  <a:schemeClr val="accent6"/>
+                </a:solidFill>
+              </a:rPr>
+              <a:t>true</a:t>
+            </a:r>
+            <a:r>
+              <a:rPr lang="en-US" sz="1700" dirty="0" smtClean="0">
+                <a:solidFill>
+                  <a:schemeClr val="accent6"/>
+                </a:solidFill>
+              </a:rPr>
+              <a:t>,        </a:t>
+            </a:r>
+            <a:r>
+              <a:rPr lang="en-US" sz="1400" dirty="0" smtClean="0">
+                <a:solidFill>
+                  <a:schemeClr val="accent6"/>
+                </a:solidFill>
+              </a:rPr>
+              <a:t>// </a:t>
+            </a:r>
+            <a:r>
+              <a:rPr lang="en-US" sz="1400" dirty="0">
+                <a:solidFill>
+                  <a:schemeClr val="accent6"/>
+                </a:solidFill>
+              </a:rPr>
+              <a:t>true: Requires all functions run in ES5 Strict Mode</a:t>
+            </a:r>
+          </a:p>
+          <a:p>
+            <a:pPr marL="0" indent="0" eaLnBrk="0" hangingPunct="0">
+              <a:spcBef>
+                <a:spcPct val="20000"/>
+              </a:spcBef>
+              <a:spcAft>
+                <a:spcPct val="20000"/>
+              </a:spcAft>
+              <a:buClrTx/>
+              <a:buNone/>
+              <a:defRPr/>
+            </a:pPr>
+            <a:r>
+              <a:rPr lang="en-US" sz="1700" dirty="0">
+                <a:solidFill>
+                  <a:schemeClr val="accent6"/>
+                </a:solidFill>
+              </a:rPr>
+              <a:t>    "</a:t>
+            </a:r>
+            <a:r>
+              <a:rPr lang="en-US" sz="1700" dirty="0" err="1">
+                <a:solidFill>
+                  <a:schemeClr val="accent6"/>
+                </a:solidFill>
+              </a:rPr>
+              <a:t>maxerr</a:t>
+            </a:r>
+            <a:r>
+              <a:rPr lang="en-US" sz="1700" dirty="0">
+                <a:solidFill>
+                  <a:schemeClr val="accent6"/>
+                </a:solidFill>
+              </a:rPr>
+              <a:t>"        : 50,    </a:t>
+            </a:r>
+            <a:r>
+              <a:rPr lang="en-US" sz="1700" dirty="0" smtClean="0">
+                <a:solidFill>
+                  <a:schemeClr val="accent6"/>
+                </a:solidFill>
+              </a:rPr>
+              <a:t>       </a:t>
+            </a:r>
+            <a:r>
+              <a:rPr lang="en-US" sz="1400" dirty="0" smtClean="0">
+                <a:solidFill>
+                  <a:schemeClr val="accent6"/>
+                </a:solidFill>
+              </a:rPr>
+              <a:t>// </a:t>
+            </a:r>
+            <a:r>
+              <a:rPr lang="en-US" sz="1400" dirty="0">
+                <a:solidFill>
+                  <a:schemeClr val="accent6"/>
+                </a:solidFill>
+              </a:rPr>
+              <a:t>{</a:t>
+            </a:r>
+            <a:r>
+              <a:rPr lang="en-US" sz="1400" dirty="0" err="1">
+                <a:solidFill>
+                  <a:schemeClr val="accent6"/>
+                </a:solidFill>
+              </a:rPr>
+              <a:t>int</a:t>
+            </a:r>
+            <a:r>
+              <a:rPr lang="en-US" sz="1400" dirty="0">
+                <a:solidFill>
+                  <a:schemeClr val="accent6"/>
+                </a:solidFill>
+              </a:rPr>
+              <a:t>} Maximum error before stopping</a:t>
+            </a:r>
+          </a:p>
+          <a:p>
+            <a:pPr marL="0" indent="0" eaLnBrk="0" hangingPunct="0">
+              <a:spcBef>
+                <a:spcPct val="20000"/>
+              </a:spcBef>
+              <a:spcAft>
+                <a:spcPct val="20000"/>
+              </a:spcAft>
+              <a:buClrTx/>
+              <a:buNone/>
+              <a:defRPr/>
+            </a:pPr>
+            <a:r>
+              <a:rPr lang="en-US" sz="1700" dirty="0">
+                <a:solidFill>
+                  <a:schemeClr val="accent6"/>
+                </a:solidFill>
+              </a:rPr>
+              <a:t>    "</a:t>
+            </a:r>
+            <a:r>
+              <a:rPr lang="en-US" sz="1700" dirty="0" err="1">
+                <a:solidFill>
+                  <a:schemeClr val="accent6"/>
+                </a:solidFill>
+              </a:rPr>
+              <a:t>maxparams</a:t>
+            </a:r>
+            <a:r>
+              <a:rPr lang="en-US" sz="1700" dirty="0">
+                <a:solidFill>
+                  <a:schemeClr val="accent6"/>
+                </a:solidFill>
+              </a:rPr>
+              <a:t>" </a:t>
+            </a:r>
+            <a:r>
+              <a:rPr lang="en-US" sz="1700" dirty="0" smtClean="0">
+                <a:solidFill>
+                  <a:schemeClr val="accent6"/>
+                </a:solidFill>
+              </a:rPr>
+              <a:t>: </a:t>
+            </a:r>
+            <a:r>
+              <a:rPr lang="en-US" sz="1700" dirty="0">
+                <a:solidFill>
+                  <a:schemeClr val="accent6"/>
+                </a:solidFill>
+              </a:rPr>
+              <a:t>5,        </a:t>
+            </a:r>
+            <a:r>
+              <a:rPr lang="en-US" sz="1700" dirty="0" smtClean="0">
+                <a:solidFill>
+                  <a:schemeClr val="accent6"/>
+                </a:solidFill>
+              </a:rPr>
+              <a:t>   </a:t>
+            </a:r>
+            <a:r>
+              <a:rPr lang="en-US" sz="1400" dirty="0" smtClean="0">
+                <a:solidFill>
+                  <a:schemeClr val="accent6"/>
+                </a:solidFill>
+              </a:rPr>
+              <a:t>// </a:t>
+            </a:r>
+            <a:r>
+              <a:rPr lang="en-US" sz="1400" dirty="0">
+                <a:solidFill>
+                  <a:schemeClr val="accent6"/>
+                </a:solidFill>
+              </a:rPr>
+              <a:t>{</a:t>
+            </a:r>
+            <a:r>
+              <a:rPr lang="en-US" sz="1400" dirty="0" err="1">
+                <a:solidFill>
+                  <a:schemeClr val="accent6"/>
+                </a:solidFill>
+              </a:rPr>
+              <a:t>int</a:t>
+            </a:r>
+            <a:r>
+              <a:rPr lang="en-US" sz="1400" dirty="0">
+                <a:solidFill>
+                  <a:schemeClr val="accent6"/>
+                </a:solidFill>
+              </a:rPr>
+              <a:t>} Maximum </a:t>
+            </a:r>
+            <a:r>
+              <a:rPr lang="en-US" sz="1400" dirty="0" err="1">
+                <a:solidFill>
+                  <a:schemeClr val="accent6"/>
+                </a:solidFill>
+              </a:rPr>
+              <a:t>param</a:t>
+            </a:r>
+            <a:r>
+              <a:rPr lang="en-US" sz="1400" dirty="0">
+                <a:solidFill>
+                  <a:schemeClr val="accent6"/>
+                </a:solidFill>
+              </a:rPr>
+              <a:t> numbers</a:t>
+            </a:r>
+          </a:p>
+          <a:p>
+            <a:pPr marL="0" indent="0" eaLnBrk="0" hangingPunct="0">
+              <a:spcBef>
+                <a:spcPct val="20000"/>
+              </a:spcBef>
+              <a:spcAft>
+                <a:spcPct val="20000"/>
+              </a:spcAft>
+              <a:buClrTx/>
+              <a:buNone/>
+              <a:defRPr/>
+            </a:pPr>
+            <a:r>
+              <a:rPr lang="en-US" sz="1700" dirty="0">
+                <a:solidFill>
+                  <a:schemeClr val="accent6"/>
+                </a:solidFill>
+              </a:rPr>
+              <a:t>    "bitwise"       </a:t>
+            </a:r>
+            <a:r>
+              <a:rPr lang="en-US" sz="1700" dirty="0" smtClean="0">
+                <a:solidFill>
+                  <a:schemeClr val="accent6"/>
+                </a:solidFill>
+              </a:rPr>
+              <a:t>  : </a:t>
+            </a:r>
+            <a:r>
+              <a:rPr lang="en-US" sz="1700" dirty="0">
+                <a:solidFill>
+                  <a:schemeClr val="accent6"/>
+                </a:solidFill>
+              </a:rPr>
+              <a:t>true,     </a:t>
+            </a:r>
+            <a:r>
+              <a:rPr lang="en-US" sz="1400" dirty="0">
+                <a:solidFill>
+                  <a:schemeClr val="accent6"/>
+                </a:solidFill>
+              </a:rPr>
+              <a:t>// true: Prohibit bitwise operators (&amp;, |, ^, etc.)</a:t>
+            </a:r>
+          </a:p>
+          <a:p>
+            <a:pPr marL="0" indent="0" eaLnBrk="0" hangingPunct="0">
+              <a:spcBef>
+                <a:spcPct val="20000"/>
+              </a:spcBef>
+              <a:spcAft>
+                <a:spcPct val="20000"/>
+              </a:spcAft>
+              <a:buClrTx/>
+              <a:buNone/>
+              <a:defRPr/>
+            </a:pPr>
+            <a:r>
+              <a:rPr lang="en-US" sz="1700" dirty="0">
+                <a:solidFill>
+                  <a:schemeClr val="accent6"/>
+                </a:solidFill>
+              </a:rPr>
+              <a:t>    "curly"         </a:t>
+            </a:r>
+            <a:r>
+              <a:rPr lang="en-US" sz="1700" dirty="0" smtClean="0">
+                <a:solidFill>
+                  <a:schemeClr val="accent6"/>
+                </a:solidFill>
+              </a:rPr>
+              <a:t>    : </a:t>
+            </a:r>
+            <a:r>
+              <a:rPr lang="en-US" sz="1700" dirty="0">
+                <a:solidFill>
+                  <a:schemeClr val="accent6"/>
+                </a:solidFill>
+              </a:rPr>
+              <a:t>true,     </a:t>
+            </a:r>
+            <a:r>
+              <a:rPr lang="en-US" sz="1400" dirty="0">
+                <a:solidFill>
+                  <a:schemeClr val="accent6"/>
+                </a:solidFill>
+              </a:rPr>
+              <a:t>// true: Require {} for every new block or scope</a:t>
+            </a:r>
+          </a:p>
+          <a:p>
+            <a:pPr marL="0" indent="0" eaLnBrk="0" hangingPunct="0">
+              <a:spcBef>
+                <a:spcPct val="20000"/>
+              </a:spcBef>
+              <a:spcAft>
+                <a:spcPct val="20000"/>
+              </a:spcAft>
+              <a:buClrTx/>
+              <a:buNone/>
+              <a:defRPr/>
+            </a:pPr>
+            <a:r>
+              <a:rPr lang="en-US" sz="1700" dirty="0">
+                <a:solidFill>
+                  <a:schemeClr val="accent6"/>
+                </a:solidFill>
+              </a:rPr>
+              <a:t>    "</a:t>
+            </a:r>
+            <a:r>
+              <a:rPr lang="en-US" sz="1700" dirty="0" err="1">
+                <a:solidFill>
+                  <a:schemeClr val="accent6"/>
+                </a:solidFill>
+              </a:rPr>
+              <a:t>eqeqeq</a:t>
+            </a:r>
+            <a:r>
+              <a:rPr lang="en-US" sz="1700" dirty="0">
+                <a:solidFill>
+                  <a:schemeClr val="accent6"/>
+                </a:solidFill>
+              </a:rPr>
+              <a:t>"        : true,     </a:t>
+            </a:r>
+            <a:r>
+              <a:rPr lang="en-US" sz="1400" dirty="0">
+                <a:solidFill>
+                  <a:schemeClr val="accent6"/>
+                </a:solidFill>
+              </a:rPr>
+              <a:t>// true: Require triple equals (===) for compa</a:t>
+            </a:r>
+            <a:r>
+              <a:rPr lang="en-US" sz="1700" dirty="0">
+                <a:solidFill>
+                  <a:schemeClr val="accent6"/>
+                </a:solidFill>
+              </a:rPr>
+              <a:t>rison</a:t>
+            </a:r>
+          </a:p>
+          <a:p>
+            <a:pPr marL="0" indent="0" eaLnBrk="0" hangingPunct="0">
+              <a:spcBef>
+                <a:spcPct val="20000"/>
+              </a:spcBef>
+              <a:spcAft>
+                <a:spcPct val="20000"/>
+              </a:spcAft>
+              <a:buClrTx/>
+              <a:buNone/>
+              <a:defRPr/>
+            </a:pPr>
+            <a:r>
+              <a:rPr lang="en-US" sz="1700" dirty="0">
+                <a:solidFill>
+                  <a:schemeClr val="accent6"/>
+                </a:solidFill>
+              </a:rPr>
+              <a:t>    "</a:t>
+            </a:r>
+            <a:r>
+              <a:rPr lang="en-US" sz="1700" dirty="0" err="1">
+                <a:solidFill>
+                  <a:schemeClr val="accent6"/>
+                </a:solidFill>
+              </a:rPr>
+              <a:t>forin</a:t>
+            </a:r>
+            <a:r>
+              <a:rPr lang="en-US" sz="1700" dirty="0">
+                <a:solidFill>
+                  <a:schemeClr val="accent6"/>
+                </a:solidFill>
+              </a:rPr>
+              <a:t>"         </a:t>
+            </a:r>
+            <a:r>
+              <a:rPr lang="en-US" sz="1700" dirty="0" smtClean="0">
+                <a:solidFill>
+                  <a:schemeClr val="accent6"/>
+                </a:solidFill>
+              </a:rPr>
+              <a:t>    : </a:t>
+            </a:r>
+            <a:r>
+              <a:rPr lang="en-US" sz="1700" dirty="0">
+                <a:solidFill>
+                  <a:schemeClr val="accent6"/>
+                </a:solidFill>
+              </a:rPr>
+              <a:t>true,     </a:t>
+            </a:r>
+            <a:r>
+              <a:rPr lang="en-US" sz="1400" dirty="0">
+                <a:solidFill>
+                  <a:schemeClr val="accent6"/>
+                </a:solidFill>
+              </a:rPr>
+              <a:t>// true: Require filtering </a:t>
+            </a:r>
+            <a:r>
+              <a:rPr lang="en-US" sz="1400" dirty="0" err="1">
+                <a:solidFill>
+                  <a:schemeClr val="accent6"/>
+                </a:solidFill>
+              </a:rPr>
+              <a:t>for..in</a:t>
+            </a:r>
+            <a:r>
+              <a:rPr lang="en-US" sz="1400" dirty="0">
+                <a:solidFill>
+                  <a:schemeClr val="accent6"/>
+                </a:solidFill>
+              </a:rPr>
+              <a:t> loops with </a:t>
+            </a:r>
+            <a:r>
+              <a:rPr lang="en-US" sz="1400" dirty="0" err="1">
+                <a:solidFill>
+                  <a:schemeClr val="accent6"/>
+                </a:solidFill>
+              </a:rPr>
+              <a:t>obj.hasOwnProperty</a:t>
+            </a:r>
+            <a:r>
+              <a:rPr lang="en-US" sz="1400" dirty="0">
+                <a:solidFill>
+                  <a:schemeClr val="accent6"/>
+                </a:solidFill>
+              </a:rPr>
+              <a:t>()</a:t>
+            </a:r>
+          </a:p>
+          <a:p>
+            <a:pPr marL="0" indent="0" eaLnBrk="0" hangingPunct="0">
+              <a:spcBef>
+                <a:spcPct val="20000"/>
+              </a:spcBef>
+              <a:spcAft>
+                <a:spcPct val="20000"/>
+              </a:spcAft>
+              <a:buClrTx/>
+              <a:buNone/>
+              <a:defRPr/>
+            </a:pPr>
+            <a:r>
+              <a:rPr lang="en-US" sz="1700" dirty="0">
+                <a:solidFill>
+                  <a:schemeClr val="accent6"/>
+                </a:solidFill>
+              </a:rPr>
+              <a:t>    "freeze"       </a:t>
+            </a:r>
+            <a:r>
+              <a:rPr lang="en-US" sz="1700" dirty="0" smtClean="0">
+                <a:solidFill>
+                  <a:schemeClr val="accent6"/>
+                </a:solidFill>
+              </a:rPr>
+              <a:t>   : </a:t>
+            </a:r>
+            <a:r>
+              <a:rPr lang="en-US" sz="1700" dirty="0">
+                <a:solidFill>
+                  <a:schemeClr val="accent6"/>
+                </a:solidFill>
+              </a:rPr>
+              <a:t>true,     </a:t>
+            </a:r>
+            <a:r>
+              <a:rPr lang="en-US" sz="1400" dirty="0">
+                <a:solidFill>
+                  <a:schemeClr val="accent6"/>
+                </a:solidFill>
+              </a:rPr>
+              <a:t>// true: prohibits overwriting prototypes of native objects such as Array, Date etc.</a:t>
+            </a:r>
+            <a:endParaRPr lang="en-US" sz="1400" dirty="0" smtClean="0">
+              <a:solidFill>
+                <a:schemeClr val="accent6"/>
+              </a:solidFill>
+            </a:endParaRPr>
+          </a:p>
+          <a:p>
+            <a:pPr marL="0" indent="0" eaLnBrk="0" hangingPunct="0">
+              <a:spcBef>
+                <a:spcPct val="20000"/>
+              </a:spcBef>
+              <a:spcAft>
+                <a:spcPct val="20000"/>
+              </a:spcAft>
+              <a:buClrTx/>
+              <a:buNone/>
+              <a:defRPr/>
+            </a:pPr>
+            <a:endParaRPr lang="en-US" sz="2000" dirty="0"/>
+          </a:p>
+          <a:p>
+            <a:pPr marL="0" indent="0">
+              <a:buNone/>
+            </a:pPr>
+            <a:endParaRPr lang="en-US" dirty="0" smtClean="0"/>
           </a:p>
         </p:txBody>
       </p:sp>
@@ -9825,7 +10534,7 @@
             </a:r>
             <a:r>
               <a:rPr lang="en-US" dirty="0" smtClean="0"/>
-              <a:t>Options (</a:t>
+              <a:t>Options(</a:t>
             </a:r>
             <a:r>
               <a:rPr lang="en-US" dirty="0" err="1" smtClean="0"/>
@@ -9833,39 +10542,567 @@
             </a:r>
             <a:r>
               <a:rPr lang="en-US" dirty="0" smtClean="0"/>
-              <a:t>) --</a:t>
-            </a:r>
+              <a:t>)</a:t>
+            </a:r>
+            <a:endParaRPr lang="en-US" dirty="0"/>
+          </a:p>
+        </p:txBody>
+      </p:sp>
+      <p:sp>
+        <p:nvSpPr>
+          <p:cNvPr id="3" name="Content Placeholder 2"/>
+          <p:cNvSpPr>
+            <a:spLocks noGrp="1"/>
+          </p:cNvSpPr>
+          <p:nvPr>
+            <p:ph idx="1"/>
+          </p:nvPr>
+        </p:nvSpPr>
+        <p:spPr>
+          <a:xfrm>
+            <a:off x="381000" y="990600"/>
+            <a:ext cx="8382000" cy="5181600"/>
+          </a:xfrm>
+        </p:spPr>
+        <p:txBody>
+          <a:bodyPr>
+            <a:normAutofit fontScale="92500" lnSpcReduction="10000"/>
+          </a:bodyPr>
+          <a:lstStyle/>
+          <a:p>
             <a:r>
               <a:rPr lang="en-US" dirty="0"/>
-              <a:t> Enforcing</a:t>
-            </a:r>
-          </a:p>
-        </p:txBody>
-      </p:sp>
-      <p:sp>
-        <p:nvSpPr>
-          <p:cNvPr id="3" name="Content Placeholder 2"/>
-          <p:cNvSpPr>
-            <a:spLocks noGrp="1"/>
-          </p:cNvSpPr>
-          <p:nvPr>
-            <p:ph idx="1"/>
-          </p:nvPr>
-        </p:nvSpPr>
-        <p:spPr/>
-        <p:txBody>
-          <a:bodyPr/>
-          <a:lstStyle/>
+              <a:t>Relaxing Options</a:t>
+            </a:r>
+          </a:p>
           <a:p>
             <a:pPr marL="0" indent="0">
               <a:buNone/>
             </a:pPr>
-            <a:endParaRPr lang="en-US" dirty="0"/>
+            <a:r>
+              <a:rPr lang="en-US" dirty="0"/>
+              <a:t>    When set to true, these options will make </a:t>
+            </a:r>
+            <a:r>
+              <a:rPr lang="en-US" dirty="0" err="1"/>
+              <a:t>JSHint</a:t>
+            </a:r>
+            <a:r>
+              <a:rPr lang="en-US" dirty="0"/>
+              <a:t> produce fewer warnings about your code</a:t>
+            </a:r>
+            <a:r>
+              <a:rPr lang="en-US" dirty="0" smtClean="0"/>
+              <a:t>.</a:t>
+            </a:r>
           </a:p>
           <a:p>
             <a:pPr marL="0" indent="0">
               <a:buNone/>
             </a:pPr>
+            <a:r>
+              <a:rPr lang="en-US" sz="2000" dirty="0" smtClean="0">
+                <a:solidFill>
+                  <a:schemeClr val="accent6"/>
+                </a:solidFill>
+              </a:rPr>
+              <a:t>    </a:t>
+            </a:r>
+            <a:r>
+              <a:rPr lang="en-US" sz="1800" dirty="0" smtClean="0">
+                <a:solidFill>
+                  <a:schemeClr val="accent6"/>
+                </a:solidFill>
+              </a:rPr>
+              <a:t>"</a:t>
+            </a:r>
+            <a:r>
+              <a:rPr lang="en-US" sz="1800" dirty="0" err="1">
+                <a:solidFill>
+                  <a:schemeClr val="accent6"/>
+                </a:solidFill>
+              </a:rPr>
+              <a:t>eqnull</a:t>
+            </a:r>
+            <a:r>
+              <a:rPr lang="en-US" sz="1800" dirty="0">
+                <a:solidFill>
+                  <a:schemeClr val="accent6"/>
+                </a:solidFill>
+              </a:rPr>
+              <a:t>"        : false,     </a:t>
+            </a:r>
+            <a:r>
+              <a:rPr lang="en-US" sz="1500" dirty="0">
+                <a:solidFill>
+                  <a:schemeClr val="accent6"/>
+                </a:solidFill>
+              </a:rPr>
+              <a:t>// true: Tolerate use of `== null`</a:t>
+            </a:r>
+          </a:p>
+          <a:p>
+            <a:pPr marL="0" indent="0">
+              <a:buNone/>
+            </a:pPr>
+            <a:r>
+              <a:rPr lang="en-US" sz="1800" dirty="0">
+                <a:solidFill>
+                  <a:schemeClr val="accent6"/>
+                </a:solidFill>
+              </a:rPr>
+              <a:t>    "es5"           </a:t>
+            </a:r>
+            <a:r>
+              <a:rPr lang="en-US" sz="1800" dirty="0" smtClean="0">
+                <a:solidFill>
+                  <a:schemeClr val="accent6"/>
+                </a:solidFill>
+              </a:rPr>
+              <a:t>  : </a:t>
+            </a:r>
+            <a:r>
+              <a:rPr lang="en-US" sz="1800" dirty="0">
+                <a:solidFill>
+                  <a:schemeClr val="accent6"/>
+                </a:solidFill>
+              </a:rPr>
+              <a:t>false,     </a:t>
+            </a:r>
+            <a:r>
+              <a:rPr lang="en-US" sz="1500" dirty="0">
+                <a:solidFill>
+                  <a:schemeClr val="accent6"/>
+                </a:solidFill>
+              </a:rPr>
+              <a:t>// true: Allow ES5 syntax (ex: getters and se</a:t>
+            </a:r>
+            <a:r>
+              <a:rPr lang="en-US" sz="1800" dirty="0">
+                <a:solidFill>
+                  <a:schemeClr val="accent6"/>
+                </a:solidFill>
+              </a:rPr>
+              <a:t>tters)</a:t>
+            </a:r>
+          </a:p>
+          <a:p>
+            <a:pPr marL="0" indent="0">
+              <a:buNone/>
+            </a:pPr>
+            <a:r>
+              <a:rPr lang="en-US" sz="1800" dirty="0" smtClean="0">
+                <a:solidFill>
+                  <a:schemeClr val="accent6"/>
+                </a:solidFill>
+              </a:rPr>
+              <a:t>    "</a:t>
+            </a:r>
+            <a:r>
+              <a:rPr lang="en-US" sz="1800" dirty="0">
+                <a:solidFill>
+                  <a:schemeClr val="accent6"/>
+                </a:solidFill>
+              </a:rPr>
+              <a:t>evil"          </a:t>
+            </a:r>
+            <a:r>
+              <a:rPr lang="en-US" sz="1800" dirty="0" smtClean="0">
+                <a:solidFill>
+                  <a:schemeClr val="accent6"/>
+                </a:solidFill>
+              </a:rPr>
+              <a:t>   : </a:t>
+            </a:r>
+            <a:r>
+              <a:rPr lang="en-US" sz="1800" dirty="0">
+                <a:solidFill>
+                  <a:schemeClr val="accent6"/>
+                </a:solidFill>
+              </a:rPr>
+              <a:t>false,     </a:t>
+            </a:r>
+            <a:r>
+              <a:rPr lang="en-US" sz="1500" dirty="0">
+                <a:solidFill>
+                  <a:schemeClr val="accent6"/>
+                </a:solidFill>
+              </a:rPr>
+              <a:t>// true: Tolerate use of `</a:t>
+            </a:r>
+            <a:r>
+              <a:rPr lang="en-US" sz="1500" dirty="0" err="1">
+                <a:solidFill>
+                  <a:schemeClr val="accent6"/>
+                </a:solidFill>
+              </a:rPr>
+              <a:t>eval</a:t>
+            </a:r>
+            <a:r>
+              <a:rPr lang="en-US" sz="1500" dirty="0">
+                <a:solidFill>
+                  <a:schemeClr val="accent6"/>
+                </a:solidFill>
+              </a:rPr>
+              <a:t>` and `new Function()</a:t>
+            </a:r>
+            <a:r>
+              <a:rPr lang="en-US" sz="1800" dirty="0">
+                <a:solidFill>
+                  <a:schemeClr val="accent6"/>
+                </a:solidFill>
+              </a:rPr>
+              <a:t>`</a:t>
+            </a:r>
+          </a:p>
+          <a:p>
+            <a:pPr marL="0" indent="0">
+              <a:buNone/>
+            </a:pPr>
+            <a:r>
+              <a:rPr lang="en-US" sz="1800" dirty="0">
+                <a:solidFill>
+                  <a:schemeClr val="accent6"/>
+                </a:solidFill>
+              </a:rPr>
+              <a:t>    "expr"          </a:t>
+            </a:r>
+            <a:r>
+              <a:rPr lang="en-US" sz="1800" dirty="0" smtClean="0">
+                <a:solidFill>
+                  <a:schemeClr val="accent6"/>
+                </a:solidFill>
+              </a:rPr>
+              <a:t> : </a:t>
+            </a:r>
+            <a:r>
+              <a:rPr lang="en-US" sz="1800" dirty="0">
+                <a:solidFill>
+                  <a:schemeClr val="accent6"/>
+                </a:solidFill>
+              </a:rPr>
+              <a:t>false,     </a:t>
+            </a:r>
+            <a:r>
+              <a:rPr lang="en-US" sz="1500" dirty="0">
+                <a:solidFill>
+                  <a:schemeClr val="accent6"/>
+                </a:solidFill>
+              </a:rPr>
+              <a:t>// true: Tolerate `</a:t>
+            </a:r>
+            <a:r>
+              <a:rPr lang="en-US" sz="1500" dirty="0" err="1">
+                <a:solidFill>
+                  <a:schemeClr val="accent6"/>
+                </a:solidFill>
+              </a:rPr>
+              <a:t>ExpressionStatement</a:t>
+            </a:r>
+            <a:r>
+              <a:rPr lang="en-US" sz="1500" dirty="0">
+                <a:solidFill>
+                  <a:schemeClr val="accent6"/>
+                </a:solidFill>
+              </a:rPr>
+              <a:t>` as Programs</a:t>
+            </a:r>
+          </a:p>
+          <a:p>
+            <a:pPr marL="0" indent="0">
+              <a:buNone/>
+            </a:pPr>
+            <a:r>
+              <a:rPr lang="en-US" sz="1800" dirty="0">
+                <a:solidFill>
+                  <a:schemeClr val="accent6"/>
+                </a:solidFill>
+              </a:rPr>
+              <a:t>    "</a:t>
+            </a:r>
+            <a:r>
+              <a:rPr lang="en-US" sz="1800" dirty="0" err="1">
+                <a:solidFill>
+                  <a:schemeClr val="accent6"/>
+                </a:solidFill>
+              </a:rPr>
+              <a:t>funcscope</a:t>
+            </a:r>
+            <a:r>
+              <a:rPr lang="en-US" sz="1800" dirty="0">
+                <a:solidFill>
+                  <a:schemeClr val="accent6"/>
+                </a:solidFill>
+              </a:rPr>
+              <a:t>" </a:t>
+            </a:r>
+            <a:r>
+              <a:rPr lang="en-US" sz="1800" dirty="0" smtClean="0">
+                <a:solidFill>
+                  <a:schemeClr val="accent6"/>
+                </a:solidFill>
+              </a:rPr>
+              <a:t>: </a:t>
+            </a:r>
+            <a:r>
+              <a:rPr lang="en-US" sz="1800" dirty="0">
+                <a:solidFill>
+                  <a:schemeClr val="accent6"/>
+                </a:solidFill>
+              </a:rPr>
+              <a:t>false,     </a:t>
+            </a:r>
+            <a:r>
+              <a:rPr lang="en-US" sz="1500" dirty="0">
+                <a:solidFill>
+                  <a:schemeClr val="accent6"/>
+                </a:solidFill>
+              </a:rPr>
+              <a:t>// true: Tolerate defining variables inside control statements</a:t>
+            </a:r>
+          </a:p>
+          <a:p>
+            <a:pPr marL="0" indent="0">
+              <a:buNone/>
+            </a:pPr>
+            <a:r>
+              <a:rPr lang="en-US" sz="1800" dirty="0" smtClean="0">
+                <a:solidFill>
+                  <a:schemeClr val="accent6"/>
+                </a:solidFill>
+              </a:rPr>
+              <a:t>    "</a:t>
+            </a:r>
+            <a:r>
+              <a:rPr lang="en-US" sz="1800" dirty="0">
+                <a:solidFill>
+                  <a:schemeClr val="accent6"/>
+                </a:solidFill>
+              </a:rPr>
+              <a:t>iterator"      : false,     </a:t>
+            </a:r>
+            <a:r>
+              <a:rPr lang="en-US" sz="1500" dirty="0">
+                <a:solidFill>
+                  <a:schemeClr val="accent6"/>
+                </a:solidFill>
+              </a:rPr>
+              <a:t>// true: Tolerate using the `__iterator__` property</a:t>
+            </a:r>
+          </a:p>
+          <a:p>
+            <a:pPr marL="0" indent="0">
+              <a:buNone/>
+            </a:pPr>
+            <a:r>
+              <a:rPr lang="en-US" sz="1800" dirty="0">
+                <a:solidFill>
+                  <a:schemeClr val="accent6"/>
+                </a:solidFill>
+              </a:rPr>
+              <a:t>    "</a:t>
+            </a:r>
+            <a:r>
+              <a:rPr lang="en-US" sz="1800" dirty="0" err="1">
+                <a:solidFill>
+                  <a:schemeClr val="accent6"/>
+                </a:solidFill>
+              </a:rPr>
+              <a:t>lastsemic</a:t>
+            </a:r>
+            <a:r>
+              <a:rPr lang="en-US" sz="1800" dirty="0">
+                <a:solidFill>
+                  <a:schemeClr val="accent6"/>
+                </a:solidFill>
+              </a:rPr>
+              <a:t>"   </a:t>
+            </a:r>
+            <a:r>
+              <a:rPr lang="en-US" sz="1800" dirty="0" smtClean="0">
+                <a:solidFill>
+                  <a:schemeClr val="accent6"/>
+                </a:solidFill>
+              </a:rPr>
+              <a:t>: </a:t>
+            </a:r>
+            <a:r>
+              <a:rPr lang="en-US" sz="1800" dirty="0">
+                <a:solidFill>
+                  <a:schemeClr val="accent6"/>
+                </a:solidFill>
+              </a:rPr>
+              <a:t>false,     </a:t>
+            </a:r>
+            <a:r>
+              <a:rPr lang="en-US" sz="1500" dirty="0">
+                <a:solidFill>
+                  <a:schemeClr val="accent6"/>
+                </a:solidFill>
+              </a:rPr>
+              <a:t>// true: Tolerate omitting a semicolon for the last statement of a 1-line block</a:t>
+            </a:r>
+          </a:p>
+          <a:p>
+            <a:pPr marL="0" indent="0">
+              <a:buNone/>
+            </a:pPr>
+            <a:r>
+              <a:rPr lang="en-US" sz="1800" dirty="0">
+                <a:solidFill>
+                  <a:schemeClr val="accent6"/>
+                </a:solidFill>
+              </a:rPr>
+              <a:t>    "</a:t>
+            </a:r>
+            <a:r>
+              <a:rPr lang="en-US" sz="1800" dirty="0" err="1">
+                <a:solidFill>
+                  <a:schemeClr val="accent6"/>
+                </a:solidFill>
+              </a:rPr>
+              <a:t>laxbreak</a:t>
+            </a:r>
+            <a:r>
+              <a:rPr lang="en-US" sz="1800" dirty="0">
+                <a:solidFill>
+                  <a:schemeClr val="accent6"/>
+                </a:solidFill>
+              </a:rPr>
+              <a:t>"     </a:t>
+            </a:r>
+            <a:r>
+              <a:rPr lang="en-US" sz="1800" dirty="0" smtClean="0">
+                <a:solidFill>
+                  <a:schemeClr val="accent6"/>
+                </a:solidFill>
+              </a:rPr>
+              <a:t>: </a:t>
+            </a:r>
+            <a:r>
+              <a:rPr lang="en-US" sz="1800" dirty="0">
+                <a:solidFill>
+                  <a:schemeClr val="accent6"/>
+                </a:solidFill>
+              </a:rPr>
+              <a:t>false,     </a:t>
+            </a:r>
+            <a:r>
+              <a:rPr lang="en-US" sz="1500" dirty="0">
+                <a:solidFill>
+                  <a:schemeClr val="accent6"/>
+                </a:solidFill>
+              </a:rPr>
+              <a:t>// true: Tolerate possibly unsafe line breakings</a:t>
+            </a:r>
+          </a:p>
+          <a:p>
+            <a:pPr marL="0" indent="0">
+              <a:buNone/>
+            </a:pPr>
+            <a:r>
+              <a:rPr lang="en-US" sz="1800" dirty="0">
+                <a:solidFill>
+                  <a:schemeClr val="accent6"/>
+                </a:solidFill>
+              </a:rPr>
+              <a:t>    "</a:t>
+            </a:r>
+            <a:r>
+              <a:rPr lang="en-US" sz="1800" dirty="0" err="1">
+                <a:solidFill>
+                  <a:schemeClr val="accent6"/>
+                </a:solidFill>
+              </a:rPr>
+              <a:t>laxcomma</a:t>
+            </a:r>
+            <a:r>
+              <a:rPr lang="en-US" sz="1800" dirty="0">
+                <a:solidFill>
+                  <a:schemeClr val="accent6"/>
+                </a:solidFill>
+              </a:rPr>
+              <a:t>"  </a:t>
+            </a:r>
+            <a:r>
+              <a:rPr lang="en-US" sz="1800" dirty="0" smtClean="0">
+                <a:solidFill>
+                  <a:schemeClr val="accent6"/>
+                </a:solidFill>
+              </a:rPr>
+              <a:t>: </a:t>
+            </a:r>
+            <a:r>
+              <a:rPr lang="en-US" sz="1800" dirty="0">
+                <a:solidFill>
+                  <a:schemeClr val="accent6"/>
+                </a:solidFill>
+              </a:rPr>
+              <a:t>false,     </a:t>
+            </a:r>
+            <a:r>
+              <a:rPr lang="en-US" sz="1500" dirty="0">
+                <a:solidFill>
+                  <a:schemeClr val="accent6"/>
+                </a:solidFill>
+              </a:rPr>
+              <a:t>// true: Tolerate comma-first style coding</a:t>
+            </a:r>
+          </a:p>
+          <a:p>
+            <a:pPr marL="0" indent="0">
+              <a:buNone/>
+            </a:pPr>
+            <a:r>
+              <a:rPr lang="en-US" sz="1800" dirty="0">
+                <a:solidFill>
+                  <a:schemeClr val="accent6"/>
+                </a:solidFill>
+              </a:rPr>
+              <a:t>    "</a:t>
+            </a:r>
+            <a:r>
+              <a:rPr lang="en-US" sz="1800" dirty="0" err="1">
+                <a:solidFill>
+                  <a:schemeClr val="accent6"/>
+                </a:solidFill>
+              </a:rPr>
+              <a:t>loopfunc</a:t>
+            </a:r>
+            <a:r>
+              <a:rPr lang="en-US" sz="1800" dirty="0">
+                <a:solidFill>
+                  <a:schemeClr val="accent6"/>
+                </a:solidFill>
+              </a:rPr>
+              <a:t>"     </a:t>
+            </a:r>
+            <a:r>
+              <a:rPr lang="en-US" sz="1800" dirty="0" smtClean="0">
+                <a:solidFill>
+                  <a:schemeClr val="accent6"/>
+                </a:solidFill>
+              </a:rPr>
+              <a:t>: </a:t>
+            </a:r>
+            <a:r>
+              <a:rPr lang="en-US" sz="1800" dirty="0">
+                <a:solidFill>
+                  <a:schemeClr val="accent6"/>
+                </a:solidFill>
+              </a:rPr>
+              <a:t>false,     </a:t>
+            </a:r>
+            <a:r>
+              <a:rPr lang="en-US" sz="1500" dirty="0">
+                <a:solidFill>
+                  <a:schemeClr val="accent6"/>
+                </a:solidFill>
+              </a:rPr>
+              <a:t>// true: Tolerate functions being defined in loops</a:t>
+            </a:r>
+          </a:p>
+          <a:p>
             <a:endParaRPr lang="en-US" dirty="0"/>
           </a:p>
         </p:txBody>
@@ -9925,64 +11162,10 @@
           </a:p>
         </p:txBody>
       </p:sp>
-      <p:pic>
-        <p:nvPicPr>
-          <p:cNvPr id="1027" name="Picture 3"/>
-          <p:cNvPicPr>
-            <a:picLocks noChangeAspect="1" noChangeArrowheads="1"/>
-          </p:cNvPicPr>
-          <p:nvPr/>
-        </p:nvPicPr>
-        <p:blipFill>
-          <a:blip r:embed="rId3">
-            <a:extLst>
-              <a:ext uri="{28A0092B-C50C-407E-A947-70E740481C1C}">
-                <a14:useLocalDpi xmlns:a14="http://schemas.microsoft.com/office/drawing/2010/main" val="0"/>
-              </a:ext>
-            </a:extLst>
-          </a:blip>
-          <a:srcRect/>
-          <a:stretch>
-            <a:fillRect/>
-          </a:stretch>
-        </p:blipFill>
-        <p:spPr bwMode="auto">
-          <a:xfrm>
-            <a:off x="4916" y="990600"/>
-            <a:ext cx="9139084" cy="5029200"/>
-          </a:xfrm>
-          <a:prstGeom prst="rect">
-            <a:avLst/>
-          </a:prstGeom>
-          <a:noFill/>
-          <a:ln>
-            <a:noFill/>
-          </a:ln>
-          <a:extLst>
-            <a:ext uri="{909E8E84-426E-40DD-AFC4-6F175D3DCCD1}">
-              <a14:hiddenFill xmlns:a14="http://schemas.microsoft.com/office/drawing/2010/main">
-                <a:solidFill>
-                  <a:schemeClr val="accent1"/>
-                </a:solidFill>
-              </a14:hiddenFill>
-            </a:ext>
-            <a:ext uri="{91240B29-F687-4F45-9708-019B960494DF}">
-              <a14:hiddenLine xmlns:a14="http://schemas.microsoft.com/office/drawing/2010/main" w="9525">
-                <a:solidFill>
-                  <a:schemeClr val="tx1"/>
-                </a:solidFill>
-                <a:miter lim="800000"/>
-                <a:headEnd/>
-                <a:tailEnd/>
-              </a14:hiddenLine>
-            </a:ext>
-          </a:extLst>
-        </p:spPr>
-      </p:pic>
     </p:spTree>
     <p:extLst>
       <p:ext uri="{BB962C8B-B14F-4D97-AF65-F5344CB8AC3E}">
-        <p14:creationId xmlns:p14="http://schemas.microsoft.com/office/powerpoint/2010/main" val="1544893390"/>
+        <p14:creationId xmlns:p14="http://schemas.microsoft.com/office/powerpoint/2010/main" val="1892072551"/>
       </p:ext>
     </p:extLst>
   </p:cSld>
@@ -10029,7 +11212,7 @@
         <p:spPr>
           <a:xfrm>
             <a:off x="381000" y="246744"/>
-            <a:ext cx="8382000" cy="591456"/>
+            <a:ext cx="8382000" cy="439056"/>
           </a:xfrm>
         </p:spPr>
         <p:txBody>
@@ -10042,7 +11225,11 @@
             </a:r>
             <a:r>
               <a:rPr lang="en-US" dirty="0"/>
-              <a:t> Options (</a:t>
+              <a:t> </a:t>
+            </a:r>
+            <a:r>
+              <a:rPr lang="en-US" dirty="0"/>
+              <a:t>Options(</a:t>
             </a:r>
             <a:r>
               <a:rPr lang="en-US" dirty="0" err="1"/>
@@ -10050,11 +11237,7 @@
             </a:r>
             <a:r>
               <a:rPr lang="en-US" dirty="0"/>
-              <a:t>) -- </a:t>
-            </a:r>
-            <a:r>
-              <a:rPr lang="en-US" dirty="0" smtClean="0"/>
-              <a:t>Relaxing</a:t>
+              <a:t>)</a:t>
             </a:r>
             <a:endParaRPr lang="en-US" dirty="0"/>
           </a:p>
@@ -10115,66 +11298,713 @@
           </a:p>
         </p:txBody>
       </p:sp>
-      <p:pic>
-        <p:nvPicPr>
-          <p:cNvPr id="3074" name="Picture 2"/>
-          <p:cNvPicPr>
-            <a:picLocks noGrp="1" noChangeAspect="1" noChangeArrowheads="1"/>
-          </p:cNvPicPr>
+      <p:sp>
+        <p:nvSpPr>
+          <p:cNvPr id="3" name="Content Placeholder 2"/>
+          <p:cNvSpPr>
+            <a:spLocks noGrp="1"/>
+          </p:cNvSpPr>
           <p:nvPr>
             <p:ph idx="1"/>
           </p:nvPr>
-        </p:nvPicPr>
-        <p:blipFill>
-          <a:blip r:embed="rId3">
-            <a:extLst>
-              <a:ext uri="{28A0092B-C50C-407E-A947-70E740481C1C}">
-                <a14:useLocalDpi xmlns:a14="http://schemas.microsoft.com/office/drawing/2010/main" val="0"/>
-              </a:ext>
-            </a:extLst>
-          </a:blip>
-          <a:srcRect/>
-          <a:stretch>
-            <a:fillRect/>
-          </a:stretch>
-        </p:blipFill>
-        <p:spPr bwMode="auto">
+        </p:nvSpPr>
+        <p:spPr>
           <a:xfrm>
-            <a:off x="381000" y="1066800"/>
-            <a:ext cx="8776560" cy="4648200"/>
+            <a:off x="381000" y="914400"/>
+            <a:ext cx="8382000" cy="5257800"/>
           </a:xfrm>
-          <a:prstGeom prst="rect">
-            <a:avLst/>
-          </a:prstGeom>
-          <a:noFill/>
-          <a:ln>
-            <a:noFill/>
-          </a:ln>
-          <a:extLst>
-            <a:ext uri="{909E8E84-426E-40DD-AFC4-6F175D3DCCD1}">
-              <a14:hiddenFill xmlns:a14="http://schemas.microsoft.com/office/drawing/2010/main">
-                <a:solidFill>
-                  <a:schemeClr val="accent1"/>
-                </a:solidFill>
-              </a14:hiddenFill>
-            </a:ext>
-            <a:ext uri="{91240B29-F687-4F45-9708-019B960494DF}">
-              <a14:hiddenLine xmlns:a14="http://schemas.microsoft.com/office/drawing/2010/main" w="9525">
-                <a:solidFill>
-                  <a:schemeClr val="tx1"/>
-                </a:solidFill>
-                <a:miter lim="800000"/>
-                <a:headEnd/>
-                <a:tailEnd/>
-              </a14:hiddenLine>
-            </a:ext>
-          </a:extLst>
         </p:spPr>
-      </p:pic>
+        <p:txBody>
+          <a:bodyPr>
+            <a:normAutofit fontScale="92500" lnSpcReduction="10000"/>
+          </a:bodyPr>
+          <a:lstStyle/>
+          <a:p>
+            <a:r>
+              <a:rPr lang="en-US" b="1" dirty="0" smtClean="0"/>
+              <a:t>Environments</a:t>
+            </a:r>
+            <a:r>
+              <a:rPr lang="en-US" dirty="0" smtClean="0"/>
+              <a:t>: </a:t>
+            </a:r>
+            <a:r>
+              <a:rPr lang="en-US" dirty="0"/>
+              <a:t>These options let </a:t>
+            </a:r>
+            <a:r>
+              <a:rPr lang="en-US" dirty="0" err="1"/>
+              <a:t>JSHint</a:t>
+            </a:r>
+            <a:r>
+              <a:rPr lang="en-US" dirty="0"/>
+              <a:t> know about some pre-defined global variables</a:t>
+            </a:r>
+            <a:r>
+              <a:rPr lang="en-US" dirty="0" smtClean="0"/>
+              <a:t>.</a:t>
+            </a:r>
+          </a:p>
+          <a:p>
+            <a:pPr marL="0" indent="0">
+              <a:buNone/>
+            </a:pPr>
+            <a:r>
+              <a:rPr lang="en-US" sz="1800" dirty="0"/>
+              <a:t> </a:t>
+            </a:r>
+            <a:r>
+              <a:rPr lang="en-US" sz="1800" dirty="0" smtClean="0"/>
+              <a:t>   </a:t>
+            </a:r>
+            <a:r>
+              <a:rPr lang="en-US" sz="1800" dirty="0" smtClean="0">
+                <a:solidFill>
+                  <a:schemeClr val="accent6"/>
+                </a:solidFill>
+              </a:rPr>
+              <a:t>"</a:t>
+            </a:r>
+            <a:r>
+              <a:rPr lang="en-US" sz="1800" dirty="0">
+                <a:solidFill>
+                  <a:schemeClr val="accent6"/>
+                </a:solidFill>
+              </a:rPr>
+              <a:t>browser"       </a:t>
+            </a:r>
+            <a:r>
+              <a:rPr lang="en-US" sz="1800" dirty="0" smtClean="0">
+                <a:solidFill>
+                  <a:schemeClr val="accent6"/>
+                </a:solidFill>
+              </a:rPr>
+              <a:t>   : </a:t>
+            </a:r>
+            <a:r>
+              <a:rPr lang="en-US" sz="1800" dirty="0">
+                <a:solidFill>
+                  <a:schemeClr val="accent6"/>
+                </a:solidFill>
+              </a:rPr>
+              <a:t>true,     </a:t>
+            </a:r>
+            <a:r>
+              <a:rPr lang="en-US" sz="1500" dirty="0">
+                <a:solidFill>
+                  <a:schemeClr val="accent6"/>
+                </a:solidFill>
+              </a:rPr>
+              <a:t>// Web Browser (window, document, </a:t>
+            </a:r>
+            <a:r>
+              <a:rPr lang="en-US" sz="1500" dirty="0" err="1">
+                <a:solidFill>
+                  <a:schemeClr val="accent6"/>
+                </a:solidFill>
+              </a:rPr>
+              <a:t>etc</a:t>
+            </a:r>
+            <a:r>
+              <a:rPr lang="en-US" sz="1500" dirty="0">
+                <a:solidFill>
+                  <a:schemeClr val="accent6"/>
+                </a:solidFill>
+              </a:rPr>
+              <a:t>)</a:t>
+            </a:r>
+          </a:p>
+          <a:p>
+            <a:pPr marL="0" indent="0">
+              <a:buNone/>
+            </a:pPr>
+            <a:r>
+              <a:rPr lang="en-US" sz="1800" dirty="0" smtClean="0">
+                <a:solidFill>
+                  <a:schemeClr val="accent6"/>
+                </a:solidFill>
+              </a:rPr>
+              <a:t>    "</a:t>
+            </a:r>
+            <a:r>
+              <a:rPr lang="en-US" sz="1800" dirty="0" err="1">
+                <a:solidFill>
+                  <a:schemeClr val="accent6"/>
+                </a:solidFill>
+              </a:rPr>
+              <a:t>devel</a:t>
+            </a:r>
+            <a:r>
+              <a:rPr lang="en-US" sz="1800" dirty="0">
+                <a:solidFill>
+                  <a:schemeClr val="accent6"/>
+                </a:solidFill>
+              </a:rPr>
+              <a:t>"         </a:t>
+            </a:r>
+            <a:r>
+              <a:rPr lang="en-US" sz="1800" dirty="0" smtClean="0">
+                <a:solidFill>
+                  <a:schemeClr val="accent6"/>
+                </a:solidFill>
+              </a:rPr>
+              <a:t>      : </a:t>
+            </a:r>
+            <a:r>
+              <a:rPr lang="en-US" sz="1800" dirty="0">
+                <a:solidFill>
+                  <a:schemeClr val="accent6"/>
+                </a:solidFill>
+              </a:rPr>
+              <a:t>true,     </a:t>
+            </a:r>
+            <a:r>
+              <a:rPr lang="en-US" sz="1500" dirty="0">
+                <a:solidFill>
+                  <a:schemeClr val="accent6"/>
+                </a:solidFill>
+              </a:rPr>
+              <a:t>// Development/debugging (alert, confirm, </a:t>
+            </a:r>
+            <a:r>
+              <a:rPr lang="en-US" sz="1500" dirty="0" err="1">
+                <a:solidFill>
+                  <a:schemeClr val="accent6"/>
+                </a:solidFill>
+              </a:rPr>
+              <a:t>etc</a:t>
+            </a:r>
+            <a:r>
+              <a:rPr lang="en-US" sz="1500" dirty="0">
+                <a:solidFill>
+                  <a:schemeClr val="accent6"/>
+                </a:solidFill>
+              </a:rPr>
+              <a:t>)</a:t>
+            </a:r>
+          </a:p>
+          <a:p>
+            <a:pPr marL="0" indent="0">
+              <a:buNone/>
+            </a:pPr>
+            <a:r>
+              <a:rPr lang="en-US" sz="1800" dirty="0">
+                <a:solidFill>
+                  <a:schemeClr val="accent6"/>
+                </a:solidFill>
+              </a:rPr>
+              <a:t>    "dojo"         </a:t>
+            </a:r>
+            <a:r>
+              <a:rPr lang="en-US" sz="1800" dirty="0" smtClean="0">
+                <a:solidFill>
+                  <a:schemeClr val="accent6"/>
+                </a:solidFill>
+              </a:rPr>
+              <a:t>        : </a:t>
+            </a:r>
+            <a:r>
+              <a:rPr lang="en-US" sz="1800" dirty="0">
+                <a:solidFill>
+                  <a:schemeClr val="accent6"/>
+                </a:solidFill>
+              </a:rPr>
+              <a:t>false,    </a:t>
+            </a:r>
+            <a:r>
+              <a:rPr lang="en-US" sz="1500" dirty="0">
+                <a:solidFill>
+                  <a:schemeClr val="accent6"/>
+                </a:solidFill>
+              </a:rPr>
+              <a:t>// Dojo Toolkit</a:t>
+            </a:r>
+          </a:p>
+          <a:p>
+            <a:pPr marL="0" indent="0">
+              <a:buNone/>
+            </a:pPr>
+            <a:r>
+              <a:rPr lang="en-US" sz="1800" dirty="0">
+                <a:solidFill>
+                  <a:schemeClr val="accent6"/>
+                </a:solidFill>
+              </a:rPr>
+              <a:t>    "jasmine"      </a:t>
+            </a:r>
+            <a:r>
+              <a:rPr lang="en-US" sz="1800" dirty="0" smtClean="0">
+                <a:solidFill>
+                  <a:schemeClr val="accent6"/>
+                </a:solidFill>
+              </a:rPr>
+              <a:t>     : </a:t>
+            </a:r>
+            <a:r>
+              <a:rPr lang="en-US" sz="1800" dirty="0">
+                <a:solidFill>
+                  <a:schemeClr val="accent6"/>
+                </a:solidFill>
+              </a:rPr>
+              <a:t>false,    </a:t>
+            </a:r>
+            <a:r>
+              <a:rPr lang="en-US" sz="1500" dirty="0">
+                <a:solidFill>
+                  <a:schemeClr val="accent6"/>
+                </a:solidFill>
+              </a:rPr>
+              <a:t>// Jasmine</a:t>
+            </a:r>
+          </a:p>
+          <a:p>
+            <a:pPr marL="0" indent="0">
+              <a:buNone/>
+            </a:pPr>
+            <a:r>
+              <a:rPr lang="en-US" sz="1800" dirty="0">
+                <a:solidFill>
+                  <a:schemeClr val="accent6"/>
+                </a:solidFill>
+              </a:rPr>
+              <a:t>    "</a:t>
+            </a:r>
+            <a:r>
+              <a:rPr lang="en-US" sz="1800" dirty="0" err="1">
+                <a:solidFill>
+                  <a:schemeClr val="accent6"/>
+                </a:solidFill>
+              </a:rPr>
+              <a:t>jquery</a:t>
+            </a:r>
+            <a:r>
+              <a:rPr lang="en-US" sz="1800" dirty="0">
+                <a:solidFill>
+                  <a:schemeClr val="accent6"/>
+                </a:solidFill>
+              </a:rPr>
+              <a:t>"       </a:t>
+            </a:r>
+            <a:r>
+              <a:rPr lang="en-US" sz="1800" dirty="0" smtClean="0">
+                <a:solidFill>
+                  <a:schemeClr val="accent6"/>
+                </a:solidFill>
+              </a:rPr>
+              <a:t>       : </a:t>
+            </a:r>
+            <a:r>
+              <a:rPr lang="en-US" sz="1800" dirty="0">
+                <a:solidFill>
+                  <a:schemeClr val="accent6"/>
+                </a:solidFill>
+              </a:rPr>
+              <a:t>false,    </a:t>
+            </a:r>
+            <a:r>
+              <a:rPr lang="en-US" sz="1500" dirty="0">
+                <a:solidFill>
+                  <a:schemeClr val="accent6"/>
+                </a:solidFill>
+              </a:rPr>
+              <a:t>// jQuery</a:t>
+            </a:r>
+          </a:p>
+          <a:p>
+            <a:pPr marL="0" indent="0">
+              <a:buNone/>
+            </a:pPr>
+            <a:r>
+              <a:rPr lang="en-US" sz="1800" dirty="0" smtClean="0">
+                <a:solidFill>
+                  <a:schemeClr val="accent6"/>
+                </a:solidFill>
+              </a:rPr>
+              <a:t>    "</a:t>
+            </a:r>
+            <a:r>
+              <a:rPr lang="en-US" sz="1800" dirty="0">
+                <a:solidFill>
+                  <a:schemeClr val="accent6"/>
+                </a:solidFill>
+              </a:rPr>
+              <a:t>node"          </a:t>
+            </a:r>
+            <a:r>
+              <a:rPr lang="en-US" sz="1800" dirty="0" smtClean="0">
+                <a:solidFill>
+                  <a:schemeClr val="accent6"/>
+                </a:solidFill>
+              </a:rPr>
+              <a:t>       : </a:t>
+            </a:r>
+            <a:r>
+              <a:rPr lang="en-US" sz="1800" dirty="0">
+                <a:solidFill>
+                  <a:schemeClr val="accent6"/>
+                </a:solidFill>
+              </a:rPr>
+              <a:t>false,    </a:t>
+            </a:r>
+            <a:r>
+              <a:rPr lang="en-US" sz="1500" dirty="0">
+                <a:solidFill>
+                  <a:schemeClr val="accent6"/>
+                </a:solidFill>
+              </a:rPr>
+              <a:t>// Node.js</a:t>
+            </a:r>
+          </a:p>
+          <a:p>
+            <a:pPr marL="0" indent="0">
+              <a:buNone/>
+            </a:pPr>
+            <a:r>
+              <a:rPr lang="en-US" sz="1800" dirty="0">
+                <a:solidFill>
+                  <a:schemeClr val="accent6"/>
+                </a:solidFill>
+              </a:rPr>
+              <a:t>    "nonstandard"   : false,    </a:t>
+            </a:r>
+            <a:r>
+              <a:rPr lang="en-US" sz="1500" dirty="0">
+                <a:solidFill>
+                  <a:schemeClr val="accent6"/>
+                </a:solidFill>
+              </a:rPr>
+              <a:t>// Widely adopted </a:t>
+            </a:r>
+            <a:r>
+              <a:rPr lang="en-US" sz="1500" dirty="0" err="1">
+                <a:solidFill>
+                  <a:schemeClr val="accent6"/>
+                </a:solidFill>
+              </a:rPr>
+              <a:t>globals</a:t>
+            </a:r>
+            <a:r>
+              <a:rPr lang="en-US" sz="1500" dirty="0">
+                <a:solidFill>
+                  <a:schemeClr val="accent6"/>
+                </a:solidFill>
+              </a:rPr>
+              <a:t> (escape, </a:t>
+            </a:r>
+            <a:r>
+              <a:rPr lang="en-US" sz="1500" dirty="0" err="1">
+                <a:solidFill>
+                  <a:schemeClr val="accent6"/>
+                </a:solidFill>
+              </a:rPr>
+              <a:t>unescape</a:t>
+            </a:r>
+            <a:r>
+              <a:rPr lang="en-US" sz="1500" dirty="0">
+                <a:solidFill>
+                  <a:schemeClr val="accent6"/>
+                </a:solidFill>
+              </a:rPr>
+              <a:t>, </a:t>
+            </a:r>
+            <a:r>
+              <a:rPr lang="en-US" sz="1500" dirty="0" err="1">
+                <a:solidFill>
+                  <a:schemeClr val="accent6"/>
+                </a:solidFill>
+              </a:rPr>
+              <a:t>etc</a:t>
+            </a:r>
+            <a:r>
+              <a:rPr lang="en-US" sz="1500" dirty="0">
+                <a:solidFill>
+                  <a:schemeClr val="accent6"/>
+                </a:solidFill>
+              </a:rPr>
+              <a:t>)</a:t>
+            </a:r>
+          </a:p>
+          <a:p>
+            <a:pPr marL="0" indent="0">
+              <a:buNone/>
+            </a:pPr>
+            <a:r>
+              <a:rPr lang="en-US" sz="1800" dirty="0">
+                <a:solidFill>
+                  <a:schemeClr val="accent6"/>
+                </a:solidFill>
+              </a:rPr>
+              <a:t>    "</a:t>
+            </a:r>
+            <a:r>
+              <a:rPr lang="en-US" sz="1800" dirty="0" err="1">
+                <a:solidFill>
+                  <a:schemeClr val="accent6"/>
+                </a:solidFill>
+              </a:rPr>
+              <a:t>prototypejs</a:t>
+            </a:r>
+            <a:r>
+              <a:rPr lang="en-US" sz="1800" dirty="0">
+                <a:solidFill>
+                  <a:schemeClr val="accent6"/>
+                </a:solidFill>
+              </a:rPr>
+              <a:t>"   </a:t>
+            </a:r>
+            <a:r>
+              <a:rPr lang="en-US" sz="1800" dirty="0" smtClean="0">
+                <a:solidFill>
+                  <a:schemeClr val="accent6"/>
+                </a:solidFill>
+              </a:rPr>
+              <a:t>  : </a:t>
+            </a:r>
+            <a:r>
+              <a:rPr lang="en-US" sz="1800" dirty="0">
+                <a:solidFill>
+                  <a:schemeClr val="accent6"/>
+                </a:solidFill>
+              </a:rPr>
+              <a:t>false,    </a:t>
+            </a:r>
+            <a:r>
+              <a:rPr lang="en-US" sz="1500" dirty="0">
+                <a:solidFill>
+                  <a:schemeClr val="accent6"/>
+                </a:solidFill>
+              </a:rPr>
+              <a:t>// Prototype and </a:t>
+            </a:r>
+            <a:r>
+              <a:rPr lang="en-US" sz="1500" dirty="0" err="1">
+                <a:solidFill>
+                  <a:schemeClr val="accent6"/>
+                </a:solidFill>
+              </a:rPr>
+              <a:t>Scriptaculous</a:t>
+            </a:r>
+            <a:endParaRPr lang="en-US" sz="1500" dirty="0">
+              <a:solidFill>
+                <a:schemeClr val="accent6"/>
+              </a:solidFill>
+            </a:endParaRPr>
+          </a:p>
+          <a:p>
+            <a:pPr marL="0" indent="0">
+              <a:buNone/>
+            </a:pPr>
+            <a:r>
+              <a:rPr lang="en-US" sz="1800" dirty="0" smtClean="0">
+                <a:solidFill>
+                  <a:schemeClr val="accent6"/>
+                </a:solidFill>
+              </a:rPr>
+              <a:t>    "</a:t>
+            </a:r>
+            <a:r>
+              <a:rPr lang="en-US" sz="1800" dirty="0" err="1">
+                <a:solidFill>
+                  <a:schemeClr val="accent6"/>
+                </a:solidFill>
+              </a:rPr>
+              <a:t>shelljs</a:t>
+            </a:r>
+            <a:r>
+              <a:rPr lang="en-US" sz="1800" dirty="0">
+                <a:solidFill>
+                  <a:schemeClr val="accent6"/>
+                </a:solidFill>
+              </a:rPr>
+              <a:t>"       </a:t>
+            </a:r>
+            <a:r>
+              <a:rPr lang="en-US" sz="1800" dirty="0" smtClean="0">
+                <a:solidFill>
+                  <a:schemeClr val="accent6"/>
+                </a:solidFill>
+              </a:rPr>
+              <a:t>        : </a:t>
+            </a:r>
+            <a:r>
+              <a:rPr lang="en-US" sz="1800" dirty="0">
+                <a:solidFill>
+                  <a:schemeClr val="accent6"/>
+                </a:solidFill>
+              </a:rPr>
+              <a:t>false,    </a:t>
+            </a:r>
+            <a:r>
+              <a:rPr lang="en-US" sz="1500" dirty="0">
+                <a:solidFill>
+                  <a:schemeClr val="accent6"/>
+                </a:solidFill>
+              </a:rPr>
+              <a:t>// </a:t>
+            </a:r>
+            <a:r>
+              <a:rPr lang="en-US" sz="1500" dirty="0" err="1">
+                <a:solidFill>
+                  <a:schemeClr val="accent6"/>
+                </a:solidFill>
+              </a:rPr>
+              <a:t>ShellJS</a:t>
+            </a:r>
+            <a:endParaRPr lang="en-US" sz="1500" dirty="0">
+              <a:solidFill>
+                <a:schemeClr val="accent6"/>
+              </a:solidFill>
+            </a:endParaRPr>
+          </a:p>
+          <a:p>
+            <a:pPr marL="0" indent="0">
+              <a:buNone/>
+            </a:pPr>
+            <a:r>
+              <a:rPr lang="en-US" sz="1800" dirty="0">
+                <a:solidFill>
+                  <a:schemeClr val="accent6"/>
+                </a:solidFill>
+              </a:rPr>
+              <a:t>    "worker"       </a:t>
+            </a:r>
+            <a:r>
+              <a:rPr lang="en-US" sz="1800" dirty="0" smtClean="0">
+                <a:solidFill>
+                  <a:schemeClr val="accent6"/>
+                </a:solidFill>
+              </a:rPr>
+              <a:t>      </a:t>
+            </a:r>
+            <a:r>
+              <a:rPr lang="en-US" sz="1800" dirty="0">
+                <a:solidFill>
+                  <a:schemeClr val="accent6"/>
+                </a:solidFill>
+              </a:rPr>
+              <a:t>: false,    </a:t>
+            </a:r>
+            <a:r>
+              <a:rPr lang="en-US" sz="1500" dirty="0">
+                <a:solidFill>
+                  <a:schemeClr val="accent6"/>
+                </a:solidFill>
+              </a:rPr>
+              <a:t>// Web Workers</a:t>
+            </a:r>
+          </a:p>
+          <a:p>
+            <a:pPr marL="0" indent="0">
+              <a:buNone/>
+            </a:pPr>
+            <a:r>
+              <a:rPr lang="en-US" sz="1800" dirty="0">
+                <a:solidFill>
+                  <a:schemeClr val="accent6"/>
+                </a:solidFill>
+              </a:rPr>
+              <a:t>    "</a:t>
+            </a:r>
+            <a:r>
+              <a:rPr lang="en-US" sz="1800" dirty="0" err="1">
+                <a:solidFill>
+                  <a:schemeClr val="accent6"/>
+                </a:solidFill>
+              </a:rPr>
+              <a:t>wsh</a:t>
+            </a:r>
+            <a:r>
+              <a:rPr lang="en-US" sz="1800" dirty="0">
+                <a:solidFill>
+                  <a:schemeClr val="accent6"/>
+                </a:solidFill>
+              </a:rPr>
+              <a:t>"           </a:t>
+            </a:r>
+            <a:r>
+              <a:rPr lang="en-US" sz="1800" dirty="0" smtClean="0">
+                <a:solidFill>
+                  <a:schemeClr val="accent6"/>
+                </a:solidFill>
+              </a:rPr>
+              <a:t>       : </a:t>
+            </a:r>
+            <a:r>
+              <a:rPr lang="en-US" sz="1800" dirty="0">
+                <a:solidFill>
+                  <a:schemeClr val="accent6"/>
+                </a:solidFill>
+              </a:rPr>
+              <a:t>false,    </a:t>
+            </a:r>
+            <a:r>
+              <a:rPr lang="en-US" sz="1500" dirty="0">
+                <a:solidFill>
+                  <a:schemeClr val="accent6"/>
+                </a:solidFill>
+              </a:rPr>
+              <a:t>// Windows Scripting Host</a:t>
+            </a:r>
+          </a:p>
+          <a:p>
+            <a:pPr marL="0" indent="0">
+              <a:buNone/>
+            </a:pPr>
+            <a:r>
+              <a:rPr lang="en-US" sz="1800" dirty="0">
+                <a:solidFill>
+                  <a:schemeClr val="accent6"/>
+                </a:solidFill>
+              </a:rPr>
+              <a:t>    "</a:t>
+            </a:r>
+            <a:r>
+              <a:rPr lang="en-US" sz="1800" dirty="0" err="1">
+                <a:solidFill>
+                  <a:schemeClr val="accent6"/>
+                </a:solidFill>
+              </a:rPr>
+              <a:t>yui</a:t>
+            </a:r>
+            <a:r>
+              <a:rPr lang="en-US" sz="1800" dirty="0">
+                <a:solidFill>
+                  <a:schemeClr val="accent6"/>
+                </a:solidFill>
+              </a:rPr>
+              <a:t>"           </a:t>
+            </a:r>
+            <a:r>
+              <a:rPr lang="en-US" sz="1800" dirty="0" smtClean="0">
+                <a:solidFill>
+                  <a:schemeClr val="accent6"/>
+                </a:solidFill>
+              </a:rPr>
+              <a:t>         : </a:t>
+            </a:r>
+            <a:r>
+              <a:rPr lang="en-US" sz="1800" dirty="0">
+                <a:solidFill>
+                  <a:schemeClr val="accent6"/>
+                </a:solidFill>
+              </a:rPr>
+              <a:t>false,    </a:t>
+            </a:r>
+            <a:r>
+              <a:rPr lang="en-US" sz="1500" dirty="0">
+                <a:solidFill>
+                  <a:schemeClr val="accent6"/>
+                </a:solidFill>
+              </a:rPr>
+              <a:t>// Yahoo User Interface</a:t>
+            </a:r>
+          </a:p>
+        </p:txBody>
+      </p:sp>
     </p:spTree>
     <p:extLst>
       <p:ext uri="{BB962C8B-B14F-4D97-AF65-F5344CB8AC3E}">
-        <p14:creationId xmlns:p14="http://schemas.microsoft.com/office/powerpoint/2010/main" val="120825479"/>
+        <p14:creationId xmlns:p14="http://schemas.microsoft.com/office/powerpoint/2010/main" val="1896053496"/>
       </p:ext>
     </p:extLst>
   </p:cSld>
@@ -10210,198 +12040,6 @@
       </p:grpSpPr>
       <p:sp>
         <p:nvSpPr>
-          <p:cNvPr id="2" name="Title 1"/>
-          <p:cNvSpPr>
-            <a:spLocks noGrp="1"/>
-          </p:cNvSpPr>
-          <p:nvPr>
-            <p:ph type="title"/>
-          </p:nvPr>
-        </p:nvSpPr>
-        <p:spPr>
-          <a:xfrm>
-            <a:off x="381000" y="246744"/>
-            <a:ext cx="8382000" cy="591456"/>
-          </a:xfrm>
-        </p:spPr>
-        <p:txBody>
-          <a:bodyPr/>
-          <a:lstStyle/>
-          <a:p>
-            <a:r>
-              <a:rPr lang="en-US" dirty="0" err="1"/>
-              <a:t>JSHint</a:t>
-            </a:r>
-            <a:r>
-              <a:rPr lang="en-US" dirty="0"/>
-              <a:t> Options (</a:t>
-            </a:r>
-            <a:r>
-              <a:rPr lang="en-US" dirty="0" err="1"/>
-              <a:t>contd</a:t>
-            </a:r>
-            <a:r>
-              <a:rPr lang="en-US" dirty="0"/>
-              <a:t>) -- </a:t>
-            </a:r>
-            <a:r>
-              <a:rPr lang="en-US" dirty="0" smtClean="0"/>
-              <a:t>Environment</a:t>
-            </a:r>
-            <a:endParaRPr lang="en-US" dirty="0"/>
-          </a:p>
-        </p:txBody>
-      </p:sp>
-      <p:sp>
-        <p:nvSpPr>
-          <p:cNvPr id="4" name="Footer Placeholder 3"/>
-          <p:cNvSpPr>
-            <a:spLocks noGrp="1"/>
-          </p:cNvSpPr>
-          <p:nvPr>
-            <p:ph type="ftr" sz="quarter" idx="10"/>
-          </p:nvPr>
-        </p:nvSpPr>
-        <p:spPr/>
-        <p:txBody>
-          <a:bodyPr/>
-          <a:lstStyle/>
-          <a:p>
-            <a:pPr>
-              <a:defRPr/>
-            </a:pPr>
-            <a:r>
-              <a:rPr lang="en-US" smtClean="0"/>
-              <a:t>Presentation Identifier Goes Here</a:t>
-            </a:r>
-            <a:endParaRPr lang="en-US"/>
-          </a:p>
-        </p:txBody>
-      </p:sp>
-      <p:sp>
-        <p:nvSpPr>
-          <p:cNvPr id="5" name="Slide Number Placeholder 4"/>
-          <p:cNvSpPr>
-            <a:spLocks noGrp="1"/>
-          </p:cNvSpPr>
-          <p:nvPr>
-            <p:ph type="sldNum" sz="quarter" idx="11"/>
-          </p:nvPr>
-        </p:nvSpPr>
-        <p:spPr/>
-        <p:txBody>
-          <a:bodyPr/>
-          <a:lstStyle/>
-          <a:p>
-            <a:pPr>
-              <a:defRPr/>
-            </a:pPr>
-            <a:fld id="{446C9BED-6FD4-4BA4-B6B0-4A26058AC9EF}" type="slidenum">
-              <a:rPr lang="en-US" smtClean="0"/>
-              <a:pPr>
-                <a:defRPr/>
-              </a:pPr>
-              <a:t>14</a:t>
-            </a:fld>
-            <a:endParaRPr lang="en-US" dirty="0"/>
-          </a:p>
-        </p:txBody>
-      </p:sp>
-      <p:pic>
-        <p:nvPicPr>
-          <p:cNvPr id="4098" name="Picture 2"/>
-          <p:cNvPicPr>
-            <a:picLocks noGrp="1" noChangeAspect="1" noChangeArrowheads="1"/>
-          </p:cNvPicPr>
-          <p:nvPr>
-            <p:ph idx="1"/>
-          </p:nvPr>
-        </p:nvPicPr>
-        <p:blipFill>
-          <a:blip r:embed="rId3">
-            <a:extLst>
-              <a:ext uri="{28A0092B-C50C-407E-A947-70E740481C1C}">
-                <a14:useLocalDpi xmlns:a14="http://schemas.microsoft.com/office/drawing/2010/main" val="0"/>
-              </a:ext>
-            </a:extLst>
-          </a:blip>
-          <a:srcRect/>
-          <a:stretch>
-            <a:fillRect/>
-          </a:stretch>
-        </p:blipFill>
-        <p:spPr bwMode="auto">
-          <a:xfrm>
-            <a:off x="800100" y="990601"/>
-            <a:ext cx="8039100" cy="4917858"/>
-          </a:xfrm>
-          <a:prstGeom prst="rect">
-            <a:avLst/>
-          </a:prstGeom>
-          <a:noFill/>
-          <a:ln>
-            <a:noFill/>
-          </a:ln>
-          <a:extLst>
-            <a:ext uri="{909E8E84-426E-40DD-AFC4-6F175D3DCCD1}">
-              <a14:hiddenFill xmlns:a14="http://schemas.microsoft.com/office/drawing/2010/main">
-                <a:solidFill>
-                  <a:schemeClr val="accent1"/>
-                </a:solidFill>
-              </a14:hiddenFill>
-            </a:ext>
-            <a:ext uri="{91240B29-F687-4F45-9708-019B960494DF}">
-              <a14:hiddenLine xmlns:a14="http://schemas.microsoft.com/office/drawing/2010/main" w="9525">
-                <a:solidFill>
-                  <a:schemeClr val="tx1"/>
-                </a:solidFill>
-                <a:miter lim="800000"/>
-                <a:headEnd/>
-                <a:tailEnd/>
-              </a14:hiddenLine>
-            </a:ext>
-          </a:extLst>
-        </p:spPr>
-      </p:pic>
-    </p:spTree>
-    <p:extLst>
-      <p:ext uri="{BB962C8B-B14F-4D97-AF65-F5344CB8AC3E}">
-        <p14:creationId xmlns:p14="http://schemas.microsoft.com/office/powerpoint/2010/main" val="1896053496"/>
-      </p:ext>
-    </p:extLst>
-  </p:cSld>
-  <p:clrMapOvr>
-    <a:masterClrMapping/>
-  </p:clrMapOvr>
-  <p:timing>
-    <p:tnLst>
-      <p:par>
-        <p:cTn id="1" dur="indefinite" restart="never" nodeType="tmRoot"/>
-      </p:par>
-    </p:tnLst>
-  </p:timing>
-</p:sld>
-</file>
-
-<file path=ppt/slides/slide15.xml><?xml version="1.0" encoding="utf-8"?>
-<p:sld xmlns:a="http://schemas.openxmlformats.org/drawingml/2006/main" xmlns:r="http://schemas.openxmlformats.org/officeDocument/2006/relationships" xmlns:p="http://schemas.openxmlformats.org/presentationml/2006/main">
-  <p:cSld>
-    <p:spTree>
-      <p:nvGrpSpPr>
-        <p:cNvPr id="1" name=""/>
-        <p:cNvGrpSpPr/>
-        <p:nvPr/>
-      </p:nvGrpSpPr>
-      <p:grpSpPr>
-        <a:xfrm>
-          <a:off x="0" y="0"/>
-          <a:ext cx="0" cy="0"/>
-          <a:chOff x="0" y="0"/>
-          <a:chExt cx="0" cy="0"/>
-        </a:xfrm>
-      </p:grpSpPr>
-      <p:sp>
-        <p:nvSpPr>
           <p:cNvPr id="28675" name="Rectangle 2"/>
           <p:cNvSpPr>
             <a:spLocks noGrp="1" noChangeArrowheads="1"/>
@@ -10471,7 +12109,7 @@
             <a:fld id="{337B3952-71FB-45F3-B68A-CE9BEAF88A7D}" type="slidenum">
               <a:rPr lang="en-US" smtClean="0"/>
               <a:pPr/>
-              <a:t>15</a:t>
+              <a:t>14</a:t>
             </a:fld>
             <a:endParaRPr lang="en-US" smtClean="0"/>
           </a:p>
@@ -10812,16 +12450,7 @@
                 </a:solidFill>
                 <a:latin typeface="Calibri" pitchFamily="34" charset="0"/>
               </a:rPr>
-              <a:t> with </a:t>
-            </a:r>
-            <a:r>
-              <a:rPr lang="en-US" dirty="0" smtClean="0">
-                <a:solidFill>
-                  <a:srgbClr val="FFFFFF"/>
-                </a:solidFill>
-                <a:latin typeface="Calibri" pitchFamily="34" charset="0"/>
-              </a:rPr>
-              <a:t>Maven  </a:t>
+              <a:t> with Maven  </a:t>
             </a:r>
             <a:endParaRPr lang="en-US" dirty="0">
               <a:solidFill>
@@ -11162,6 +12791,370 @@
 </p:sld>
 </file>
 
+<file path=ppt/slides/slide15.xml><?xml version="1.0" encoding="utf-8"?>
+<p:sld xmlns:a="http://schemas.openxmlformats.org/drawingml/2006/main" xmlns:r="http://schemas.openxmlformats.org/officeDocument/2006/relationships" xmlns:p="http://schemas.openxmlformats.org/presentationml/2006/main">
+  <p:cSld>
+    <p:spTree>
+      <p:nvGrpSpPr>
+        <p:cNvPr id="1" name=""/>
+        <p:cNvGrpSpPr/>
+        <p:nvPr/>
+      </p:nvGrpSpPr>
+      <p:grpSpPr>
+        <a:xfrm>
+          <a:off x="0" y="0"/>
+          <a:ext cx="0" cy="0"/>
+          <a:chOff x="0" y="0"/>
+          <a:chExt cx="0" cy="0"/>
+        </a:xfrm>
+      </p:grpSpPr>
+      <p:sp>
+        <p:nvSpPr>
+          <p:cNvPr id="2" name="Title 1"/>
+          <p:cNvSpPr>
+            <a:spLocks noGrp="1"/>
+          </p:cNvSpPr>
+          <p:nvPr>
+            <p:ph type="title"/>
+          </p:nvPr>
+        </p:nvSpPr>
+        <p:spPr/>
+        <p:txBody>
+          <a:bodyPr/>
+          <a:lstStyle/>
+          <a:p>
+            <a:r>
+              <a:rPr lang="en-US" dirty="0" smtClean="0"/>
+              <a:t>Integrate </a:t>
+            </a:r>
+            <a:r>
+              <a:rPr lang="en-US" dirty="0" err="1" smtClean="0"/>
+              <a:t>JSHint</a:t>
+            </a:r>
+            <a:r>
+              <a:rPr lang="en-US" dirty="0" smtClean="0"/>
+              <a:t> with Maven</a:t>
+            </a:r>
+            <a:endParaRPr lang="en-US" dirty="0"/>
+          </a:p>
+        </p:txBody>
+      </p:sp>
+      <p:sp>
+        <p:nvSpPr>
+          <p:cNvPr id="3" name="Content Placeholder 2"/>
+          <p:cNvSpPr>
+            <a:spLocks noGrp="1"/>
+          </p:cNvSpPr>
+          <p:nvPr>
+            <p:ph idx="1"/>
+          </p:nvPr>
+        </p:nvSpPr>
+        <p:spPr/>
+        <p:txBody>
+          <a:bodyPr/>
+          <a:lstStyle/>
+          <a:p>
+            <a:r>
+              <a:rPr lang="en-US" sz="2800" b="1" dirty="0" err="1" smtClean="0"/>
+              <a:t>jshint</a:t>
+            </a:r>
+            <a:r>
+              <a:rPr lang="en-US" sz="2800" b="1" dirty="0" smtClean="0"/>
+              <a:t>-mojo</a:t>
+            </a:r>
+            <a:r>
+              <a:rPr lang="en-US" dirty="0"/>
+              <a:t> </a:t>
+            </a:r>
+            <a:r>
+              <a:rPr lang="en-US" dirty="0" smtClean="0"/>
+              <a:t>is </a:t>
+            </a:r>
+            <a:r>
+              <a:rPr lang="en-US" dirty="0" smtClean="0"/>
+              <a:t>a </a:t>
+            </a:r>
+            <a:r>
+              <a:rPr lang="en-US" dirty="0"/>
+              <a:t>recommended plugin for </a:t>
+            </a:r>
+            <a:r>
+              <a:rPr lang="en-US" dirty="0" smtClean="0"/>
+              <a:t>Maven</a:t>
+            </a:r>
+            <a:r>
+              <a:rPr lang="en-US" dirty="0" smtClean="0"/>
+              <a:t>.</a:t>
+            </a:r>
+          </a:p>
+          <a:p>
+            <a:pPr marL="0" indent="0">
+              <a:buNone/>
+            </a:pPr>
+            <a:r>
+              <a:rPr lang="en-US" dirty="0"/>
+              <a:t> </a:t>
+            </a:r>
+            <a:r>
+              <a:rPr lang="en-US" dirty="0" smtClean="0"/>
+              <a:t>  Insert corresponding dependency into pom.xml(Maven)</a:t>
+            </a:r>
+            <a:endParaRPr lang="en-US" dirty="0" smtClean="0"/>
+          </a:p>
+          <a:p>
+            <a:endParaRPr lang="en-US" dirty="0" smtClean="0"/>
+          </a:p>
+          <a:p>
+            <a:pPr marL="455665" lvl="2" indent="0">
+              <a:buNone/>
+            </a:pPr>
+            <a:r>
+              <a:rPr lang="en-US" sz="2000" dirty="0">
+                <a:solidFill>
+                  <a:schemeClr val="accent6"/>
+                </a:solidFill>
+              </a:rPr>
+              <a:t>&lt;dependency&gt;</a:t>
+            </a:r>
+          </a:p>
+          <a:p>
+            <a:pPr marL="455665" lvl="2" indent="0">
+              <a:buNone/>
+            </a:pPr>
+            <a:r>
+              <a:rPr lang="en-US" sz="2000" dirty="0" smtClean="0">
+                <a:solidFill>
+                  <a:schemeClr val="accent6"/>
+                </a:solidFill>
+              </a:rPr>
+              <a:t>	&lt;</a:t>
+            </a:r>
+            <a:r>
+              <a:rPr lang="en-US" sz="2000" dirty="0" err="1">
+                <a:solidFill>
+                  <a:schemeClr val="accent6"/>
+                </a:solidFill>
+              </a:rPr>
+              <a:t>groupId</a:t>
+            </a:r>
+            <a:r>
+              <a:rPr lang="en-US" sz="2000" dirty="0">
+                <a:solidFill>
+                  <a:schemeClr val="accent6"/>
+                </a:solidFill>
+              </a:rPr>
+              <a:t>&gt;</a:t>
+            </a:r>
+            <a:r>
+              <a:rPr lang="en-US" sz="2000" dirty="0" err="1">
+                <a:solidFill>
+                  <a:schemeClr val="accent6"/>
+                </a:solidFill>
+              </a:rPr>
+              <a:t>com.cj.jshintmojo</a:t>
+            </a:r>
+            <a:r>
+              <a:rPr lang="en-US" sz="2000" dirty="0">
+                <a:solidFill>
+                  <a:schemeClr val="accent6"/>
+                </a:solidFill>
+              </a:rPr>
+              <a:t>&lt;/</a:t>
+            </a:r>
+            <a:r>
+              <a:rPr lang="en-US" sz="2000" dirty="0" err="1">
+                <a:solidFill>
+                  <a:schemeClr val="accent6"/>
+                </a:solidFill>
+              </a:rPr>
+              <a:t>groupId</a:t>
+            </a:r>
+            <a:r>
+              <a:rPr lang="en-US" sz="2000" dirty="0">
+                <a:solidFill>
+                  <a:schemeClr val="accent6"/>
+                </a:solidFill>
+              </a:rPr>
+              <a:t>&gt;</a:t>
+            </a:r>
+          </a:p>
+          <a:p>
+            <a:pPr marL="455665" lvl="2" indent="0">
+              <a:buNone/>
+            </a:pPr>
+            <a:r>
+              <a:rPr lang="en-US" sz="2000" dirty="0" smtClean="0">
+                <a:solidFill>
+                  <a:schemeClr val="accent6"/>
+                </a:solidFill>
+              </a:rPr>
+              <a:t>	&lt;</a:t>
+            </a:r>
+            <a:r>
+              <a:rPr lang="en-US" sz="2000" dirty="0" err="1" smtClean="0">
+                <a:solidFill>
+                  <a:schemeClr val="accent6"/>
+                </a:solidFill>
+              </a:rPr>
+              <a:t>artifactId</a:t>
+            </a:r>
+            <a:r>
+              <a:rPr lang="en-US" sz="2000" dirty="0" smtClean="0">
+                <a:solidFill>
+                  <a:schemeClr val="accent6"/>
+                </a:solidFill>
+              </a:rPr>
+              <a:t>&gt;</a:t>
+            </a:r>
+            <a:r>
+              <a:rPr lang="en-US" sz="2000" dirty="0" err="1" smtClean="0">
+                <a:solidFill>
+                  <a:schemeClr val="accent6"/>
+                </a:solidFill>
+              </a:rPr>
+              <a:t>jshint</a:t>
+            </a:r>
+            <a:r>
+              <a:rPr lang="en-US" sz="2000" dirty="0" smtClean="0">
+                <a:solidFill>
+                  <a:schemeClr val="accent6"/>
+                </a:solidFill>
+              </a:rPr>
+              <a:t>-maven-plugin&lt;/</a:t>
+            </a:r>
+            <a:r>
+              <a:rPr lang="en-US" sz="2000" dirty="0" err="1" smtClean="0">
+                <a:solidFill>
+                  <a:schemeClr val="accent6"/>
+                </a:solidFill>
+              </a:rPr>
+              <a:t>artifactId</a:t>
+            </a:r>
+            <a:r>
+              <a:rPr lang="en-US" sz="2000" dirty="0" smtClean="0">
+                <a:solidFill>
+                  <a:schemeClr val="accent6"/>
+                </a:solidFill>
+              </a:rPr>
+              <a:t>&gt;</a:t>
+            </a:r>
+          </a:p>
+          <a:p>
+            <a:pPr marL="455665" lvl="2" indent="0">
+              <a:buNone/>
+            </a:pPr>
+            <a:r>
+              <a:rPr lang="en-US" sz="2000" dirty="0" smtClean="0">
+                <a:solidFill>
+                  <a:schemeClr val="accent6"/>
+                </a:solidFill>
+              </a:rPr>
+              <a:t>	&lt;</a:t>
+            </a:r>
+            <a:r>
+              <a:rPr lang="en-US" sz="2000" dirty="0">
+                <a:solidFill>
+                  <a:schemeClr val="accent6"/>
+                </a:solidFill>
+              </a:rPr>
+              <a:t>version&gt;1.6-SNAPSHOT&lt;/version&gt;</a:t>
+            </a:r>
+          </a:p>
+          <a:p>
+            <a:pPr marL="455665" lvl="2" indent="0">
+              <a:buNone/>
+            </a:pPr>
+            <a:r>
+              <a:rPr lang="en-US" sz="2000" dirty="0">
+                <a:solidFill>
+                  <a:schemeClr val="accent6"/>
+                </a:solidFill>
+              </a:rPr>
+              <a:t>&lt;/dependency&gt;</a:t>
+            </a:r>
+            <a:endParaRPr lang="en-US" sz="2000" dirty="0">
+              <a:solidFill>
+                <a:schemeClr val="accent6"/>
+              </a:solidFill>
+            </a:endParaRPr>
+          </a:p>
+        </p:txBody>
+      </p:sp>
+      <p:sp>
+        <p:nvSpPr>
+          <p:cNvPr id="4" name="Footer Placeholder 3"/>
+          <p:cNvSpPr>
+            <a:spLocks noGrp="1"/>
+          </p:cNvSpPr>
+          <p:nvPr>
+            <p:ph type="ftr" sz="quarter" idx="10"/>
+          </p:nvPr>
+        </p:nvSpPr>
+        <p:spPr/>
+        <p:txBody>
+          <a:bodyPr/>
+          <a:lstStyle/>
+          <a:p>
+            <a:pPr>
+              <a:defRPr/>
+            </a:pPr>
+            <a:r>
+              <a:rPr lang="en-US" smtClean="0"/>
+              <a:t>Presentation Identifier Goes Here</a:t>
+            </a:r>
+            <a:endParaRPr lang="en-US"/>
+          </a:p>
+        </p:txBody>
+      </p:sp>
+      <p:sp>
+        <p:nvSpPr>
+          <p:cNvPr id="5" name="Slide Number Placeholder 4"/>
+          <p:cNvSpPr>
+            <a:spLocks noGrp="1"/>
+          </p:cNvSpPr>
+          <p:nvPr>
+            <p:ph type="sldNum" sz="quarter" idx="11"/>
+          </p:nvPr>
+        </p:nvSpPr>
+        <p:spPr/>
+        <p:txBody>
+          <a:bodyPr/>
+          <a:lstStyle/>
+          <a:p>
+            <a:pPr>
+              <a:defRPr/>
+            </a:pPr>
+            <a:fld id="{446C9BED-6FD4-4BA4-B6B0-4A26058AC9EF}" type="slidenum">
+              <a:rPr lang="en-US" smtClean="0"/>
+              <a:pPr>
+                <a:defRPr/>
+              </a:pPr>
+              <a:t>15</a:t>
+            </a:fld>
+            <a:endParaRPr lang="en-US" dirty="0"/>
+          </a:p>
+        </p:txBody>
+      </p:sp>
+    </p:spTree>
+    <p:extLst>
+      <p:ext uri="{BB962C8B-B14F-4D97-AF65-F5344CB8AC3E}">
+        <p14:creationId xmlns:p14="http://schemas.microsoft.com/office/powerpoint/2010/main" val="3333707071"/>
+      </p:ext>
+    </p:extLst>
+  </p:cSld>
+  <p:clrMapOvr>
+    <a:masterClrMapping/>
+  </p:clrMapOvr>
+  <p:timing>
+    <p:tnLst>
+      <p:par>
+        <p:cTn id="1" dur="indefinite" restart="never" nodeType="tmRoot"/>
+      </p:par>
+    </p:tnLst>
+  </p:timing>
+</p:sld>
+</file>
+
 <file path=ppt/slides/slide16.xml><?xml version="1.0" encoding="utf-8"?>
 <p:sld xmlns:a="http://schemas.openxmlformats.org/drawingml/2006/main" xmlns:r="http://schemas.openxmlformats.org/officeDocument/2006/relationships" xmlns:p="http://schemas.openxmlformats.org/presentationml/2006/main">
   <p:cSld>
@@ -11189,68 +13182,40 @@
             <p:ph type="title"/>
           </p:nvPr>
         </p:nvSpPr>
-        <p:spPr/>
+        <p:spPr>
+          <a:xfrm>
+            <a:off x="381000" y="246744"/>
+            <a:ext cx="8382000" cy="439056"/>
+          </a:xfrm>
+        </p:spPr>
         <p:txBody>
           <a:bodyPr/>
           <a:lstStyle/>
           <a:p>
             <a:r>
+              <a:rPr lang="en-US" dirty="0"/>
+              <a:t>Integrate </a:t>
+            </a:r>
+            <a:r>
+              <a:rPr lang="en-US" dirty="0" err="1"/>
+              <a:t>JSHint</a:t>
+            </a:r>
+            <a:r>
+              <a:rPr lang="en-US" dirty="0"/>
+              <a:t> with </a:t>
+            </a:r>
+            <a:r>
               <a:rPr lang="en-US" dirty="0" smtClean="0"/>
-              <a:t>Integrate </a:t>
+              <a:t>Maven(</a:t>
             </a:r>
             <a:r>
               <a:rPr lang="en-US" dirty="0" err="1" smtClean="0"/>
-              <a:t>JSHint</a:t>
+              <a:t>contd</a:t>
             </a:r>
             <a:r>
               <a:rPr lang="en-US" dirty="0" smtClean="0"/>
-              <a:t> with Maven</a:t>
-            </a:r>
-            <a:endParaRPr lang="en-US" dirty="0"/>
-          </a:p>
-        </p:txBody>
-      </p:sp>
-      <p:sp>
-        <p:nvSpPr>
-          <p:cNvPr id="3" name="Content Placeholder 2"/>
-          <p:cNvSpPr>
-            <a:spLocks noGrp="1"/>
-          </p:cNvSpPr>
-          <p:nvPr>
-            <p:ph idx="1"/>
-          </p:nvPr>
-        </p:nvSpPr>
-        <p:spPr/>
-        <p:txBody>
-          <a:bodyPr/>
-          <a:lstStyle/>
-          <a:p>
-            <a:r>
-              <a:rPr lang="en-US" sz="2800" b="1" dirty="0" err="1"/>
-              <a:t>j</a:t>
-            </a:r>
-            <a:r>
-              <a:rPr lang="en-US" sz="2800" b="1" dirty="0" err="1" smtClean="0"/>
-              <a:t>shint</a:t>
-            </a:r>
-            <a:r>
-              <a:rPr lang="en-US" sz="2800" b="1" dirty="0" smtClean="0"/>
-              <a:t>-mojo</a:t>
-            </a:r>
-            <a:r>
-              <a:rPr lang="en-US" dirty="0" smtClean="0"/>
-              <a:t> is a </a:t>
-            </a:r>
-            <a:r>
-              <a:rPr lang="en-US" dirty="0"/>
-              <a:t>recommended plugin for </a:t>
-            </a:r>
-            <a:r>
-              <a:rPr lang="en-US" dirty="0" smtClean="0"/>
-              <a:t>Maven.</a:t>
-            </a:r>
-          </a:p>
-          <a:p>
+              <a:t>)</a:t>
+            </a:r>
             <a:endParaRPr lang="en-US" dirty="0"/>
           </a:p>
         </p:txBody>
@@ -11310,14 +13275,46 @@
           </a:p>
         </p:txBody>
       </p:sp>
+      <p:sp>
+        <p:nvSpPr>
+          <p:cNvPr id="3" name="Content Placeholder 2"/>
+          <p:cNvSpPr>
+            <a:spLocks noGrp="1"/>
+          </p:cNvSpPr>
+          <p:nvPr>
+            <p:ph idx="1"/>
+          </p:nvPr>
+        </p:nvSpPr>
+        <p:spPr>
+          <a:xfrm>
+            <a:off x="381000" y="838200"/>
+            <a:ext cx="8382000" cy="5334000"/>
+          </a:xfrm>
+        </p:spPr>
+        <p:txBody>
+          <a:bodyPr/>
+          <a:lstStyle/>
+          <a:p>
+            <a:r>
+              <a:rPr lang="en-US" dirty="0" smtClean="0"/>
+              <a:t>Insert corresponding plugin element to pom.xml</a:t>
+            </a:r>
+          </a:p>
+          <a:p>
+            <a:endParaRPr lang="en-US" dirty="0"/>
+          </a:p>
+        </p:txBody>
+      </p:sp>
       <p:pic>
         <p:nvPicPr>
-          <p:cNvPr id="6" name="Picture 5" descr="cid:image003.png@01D037D6.802EBCA0"/>
-          <p:cNvPicPr/>
+          <p:cNvPr id="3074" name="Picture 2"/>
+          <p:cNvPicPr>
+            <a:picLocks noChangeAspect="1" noChangeArrowheads="1"/>
+          </p:cNvPicPr>
           <p:nvPr/>
         </p:nvPicPr>
         <p:blipFill>
-          <a:blip r:embed="rId3" r:link="rId4">
+          <a:blip r:embed="rId2">
             <a:extLst>
               <a:ext uri="{28A0092B-C50C-407E-A947-70E740481C1C}">
                 <a14:useLocalDpi xmlns:a14="http://schemas.microsoft.com/office/drawing/2010/main" val="0"/>
@@ -11331,8 +13328,8 @@
         </p:blipFill>
         <p:spPr bwMode="auto">
           <a:xfrm>
-            <a:off x="609600" y="2362200"/>
-            <a:ext cx="6629400" cy="2057400"/>
+            <a:off x="990600" y="1247775"/>
+            <a:ext cx="5867400" cy="4924425"/>
           </a:xfrm>
           <a:prstGeom prst="rect">
             <a:avLst/>
@@ -11341,12 +13338,31 @@
           <a:ln>
             <a:noFill/>
           </a:ln>
+          <a:extLst>
+            <a:ext uri="{909E8E84-426E-40DD-AFC4-6F175D3DCCD1}">
+              <a14:hiddenFill xmlns:a14="http://schemas.microsoft.com/office/drawing/2010/main">
+                <a:solidFill>
+                  <a:schemeClr val="accent1"/>
+                </a:solidFill>
+              </a14:hiddenFill>
+            </a:ext>
+            <a:ext uri="{91240B29-F687-4F45-9708-019B960494DF}">
+              <a14:hiddenLine xmlns:a14="http://schemas.microsoft.com/office/drawing/2010/main" w="9525">
+                <a:solidFill>
+                  <a:schemeClr val="tx1"/>
+                </a:solidFill>
+                <a:miter lim="800000"/>
+                <a:headEnd/>
+                <a:tailEnd/>
+              </a14:hiddenLine>
+            </a:ext>
+          </a:extLst>
         </p:spPr>
       </p:pic>
     </p:spTree>
     <p:extLst>
       <p:ext uri="{BB962C8B-B14F-4D97-AF65-F5344CB8AC3E}">
-        <p14:creationId xmlns:p14="http://schemas.microsoft.com/office/powerpoint/2010/main" val="3333707071"/>
+        <p14:creationId xmlns:p14="http://schemas.microsoft.com/office/powerpoint/2010/main" val="727599343"/>
       </p:ext>
     </p:extLst>
   </p:cSld>
@@ -11382,172 +13398,6 @@
       </p:grpSpPr>
       <p:sp>
         <p:nvSpPr>
-          <p:cNvPr id="2" name="Title 1"/>
-          <p:cNvSpPr>
-            <a:spLocks noGrp="1"/>
-          </p:cNvSpPr>
-          <p:nvPr>
-            <p:ph type="title"/>
-          </p:nvPr>
-        </p:nvSpPr>
-        <p:spPr>
-          <a:xfrm>
-            <a:off x="381000" y="246744"/>
-            <a:ext cx="8382000" cy="439056"/>
-          </a:xfrm>
-        </p:spPr>
-        <p:txBody>
-          <a:bodyPr/>
-          <a:lstStyle/>
-          <a:p>
-            <a:r>
-              <a:rPr lang="en-US" dirty="0"/>
-              <a:t>Integrate </a:t>
-            </a:r>
-            <a:r>
-              <a:rPr lang="en-US" dirty="0" err="1"/>
-              <a:t>JSHint</a:t>
-            </a:r>
-            <a:r>
-              <a:rPr lang="en-US" dirty="0"/>
-              <a:t> with </a:t>
-            </a:r>
-            <a:r>
-              <a:rPr lang="en-US" dirty="0" smtClean="0"/>
-              <a:t>Maven(</a:t>
-            </a:r>
-            <a:r>
-              <a:rPr lang="en-US" dirty="0" err="1" smtClean="0"/>
-              <a:t>contd</a:t>
-            </a:r>
-            <a:r>
-              <a:rPr lang="en-US" dirty="0" smtClean="0"/>
-              <a:t>)</a:t>
-            </a:r>
-            <a:endParaRPr lang="en-US" dirty="0"/>
-          </a:p>
-        </p:txBody>
-      </p:sp>
-      <p:sp>
-        <p:nvSpPr>
-          <p:cNvPr id="4" name="Footer Placeholder 3"/>
-          <p:cNvSpPr>
-            <a:spLocks noGrp="1"/>
-          </p:cNvSpPr>
-          <p:nvPr>
-            <p:ph type="ftr" sz="quarter" idx="10"/>
-          </p:nvPr>
-        </p:nvSpPr>
-        <p:spPr/>
-        <p:txBody>
-          <a:bodyPr/>
-          <a:lstStyle/>
-          <a:p>
-            <a:pPr>
-              <a:defRPr/>
-            </a:pPr>
-            <a:r>
-              <a:rPr lang="en-US" smtClean="0"/>
-              <a:t>Presentation Identifier Goes Here</a:t>
-            </a:r>
-            <a:endParaRPr lang="en-US"/>
-          </a:p>
-        </p:txBody>
-      </p:sp>
-      <p:sp>
-        <p:nvSpPr>
-          <p:cNvPr id="5" name="Slide Number Placeholder 4"/>
-          <p:cNvSpPr>
-            <a:spLocks noGrp="1"/>
-          </p:cNvSpPr>
-          <p:nvPr>
-            <p:ph type="sldNum" sz="quarter" idx="11"/>
-          </p:nvPr>
-        </p:nvSpPr>
-        <p:spPr/>
-        <p:txBody>
-          <a:bodyPr/>
-          <a:lstStyle/>
-          <a:p>
-            <a:pPr>
-              <a:defRPr/>
-            </a:pPr>
-            <a:fld id="{446C9BED-6FD4-4BA4-B6B0-4A26058AC9EF}" type="slidenum">
-              <a:rPr lang="en-US" smtClean="0"/>
-              <a:pPr>
-                <a:defRPr/>
-              </a:pPr>
-              <a:t>17</a:t>
-            </a:fld>
-            <a:endParaRPr lang="en-US" dirty="0"/>
-          </a:p>
-        </p:txBody>
-      </p:sp>
-      <p:pic>
-        <p:nvPicPr>
-          <p:cNvPr id="6" name="Content Placeholder 5"/>
-          <p:cNvPicPr>
-            <a:picLocks noGrp="1"/>
-          </p:cNvPicPr>
-          <p:nvPr>
-            <p:ph idx="1"/>
-          </p:nvPr>
-        </p:nvPicPr>
-        <p:blipFill>
-          <a:blip r:embed="rId2"/>
-          <a:stretch>
-            <a:fillRect/>
-          </a:stretch>
-        </p:blipFill>
-        <p:spPr>
-          <a:xfrm>
-            <a:off x="381000" y="762001"/>
-            <a:ext cx="9067800" cy="5791200"/>
-          </a:xfrm>
-          <a:prstGeom prst="rect">
-            <a:avLst/>
-          </a:prstGeom>
-        </p:spPr>
-      </p:pic>
-    </p:spTree>
-    <p:extLst>
-      <p:ext uri="{BB962C8B-B14F-4D97-AF65-F5344CB8AC3E}">
-        <p14:creationId xmlns:p14="http://schemas.microsoft.com/office/powerpoint/2010/main" val="727599343"/>
-      </p:ext>
-    </p:extLst>
-  </p:cSld>
-  <p:clrMapOvr>
-    <a:masterClrMapping/>
-  </p:clrMapOvr>
-  <p:timing>
-    <p:tnLst>
-      <p:par>
-        <p:cTn id="1" dur="indefinite" restart="never" nodeType="tmRoot"/>
-      </p:par>
-    </p:tnLst>
-  </p:timing>
-</p:sld>
-</file>
-
-<file path=ppt/slides/slide18.xml><?xml version="1.0" encoding="utf-8"?>
-<p:sld xmlns:a="http://schemas.openxmlformats.org/drawingml/2006/main" xmlns:r="http://schemas.openxmlformats.org/officeDocument/2006/relationships" xmlns:p="http://schemas.openxmlformats.org/presentationml/2006/main">
-  <p:cSld>
-    <p:spTree>
-      <p:nvGrpSpPr>
-        <p:cNvPr id="1" name=""/>
-        <p:cNvGrpSpPr/>
-        <p:nvPr/>
-      </p:nvGrpSpPr>
-      <p:grpSpPr>
-        <a:xfrm>
-          <a:off x="0" y="0"/>
-          <a:ext cx="0" cy="0"/>
-          <a:chOff x="0" y="0"/>
-          <a:chExt cx="0" cy="0"/>
-        </a:xfrm>
-      </p:grpSpPr>
-      <p:sp>
-        <p:nvSpPr>
           <p:cNvPr id="28675" name="Rectangle 2"/>
           <p:cNvSpPr>
             <a:spLocks noGrp="1" noChangeArrowheads="1"/>
@@ -11617,7 +13467,7 @@
             <a:fld id="{337B3952-71FB-45F3-B68A-CE9BEAF88A7D}" type="slidenum">
               <a:rPr lang="en-US" smtClean="0"/>
               <a:pPr/>
-              <a:t>18</a:t>
+              <a:t>17</a:t>
             </a:fld>
             <a:endParaRPr lang="en-US" smtClean="0"/>
           </a:p>
@@ -11958,16 +13808,7 @@
                 </a:solidFill>
                 <a:latin typeface="Calibri" pitchFamily="34" charset="0"/>
               </a:rPr>
-              <a:t> with </a:t>
-            </a:r>
-            <a:r>
-              <a:rPr lang="en-US" dirty="0" smtClean="0">
-                <a:solidFill>
-                  <a:srgbClr val="FFFFFF"/>
-                </a:solidFill>
-                <a:latin typeface="Calibri" pitchFamily="34" charset="0"/>
-              </a:rPr>
-              <a:t>Maven  </a:t>
+              <a:t> with Maven  </a:t>
             </a:r>
             <a:endParaRPr lang="en-US" dirty="0">
               <a:solidFill>
@@ -12308,7 +14149,7 @@
 </p:sld>
 </file>
 
-<file path=ppt/slides/slide19.xml><?xml version="1.0" encoding="utf-8"?>
+<file path=ppt/slides/slide18.xml><?xml version="1.0" encoding="utf-8"?>
 <p:sld xmlns:a="http://schemas.openxmlformats.org/drawingml/2006/main" xmlns:r="http://schemas.openxmlformats.org/officeDocument/2006/relationships" xmlns:p="http://schemas.openxmlformats.org/presentationml/2006/main">
   <p:cSld>
     <p:spTree>
@@ -12372,20 +14213,66 @@
           <a:lstStyle/>
           <a:p>
             <a:r>
-              <a:rPr lang="en-US" dirty="0" smtClean="0"/>
+              <a:rPr lang="en-US" dirty="0" smtClean="0">
+                <a:solidFill>
+                  <a:schemeClr val="tx1"/>
+                </a:solidFill>
+              </a:rPr>
               <a:t>‘</a:t>
             </a:r>
             <a:r>
-              <a:rPr lang="en-US" dirty="0" err="1" smtClean="0"/>
+              <a:rPr lang="en-US" dirty="0" err="1" smtClean="0">
+                <a:solidFill>
+                  <a:schemeClr val="tx1"/>
+                </a:solidFill>
+              </a:rPr>
               <a:t>Checkstyle</a:t>
             </a:r>
             <a:r>
-              <a:rPr lang="en-US" dirty="0" smtClean="0"/>
-              <a:t> Plugin’  is recommended tool.</a:t>
-            </a:r>
-          </a:p>
-          <a:p>
-            <a:endParaRPr lang="en-US" dirty="0"/>
+              <a:rPr lang="en-US" dirty="0" smtClean="0">
+                <a:solidFill>
+                  <a:schemeClr val="tx1"/>
+                </a:solidFill>
+              </a:rPr>
+              <a:t> Plugin</a:t>
+            </a:r>
+            <a:r>
+              <a:rPr lang="en-US" dirty="0" smtClean="0">
+                <a:solidFill>
+                  <a:schemeClr val="tx1"/>
+                </a:solidFill>
+              </a:rPr>
+              <a:t>’</a:t>
+            </a:r>
+            <a:r>
+              <a:rPr lang="en-US" dirty="0" smtClean="0">
+                <a:solidFill>
+                  <a:schemeClr val="tx1"/>
+                </a:solidFill>
+              </a:rPr>
+              <a:t> is a necessary plugin for integrating </a:t>
+            </a:r>
+            <a:r>
+              <a:rPr lang="en-US" dirty="0" err="1" smtClean="0">
+                <a:solidFill>
+                  <a:schemeClr val="tx1"/>
+                </a:solidFill>
+              </a:rPr>
+              <a:t>JSHint</a:t>
+            </a:r>
+            <a:r>
+              <a:rPr lang="en-US" dirty="0" smtClean="0">
+                <a:solidFill>
+                  <a:schemeClr val="tx1"/>
+                </a:solidFill>
+              </a:rPr>
+              <a:t> with Jenkins.</a:t>
+            </a:r>
+            <a:endParaRPr lang="en-US" dirty="0">
+              <a:solidFill>
+                <a:schemeClr val="tx1"/>
+              </a:solidFill>
+            </a:endParaRPr>
           </a:p>
         </p:txBody>
       </p:sp>
@@ -12438,7 +14325,7 @@
               <a:pPr>
                 <a:defRPr/>
               </a:pPr>
-              <a:t>19</a:t>
+              <a:t>18</a:t>
             </a:fld>
             <a:endParaRPr lang="en-US" dirty="0"/>
           </a:p>
@@ -12508,6 +14395,213 @@
 </p:sld>
 </file>
 
+<file path=ppt/slides/slide19.xml><?xml version="1.0" encoding="utf-8"?>
+<p:sld xmlns:a="http://schemas.openxmlformats.org/drawingml/2006/main" xmlns:r="http://schemas.openxmlformats.org/officeDocument/2006/relationships" xmlns:p="http://schemas.openxmlformats.org/presentationml/2006/main">
+  <p:cSld>
+    <p:spTree>
+      <p:nvGrpSpPr>
+        <p:cNvPr id="1" name=""/>
+        <p:cNvGrpSpPr/>
+        <p:nvPr/>
+      </p:nvGrpSpPr>
+      <p:grpSpPr>
+        <a:xfrm>
+          <a:off x="0" y="0"/>
+          <a:ext cx="0" cy="0"/>
+          <a:chOff x="0" y="0"/>
+          <a:chExt cx="0" cy="0"/>
+        </a:xfrm>
+      </p:grpSpPr>
+      <p:sp>
+        <p:nvSpPr>
+          <p:cNvPr id="2" name="Title 1"/>
+          <p:cNvSpPr>
+            <a:spLocks noGrp="1"/>
+          </p:cNvSpPr>
+          <p:nvPr>
+            <p:ph type="title"/>
+          </p:nvPr>
+        </p:nvSpPr>
+        <p:spPr/>
+        <p:txBody>
+          <a:bodyPr/>
+          <a:lstStyle/>
+          <a:p>
+            <a:r>
+              <a:rPr lang="en-US" dirty="0"/>
+              <a:t>Integrate </a:t>
+            </a:r>
+            <a:r>
+              <a:rPr lang="en-US" dirty="0" err="1"/>
+              <a:t>JSHint</a:t>
+            </a:r>
+            <a:r>
+              <a:rPr lang="en-US" dirty="0"/>
+              <a:t> with </a:t>
+            </a:r>
+            <a:r>
+              <a:rPr lang="en-US" dirty="0" smtClean="0"/>
+              <a:t>Jenkins(</a:t>
+            </a:r>
+            <a:r>
+              <a:rPr lang="en-US" dirty="0" err="1"/>
+              <a:t>c</a:t>
+            </a:r>
+            <a:r>
+              <a:rPr lang="en-US" dirty="0" err="1" smtClean="0"/>
+              <a:t>ontd</a:t>
+            </a:r>
+            <a:r>
+              <a:rPr lang="en-US" dirty="0" smtClean="0"/>
+              <a:t>)</a:t>
+            </a:r>
+            <a:endParaRPr lang="en-US" dirty="0"/>
+          </a:p>
+        </p:txBody>
+      </p:sp>
+      <p:sp>
+        <p:nvSpPr>
+          <p:cNvPr id="4" name="Footer Placeholder 3"/>
+          <p:cNvSpPr>
+            <a:spLocks noGrp="1"/>
+          </p:cNvSpPr>
+          <p:nvPr>
+            <p:ph type="ftr" sz="quarter" idx="10"/>
+          </p:nvPr>
+        </p:nvSpPr>
+        <p:spPr/>
+        <p:txBody>
+          <a:bodyPr/>
+          <a:lstStyle/>
+          <a:p>
+            <a:pPr>
+              <a:defRPr/>
+            </a:pPr>
+            <a:r>
+              <a:rPr lang="en-US" smtClean="0"/>
+              <a:t>Presentation Identifier Goes Here</a:t>
+            </a:r>
+            <a:endParaRPr lang="en-US"/>
+          </a:p>
+        </p:txBody>
+      </p:sp>
+      <p:sp>
+        <p:nvSpPr>
+          <p:cNvPr id="5" name="Slide Number Placeholder 4"/>
+          <p:cNvSpPr>
+            <a:spLocks noGrp="1"/>
+          </p:cNvSpPr>
+          <p:nvPr>
+            <p:ph type="sldNum" sz="quarter" idx="11"/>
+          </p:nvPr>
+        </p:nvSpPr>
+        <p:spPr/>
+        <p:txBody>
+          <a:bodyPr/>
+          <a:lstStyle/>
+          <a:p>
+            <a:pPr>
+              <a:defRPr/>
+            </a:pPr>
+            <a:fld id="{446C9BED-6FD4-4BA4-B6B0-4A26058AC9EF}" type="slidenum">
+              <a:rPr lang="en-US" smtClean="0"/>
+              <a:pPr>
+                <a:defRPr/>
+              </a:pPr>
+              <a:t>19</a:t>
+            </a:fld>
+            <a:endParaRPr lang="en-US" dirty="0"/>
+          </a:p>
+        </p:txBody>
+      </p:sp>
+      <p:sp>
+        <p:nvSpPr>
+          <p:cNvPr id="3" name="Content Placeholder 2"/>
+          <p:cNvSpPr>
+            <a:spLocks noGrp="1"/>
+          </p:cNvSpPr>
+          <p:nvPr>
+            <p:ph idx="1"/>
+          </p:nvPr>
+        </p:nvSpPr>
+        <p:spPr/>
+        <p:txBody>
+          <a:bodyPr/>
+          <a:lstStyle/>
+          <a:p>
+            <a:r>
+              <a:rPr lang="en-US" dirty="0" err="1" smtClean="0"/>
+              <a:t>Cutomize</a:t>
+            </a:r>
+            <a:r>
+              <a:rPr lang="en-US" dirty="0" smtClean="0"/>
+              <a:t> </a:t>
+            </a:r>
+            <a:r>
+              <a:rPr lang="en-US" dirty="0" err="1" smtClean="0"/>
+              <a:t>JSHint</a:t>
+            </a:r>
+            <a:r>
+              <a:rPr lang="en-US" dirty="0" smtClean="0"/>
+              <a:t> configuration in Jenkins</a:t>
+            </a:r>
+          </a:p>
+          <a:p>
+            <a:endParaRPr lang="en-US" dirty="0"/>
+          </a:p>
+        </p:txBody>
+      </p:sp>
+      <p:pic>
+        <p:nvPicPr>
+          <p:cNvPr id="7" name="Content Placeholder 5"/>
+          <p:cNvPicPr>
+            <a:picLocks/>
+          </p:cNvPicPr>
+          <p:nvPr/>
+        </p:nvPicPr>
+        <p:blipFill>
+          <a:blip r:embed="rId2"/>
+          <a:stretch>
+            <a:fillRect/>
+          </a:stretch>
+        </p:blipFill>
+        <p:spPr bwMode="auto">
+          <a:xfrm>
+            <a:off x="381000" y="1905001"/>
+            <a:ext cx="8382000" cy="4027242"/>
+          </a:xfrm>
+          <a:prstGeom prst="rect">
+            <a:avLst/>
+          </a:prstGeom>
+          <a:noFill/>
+          <a:ln w="9525">
+            <a:noFill/>
+            <a:miter lim="800000"/>
+            <a:headEnd/>
+            <a:tailEnd/>
+          </a:ln>
+        </p:spPr>
+      </p:pic>
+    </p:spTree>
+    <p:extLst>
+      <p:ext uri="{BB962C8B-B14F-4D97-AF65-F5344CB8AC3E}">
+        <p14:creationId xmlns:p14="http://schemas.microsoft.com/office/powerpoint/2010/main" val="3982459288"/>
+      </p:ext>
+    </p:extLst>
+  </p:cSld>
+  <p:clrMapOvr>
+    <a:masterClrMapping/>
+  </p:clrMapOvr>
+  <p:timing>
+    <p:tnLst>
+      <p:par>
+        <p:cTn id="1" dur="indefinite" restart="never" nodeType="tmRoot"/>
+      </p:par>
+    </p:tnLst>
+  </p:timing>
+</p:sld>
+</file>
+
 <file path=ppt/slides/slide2.xml><?xml version="1.0" encoding="utf-8"?>
 <p:sld xmlns:a="http://schemas.openxmlformats.org/drawingml/2006/main" xmlns:r="http://schemas.openxmlformats.org/officeDocument/2006/relationships" xmlns:p="http://schemas.openxmlformats.org/presentationml/2006/main">
   <p:cSld>
@@ -12930,16 +15024,7 @@
                 </a:solidFill>
                 <a:latin typeface="Calibri" pitchFamily="34" charset="0"/>
               </a:rPr>
-              <a:t> with </a:t>
-            </a:r>
-            <a:r>
-              <a:rPr lang="en-US" dirty="0" smtClean="0">
-                <a:solidFill>
-                  <a:srgbClr val="FFFFFF"/>
-                </a:solidFill>
-                <a:latin typeface="Calibri" pitchFamily="34" charset="0"/>
-              </a:rPr>
-              <a:t>Maven  </a:t>
+              <a:t> with Maven  </a:t>
             </a:r>
             <a:endParaRPr lang="en-US" dirty="0">
               <a:solidFill>
@@ -13323,25 +15408,16 @@
             </a:r>
             <a:r>
               <a:rPr lang="en-US" dirty="0"/>
-              <a:t> with </a:t>
-            </a:r>
-            <a:r>
-              <a:rPr lang="en-US" dirty="0" smtClean="0"/>
-              <a:t>Jenkins(</a:t>
+              <a:t> with Jenkins(</a:t>
             </a:r>
             <a:r>
               <a:rPr lang="en-US" dirty="0" err="1"/>
-              <a:t>c</a:t>
-            </a:r>
-            <a:r>
-              <a:rPr lang="en-US" dirty="0" err="1" smtClean="0"/>
-              <a:t>ontd</a:t>
-            </a:r>
-            <a:r>
-              <a:rPr lang="en-US" dirty="0" smtClean="0"/>
+              <a:t>contd</a:t>
+            </a:r>
+            <a:r>
+              <a:rPr lang="en-US" dirty="0"/>
               <a:t>)</a:t>
             </a:r>
-            <a:endParaRPr lang="en-US" dirty="0"/>
           </a:p>
         </p:txBody>
       </p:sp>
@@ -13395,162 +15471,6 @@
                 <a:defRPr/>
               </a:pPr>
               <a:t>20</a:t>
-            </a:fld>
-            <a:endParaRPr lang="en-US" dirty="0"/>
-          </a:p>
-        </p:txBody>
-      </p:sp>
-      <p:pic>
-        <p:nvPicPr>
-          <p:cNvPr id="6" name="Content Placeholder 5"/>
-          <p:cNvPicPr>
-            <a:picLocks noGrp="1"/>
-          </p:cNvPicPr>
-          <p:nvPr>
-            <p:ph idx="1"/>
-          </p:nvPr>
-        </p:nvPicPr>
-        <p:blipFill>
-          <a:blip r:embed="rId2"/>
-          <a:stretch>
-            <a:fillRect/>
-          </a:stretch>
-        </p:blipFill>
-        <p:spPr>
-          <a:xfrm>
-            <a:off x="381000" y="1459157"/>
-            <a:ext cx="8382000" cy="4473086"/>
-          </a:xfrm>
-          <a:prstGeom prst="rect">
-            <a:avLst/>
-          </a:prstGeom>
-        </p:spPr>
-      </p:pic>
-    </p:spTree>
-    <p:extLst>
-      <p:ext uri="{BB962C8B-B14F-4D97-AF65-F5344CB8AC3E}">
-        <p14:creationId xmlns:p14="http://schemas.microsoft.com/office/powerpoint/2010/main" val="3982459288"/>
-      </p:ext>
-    </p:extLst>
-  </p:cSld>
-  <p:clrMapOvr>
-    <a:masterClrMapping/>
-  </p:clrMapOvr>
-  <p:timing>
-    <p:tnLst>
-      <p:par>
-        <p:cTn id="1" dur="indefinite" restart="never" nodeType="tmRoot"/>
-      </p:par>
-    </p:tnLst>
-  </p:timing>
-</p:sld>
-</file>
-
-<file path=ppt/slides/slide21.xml><?xml version="1.0" encoding="utf-8"?>
-<p:sld xmlns:a="http://schemas.openxmlformats.org/drawingml/2006/main" xmlns:r="http://schemas.openxmlformats.org/officeDocument/2006/relationships" xmlns:p="http://schemas.openxmlformats.org/presentationml/2006/main">
-  <p:cSld>
-    <p:spTree>
-      <p:nvGrpSpPr>
-        <p:cNvPr id="1" name=""/>
-        <p:cNvGrpSpPr/>
-        <p:nvPr/>
-      </p:nvGrpSpPr>
-      <p:grpSpPr>
-        <a:xfrm>
-          <a:off x="0" y="0"/>
-          <a:ext cx="0" cy="0"/>
-          <a:chOff x="0" y="0"/>
-          <a:chExt cx="0" cy="0"/>
-        </a:xfrm>
-      </p:grpSpPr>
-      <p:sp>
-        <p:nvSpPr>
-          <p:cNvPr id="2" name="Title 1"/>
-          <p:cNvSpPr>
-            <a:spLocks noGrp="1"/>
-          </p:cNvSpPr>
-          <p:nvPr>
-            <p:ph type="title"/>
-          </p:nvPr>
-        </p:nvSpPr>
-        <p:spPr/>
-        <p:txBody>
-          <a:bodyPr/>
-          <a:lstStyle/>
-          <a:p>
-            <a:r>
-              <a:rPr lang="en-US" dirty="0"/>
-              <a:t>Integrate </a:t>
-            </a:r>
-            <a:r>
-              <a:rPr lang="en-US" dirty="0" err="1"/>
-              <a:t>JSHint</a:t>
-            </a:r>
-            <a:r>
-              <a:rPr lang="en-US" dirty="0"/>
-              <a:t> with Jenkins(</a:t>
-            </a:r>
-            <a:r>
-              <a:rPr lang="en-US" dirty="0" err="1"/>
-              <a:t>contd</a:t>
-            </a:r>
-            <a:r>
-              <a:rPr lang="en-US" dirty="0"/>
-              <a:t>)</a:t>
-            </a:r>
-          </a:p>
-        </p:txBody>
-      </p:sp>
-      <p:sp>
-        <p:nvSpPr>
-          <p:cNvPr id="4" name="Footer Placeholder 3"/>
-          <p:cNvSpPr>
-            <a:spLocks noGrp="1"/>
-          </p:cNvSpPr>
-          <p:nvPr>
-            <p:ph type="ftr" sz="quarter" idx="10"/>
-          </p:nvPr>
-        </p:nvSpPr>
-        <p:spPr/>
-        <p:txBody>
-          <a:bodyPr/>
-          <a:lstStyle/>
-          <a:p>
-            <a:pPr>
-              <a:defRPr/>
-            </a:pPr>
-            <a:r>
-              <a:rPr lang="en-US" smtClean="0"/>
-              <a:t>Presentation Identifier Goes Here</a:t>
-            </a:r>
-            <a:endParaRPr lang="en-US"/>
-          </a:p>
-        </p:txBody>
-      </p:sp>
-      <p:sp>
-        <p:nvSpPr>
-          <p:cNvPr id="5" name="Slide Number Placeholder 4"/>
-          <p:cNvSpPr>
-            <a:spLocks noGrp="1"/>
-          </p:cNvSpPr>
-          <p:nvPr>
-            <p:ph type="sldNum" sz="quarter" idx="11"/>
-          </p:nvPr>
-        </p:nvSpPr>
-        <p:spPr/>
-        <p:txBody>
-          <a:bodyPr/>
-          <a:lstStyle/>
-          <a:p>
-            <a:pPr>
-              <a:defRPr/>
-            </a:pPr>
-            <a:fld id="{446C9BED-6FD4-4BA4-B6B0-4A26058AC9EF}" type="slidenum">
-              <a:rPr lang="en-US" smtClean="0"/>
-              <a:pPr>
-                <a:defRPr/>
-              </a:pPr>
-              <a:t>21</a:t>
             </a:fld>
             <a:endParaRPr lang="en-US" dirty="0"/>
           </a:p>
@@ -13602,6 +15522,274 @@
 </p:sld>
 </file>
 
+<file path=ppt/slides/slide21.xml><?xml version="1.0" encoding="utf-8"?>
+<p:sld xmlns:a="http://schemas.openxmlformats.org/drawingml/2006/main" xmlns:r="http://schemas.openxmlformats.org/officeDocument/2006/relationships" xmlns:p="http://schemas.openxmlformats.org/presentationml/2006/main">
+  <p:cSld>
+    <p:spTree>
+      <p:nvGrpSpPr>
+        <p:cNvPr id="1" name=""/>
+        <p:cNvGrpSpPr/>
+        <p:nvPr/>
+      </p:nvGrpSpPr>
+      <p:grpSpPr>
+        <a:xfrm>
+          <a:off x="0" y="0"/>
+          <a:ext cx="0" cy="0"/>
+          <a:chOff x="0" y="0"/>
+          <a:chExt cx="0" cy="0"/>
+        </a:xfrm>
+      </p:grpSpPr>
+      <p:sp>
+        <p:nvSpPr>
+          <p:cNvPr id="2" name="Title 1"/>
+          <p:cNvSpPr>
+            <a:spLocks noGrp="1"/>
+          </p:cNvSpPr>
+          <p:nvPr>
+            <p:ph type="title"/>
+          </p:nvPr>
+        </p:nvSpPr>
+        <p:spPr/>
+        <p:txBody>
+          <a:bodyPr/>
+          <a:lstStyle/>
+          <a:p>
+            <a:r>
+              <a:rPr lang="en-US" dirty="0" smtClean="0"/>
+              <a:t>References</a:t>
+            </a:r>
+            <a:endParaRPr lang="en-US" dirty="0"/>
+          </a:p>
+        </p:txBody>
+      </p:sp>
+      <p:sp>
+        <p:nvSpPr>
+          <p:cNvPr id="3" name="Content Placeholder 2"/>
+          <p:cNvSpPr>
+            <a:spLocks noGrp="1"/>
+          </p:cNvSpPr>
+          <p:nvPr>
+            <p:ph idx="1"/>
+          </p:nvPr>
+        </p:nvSpPr>
+        <p:spPr/>
+        <p:txBody>
+          <a:bodyPr/>
+          <a:lstStyle/>
+          <a:p>
+            <a:r>
+              <a:rPr lang="en-US" dirty="0" err="1" smtClean="0"/>
+              <a:t>JSHint</a:t>
+            </a:r>
+            <a:r>
+              <a:rPr lang="en-US" dirty="0" smtClean="0"/>
+              <a:t> source code   </a:t>
+            </a:r>
+            <a:r>
+              <a:rPr lang="en-US" dirty="0" smtClean="0">
+                <a:hlinkClick r:id="rId3"/>
+              </a:rPr>
+              <a:t>https</a:t>
+            </a:r>
+            <a:r>
+              <a:rPr lang="en-US" dirty="0">
+                <a:hlinkClick r:id="rId3"/>
+              </a:rPr>
+              <a:t>://</a:t>
+            </a:r>
+            <a:r>
+              <a:rPr lang="en-US" dirty="0" smtClean="0">
+                <a:hlinkClick r:id="rId3"/>
+              </a:rPr>
+              <a:t>github.com/jshint/jshint</a:t>
+            </a:r>
+            <a:endParaRPr lang="en-US" dirty="0" smtClean="0"/>
+          </a:p>
+          <a:p>
+            <a:r>
+              <a:rPr lang="en-US" dirty="0" err="1"/>
+              <a:t>JSHint</a:t>
+            </a:r>
+            <a:r>
+              <a:rPr lang="en-US" dirty="0"/>
+              <a:t> Home: </a:t>
+            </a:r>
+            <a:r>
+              <a:rPr lang="en-US" dirty="0">
+                <a:hlinkClick r:id="rId4"/>
+              </a:rPr>
+              <a:t>http://www.jshint.com</a:t>
+            </a:r>
+            <a:r>
+              <a:rPr lang="en-US" dirty="0" smtClean="0">
+                <a:hlinkClick r:id="rId4"/>
+              </a:rPr>
+              <a:t>/</a:t>
+            </a:r>
+            <a:endParaRPr lang="en-US" dirty="0" smtClean="0"/>
+          </a:p>
+          <a:p>
+            <a:r>
+              <a:rPr lang="en-US" dirty="0" err="1"/>
+              <a:t>JSHint</a:t>
+            </a:r>
+            <a:r>
+              <a:rPr lang="en-US" dirty="0"/>
+              <a:t> Options: </a:t>
+            </a:r>
+            <a:r>
+              <a:rPr lang="en-US" dirty="0">
+                <a:hlinkClick r:id="rId5"/>
+              </a:rPr>
+              <a:t>http://www.jshint.com/options</a:t>
+            </a:r>
+            <a:r>
+              <a:rPr lang="en-US" dirty="0" smtClean="0">
+                <a:hlinkClick r:id="rId5"/>
+              </a:rPr>
+              <a:t>/</a:t>
+            </a:r>
+            <a:endParaRPr lang="en-US" dirty="0" smtClean="0"/>
+          </a:p>
+          <a:p>
+            <a:r>
+              <a:rPr lang="en-US" dirty="0" err="1" smtClean="0"/>
+              <a:t>Jshint</a:t>
+            </a:r>
+            <a:r>
+              <a:rPr lang="en-US" dirty="0"/>
+              <a:t>-mojo  </a:t>
+            </a:r>
+            <a:r>
+              <a:rPr lang="en-US" dirty="0">
+                <a:hlinkClick r:id="rId6"/>
+              </a:rPr>
+              <a:t>https://github.com/cjdev/jshint-mojo</a:t>
+            </a:r>
+            <a:endParaRPr lang="en-US" dirty="0" smtClean="0"/>
+          </a:p>
+          <a:p>
+            <a:r>
+              <a:rPr lang="en-US" dirty="0" err="1" smtClean="0"/>
+              <a:t>JSHint</a:t>
+            </a:r>
+            <a:r>
+              <a:rPr lang="en-US" dirty="0"/>
+              <a:t> Wiki </a:t>
+            </a:r>
+            <a:r>
+              <a:rPr lang="en-US" dirty="0" smtClean="0"/>
+              <a:t> in </a:t>
+            </a:r>
+            <a:r>
+              <a:rPr lang="en-US" dirty="0" err="1" smtClean="0"/>
+              <a:t>Symweb</a:t>
+            </a:r>
+            <a:r>
+              <a:rPr lang="en-US" dirty="0" smtClean="0"/>
+              <a:t>: </a:t>
+            </a:r>
+            <a:r>
+              <a:rPr lang="en-US" dirty="0">
+                <a:hlinkClick r:id="rId7"/>
+              </a:rPr>
+              <a:t>https://symweb.rmnus.sen.symantec.com/BnR/Appliance/Engineering/DocumentsTechnologyTrack/JSHint.docx</a:t>
+            </a:r>
+            <a:endParaRPr lang="en-US" dirty="0" smtClean="0"/>
+          </a:p>
+          <a:p>
+            <a:endParaRPr lang="en-US" dirty="0"/>
+          </a:p>
+          <a:p>
+            <a:pPr marL="0" indent="0">
+              <a:buNone/>
+            </a:pPr>
+            <a:r>
+              <a:rPr lang="en-US" dirty="0"/>
+              <a:t/>
+            </a:r>
+            <a:br>
+              <a:rPr lang="en-US" dirty="0"/>
+            </a:br>
+            <a:endParaRPr lang="en-US" dirty="0"/>
+          </a:p>
+        </p:txBody>
+      </p:sp>
+      <p:sp>
+        <p:nvSpPr>
+          <p:cNvPr id="4" name="Footer Placeholder 3"/>
+          <p:cNvSpPr>
+            <a:spLocks noGrp="1"/>
+          </p:cNvSpPr>
+          <p:nvPr>
+            <p:ph type="ftr" sz="quarter" idx="10"/>
+          </p:nvPr>
+        </p:nvSpPr>
+        <p:spPr/>
+        <p:txBody>
+          <a:bodyPr/>
+          <a:lstStyle/>
+          <a:p>
+            <a:pPr>
+              <a:defRPr/>
+            </a:pPr>
+            <a:r>
+              <a:rPr lang="en-US" smtClean="0"/>
+              <a:t>Presentation Identifier Goes Here</a:t>
+            </a:r>
+            <a:endParaRPr lang="en-US"/>
+          </a:p>
+        </p:txBody>
+      </p:sp>
+      <p:sp>
+        <p:nvSpPr>
+          <p:cNvPr id="5" name="Slide Number Placeholder 4"/>
+          <p:cNvSpPr>
+            <a:spLocks noGrp="1"/>
+          </p:cNvSpPr>
+          <p:nvPr>
+            <p:ph type="sldNum" sz="quarter" idx="11"/>
+          </p:nvPr>
+        </p:nvSpPr>
+        <p:spPr/>
+        <p:txBody>
+          <a:bodyPr/>
+          <a:lstStyle/>
+          <a:p>
+            <a:pPr>
+              <a:defRPr/>
+            </a:pPr>
+            <a:fld id="{446C9BED-6FD4-4BA4-B6B0-4A26058AC9EF}" type="slidenum">
+              <a:rPr lang="en-US" smtClean="0"/>
+              <a:pPr>
+                <a:defRPr/>
+              </a:pPr>
+              <a:t>21</a:t>
+            </a:fld>
+            <a:endParaRPr lang="en-US" dirty="0"/>
+          </a:p>
+        </p:txBody>
+      </p:sp>
+    </p:spTree>
+    <p:extLst>
+      <p:ext uri="{BB962C8B-B14F-4D97-AF65-F5344CB8AC3E}">
+        <p14:creationId xmlns:p14="http://schemas.microsoft.com/office/powerpoint/2010/main" val="1395716626"/>
+      </p:ext>
+    </p:extLst>
+  </p:cSld>
+  <p:clrMapOvr>
+    <a:masterClrMapping/>
+  </p:clrMapOvr>
+  <p:timing>
+    <p:tnLst>
+      <p:par>
+        <p:cTn id="1" dur="indefinite" restart="never" nodeType="tmRoot"/>
+      </p:par>
+    </p:tnLst>
+  </p:timing>
+</p:sld>
+</file>
+
 <file path=ppt/slides/slide22.xml><?xml version="1.0" encoding="utf-8"?>
 <p:sld xmlns:a="http://schemas.openxmlformats.org/drawingml/2006/main" xmlns:r="http://schemas.openxmlformats.org/officeDocument/2006/relationships" xmlns:p="http://schemas.openxmlformats.org/presentationml/2006/main">
   <p:cSld>
@@ -13629,27 +15817,33 @@
             <p:ph type="title"/>
           </p:nvPr>
         </p:nvSpPr>
-        <p:spPr/>
+        <p:spPr>
+          <a:xfrm>
+            <a:off x="381000" y="246744"/>
+            <a:ext cx="8382000" cy="3334656"/>
+          </a:xfrm>
+        </p:spPr>
         <p:txBody>
           <a:bodyPr/>
           <a:lstStyle/>
           <a:p>
-            <a:r>
-              <a:rPr lang="en-US" dirty="0" smtClean="0"/>
-              <a:t>Reference</a:t>
-            </a:r>
-            <a:endParaRPr lang="en-US" dirty="0"/>
-          </a:p>
-        </p:txBody>
-      </p:sp>
-      <p:sp>
-        <p:nvSpPr>
-          <p:cNvPr id="3" name="Content Placeholder 2"/>
+            <a:pPr algn="ctr"/>
+            <a:r>
+              <a:rPr lang="en-US" sz="6000" dirty="0" smtClean="0"/>
+              <a:t>Q &amp; A</a:t>
+            </a:r>
+            <a:endParaRPr lang="en-US" sz="6000" dirty="0"/>
+          </a:p>
+        </p:txBody>
+      </p:sp>
+      <p:sp>
+        <p:nvSpPr>
+          <p:cNvPr id="3" name="Footer Placeholder 2"/>
           <p:cNvSpPr>
             <a:spLocks noGrp="1"/>
           </p:cNvSpPr>
           <p:nvPr>
-            <p:ph idx="1"/>
+            <p:ph type="ftr" sz="quarter" idx="10"/>
           </p:nvPr>
         </p:nvSpPr>
         <p:spPr/>
@@ -13657,142 +15851,6 @@
           <a:bodyPr/>
           <a:lstStyle/>
           <a:p>
-            <a:r>
-              <a:rPr lang="en-US" dirty="0" err="1" smtClean="0"/>
-              <a:t>JSHint</a:t>
-            </a:r>
-            <a:r>
-              <a:rPr lang="en-US" dirty="0" smtClean="0"/>
-              <a:t> source code   </a:t>
-            </a:r>
-            <a:r>
-              <a:rPr lang="en-US" dirty="0" smtClean="0">
-                <a:hlinkClick r:id="rId2"/>
-              </a:rPr>
-              <a:t>https</a:t>
-            </a:r>
-            <a:r>
-              <a:rPr lang="en-US" dirty="0">
-                <a:hlinkClick r:id="rId2"/>
-              </a:rPr>
-              <a:t>://</a:t>
-            </a:r>
-            <a:r>
-              <a:rPr lang="en-US" dirty="0" smtClean="0">
-                <a:hlinkClick r:id="rId2"/>
-              </a:rPr>
-              <a:t>github.com/jshint/jshint</a:t>
-            </a:r>
-            <a:endParaRPr lang="en-US" dirty="0" smtClean="0"/>
-          </a:p>
-          <a:p>
-            <a:r>
-              <a:rPr lang="en-US" dirty="0" err="1"/>
-              <a:t>JSHint</a:t>
-            </a:r>
-            <a:r>
-              <a:rPr lang="en-US" dirty="0"/>
-              <a:t> Home: </a:t>
-            </a:r>
-            <a:r>
-              <a:rPr lang="en-US" dirty="0">
-                <a:hlinkClick r:id="rId3"/>
-              </a:rPr>
-              <a:t>http://www.jshint.com</a:t>
-            </a:r>
-            <a:r>
-              <a:rPr lang="en-US" dirty="0" smtClean="0">
-                <a:hlinkClick r:id="rId3"/>
-              </a:rPr>
-              <a:t>/</a:t>
-            </a:r>
-            <a:endParaRPr lang="en-US" dirty="0" smtClean="0"/>
-          </a:p>
-          <a:p>
-            <a:r>
-              <a:rPr lang="en-US" dirty="0" err="1"/>
-              <a:t>JSHint</a:t>
-            </a:r>
-            <a:r>
-              <a:rPr lang="en-US" dirty="0"/>
-              <a:t> Options: </a:t>
-            </a:r>
-            <a:r>
-              <a:rPr lang="en-US" dirty="0">
-                <a:hlinkClick r:id="rId4"/>
-              </a:rPr>
-              <a:t>http://www.jshint.com/options</a:t>
-            </a:r>
-            <a:r>
-              <a:rPr lang="en-US" dirty="0" smtClean="0">
-                <a:hlinkClick r:id="rId4"/>
-              </a:rPr>
-              <a:t>/</a:t>
-            </a:r>
-            <a:endParaRPr lang="en-US" dirty="0" smtClean="0"/>
-          </a:p>
-          <a:p>
-            <a:r>
-              <a:rPr lang="en-US" dirty="0" err="1" smtClean="0"/>
-              <a:t>JSHint</a:t>
-            </a:r>
-            <a:r>
-              <a:rPr lang="en-US" dirty="0"/>
-              <a:t> Wiki </a:t>
-            </a:r>
-            <a:r>
-              <a:rPr lang="en-US" dirty="0" smtClean="0"/>
-              <a:t> in </a:t>
-            </a:r>
-            <a:r>
-              <a:rPr lang="en-US" dirty="0" err="1" smtClean="0"/>
-              <a:t>Symweb</a:t>
-            </a:r>
-            <a:r>
-              <a:rPr lang="en-US" dirty="0" smtClean="0"/>
-              <a:t>: </a:t>
-            </a:r>
-            <a:r>
-              <a:rPr lang="en-US" dirty="0">
-                <a:hlinkClick r:id="rId5"/>
-              </a:rPr>
-              <a:t>https://symweb.rmnus.sen.symantec.com/BnR/Appliance/Engineering/DocumentsTechnologyTrack/JSHint.docx</a:t>
-            </a:r>
-            <a:endParaRPr lang="en-US" dirty="0" smtClean="0"/>
-          </a:p>
-          <a:p>
-            <a:endParaRPr lang="en-US" dirty="0"/>
-          </a:p>
-          <a:p>
-            <a:pPr marL="0" indent="0">
-              <a:buNone/>
-            </a:pPr>
-            <a:r>
-              <a:rPr lang="en-US" dirty="0"/>
-              <a:t/>
-            </a:r>
-            <a:br>
-              <a:rPr lang="en-US" dirty="0"/>
-            </a:br>
-            <a:endParaRPr lang="en-US" dirty="0"/>
-          </a:p>
-        </p:txBody>
-      </p:sp>
-      <p:sp>
-        <p:nvSpPr>
-          <p:cNvPr id="4" name="Footer Placeholder 3"/>
-          <p:cNvSpPr>
-            <a:spLocks noGrp="1"/>
-          </p:cNvSpPr>
-          <p:nvPr>
-            <p:ph type="ftr" sz="quarter" idx="10"/>
-          </p:nvPr>
-        </p:nvSpPr>
-        <p:spPr/>
-        <p:txBody>
-          <a:bodyPr/>
-          <a:lstStyle/>
-          <a:p>
             <a:pPr>
               <a:defRPr/>
             </a:pPr>
@@ -13806,7 +15864,7 @@
       </p:sp>
       <p:sp>
         <p:nvSpPr>
-          <p:cNvPr id="5" name="Slide Number Placeholder 4"/>
+          <p:cNvPr id="4" name="Slide Number Placeholder 3"/>
           <p:cNvSpPr>
             <a:spLocks noGrp="1"/>
           </p:cNvSpPr>
@@ -13836,7 +15894,7 @@
     </p:spTree>
     <p:extLst>
       <p:ext uri="{BB962C8B-B14F-4D97-AF65-F5344CB8AC3E}">
-        <p14:creationId xmlns:p14="http://schemas.microsoft.com/office/powerpoint/2010/main" val="1395716626"/>
+        <p14:creationId xmlns:p14="http://schemas.microsoft.com/office/powerpoint/2010/main" val="935841429"/>
       </p:ext>
     </p:extLst>
   </p:cSld>
@@ -13872,41 +15930,38 @@
       </p:grpSpPr>
       <p:sp>
         <p:nvSpPr>
-          <p:cNvPr id="2" name="Title 1"/>
+          <p:cNvPr id="2" name="Footer Placeholder 1"/>
           <p:cNvSpPr>
             <a:spLocks noGrp="1"/>
           </p:cNvSpPr>
           <p:nvPr>
-            <p:ph type="title"/>
-          </p:nvPr>
-        </p:nvSpPr>
-        <p:spPr>
-          <a:xfrm>
-            <a:off x="381000" y="246744"/>
-            <a:ext cx="8382000" cy="3334656"/>
-          </a:xfrm>
-        </p:spPr>
+            <p:ph type="ftr" sz="quarter" idx="3"/>
+          </p:nvPr>
+        </p:nvSpPr>
+        <p:spPr/>
         <p:txBody>
           <a:bodyPr/>
           <a:lstStyle/>
           <a:p>
-            <a:pPr algn="ctr"/>
-            <a:r>
-              <a:rPr lang="en-US" sz="6000" dirty="0" smtClean="0"/>
-              <a:t>Q &amp; A</a:t>
-            </a:r>
-            <a:endParaRPr lang="en-US" sz="6000" dirty="0"/>
-          </a:p>
-        </p:txBody>
-      </p:sp>
-      <p:sp>
-        <p:nvSpPr>
-          <p:cNvPr id="3" name="Footer Placeholder 2"/>
+            <a:pPr>
+              <a:defRPr/>
+            </a:pPr>
+            <a:r>
+              <a:rPr lang="en-US" smtClean="0"/>
+              <a:t>Presentation Identifier Goes Here</a:t>
+            </a:r>
+            <a:endParaRPr lang="en-US" dirty="0"/>
+          </a:p>
+        </p:txBody>
+      </p:sp>
+      <p:sp>
+        <p:nvSpPr>
+          <p:cNvPr id="3" name="Slide Number Placeholder 2"/>
           <p:cNvSpPr>
             <a:spLocks noGrp="1"/>
           </p:cNvSpPr>
           <p:nvPr>
-            <p:ph type="ftr" sz="quarter" idx="10"/>
+            <p:ph type="sldNum" sz="quarter" idx="4"/>
           </p:nvPr>
         </p:nvSpPr>
         <p:spPr/>
@@ -13917,130 +15972,12 @@
             <a:pPr>
               <a:defRPr/>
             </a:pPr>
-            <a:r>
-              <a:rPr lang="en-US" smtClean="0"/>
-              <a:t>Presentation Identifier Goes Here</a:t>
-            </a:r>
-            <a:endParaRPr lang="en-US"/>
-          </a:p>
-        </p:txBody>
-      </p:sp>
-      <p:sp>
-        <p:nvSpPr>
-          <p:cNvPr id="4" name="Slide Number Placeholder 3"/>
-          <p:cNvSpPr>
-            <a:spLocks noGrp="1"/>
-          </p:cNvSpPr>
-          <p:nvPr>
-            <p:ph type="sldNum" sz="quarter" idx="11"/>
-          </p:nvPr>
-        </p:nvSpPr>
-        <p:spPr/>
-        <p:txBody>
-          <a:bodyPr/>
-          <a:lstStyle/>
-          <a:p>
-            <a:pPr>
-              <a:defRPr/>
-            </a:pPr>
-            <a:fld id="{446C9BED-6FD4-4BA4-B6B0-4A26058AC9EF}" type="slidenum">
+            <a:fld id="{46082381-925A-4C25-AB18-0C99AD89CFC0}" type="slidenum">
               <a:rPr lang="en-US" smtClean="0"/>
               <a:pPr>
                 <a:defRPr/>
               </a:pPr>
               <a:t>23</a:t>
-            </a:fld>
-            <a:endParaRPr lang="en-US" dirty="0"/>
-          </a:p>
-        </p:txBody>
-      </p:sp>
-    </p:spTree>
-    <p:extLst>
-      <p:ext uri="{BB962C8B-B14F-4D97-AF65-F5344CB8AC3E}">
-        <p14:creationId xmlns:p14="http://schemas.microsoft.com/office/powerpoint/2010/main" val="935841429"/>
-      </p:ext>
-    </p:extLst>
-  </p:cSld>
-  <p:clrMapOvr>
-    <a:masterClrMapping/>
-  </p:clrMapOvr>
-  <p:timing>
-    <p:tnLst>
-      <p:par>
-        <p:cTn id="1" dur="indefinite" restart="never" nodeType="tmRoot"/>
-      </p:par>
-    </p:tnLst>
-  </p:timing>
-</p:sld>
-</file>
-
-<file path=ppt/slides/slide24.xml><?xml version="1.0" encoding="utf-8"?>
-<p:sld xmlns:a="http://schemas.openxmlformats.org/drawingml/2006/main" xmlns:r="http://schemas.openxmlformats.org/officeDocument/2006/relationships" xmlns:p="http://schemas.openxmlformats.org/presentationml/2006/main">
-  <p:cSld>
-    <p:spTree>
-      <p:nvGrpSpPr>
-        <p:cNvPr id="1" name=""/>
-        <p:cNvGrpSpPr/>
-        <p:nvPr/>
-      </p:nvGrpSpPr>
-      <p:grpSpPr>
-        <a:xfrm>
-          <a:off x="0" y="0"/>
-          <a:ext cx="0" cy="0"/>
-          <a:chOff x="0" y="0"/>
-          <a:chExt cx="0" cy="0"/>
-        </a:xfrm>
-      </p:grpSpPr>
-      <p:sp>
-        <p:nvSpPr>
-          <p:cNvPr id="2" name="Footer Placeholder 1"/>
-          <p:cNvSpPr>
-            <a:spLocks noGrp="1"/>
-          </p:cNvSpPr>
-          <p:nvPr>
-            <p:ph type="ftr" sz="quarter" idx="3"/>
-          </p:nvPr>
-        </p:nvSpPr>
-        <p:spPr/>
-        <p:txBody>
-          <a:bodyPr/>
-          <a:lstStyle/>
-          <a:p>
-            <a:pPr>
-              <a:defRPr/>
-            </a:pPr>
-            <a:r>
-              <a:rPr lang="en-US" smtClean="0"/>
-              <a:t>Presentation Identifier Goes Here</a:t>
-            </a:r>
-            <a:endParaRPr lang="en-US" dirty="0"/>
-          </a:p>
-        </p:txBody>
-      </p:sp>
-      <p:sp>
-        <p:nvSpPr>
-          <p:cNvPr id="3" name="Slide Number Placeholder 2"/>
-          <p:cNvSpPr>
-            <a:spLocks noGrp="1"/>
-          </p:cNvSpPr>
-          <p:nvPr>
-            <p:ph type="sldNum" sz="quarter" idx="4"/>
-          </p:nvPr>
-        </p:nvSpPr>
-        <p:spPr/>
-        <p:txBody>
-          <a:bodyPr/>
-          <a:lstStyle/>
-          <a:p>
-            <a:pPr>
-              <a:defRPr/>
-            </a:pPr>
-            <a:fld id="{46082381-925A-4C25-AB18-0C99AD89CFC0}" type="slidenum">
-              <a:rPr lang="en-US" smtClean="0"/>
-              <a:pPr>
-                <a:defRPr/>
-              </a:pPr>
-              <a:t>24</a:t>
             </a:fld>
             <a:endParaRPr lang="en-US" dirty="0"/>
           </a:p>
@@ -14592,8 +16529,67 @@
             </a:r>
             <a:r>
               <a:rPr lang="en-US" dirty="0" smtClean="0"/>
-              <a:t> code.</a:t>
-            </a:r>
+              <a:t> code</a:t>
+            </a:r>
+            <a:r>
+              <a:rPr lang="en-US" dirty="0" smtClean="0"/>
+              <a:t>.</a:t>
+            </a:r>
+          </a:p>
+          <a:p>
+            <a:pPr marL="0" indent="0">
+              <a:buNone/>
+            </a:pPr>
+            <a:r>
+              <a:rPr lang="en-US" sz="2000" dirty="0">
+                <a:solidFill>
+                  <a:schemeClr val="accent6"/>
+                </a:solidFill>
+              </a:rPr>
+              <a:t> </a:t>
+            </a:r>
+            <a:r>
+              <a:rPr lang="en-US" sz="2000" dirty="0" smtClean="0">
+                <a:solidFill>
+                  <a:schemeClr val="accent6"/>
+                </a:solidFill>
+              </a:rPr>
+              <a:t>   For example: 1) detect undefined variables.</a:t>
+            </a:r>
+          </a:p>
+          <a:p>
+            <a:pPr marL="0" indent="0">
+              <a:buNone/>
+            </a:pPr>
+            <a:r>
+              <a:rPr lang="en-US" sz="2000" dirty="0" smtClean="0">
+                <a:solidFill>
+                  <a:schemeClr val="accent6"/>
+                </a:solidFill>
+              </a:rPr>
+              <a:t>	</a:t>
+            </a:r>
+            <a:r>
+              <a:rPr lang="en-US" sz="2000" dirty="0">
+                <a:solidFill>
+                  <a:schemeClr val="accent6"/>
+                </a:solidFill>
+              </a:rPr>
+              <a:t> </a:t>
+            </a:r>
+            <a:r>
+              <a:rPr lang="en-US" sz="2000" dirty="0" smtClean="0">
+                <a:solidFill>
+                  <a:schemeClr val="accent6"/>
+                </a:solidFill>
+              </a:rPr>
+              <a:t>           2) detect unused variables.</a:t>
+            </a:r>
+            <a:endParaRPr lang="en-US" sz="2000" dirty="0" smtClean="0">
+              <a:solidFill>
+                <a:schemeClr val="accent6"/>
+              </a:solidFill>
+            </a:endParaRPr>
           </a:p>
           <a:p>
             <a:r>
@@ -14604,8 +16600,51 @@
           <a:p>
             <a:r>
               <a:rPr lang="en-US" dirty="0" smtClean="0"/>
-              <a:t>Provide amazing plugins for Text Editors and IDEs.</a:t>
-            </a:r>
+              <a:t>Provide amazing plugins for Text Editors and IDEs</a:t>
+            </a:r>
+            <a:r>
+              <a:rPr lang="en-US" dirty="0" smtClean="0"/>
+              <a:t>.</a:t>
+            </a:r>
+          </a:p>
+          <a:p>
+            <a:pPr marL="0" indent="0">
+              <a:buNone/>
+            </a:pPr>
+            <a:r>
+              <a:rPr lang="en-US" dirty="0" smtClean="0"/>
+              <a:t>    </a:t>
+            </a:r>
+            <a:r>
+              <a:rPr lang="en-US" sz="2000" dirty="0" smtClean="0">
+                <a:solidFill>
+                  <a:schemeClr val="accent6"/>
+                </a:solidFill>
+              </a:rPr>
+              <a:t>For </a:t>
+            </a:r>
+            <a:r>
+              <a:rPr lang="en-US" sz="2000" dirty="0" smtClean="0">
+                <a:solidFill>
+                  <a:schemeClr val="accent6"/>
+                </a:solidFill>
+              </a:rPr>
+              <a:t>example: Sublime(Text Editor), Eclipse(IDE).   </a:t>
+            </a:r>
+            <a:r>
+              <a:rPr lang="en-US" sz="2000" dirty="0" smtClean="0">
+                <a:solidFill>
+                  <a:schemeClr val="accent6"/>
+                </a:solidFill>
+                <a:hlinkClick r:id="rId3"/>
+              </a:rPr>
+              <a:t>Link</a:t>
+            </a:r>
+            <a:endParaRPr lang="en-US" sz="2000" dirty="0" smtClean="0">
+              <a:solidFill>
+                <a:schemeClr val="accent6"/>
+              </a:solidFill>
+            </a:endParaRPr>
           </a:p>
           <a:p>
             <a:endParaRPr lang="en-US" dirty="0" smtClean="0"/>
@@ -15115,16 +17154,7 @@
                 </a:solidFill>
                 <a:latin typeface="Calibri" pitchFamily="34" charset="0"/>
               </a:rPr>
-              <a:t> with </a:t>
-            </a:r>
-            <a:r>
-              <a:rPr lang="en-US" dirty="0" smtClean="0">
-                <a:solidFill>
-                  <a:srgbClr val="FFFFFF"/>
-                </a:solidFill>
-                <a:latin typeface="Calibri" pitchFamily="34" charset="0"/>
-              </a:rPr>
-              <a:t>Maven  </a:t>
+              <a:t> with Maven  </a:t>
             </a:r>
             <a:endParaRPr lang="en-US" dirty="0">
               <a:solidFill>
@@ -15539,8 +17569,71 @@
             </a:r>
             <a:r>
               <a:rPr lang="en-US" dirty="0" smtClean="0"/>
-              <a:t> as a Node program.</a:t>
-            </a:r>
+              <a:t> as a Node program</a:t>
+            </a:r>
+            <a:r>
+              <a:rPr lang="en-US" dirty="0" smtClean="0"/>
+              <a:t>.</a:t>
+            </a:r>
+          </a:p>
+          <a:p>
+            <a:pPr marL="0" indent="0">
+              <a:buNone/>
+            </a:pPr>
+            <a:r>
+              <a:rPr lang="en-US" kern="1200" dirty="0" smtClean="0">
+                <a:solidFill>
+                  <a:schemeClr val="tx1"/>
+                </a:solidFill>
+              </a:rPr>
+              <a:t>    </a:t>
+            </a:r>
+            <a:r>
+              <a:rPr lang="en-US" sz="2000" kern="1200" dirty="0" err="1" smtClean="0">
+                <a:solidFill>
+                  <a:schemeClr val="accent6"/>
+                </a:solidFill>
+              </a:rPr>
+              <a:t>npm</a:t>
+            </a:r>
+            <a:r>
+              <a:rPr lang="en-US" sz="2000" kern="1200" dirty="0" smtClean="0">
+                <a:solidFill>
+                  <a:schemeClr val="accent6"/>
+                </a:solidFill>
+              </a:rPr>
+              <a:t> </a:t>
+            </a:r>
+            <a:r>
+              <a:rPr lang="en-US" sz="2000" kern="1200" dirty="0">
+                <a:solidFill>
+                  <a:schemeClr val="accent6"/>
+                </a:solidFill>
+              </a:rPr>
+              <a:t>install </a:t>
+            </a:r>
+            <a:r>
+              <a:rPr lang="en-US" sz="2000" kern="1200" dirty="0" err="1">
+                <a:solidFill>
+                  <a:schemeClr val="accent6"/>
+                </a:solidFill>
+              </a:rPr>
+              <a:t>jshint</a:t>
+            </a:r>
+            <a:r>
+              <a:rPr lang="en-US" sz="2000" kern="1200" dirty="0">
+                <a:solidFill>
+                  <a:schemeClr val="accent6"/>
+                </a:solidFill>
+              </a:rPr>
+              <a:t> –g</a:t>
+            </a:r>
+          </a:p>
+          <a:p>
+            <a:endParaRPr lang="en-US" dirty="0" smtClean="0"/>
+          </a:p>
+          <a:p>
+            <a:endParaRPr lang="en-US" dirty="0" smtClean="0"/>
           </a:p>
           <a:p>
             <a:endParaRPr lang="en-US" dirty="0"/>
@@ -15616,30 +17709,8 @@
         </p:blipFill>
         <p:spPr>
           <a:xfrm>
-            <a:off x="609600" y="1834738"/>
-            <a:ext cx="7772400" cy="2590800"/>
-          </a:xfrm>
-          <a:prstGeom prst="rect">
-            <a:avLst/>
-          </a:prstGeom>
-        </p:spPr>
-      </p:pic>
-      <p:pic>
-        <p:nvPicPr>
-          <p:cNvPr id="7" name="Picture 6"/>
-          <p:cNvPicPr/>
-          <p:nvPr/>
-        </p:nvPicPr>
-        <p:blipFill>
-          <a:blip r:embed="rId4"/>
-          <a:stretch>
-            <a:fillRect/>
-          </a:stretch>
-        </p:blipFill>
-        <p:spPr>
-          <a:xfrm>
-            <a:off x="609600" y="4648200"/>
-            <a:ext cx="7772400" cy="1295400"/>
+            <a:off x="609600" y="2209800"/>
+            <a:ext cx="7086600" cy="1905000"/>
           </a:xfrm>
           <a:prstGeom prst="rect">
             <a:avLst/>
@@ -15699,14 +17770,29 @@
           <a:lstStyle/>
           <a:p>
             <a:r>
-              <a:rPr lang="en-US" dirty="0" err="1" smtClean="0"/>
+              <a:rPr lang="en-US" dirty="0" err="1"/>
               <a:t>JSHint</a:t>
             </a:r>
             <a:r>
-              <a:rPr lang="en-US" dirty="0" smtClean="0"/>
-              <a:t> Configuration</a:t>
-            </a:r>
-            <a:endParaRPr lang="en-US" dirty="0"/>
+              <a:rPr lang="en-US" dirty="0"/>
+              <a:t> Base </a:t>
+            </a:r>
+            <a:r>
+              <a:rPr lang="en-US" dirty="0" err="1"/>
+              <a:t>Usuage</a:t>
+            </a:r>
+            <a:r>
+              <a:rPr lang="en-US" dirty="0"/>
+              <a:t>(</a:t>
+            </a:r>
+            <a:r>
+              <a:rPr lang="en-US" dirty="0" err="1"/>
+              <a:t>contd</a:t>
+            </a:r>
+            <a:r>
+              <a:rPr lang="en-US" dirty="0"/>
+              <a:t>)</a:t>
+            </a:r>
           </a:p>
         </p:txBody>
       </p:sp>
@@ -15725,118 +17811,74 @@
           <a:bodyPr/>
           <a:lstStyle/>
           <a:p>
-            <a:pPr lvl="0"/>
             <a:r>
               <a:rPr lang="en-US" dirty="0" smtClean="0"/>
-              <a:t>Using Configuration File</a:t>
-            </a:r>
-          </a:p>
-          <a:p>
-            <a:pPr marL="457200" indent="-457200">
-              <a:buFont typeface="+mj-lt"/>
-              <a:buAutoNum type="alphaLcParenR"/>
-            </a:pPr>
-            <a:r>
-              <a:rPr lang="en-US" sz="2200" dirty="0" smtClean="0"/>
-              <a:t>Specify </a:t>
-            </a:r>
-            <a:r>
-              <a:rPr lang="en-US" sz="2200" dirty="0"/>
-              <a:t>configuration file manually via the  --</a:t>
-            </a:r>
-            <a:r>
-              <a:rPr lang="en-US" sz="2200" dirty="0" err="1"/>
-              <a:t>config</a:t>
-            </a:r>
-            <a:r>
-              <a:rPr lang="en-US" sz="2200" dirty="0"/>
-              <a:t> flag.</a:t>
-            </a:r>
-          </a:p>
-          <a:p>
-            <a:pPr marL="457200" lvl="0" indent="-457200">
-              <a:buFont typeface="+mj-lt"/>
-              <a:buAutoNum type="alphaLcParenR"/>
-            </a:pPr>
-            <a:r>
-              <a:rPr lang="en-US" sz="2200" dirty="0"/>
-              <a:t>Put you </a:t>
-            </a:r>
-            <a:r>
-              <a:rPr lang="en-US" sz="2200" dirty="0" err="1"/>
-              <a:t>config</a:t>
-            </a:r>
-            <a:r>
-              <a:rPr lang="en-US" sz="2200" dirty="0"/>
-              <a:t> into your projects </a:t>
-            </a:r>
-            <a:r>
-              <a:rPr lang="en-US" sz="2200" dirty="0" err="1"/>
-              <a:t>package.json</a:t>
-            </a:r>
-            <a:r>
-              <a:rPr lang="en-US" sz="2200" dirty="0"/>
-              <a:t> file under </a:t>
-            </a:r>
-            <a:r>
-              <a:rPr lang="en-US" sz="2200" dirty="0" err="1"/>
-              <a:t>jshintconfig</a:t>
-            </a:r>
-            <a:r>
-              <a:rPr lang="en-US" sz="2200" dirty="0"/>
-              <a:t> property.(For </a:t>
-            </a:r>
-            <a:r>
-              <a:rPr lang="en-US" sz="2200" dirty="0" smtClean="0"/>
-              <a:t>Node project)</a:t>
-            </a:r>
-          </a:p>
-          <a:p>
-            <a:pPr marL="457200" lvl="0" indent="-457200">
-              <a:buFont typeface="+mj-lt"/>
-              <a:buAutoNum type="alphaLcParenR"/>
-            </a:pPr>
-            <a:r>
-              <a:rPr lang="en-US" sz="2200" dirty="0" smtClean="0"/>
-              <a:t>Use </a:t>
-            </a:r>
-            <a:r>
-              <a:rPr lang="en-US" sz="2200" dirty="0"/>
-              <a:t>a special file .</a:t>
-            </a:r>
-            <a:r>
-              <a:rPr lang="en-US" sz="2200" dirty="0" err="1" smtClean="0"/>
-              <a:t>jshintrc</a:t>
-            </a:r>
-            <a:r>
-              <a:rPr lang="en-US" sz="2200" dirty="0" smtClean="0"/>
+              <a:t>Check a single file or all files in a directory</a:t>
+            </a:r>
+          </a:p>
+          <a:p>
+            <a:pPr marL="284162" lvl="1" indent="0">
+              <a:buNone/>
+            </a:pPr>
+            <a:r>
+              <a:rPr lang="en-US" dirty="0"/>
               <a:t> </a:t>
             </a:r>
             <a:r>
-              <a:rPr lang="en-US" sz="2200" dirty="0" smtClean="0"/>
-              <a:t>(default)</a:t>
-            </a:r>
-            <a:endParaRPr lang="en-US" sz="2200" dirty="0" smtClean="0"/>
-          </a:p>
-          <a:p>
-            <a:pPr marL="0" lvl="0" indent="0">
+              <a:rPr lang="en-US" dirty="0" err="1" smtClean="0">
+                <a:solidFill>
+                  <a:schemeClr val="accent6"/>
+                </a:solidFill>
+              </a:rPr>
+              <a:t>jshint</a:t>
+            </a:r>
+            <a:r>
+              <a:rPr lang="en-US" dirty="0" smtClean="0">
+                <a:solidFill>
+                  <a:schemeClr val="accent6"/>
+                </a:solidFill>
+              </a:rPr>
+              <a:t> [file name]</a:t>
+            </a:r>
+          </a:p>
+          <a:p>
+            <a:pPr marL="284162" lvl="1" indent="0">
               <a:buNone/>
             </a:pPr>
-            <a:endParaRPr lang="en-US" dirty="0" smtClean="0"/>
-          </a:p>
-          <a:p>
-            <a:pPr lvl="0"/>
-            <a:r>
-              <a:rPr lang="en-US" dirty="0" smtClean="0"/>
-              <a:t>Inline Configuration</a:t>
-            </a:r>
-          </a:p>
-          <a:p>
-            <a:pPr lvl="0"/>
-            <a:endParaRPr lang="en-US" dirty="0"/>
-          </a:p>
-          <a:p>
-            <a:endParaRPr lang="en-US" dirty="0"/>
+            <a:r>
+              <a:rPr lang="en-US" dirty="0" smtClean="0">
+                <a:solidFill>
+                  <a:schemeClr val="accent6"/>
+                </a:solidFill>
+              </a:rPr>
+              <a:t> </a:t>
+            </a:r>
+            <a:r>
+              <a:rPr lang="en-US" dirty="0" err="1" smtClean="0">
+                <a:solidFill>
+                  <a:schemeClr val="accent6"/>
+                </a:solidFill>
+              </a:rPr>
+              <a:t>jshint</a:t>
+            </a:r>
+            <a:r>
+              <a:rPr lang="en-US" dirty="0" smtClean="0">
+                <a:solidFill>
+                  <a:schemeClr val="accent6"/>
+                </a:solidFill>
+              </a:rPr>
+              <a:t> [directory name]</a:t>
+            </a:r>
+          </a:p>
+          <a:p>
+            <a:pPr marL="284162" lvl="1" indent="0">
+              <a:buNone/>
+            </a:pPr>
+            <a:endParaRPr lang="en-US" dirty="0">
+              <a:solidFill>
+                <a:schemeClr val="accent6"/>
+              </a:solidFill>
+            </a:endParaRPr>
           </a:p>
         </p:txBody>
       </p:sp>
@@ -15895,10 +17937,41 @@
           </a:p>
         </p:txBody>
       </p:sp>
+      <p:pic>
+        <p:nvPicPr>
+          <p:cNvPr id="7" name="Content Placeholder 5"/>
+          <p:cNvPicPr>
+            <a:picLocks/>
+          </p:cNvPicPr>
+          <p:nvPr/>
+        </p:nvPicPr>
+        <p:blipFill>
+          <a:blip r:embed="rId3"/>
+          <a:stretch>
+            <a:fillRect/>
+          </a:stretch>
+        </p:blipFill>
+        <p:spPr bwMode="auto">
+          <a:xfrm>
+            <a:off x="723902" y="2743200"/>
+            <a:ext cx="6972298" cy="1905000"/>
+          </a:xfrm>
+          <a:prstGeom prst="rect">
+            <a:avLst/>
+          </a:prstGeom>
+          <a:noFill/>
+          <a:ln w="9525">
+            <a:noFill/>
+            <a:miter lim="800000"/>
+            <a:headEnd/>
+            <a:tailEnd/>
+          </a:ln>
+        </p:spPr>
+      </p:pic>
     </p:spTree>
     <p:extLst>
       <p:ext uri="{BB962C8B-B14F-4D97-AF65-F5344CB8AC3E}">
-        <p14:creationId xmlns:p14="http://schemas.microsoft.com/office/powerpoint/2010/main" val="1193502121"/>
+        <p14:creationId xmlns:p14="http://schemas.microsoft.com/office/powerpoint/2010/main" val="2430917689"/>
       </p:ext>
     </p:extLst>
   </p:cSld>
@@ -15948,24 +18021,16 @@
           <a:lstStyle/>
           <a:p>
             <a:r>
-              <a:rPr lang="en-US" dirty="0" err="1"/>
+              <a:rPr lang="en-US" dirty="0" err="1" smtClean="0"/>
               <a:t>JSHint</a:t>
             </a:r>
             <a:r>
-              <a:rPr lang="en-US" dirty="0"/>
+              <a:rPr lang="en-US" dirty="0" smtClean="0"/>
               <a:t> </a:t>
             </a:r>
             <a:r>
               <a:rPr lang="en-US" dirty="0" smtClean="0"/>
-              <a:t>Configuration (</a:t>
-            </a:r>
-            <a:r>
-              <a:rPr lang="en-US" dirty="0" err="1" smtClean="0"/>
-              <a:t>contd</a:t>
-            </a:r>
-            <a:r>
-              <a:rPr lang="en-US" dirty="0" smtClean="0"/>
-              <a:t>)</a:t>
+              <a:t>Configuration(two ways)</a:t>
             </a:r>
             <a:endParaRPr lang="en-US" dirty="0"/>
           </a:p>
@@ -15986,26 +18051,263 @@
           <a:bodyPr/>
           <a:lstStyle/>
           <a:p>
-            <a:r>
-              <a:rPr lang="en-US" dirty="0"/>
-              <a:t>Configuration file is a simple JSON file that specifies which </a:t>
-            </a:r>
-            <a:r>
-              <a:rPr lang="en-US" dirty="0" err="1"/>
+            <a:pPr lvl="0"/>
+            <a:r>
+              <a:rPr lang="en-US" b="1" dirty="0" smtClean="0"/>
+              <a:t>Using Configuration </a:t>
+            </a:r>
+            <a:r>
+              <a:rPr lang="en-US" b="1" dirty="0" smtClean="0"/>
+              <a:t>File</a:t>
+            </a:r>
+          </a:p>
+          <a:p>
+            <a:pPr marL="0" indent="0">
+              <a:buNone/>
+            </a:pPr>
+            <a:r>
+              <a:rPr lang="en-US" b="1" dirty="0"/>
+              <a:t> </a:t>
+            </a:r>
+            <a:r>
+              <a:rPr lang="en-US" b="1" dirty="0" smtClean="0"/>
+              <a:t>  </a:t>
+            </a:r>
+            <a:r>
+              <a:rPr lang="en-US" dirty="0" smtClean="0"/>
+              <a:t> </a:t>
+            </a:r>
+            <a:r>
+              <a:rPr lang="en-US" sz="2000" dirty="0" smtClean="0"/>
+              <a:t>a) </a:t>
+            </a:r>
+            <a:r>
+              <a:rPr lang="en-US" sz="2000" dirty="0"/>
+              <a:t>Use a special file .</a:t>
+            </a:r>
+            <a:r>
+              <a:rPr lang="en-US" sz="2000" dirty="0" err="1"/>
+              <a:t>jshintrc</a:t>
+            </a:r>
+            <a:r>
+              <a:rPr lang="en-US" sz="2000" dirty="0"/>
+              <a:t> (</a:t>
+            </a:r>
+            <a:r>
+              <a:rPr lang="en-US" sz="2000" b="1" dirty="0"/>
+              <a:t>default and recommended</a:t>
+            </a:r>
+            <a:r>
+              <a:rPr lang="en-US" sz="2000" dirty="0" smtClean="0"/>
+              <a:t>)</a:t>
+            </a:r>
+            <a:endParaRPr lang="en-US" sz="2000" b="1" dirty="0" smtClean="0"/>
+          </a:p>
+          <a:p>
+            <a:pPr marL="0" indent="0">
+              <a:buNone/>
+            </a:pPr>
+            <a:r>
+              <a:rPr lang="en-US" sz="2000" dirty="0" smtClean="0"/>
+              <a:t>     b) Specify </a:t>
+            </a:r>
+            <a:r>
+              <a:rPr lang="en-US" sz="2000" dirty="0"/>
+              <a:t>configuration file manually via the  --</a:t>
+            </a:r>
+            <a:r>
+              <a:rPr lang="en-US" sz="2000" dirty="0" err="1"/>
+              <a:t>config</a:t>
+            </a:r>
+            <a:r>
+              <a:rPr lang="en-US" sz="2000" dirty="0"/>
+              <a:t> flag</a:t>
+            </a:r>
+            <a:r>
+              <a:rPr lang="en-US" sz="2000" dirty="0" smtClean="0"/>
+              <a:t>.</a:t>
+            </a:r>
+          </a:p>
+          <a:p>
+            <a:pPr marL="0" indent="0">
+              <a:buNone/>
+            </a:pPr>
+            <a:r>
+              <a:rPr lang="en-US" sz="2000" dirty="0"/>
+              <a:t> </a:t>
+            </a:r>
+            <a:r>
+              <a:rPr lang="en-US" sz="2000" dirty="0" smtClean="0"/>
+              <a:t>        Use this format:  </a:t>
+            </a:r>
+            <a:r>
+              <a:rPr lang="en-US" sz="2000" dirty="0" err="1" smtClean="0">
+                <a:solidFill>
+                  <a:schemeClr val="accent6"/>
+                </a:solidFill>
+              </a:rPr>
+              <a:t>jshint</a:t>
+            </a:r>
+            <a:r>
+              <a:rPr lang="en-US" sz="2000" dirty="0" smtClean="0">
+                <a:solidFill>
+                  <a:schemeClr val="accent6"/>
+                </a:solidFill>
+              </a:rPr>
+              <a:t> [file name] --</a:t>
+            </a:r>
+            <a:r>
+              <a:rPr lang="en-US" sz="2000" dirty="0" err="1" smtClean="0">
+                <a:solidFill>
+                  <a:schemeClr val="accent6"/>
+                </a:solidFill>
+              </a:rPr>
+              <a:t>config</a:t>
+            </a:r>
+            <a:r>
+              <a:rPr lang="en-US" sz="2000" dirty="0" smtClean="0">
+                <a:solidFill>
+                  <a:schemeClr val="accent6"/>
+                </a:solidFill>
+              </a:rPr>
+              <a:t> [</a:t>
+            </a:r>
+            <a:r>
+              <a:rPr lang="en-US" sz="2000" dirty="0" err="1" smtClean="0">
+                <a:solidFill>
+                  <a:schemeClr val="accent6"/>
+                </a:solidFill>
+              </a:rPr>
+              <a:t>config</a:t>
+            </a:r>
+            <a:r>
+              <a:rPr lang="en-US" sz="2000" dirty="0" smtClean="0">
+                <a:solidFill>
+                  <a:schemeClr val="accent6"/>
+                </a:solidFill>
+              </a:rPr>
+              <a:t> file name]</a:t>
+            </a:r>
+            <a:endParaRPr lang="en-US" sz="2000" dirty="0">
+              <a:solidFill>
+                <a:schemeClr val="accent6"/>
+              </a:solidFill>
+            </a:endParaRPr>
+          </a:p>
+          <a:p>
+            <a:pPr marL="0" lvl="0" indent="0">
+              <a:buNone/>
+            </a:pPr>
+            <a:r>
+              <a:rPr lang="en-US" sz="2000" dirty="0"/>
+              <a:t> </a:t>
+            </a:r>
+            <a:r>
+              <a:rPr lang="en-US" sz="2000" dirty="0" smtClean="0"/>
+              <a:t>    c) </a:t>
+            </a:r>
+            <a:r>
+              <a:rPr lang="en-US" sz="2000" dirty="0" smtClean="0"/>
+              <a:t>Put your </a:t>
+            </a:r>
+            <a:r>
+              <a:rPr lang="en-US" sz="2000" dirty="0" err="1"/>
+              <a:t>config</a:t>
+            </a:r>
+            <a:r>
+              <a:rPr lang="en-US" sz="2000" dirty="0"/>
+              <a:t> into your projects </a:t>
+            </a:r>
+            <a:r>
+              <a:rPr lang="en-US" sz="2000" dirty="0" err="1"/>
+              <a:t>package.json</a:t>
+            </a:r>
+            <a:r>
+              <a:rPr lang="en-US" sz="2000" dirty="0"/>
+              <a:t> file under </a:t>
+            </a:r>
+            <a:r>
+              <a:rPr lang="en-US" sz="2000" dirty="0" err="1"/>
+              <a:t>jshintconfig</a:t>
+            </a:r>
+            <a:r>
+              <a:rPr lang="en-US" sz="2000" dirty="0"/>
+              <a:t> </a:t>
+            </a:r>
+            <a:r>
+              <a:rPr lang="en-US" sz="2000" dirty="0"/>
+              <a:t> </a:t>
+            </a:r>
+            <a:r>
+              <a:rPr lang="en-US" sz="2000" dirty="0" smtClean="0"/>
+              <a:t>             	</a:t>
+            </a:r>
+            <a:r>
+              <a:rPr lang="en-US" sz="2000" dirty="0" smtClean="0"/>
+              <a:t>property</a:t>
+            </a:r>
+            <a:r>
+              <a:rPr lang="en-US" sz="2000" dirty="0"/>
+              <a:t>.(For </a:t>
+            </a:r>
+            <a:r>
+              <a:rPr lang="en-US" sz="2000" dirty="0" smtClean="0"/>
+              <a:t>Node </a:t>
+            </a:r>
+            <a:r>
+              <a:rPr lang="en-US" sz="2000" dirty="0" smtClean="0"/>
+              <a:t>project)</a:t>
+            </a:r>
+          </a:p>
+          <a:p>
+            <a:pPr lvl="0"/>
+            <a:r>
+              <a:rPr lang="en-US" b="1" dirty="0" smtClean="0"/>
+              <a:t>Inline Configuration</a:t>
+            </a:r>
+          </a:p>
+          <a:p>
+            <a:pPr marL="0" lvl="0" indent="0">
+              <a:buNone/>
+            </a:pPr>
+            <a:r>
+              <a:rPr lang="en-US" sz="2000" dirty="0" smtClean="0"/>
+              <a:t>In </a:t>
+            </a:r>
+            <a:r>
+              <a:rPr lang="en-US" sz="2000" dirty="0"/>
+              <a:t>addition to using configuration files you can configure </a:t>
+            </a:r>
+            <a:r>
+              <a:rPr lang="en-US" sz="2000" dirty="0" err="1"/>
               <a:t>JSHint</a:t>
             </a:r>
             <a:r>
-              <a:rPr lang="en-US" dirty="0"/>
-              <a:t> options to turn on or off. For example, the following file will enable warnings about undefined and unused variables and tell </a:t>
-            </a:r>
-            <a:r>
-              <a:rPr lang="en-US" dirty="0" err="1"/>
-              <a:t>JSHint</a:t>
-            </a:r>
-            <a:r>
-              <a:rPr lang="en-US" dirty="0"/>
-              <a:t> about a global variable named “angular” as read-only.</a:t>
-            </a:r>
+              <a:rPr lang="en-US" sz="2000" dirty="0"/>
+              <a:t> </a:t>
+            </a:r>
+            <a:r>
+              <a:rPr lang="en-US" sz="2000" dirty="0" smtClean="0"/>
+              <a:t>within </a:t>
+            </a:r>
+            <a:r>
+              <a:rPr lang="en-US" sz="2000" dirty="0"/>
+              <a:t>your files using special comments</a:t>
+            </a:r>
+            <a:r>
+              <a:rPr lang="en-US" sz="2000" dirty="0" smtClean="0"/>
+              <a:t>.</a:t>
+            </a:r>
+          </a:p>
+          <a:p>
+            <a:pPr marL="0" lvl="0" indent="0">
+              <a:buNone/>
+            </a:pPr>
+            <a:endParaRPr lang="en-US" sz="2200" dirty="0" smtClean="0"/>
+          </a:p>
+          <a:p>
+            <a:pPr lvl="0"/>
+            <a:endParaRPr lang="en-US" dirty="0"/>
           </a:p>
           <a:p>
             <a:endParaRPr lang="en-US" dirty="0"/>
@@ -16069,30 +18371,62 @@
       </p:sp>
       <p:pic>
         <p:nvPicPr>
-          <p:cNvPr id="6" name="Picture 5"/>
-          <p:cNvPicPr/>
+          <p:cNvPr id="2050" name="Picture 2"/>
+          <p:cNvPicPr>
+            <a:picLocks noChangeAspect="1" noChangeArrowheads="1"/>
+          </p:cNvPicPr>
           <p:nvPr/>
         </p:nvPicPr>
         <p:blipFill>
-          <a:blip r:embed="rId2"/>
+          <a:blip r:embed="rId3">
+            <a:extLst>
+              <a:ext uri="{28A0092B-C50C-407E-A947-70E740481C1C}">
+                <a14:useLocalDpi xmlns:a14="http://schemas.microsoft.com/office/drawing/2010/main" val="0"/>
+              </a:ext>
+            </a:extLst>
+          </a:blip>
+          <a:srcRect/>
           <a:stretch>
             <a:fillRect/>
           </a:stretch>
         </p:blipFill>
-        <p:spPr>
+        <p:spPr bwMode="auto">
           <a:xfrm>
-            <a:off x="762000" y="2810008"/>
-            <a:ext cx="7696200" cy="2929573"/>
+            <a:off x="4190999" y="4572000"/>
+            <a:ext cx="4517571" cy="1600200"/>
           </a:xfrm>
           <a:prstGeom prst="rect">
             <a:avLst/>
           </a:prstGeom>
+          <a:noFill/>
+          <a:ln>
+            <a:noFill/>
+          </a:ln>
+          <a:extLst>
+            <a:ext uri="{909E8E84-426E-40DD-AFC4-6F175D3DCCD1}">
+              <a14:hiddenFill xmlns:a14="http://schemas.microsoft.com/office/drawing/2010/main">
+                <a:solidFill>
+                  <a:schemeClr val="accent1"/>
+                </a:solidFill>
+              </a14:hiddenFill>
+            </a:ext>
+            <a:ext uri="{91240B29-F687-4F45-9708-019B960494DF}">
+              <a14:hiddenLine xmlns:a14="http://schemas.microsoft.com/office/drawing/2010/main" w="9525">
+                <a:solidFill>
+                  <a:schemeClr val="tx1"/>
+                </a:solidFill>
+                <a:miter lim="800000"/>
+                <a:headEnd/>
+                <a:tailEnd/>
+              </a14:hiddenLine>
+            </a:ext>
+          </a:extLst>
         </p:spPr>
       </p:pic>
     </p:spTree>
     <p:extLst>
       <p:ext uri="{BB962C8B-B14F-4D97-AF65-F5344CB8AC3E}">
-        <p14:creationId xmlns:p14="http://schemas.microsoft.com/office/powerpoint/2010/main" val="1268753788"/>
+        <p14:creationId xmlns:p14="http://schemas.microsoft.com/office/powerpoint/2010/main" val="1193502121"/>
       </p:ext>
     </p:extLst>
   </p:cSld>
@@ -16142,12 +18476,16 @@
           <a:lstStyle/>
           <a:p>
             <a:r>
-              <a:rPr lang="en-US" dirty="0" err="1" smtClean="0"/>
+              <a:rPr lang="en-US" dirty="0" err="1"/>
               <a:t>JSHint</a:t>
             </a:r>
             <a:r>
+              <a:rPr lang="en-US" dirty="0"/>
+              <a:t> </a:t>
+            </a:r>
+            <a:r>
               <a:rPr lang="en-US" dirty="0" smtClean="0"/>
-              <a:t> Configuration (</a:t>
+              <a:t>Configuration (</a:t>
             </a:r>
             <a:r>
               <a:rPr lang="en-US" dirty="0" err="1" smtClean="0"/>
@@ -16173,37 +18511,264 @@
         </p:nvSpPr>
         <p:spPr/>
         <p:txBody>
-          <a:bodyPr/>
+          <a:bodyPr>
+            <a:normAutofit lnSpcReduction="10000"/>
+          </a:bodyPr>
           <a:lstStyle/>
           <a:p>
             <a:r>
               <a:rPr lang="en-US" b="1" dirty="0"/>
-              <a:t>Inline </a:t>
-            </a:r>
-            <a:r>
-              <a:rPr lang="en-US" b="1" dirty="0" smtClean="0"/>
-              <a:t>configuration in </a:t>
-            </a:r>
-            <a:r>
-              <a:rPr lang="en-US" b="1" dirty="0" err="1" smtClean="0"/>
-              <a:t>javascript</a:t>
-            </a:r>
-            <a:r>
-              <a:rPr lang="en-US" b="1" dirty="0" smtClean="0"/>
-              <a:t> file</a:t>
-            </a:r>
-          </a:p>
-          <a:p>
-            <a:endParaRPr lang="en-US" b="1" dirty="0"/>
-          </a:p>
-          <a:p>
-            <a:pPr marL="0" indent="0">
+              <a:t>Configuration file </a:t>
+            </a:r>
+            <a:r>
+              <a:rPr lang="en-US" dirty="0"/>
+              <a:t>is a simple JSON file that specifies which </a:t>
+            </a:r>
+            <a:r>
+              <a:rPr lang="en-US" dirty="0" err="1"/>
+              <a:t>JSHint</a:t>
+            </a:r>
+            <a:r>
+              <a:rPr lang="en-US" dirty="0"/>
+              <a:t> options to turn on or off. For example, the following file will enable warnings about undefined and unused variables and tell </a:t>
+            </a:r>
+            <a:r>
+              <a:rPr lang="en-US" dirty="0" err="1"/>
+              <a:t>JSHint</a:t>
+            </a:r>
+            <a:r>
+              <a:rPr lang="en-US" dirty="0"/>
+              <a:t> about a global variable named “angular” as read-only</a:t>
+            </a:r>
+            <a:r>
+              <a:rPr lang="en-US" dirty="0" smtClean="0"/>
+              <a:t>.</a:t>
+            </a:r>
+          </a:p>
+          <a:p>
+            <a:endParaRPr lang="en-US" dirty="0"/>
+          </a:p>
+          <a:p>
+            <a:pPr marL="284215" lvl="1" indent="0">
               <a:buNone/>
             </a:pPr>
             <a:r>
-              <a:rPr lang="en-US" dirty="0" smtClean="0"/>
+              <a:rPr lang="en-US" dirty="0" smtClean="0">
+                <a:solidFill>
+                  <a:schemeClr val="accent6"/>
+                </a:solidFill>
+              </a:rPr>
+              <a:t>		{</a:t>
+            </a:r>
+            <a:endParaRPr lang="en-US" dirty="0">
+              <a:solidFill>
+                <a:schemeClr val="accent6"/>
+              </a:solidFill>
+            </a:endParaRPr>
+          </a:p>
+          <a:p>
+            <a:pPr marL="284215" lvl="1" indent="0">
+              <a:buNone/>
+            </a:pPr>
+            <a:r>
+              <a:rPr lang="en-US" dirty="0">
+                <a:solidFill>
+                  <a:schemeClr val="accent6"/>
+                </a:solidFill>
+              </a:rPr>
+              <a:t>  </a:t>
+            </a:r>
+            <a:r>
+              <a:rPr lang="en-US" dirty="0" smtClean="0">
+                <a:solidFill>
+                  <a:schemeClr val="accent6"/>
+                </a:solidFill>
+              </a:rPr>
+              <a:t>		      "</a:t>
+            </a:r>
+            <a:r>
+              <a:rPr lang="en-US" dirty="0">
+                <a:solidFill>
+                  <a:schemeClr val="accent6"/>
+                </a:solidFill>
+              </a:rPr>
+              <a:t>unused" : true,</a:t>
+            </a:r>
+          </a:p>
+          <a:p>
+            <a:pPr marL="284215" lvl="1" indent="0">
+              <a:buNone/>
+            </a:pPr>
+            <a:r>
+              <a:rPr lang="en-US" dirty="0">
+                <a:solidFill>
+                  <a:schemeClr val="accent6"/>
+                </a:solidFill>
+              </a:rPr>
+              <a:t>  </a:t>
+            </a:r>
+            <a:r>
+              <a:rPr lang="en-US" dirty="0" smtClean="0">
+                <a:solidFill>
+                  <a:schemeClr val="accent6"/>
+                </a:solidFill>
+              </a:rPr>
+              <a:t>		      "</a:t>
+            </a:r>
+            <a:r>
+              <a:rPr lang="en-US" dirty="0" err="1">
+                <a:solidFill>
+                  <a:schemeClr val="accent6"/>
+                </a:solidFill>
+              </a:rPr>
+              <a:t>undef</a:t>
+            </a:r>
+            <a:r>
+              <a:rPr lang="en-US" dirty="0">
+                <a:solidFill>
+                  <a:schemeClr val="accent6"/>
+                </a:solidFill>
+              </a:rPr>
+              <a:t>"  : </a:t>
+            </a:r>
+            <a:r>
+              <a:rPr lang="en-US" dirty="0" smtClean="0">
+                <a:solidFill>
+                  <a:schemeClr val="accent6"/>
+                </a:solidFill>
+              </a:rPr>
+              <a:t>true,</a:t>
+            </a:r>
+            <a:endParaRPr lang="en-US" dirty="0">
+              <a:solidFill>
+                <a:schemeClr val="accent6"/>
+              </a:solidFill>
+            </a:endParaRPr>
+          </a:p>
+          <a:p>
+            <a:pPr marL="284215" lvl="1" indent="0">
+              <a:buNone/>
+            </a:pPr>
+            <a:endParaRPr lang="en-US" dirty="0">
+              <a:solidFill>
+                <a:schemeClr val="accent6"/>
+              </a:solidFill>
+            </a:endParaRPr>
+          </a:p>
+          <a:p>
+            <a:pPr marL="284215" lvl="1" indent="0">
+              <a:buNone/>
+            </a:pPr>
+            <a:r>
+              <a:rPr lang="en-US" dirty="0">
+                <a:solidFill>
+                  <a:schemeClr val="accent6"/>
+                </a:solidFill>
+              </a:rPr>
+              <a:t>  </a:t>
+            </a:r>
+            <a:r>
+              <a:rPr lang="en-US" dirty="0" smtClean="0">
+                <a:solidFill>
+                  <a:schemeClr val="accent6"/>
+                </a:solidFill>
+              </a:rPr>
+              <a:t>                                 "</a:t>
+            </a:r>
+            <a:r>
+              <a:rPr lang="en-US" dirty="0" err="1">
+                <a:solidFill>
+                  <a:schemeClr val="accent6"/>
+                </a:solidFill>
+              </a:rPr>
+              <a:t>globals</a:t>
+            </a:r>
+            <a:r>
+              <a:rPr lang="en-US" dirty="0">
+                <a:solidFill>
+                  <a:schemeClr val="accent6"/>
+                </a:solidFill>
+              </a:rPr>
+              <a:t>": {</a:t>
+            </a:r>
+          </a:p>
+          <a:p>
+            <a:pPr marL="284215" lvl="1" indent="0">
+              <a:buNone/>
+            </a:pPr>
+            <a:r>
+              <a:rPr lang="en-US" dirty="0">
+                <a:solidFill>
+                  <a:schemeClr val="accent6"/>
+                </a:solidFill>
+              </a:rPr>
+              <a:t>  	</a:t>
+            </a:r>
+            <a:r>
+              <a:rPr lang="en-US" dirty="0" smtClean="0">
+                <a:solidFill>
+                  <a:schemeClr val="accent6"/>
+                </a:solidFill>
+              </a:rPr>
+              <a:t>                              "</a:t>
+            </a:r>
+            <a:r>
+              <a:rPr lang="en-US" dirty="0">
+                <a:solidFill>
+                  <a:schemeClr val="accent6"/>
+                </a:solidFill>
+              </a:rPr>
+              <a:t>angular" : false</a:t>
+            </a:r>
+          </a:p>
+          <a:p>
+            <a:pPr marL="284215" lvl="1" indent="0">
+              <a:buNone/>
+            </a:pPr>
+            <a:r>
+              <a:rPr lang="en-US" dirty="0">
+                <a:solidFill>
+                  <a:schemeClr val="accent6"/>
+                </a:solidFill>
+              </a:rPr>
               <a:t> </a:t>
             </a:r>
+            <a:r>
+              <a:rPr lang="en-US" dirty="0" smtClean="0">
+                <a:solidFill>
+                  <a:schemeClr val="accent6"/>
+                </a:solidFill>
+              </a:rPr>
+              <a:t>                                    </a:t>
+            </a:r>
+            <a:r>
+              <a:rPr lang="en-US" dirty="0">
+                <a:solidFill>
+                  <a:schemeClr val="accent6"/>
+                </a:solidFill>
+              </a:rPr>
+              <a:t>}</a:t>
+            </a:r>
+          </a:p>
+          <a:p>
+            <a:pPr marL="284215" lvl="1" indent="0">
+              <a:buNone/>
+            </a:pPr>
+            <a:r>
+              <a:rPr lang="en-US" dirty="0" smtClean="0">
+                <a:solidFill>
+                  <a:schemeClr val="accent6"/>
+                </a:solidFill>
+              </a:rPr>
+              <a:t>                            }</a:t>
+            </a:r>
+            <a:endParaRPr lang="en-US" dirty="0">
+              <a:solidFill>
+                <a:schemeClr val="accent6"/>
+              </a:solidFill>
+            </a:endParaRPr>
+          </a:p>
+          <a:p>
             <a:endParaRPr lang="en-US" dirty="0"/>
           </a:p>
         </p:txBody>
@@ -16263,64 +18828,10 @@
           </a:p>
         </p:txBody>
       </p:sp>
-      <p:pic>
-        <p:nvPicPr>
-          <p:cNvPr id="1026" name="Picture 2"/>
-          <p:cNvPicPr>
-            <a:picLocks noChangeAspect="1" noChangeArrowheads="1"/>
-          </p:cNvPicPr>
-          <p:nvPr/>
-        </p:nvPicPr>
-        <p:blipFill>
-          <a:blip r:embed="rId3">
-            <a:extLst>
-              <a:ext uri="{28A0092B-C50C-407E-A947-70E740481C1C}">
-                <a14:useLocalDpi xmlns:a14="http://schemas.microsoft.com/office/drawing/2010/main" val="0"/>
-              </a:ext>
-            </a:extLst>
-          </a:blip>
-          <a:srcRect/>
-          <a:stretch>
-            <a:fillRect/>
-          </a:stretch>
-        </p:blipFill>
-        <p:spPr bwMode="auto">
-          <a:xfrm>
-            <a:off x="838200" y="1601193"/>
-            <a:ext cx="7086600" cy="4693572"/>
-          </a:xfrm>
-          <a:prstGeom prst="rect">
-            <a:avLst/>
-          </a:prstGeom>
-          <a:noFill/>
-          <a:ln>
-            <a:noFill/>
-          </a:ln>
-          <a:extLst>
-            <a:ext uri="{909E8E84-426E-40DD-AFC4-6F175D3DCCD1}">
-              <a14:hiddenFill xmlns:a14="http://schemas.microsoft.com/office/drawing/2010/main">
-                <a:solidFill>
-                  <a:schemeClr val="accent1"/>
-                </a:solidFill>
-              </a14:hiddenFill>
-            </a:ext>
-            <a:ext uri="{91240B29-F687-4F45-9708-019B960494DF}">
-              <a14:hiddenLine xmlns:a14="http://schemas.microsoft.com/office/drawing/2010/main" w="9525">
-                <a:solidFill>
-                  <a:schemeClr val="tx1"/>
-                </a:solidFill>
-                <a:miter lim="800000"/>
-                <a:headEnd/>
-                <a:tailEnd/>
-              </a14:hiddenLine>
-            </a:ext>
-          </a:extLst>
-        </p:spPr>
-      </p:pic>
     </p:spTree>
     <p:extLst>
       <p:ext uri="{BB962C8B-B14F-4D97-AF65-F5344CB8AC3E}">
-        <p14:creationId xmlns:p14="http://schemas.microsoft.com/office/powerpoint/2010/main" val="2001880941"/>
+        <p14:creationId xmlns:p14="http://schemas.microsoft.com/office/powerpoint/2010/main" val="1268753788"/>
       </p:ext>
     </p:extLst>
   </p:cSld>

--- a/EIMS/doc/JSHint TOI.pptx
+++ b/EIMS/doc/JSHint TOI.pptx
@@ -966,81 +966,6 @@
               <a:tabLst/>
               <a:defRPr/>
             </a:pPr>
-            <a:r>
-              <a:rPr lang="en-US" b="1" dirty="0" smtClean="0">
-                <a:solidFill>
-                  <a:srgbClr val="00B050"/>
-                </a:solidFill>
-              </a:rPr>
-              <a:t>Enforcing Options</a:t>
-            </a:r>
-            <a:r>
-              <a:rPr lang="en-US" b="1" baseline="0" dirty="0" smtClean="0">
-                <a:solidFill>
-                  <a:srgbClr val="00B050"/>
-                </a:solidFill>
-              </a:rPr>
-              <a:t> </a:t>
-            </a:r>
-            <a:r>
-              <a:rPr lang="en-US" baseline="0" dirty="0" smtClean="0"/>
-              <a:t>:</a:t>
-            </a:r>
-            <a:r>
-              <a:rPr lang="en-US" dirty="0" smtClean="0"/>
-              <a:t>When set to true, these options will make </a:t>
-            </a:r>
-            <a:r>
-              <a:rPr lang="en-US" dirty="0" err="1" smtClean="0"/>
-              <a:t>JSHint</a:t>
-            </a:r>
-            <a:r>
-              <a:rPr lang="en-US" dirty="0" smtClean="0"/>
-              <a:t> produce more warnings about your code.</a:t>
-            </a:r>
-          </a:p>
-          <a:p>
-            <a:pPr marL="0" marR="0" indent="0" algn="l" defTabSz="914400" rtl="0" eaLnBrk="0" fontAlgn="base" latinLnBrk="0" hangingPunct="0">
-              <a:lnSpc>
-                <a:spcPct val="90000"/>
-              </a:lnSpc>
-              <a:spcBef>
-                <a:spcPct val="20000"/>
-              </a:spcBef>
-              <a:spcAft>
-                <a:spcPct val="20000"/>
-              </a:spcAft>
-              <a:buClrTx/>
-              <a:buSzTx/>
-              <a:buFontTx/>
-              <a:buNone/>
-              <a:tabLst/>
-              <a:defRPr/>
-            </a:pPr>
-            <a:r>
-              <a:rPr lang="en-US" b="1" dirty="0" smtClean="0"/>
-              <a:t>Relaxing Options</a:t>
-            </a:r>
-            <a:r>
-              <a:rPr lang="en-US" dirty="0" smtClean="0"/>
-              <a:t>: </a:t>
-            </a:r>
-            <a:r>
-              <a:rPr lang="en-US" b="1" dirty="0" smtClean="0"/>
-              <a:t>Environments</a:t>
-            </a:r>
-            <a:r>
-              <a:rPr lang="en-US" dirty="0" smtClean="0"/>
-              <a:t>:  These options let </a:t>
-            </a:r>
-            <a:r>
-              <a:rPr lang="en-US" dirty="0" err="1" smtClean="0"/>
-              <a:t>JSHint</a:t>
-            </a:r>
-            <a:r>
-              <a:rPr lang="en-US" dirty="0" smtClean="0"/>
-              <a:t> know about some pre-defined global variables.</a:t>
-            </a:r>
             <a:endParaRPr lang="en-US" dirty="0"/>
           </a:p>
         </p:txBody>
@@ -1421,77 +1346,70 @@
       </p:grpSpPr>
       <p:sp>
         <p:nvSpPr>
-          <p:cNvPr id="54274" name="Rectangle 7"/>
-          <p:cNvSpPr>
-            <a:spLocks noGrp="1" noChangeArrowheads="1"/>
-          </p:cNvSpPr>
-          <p:nvPr>
-            <p:ph type="sldNum" sz="quarter" idx="5"/>
-          </p:nvPr>
-        </p:nvSpPr>
-        <p:spPr>
-          <a:noFill/>
-        </p:spPr>
+          <p:cNvPr id="2" name="Slide Image Placeholder 1"/>
+          <p:cNvSpPr>
+            <a:spLocks noGrp="1" noRot="1" noChangeAspect="1"/>
+          </p:cNvSpPr>
+          <p:nvPr>
+            <p:ph type="sldImg"/>
+          </p:nvPr>
+        </p:nvSpPr>
+        <p:spPr/>
+      </p:sp>
+      <p:sp>
+        <p:nvSpPr>
+          <p:cNvPr id="3" name="Notes Placeholder 2"/>
+          <p:cNvSpPr>
+            <a:spLocks noGrp="1"/>
+          </p:cNvSpPr>
+          <p:nvPr>
+            <p:ph type="body" idx="1"/>
+          </p:nvPr>
+        </p:nvSpPr>
+        <p:spPr/>
         <p:txBody>
           <a:bodyPr/>
           <a:lstStyle/>
           <a:p>
-            <a:fld id="{6698ED02-3EBA-4AEA-92C7-B8D5D775CAF5}" type="slidenum">
+            <a:endParaRPr lang="en-US" dirty="0"/>
+          </a:p>
+        </p:txBody>
+      </p:sp>
+      <p:sp>
+        <p:nvSpPr>
+          <p:cNvPr id="4" name="Slide Number Placeholder 3"/>
+          <p:cNvSpPr>
+            <a:spLocks noGrp="1"/>
+          </p:cNvSpPr>
+          <p:nvPr>
+            <p:ph type="sldNum" sz="quarter" idx="10"/>
+          </p:nvPr>
+        </p:nvSpPr>
+        <p:spPr/>
+        <p:txBody>
+          <a:bodyPr/>
+          <a:lstStyle/>
+          <a:p>
+            <a:pPr>
+              <a:defRPr/>
+            </a:pPr>
+            <a:fld id="{CEA96130-80FE-450A-9D6E-2375B464A403}" type="slidenum">
               <a:rPr lang="en-US" smtClean="0"/>
-              <a:pPr/>
-              <a:t>17</a:t>
+              <a:pPr>
+                <a:defRPr/>
+              </a:pPr>
+              <a:t>16</a:t>
             </a:fld>
-            <a:endParaRPr lang="en-US" smtClean="0"/>
-          </a:p>
-        </p:txBody>
-      </p:sp>
-      <p:sp>
-        <p:nvSpPr>
-          <p:cNvPr id="5" name="Notes Placeholder 4"/>
-          <p:cNvSpPr>
-            <a:spLocks noGrp="1"/>
-          </p:cNvSpPr>
-          <p:nvPr>
-            <p:ph type="body" sz="quarter" idx="10"/>
-          </p:nvPr>
-        </p:nvSpPr>
-        <p:spPr/>
-        <p:txBody>
-          <a:bodyPr>
-            <a:normAutofit/>
-          </a:bodyPr>
-          <a:lstStyle/>
-          <a:p>
-            <a:pPr>
-              <a:spcBef>
-                <a:spcPts val="0"/>
-              </a:spcBef>
-              <a:spcAft>
-                <a:spcPts val="0"/>
-              </a:spcAft>
-            </a:pPr>
-            <a:endParaRPr lang="en-US" dirty="0" smtClean="0"/>
-          </a:p>
-        </p:txBody>
-      </p:sp>
-      <p:sp>
-        <p:nvSpPr>
-          <p:cNvPr id="6" name="Slide Image Placeholder 5"/>
-          <p:cNvSpPr>
-            <a:spLocks noGrp="1" noRot="1" noChangeAspect="1"/>
-          </p:cNvSpPr>
-          <p:nvPr>
-            <p:ph type="sldImg"/>
-          </p:nvPr>
-        </p:nvSpPr>
-        <p:spPr>
-          <a:xfrm>
-            <a:off x="1558925" y="284163"/>
-            <a:ext cx="3740150" cy="2805112"/>
-          </a:xfrm>
-        </p:spPr>
+            <a:endParaRPr lang="en-US" dirty="0"/>
+          </a:p>
+        </p:txBody>
       </p:sp>
     </p:spTree>
+    <p:extLst>
+      <p:ext uri="{BB962C8B-B14F-4D97-AF65-F5344CB8AC3E}">
+        <p14:creationId xmlns:p14="http://schemas.microsoft.com/office/powerpoint/2010/main" val="1673630306"/>
+      </p:ext>
+    </p:extLst>
   </p:cSld>
   <p:clrMapOvr>
     <a:masterClrMapping/>
@@ -1518,6 +1436,103 @@
       </p:grpSpPr>
       <p:sp>
         <p:nvSpPr>
+          <p:cNvPr id="54274" name="Rectangle 7"/>
+          <p:cNvSpPr>
+            <a:spLocks noGrp="1" noChangeArrowheads="1"/>
+          </p:cNvSpPr>
+          <p:nvPr>
+            <p:ph type="sldNum" sz="quarter" idx="5"/>
+          </p:nvPr>
+        </p:nvSpPr>
+        <p:spPr>
+          <a:noFill/>
+        </p:spPr>
+        <p:txBody>
+          <a:bodyPr/>
+          <a:lstStyle/>
+          <a:p>
+            <a:fld id="{6698ED02-3EBA-4AEA-92C7-B8D5D775CAF5}" type="slidenum">
+              <a:rPr lang="en-US" smtClean="0"/>
+              <a:pPr/>
+              <a:t>17</a:t>
+            </a:fld>
+            <a:endParaRPr lang="en-US" smtClean="0"/>
+          </a:p>
+        </p:txBody>
+      </p:sp>
+      <p:sp>
+        <p:nvSpPr>
+          <p:cNvPr id="5" name="Notes Placeholder 4"/>
+          <p:cNvSpPr>
+            <a:spLocks noGrp="1"/>
+          </p:cNvSpPr>
+          <p:nvPr>
+            <p:ph type="body" sz="quarter" idx="10"/>
+          </p:nvPr>
+        </p:nvSpPr>
+        <p:spPr/>
+        <p:txBody>
+          <a:bodyPr>
+            <a:normAutofit/>
+          </a:bodyPr>
+          <a:lstStyle/>
+          <a:p>
+            <a:pPr>
+              <a:spcBef>
+                <a:spcPts val="0"/>
+              </a:spcBef>
+              <a:spcAft>
+                <a:spcPts val="0"/>
+              </a:spcAft>
+            </a:pPr>
+            <a:endParaRPr lang="en-US" dirty="0" smtClean="0"/>
+          </a:p>
+        </p:txBody>
+      </p:sp>
+      <p:sp>
+        <p:nvSpPr>
+          <p:cNvPr id="6" name="Slide Image Placeholder 5"/>
+          <p:cNvSpPr>
+            <a:spLocks noGrp="1" noRot="1" noChangeAspect="1"/>
+          </p:cNvSpPr>
+          <p:nvPr>
+            <p:ph type="sldImg"/>
+          </p:nvPr>
+        </p:nvSpPr>
+        <p:spPr>
+          <a:xfrm>
+            <a:off x="1558925" y="284163"/>
+            <a:ext cx="3740150" cy="2805112"/>
+          </a:xfrm>
+        </p:spPr>
+      </p:sp>
+    </p:spTree>
+  </p:cSld>
+  <p:clrMapOvr>
+    <a:masterClrMapping/>
+  </p:clrMapOvr>
+</p:notes>
+</file>
+
+<file path=ppt/notesSlides/notesSlide16.xml><?xml version="1.0" encoding="utf-8"?>
+<p:notes xmlns:a="http://schemas.openxmlformats.org/drawingml/2006/main" xmlns:r="http://schemas.openxmlformats.org/officeDocument/2006/relationships" xmlns:p="http://schemas.openxmlformats.org/presentationml/2006/main">
+  <p:cSld>
+    <p:spTree>
+      <p:nvGrpSpPr>
+        <p:cNvPr id="1" name=""/>
+        <p:cNvGrpSpPr/>
+        <p:nvPr/>
+      </p:nvGrpSpPr>
+      <p:grpSpPr>
+        <a:xfrm>
+          <a:off x="0" y="0"/>
+          <a:ext cx="0" cy="0"/>
+          <a:chOff x="0" y="0"/>
+          <a:chExt cx="0" cy="0"/>
+        </a:xfrm>
+      </p:grpSpPr>
+      <p:sp>
+        <p:nvSpPr>
           <p:cNvPr id="2" name="Slide Image Placeholder 1"/>
           <p:cNvSpPr>
             <a:spLocks noGrp="1" noRot="1" noChangeAspect="1"/>
@@ -1610,7 +1625,7 @@
 </p:notes>
 </file>
 
-<file path=ppt/notesSlides/notesSlide16.xml><?xml version="1.0" encoding="utf-8"?>
+<file path=ppt/notesSlides/notesSlide17.xml><?xml version="1.0" encoding="utf-8"?>
 <p:notes xmlns:a="http://schemas.openxmlformats.org/drawingml/2006/main" xmlns:r="http://schemas.openxmlformats.org/officeDocument/2006/relationships" xmlns:p="http://schemas.openxmlformats.org/presentationml/2006/main">
   <p:cSld>
     <p:spTree>
@@ -3176,13 +3191,6 @@
           </a:p>
           <a:p>
             <a:endParaRPr lang="en-US" dirty="0" smtClean="0"/>
-          </a:p>
-          <a:p>
-            <a:r>
-              <a:rPr lang="en-US" dirty="0" smtClean="0"/>
-              <a:t>You can also blacklist certain global variables to make sure they are not used anywhere in the current file.</a:t>
-            </a:r>
-            <a:endParaRPr lang="en-US" dirty="0"/>
           </a:p>
         </p:txBody>
       </p:sp>
@@ -9034,7 +9042,7 @@
         </p:spPr>
         <p:txBody>
           <a:bodyPr>
-            <a:normAutofit lnSpcReduction="10000"/>
+            <a:normAutofit/>
           </a:bodyPr>
           <a:lstStyle/>
           <a:p>
@@ -9169,30 +9177,6 @@
               <a:rPr lang="en-US" dirty="0"/>
               <a:t> about global variables that are defined elsewhere. </a:t>
             </a:r>
-            <a:r>
-              <a:rPr lang="en-US" dirty="0" smtClean="0"/>
-              <a:t>For example v</a:t>
-            </a:r>
-            <a:r>
-              <a:rPr lang="en-US" dirty="0" smtClean="0"/>
-              <a:t>alue </a:t>
-            </a:r>
-            <a:r>
-              <a:rPr lang="en-US" dirty="0"/>
-              <a:t>is false (default), </a:t>
-            </a:r>
-            <a:r>
-              <a:rPr lang="en-US" dirty="0" err="1"/>
-              <a:t>JSHint</a:t>
-            </a:r>
-            <a:r>
-              <a:rPr lang="en-US" dirty="0"/>
-              <a:t> will consider that variable as </a:t>
-            </a:r>
-            <a:r>
-              <a:rPr lang="en-US" dirty="0" smtClean="0"/>
-              <a:t>read-only.</a:t>
-            </a:r>
             <a:endParaRPr lang="en-US" dirty="0" smtClean="0"/>
           </a:p>
           <a:p>
@@ -9200,20 +9184,36 @@
               <a:buNone/>
             </a:pPr>
             <a:r>
-              <a:rPr lang="en-US" sz="2000" b="1" dirty="0" smtClean="0">
-                <a:solidFill>
-                  <a:schemeClr val="tx1"/>
+              <a:rPr lang="en-US" sz="2000" dirty="0">
+                <a:solidFill>
+                  <a:schemeClr val="accent6"/>
+                </a:solidFill>
+              </a:rPr>
+              <a:t> </a:t>
+            </a:r>
+            <a:r>
+              <a:rPr lang="en-US" sz="2000" dirty="0" smtClean="0">
+                <a:solidFill>
+                  <a:schemeClr val="accent6"/>
                 </a:solidFill>
               </a:rPr>
               <a:t>    </a:t>
             </a:r>
             <a:r>
+              <a:rPr lang="en-US" sz="2000" dirty="0" smtClean="0">
+                <a:solidFill>
+                  <a:schemeClr val="accent6"/>
+                </a:solidFill>
+              </a:rPr>
+              <a:t>/* </a:t>
+            </a:r>
+            <a:r>
               <a:rPr lang="en-US" sz="2000" dirty="0">
                 <a:solidFill>
                   <a:schemeClr val="accent6"/>
                 </a:solidFill>
               </a:rPr>
-              <a:t>/* global MY_LIB: false </a:t>
+              <a:t>global MY_LIB: false </a:t>
             </a:r>
             <a:r>
               <a:rPr lang="en-US" sz="2000" dirty="0" smtClean="0">
@@ -9992,8 +9992,21 @@
                   <a:schemeClr val="accent6"/>
                 </a:solidFill>
               </a:rPr>
-              <a:t>} Maximum error before stopping</a:t>
-            </a:r>
+              <a:t>} Maximum error before </a:t>
+            </a:r>
+            <a:r>
+              <a:rPr lang="en-US" sz="1400" dirty="0" smtClean="0">
+                <a:solidFill>
+                  <a:schemeClr val="accent6"/>
+                </a:solidFill>
+              </a:rPr>
+              <a:t>stopping continual checking</a:t>
+            </a:r>
+            <a:endParaRPr lang="en-US" sz="1400" dirty="0">
+              <a:solidFill>
+                <a:schemeClr val="accent6"/>
+              </a:solidFill>
+            </a:endParaRPr>
           </a:p>
           <a:p>
             <a:pPr marL="0" indent="0" eaLnBrk="0" hangingPunct="0">
@@ -10101,8 +10114,21 @@
                   <a:schemeClr val="accent6"/>
                 </a:solidFill>
               </a:rPr>
-              <a:t> numbers</a:t>
-            </a:r>
+              <a:t> </a:t>
+            </a:r>
+            <a:r>
+              <a:rPr lang="en-US" sz="1400" dirty="0" smtClean="0">
+                <a:solidFill>
+                  <a:schemeClr val="accent6"/>
+                </a:solidFill>
+              </a:rPr>
+              <a:t>numbers for function</a:t>
+            </a:r>
+            <a:endParaRPr lang="en-US" sz="1400" dirty="0">
+              <a:solidFill>
+                <a:schemeClr val="accent6"/>
+              </a:solidFill>
+            </a:endParaRPr>
           </a:p>
           <a:p>
             <a:pPr marL="0" indent="0" eaLnBrk="0" hangingPunct="0">
@@ -10606,31 +10632,47 @@
                   <a:schemeClr val="accent6"/>
                 </a:solidFill>
               </a:rPr>
-              <a:t>    </a:t>
-            </a:r>
-            <a:r>
-              <a:rPr lang="en-US" sz="1800" dirty="0" smtClean="0">
-                <a:solidFill>
-                  <a:schemeClr val="accent6"/>
-                </a:solidFill>
-              </a:rPr>
-              <a:t>"</a:t>
-            </a:r>
-            <a:r>
-              <a:rPr lang="en-US" sz="1800" dirty="0" err="1">
-                <a:solidFill>
-                  <a:schemeClr val="accent6"/>
-                </a:solidFill>
-              </a:rPr>
-              <a:t>eqnull</a:t>
-            </a:r>
-            <a:r>
-              <a:rPr lang="en-US" sz="1800" dirty="0">
-                <a:solidFill>
-                  <a:schemeClr val="accent6"/>
-                </a:solidFill>
-              </a:rPr>
-              <a:t>"        : false,     </a:t>
+              <a:t>    "</a:t>
+            </a:r>
+            <a:r>
+              <a:rPr lang="en-US" sz="2000" dirty="0" err="1">
+                <a:solidFill>
+                  <a:schemeClr val="accent6"/>
+                </a:solidFill>
+              </a:rPr>
+              <a:t>loopfunc</a:t>
+            </a:r>
+            <a:r>
+              <a:rPr lang="en-US" sz="2000" dirty="0">
+                <a:solidFill>
+                  <a:schemeClr val="accent6"/>
+                </a:solidFill>
+              </a:rPr>
+              <a:t>" </a:t>
+            </a:r>
+            <a:r>
+              <a:rPr lang="en-US" sz="2000" dirty="0" smtClean="0">
+                <a:solidFill>
+                  <a:schemeClr val="accent6"/>
+                </a:solidFill>
+              </a:rPr>
+              <a:t>: </a:t>
+            </a:r>
+            <a:r>
+              <a:rPr lang="en-US" sz="2000" dirty="0">
+                <a:solidFill>
+                  <a:schemeClr val="accent6"/>
+                </a:solidFill>
+              </a:rPr>
+              <a:t>false,   </a:t>
+            </a:r>
+            <a:r>
+              <a:rPr lang="en-US" sz="2000" dirty="0" smtClean="0">
+                <a:solidFill>
+                  <a:schemeClr val="accent6"/>
+                </a:solidFill>
+              </a:rPr>
+              <a:t> </a:t>
             </a:r>
             <a:r>
               <a:rPr lang="en-US" sz="1500" dirty="0">
@@ -10638,7 +10680,15 @@
                   <a:schemeClr val="accent6"/>
                 </a:solidFill>
               </a:rPr>
-              <a:t>// true: Tolerate use of `== null`</a:t>
+              <a:t>// true: Tolerate functions being defined in </a:t>
+            </a:r>
+            <a:r>
+              <a:rPr lang="en-US" sz="1500" dirty="0" smtClean="0">
+                <a:solidFill>
+                  <a:schemeClr val="accent6"/>
+                </a:solidFill>
+              </a:rPr>
+              <a:t>loops    </a:t>
             </a:r>
           </a:p>
           <a:p>
@@ -10646,28 +10696,28 @@
               <a:buNone/>
             </a:pPr>
             <a:r>
+              <a:rPr lang="en-US" sz="1800" dirty="0" smtClean="0">
+                <a:solidFill>
+                  <a:schemeClr val="accent6"/>
+                </a:solidFill>
+              </a:rPr>
+              <a:t>    "</a:t>
+            </a:r>
+            <a:r>
+              <a:rPr lang="en-US" sz="1800" dirty="0" err="1">
+                <a:solidFill>
+                  <a:schemeClr val="accent6"/>
+                </a:solidFill>
+              </a:rPr>
+              <a:t>funcscope</a:t>
+            </a:r>
+            <a:r>
               <a:rPr lang="en-US" sz="1800" dirty="0">
                 <a:solidFill>
                   <a:schemeClr val="accent6"/>
                 </a:solidFill>
               </a:rPr>
-              <a:t>    "es5"           </a:t>
-            </a:r>
-            <a:r>
-              <a:rPr lang="en-US" sz="1800" dirty="0" smtClean="0">
-                <a:solidFill>
-                  <a:schemeClr val="accent6"/>
-                </a:solidFill>
-              </a:rPr>
-              <a:t>  : </a:t>
-            </a:r>
-            <a:r>
-              <a:rPr lang="en-US" sz="1800" dirty="0">
-                <a:solidFill>
-                  <a:schemeClr val="accent6"/>
-                </a:solidFill>
-              </a:rPr>
-              <a:t>false,     </a:t>
+              <a:t>" : false,     </a:t>
             </a:r>
             <a:r>
               <a:rPr lang="en-US" sz="1500" dirty="0">
@@ -10675,15 +10725,15 @@
                   <a:schemeClr val="accent6"/>
                 </a:solidFill>
               </a:rPr>
-              <a:t>// true: Allow ES5 syntax (ex: getters and se</a:t>
-            </a:r>
-            <a:r>
-              <a:rPr lang="en-US" sz="1800" dirty="0">
-                <a:solidFill>
-                  <a:schemeClr val="accent6"/>
-                </a:solidFill>
-              </a:rPr>
-              <a:t>tters)</a:t>
+              <a:t>// true: Tolerate defining variables inside control </a:t>
+            </a:r>
+            <a:r>
+              <a:rPr lang="en-US" sz="1500" dirty="0" smtClean="0">
+                <a:solidFill>
+                  <a:schemeClr val="accent6"/>
+                </a:solidFill>
+              </a:rPr>
+              <a:t>statements</a:t>
             </a:r>
           </a:p>
           <a:p>
@@ -10699,28 +10749,20 @@
               <a:t>    "</a:t>
             </a:r>
             <a:r>
+              <a:rPr lang="en-US" sz="1800" dirty="0" err="1">
+                <a:solidFill>
+                  <a:schemeClr val="accent6"/>
+                </a:solidFill>
+              </a:rPr>
+              <a:t>eqnull</a:t>
+            </a:r>
+            <a:r>
               <a:rPr lang="en-US" sz="1800" dirty="0">
                 <a:solidFill>
                   <a:schemeClr val="accent6"/>
                 </a:solidFill>
               </a:rPr>
-              <a:t>evil"          </a:t>
-            </a:r>
-            <a:r>
-              <a:rPr lang="en-US" sz="1800" dirty="0" smtClean="0">
-                <a:solidFill>
-                  <a:schemeClr val="accent6"/>
-                </a:solidFill>
-              </a:rPr>
-              <a:t>   : </a:t>
-            </a:r>
-            <a:r>
-              <a:rPr lang="en-US" sz="1800" dirty="0">
-                <a:solidFill>
-                  <a:schemeClr val="accent6"/>
-                </a:solidFill>
-              </a:rPr>
-              <a:t>false,     </a:t>
+              <a:t>"        : false,     </a:t>
             </a:r>
             <a:r>
               <a:rPr lang="en-US" sz="1500" dirty="0">
@@ -10728,31 +10770,7 @@
                   <a:schemeClr val="accent6"/>
                 </a:solidFill>
               </a:rPr>
-              <a:t>// true: Tolerate use of `</a:t>
-            </a:r>
-            <a:r>
-              <a:rPr lang="en-US" sz="1500" dirty="0" err="1">
-                <a:solidFill>
-                  <a:schemeClr val="accent6"/>
-                </a:solidFill>
-              </a:rPr>
-              <a:t>eval</a:t>
-            </a:r>
-            <a:r>
-              <a:rPr lang="en-US" sz="1500" dirty="0">
-                <a:solidFill>
-                  <a:schemeClr val="accent6"/>
-                </a:solidFill>
-              </a:rPr>
-              <a:t>` and `new Function()</a:t>
-            </a:r>
-            <a:r>
-              <a:rPr lang="en-US" sz="1800" dirty="0">
-                <a:solidFill>
-                  <a:schemeClr val="accent6"/>
-                </a:solidFill>
-              </a:rPr>
-              <a:t>`</a:t>
+              <a:t>// true: Tolerate use of `== null`</a:t>
             </a:r>
           </a:p>
           <a:p>
@@ -10765,7 +10783,7 @@
                   <a:schemeClr val="accent6"/>
                 </a:solidFill>
               </a:rPr>
-              <a:t>    "expr"          </a:t>
+              <a:t>    "es5"           </a:t>
             </a:r>
             <a:r>
               <a:rPr lang="en-US" sz="1800" dirty="0" smtClean="0">
@@ -10773,7 +10791,7 @@
                   <a:schemeClr val="accent6"/>
                 </a:solidFill>
               </a:rPr>
-              <a:t> : </a:t>
+              <a:t>  : </a:t>
             </a:r>
             <a:r>
               <a:rPr lang="en-US" sz="1800" dirty="0">
@@ -10789,23 +10807,15 @@
                   <a:schemeClr val="accent6"/>
                 </a:solidFill>
               </a:rPr>
-              <a:t>// true: Tolerate `</a:t>
-            </a:r>
-            <a:r>
-              <a:rPr lang="en-US" sz="1500" dirty="0" err="1">
-                <a:solidFill>
-                  <a:schemeClr val="accent6"/>
-                </a:solidFill>
-              </a:rPr>
-              <a:t>ExpressionStatement</a:t>
-            </a:r>
-            <a:r>
-              <a:rPr lang="en-US" sz="1500" dirty="0">
-                <a:solidFill>
-                  <a:schemeClr val="accent6"/>
-                </a:solidFill>
-              </a:rPr>
-              <a:t>` as Programs</a:t>
+              <a:t>// true: Allow ES5 syntax (ex: getters and se</a:t>
+            </a:r>
+            <a:r>
+              <a:rPr lang="en-US" sz="1800" dirty="0">
+                <a:solidFill>
+                  <a:schemeClr val="accent6"/>
+                </a:solidFill>
+              </a:rPr>
+              <a:t>tters)</a:t>
             </a:r>
           </a:p>
           <a:p>
@@ -10813,20 +10823,28 @@
               <a:buNone/>
             </a:pPr>
             <a:r>
+              <a:rPr lang="en-US" sz="1800" dirty="0" smtClean="0">
+                <a:solidFill>
+                  <a:schemeClr val="accent6"/>
+                </a:solidFill>
+              </a:rPr>
+              <a:t>    "</a:t>
+            </a:r>
+            <a:r>
               <a:rPr lang="en-US" sz="1800" dirty="0">
                 <a:solidFill>
                   <a:schemeClr val="accent6"/>
                 </a:solidFill>
               </a:rPr>
-              <a:t>    "</a:t>
-            </a:r>
-            <a:r>
-              <a:rPr lang="en-US" sz="1800" dirty="0" err="1">
-                <a:solidFill>
-                  <a:schemeClr val="accent6"/>
-                </a:solidFill>
-              </a:rPr>
-              <a:t>funcscope</a:t>
+              <a:t>evil"          </a:t>
+            </a:r>
+            <a:r>
+              <a:rPr lang="en-US" sz="1800" dirty="0" smtClean="0">
+                <a:solidFill>
+                  <a:schemeClr val="accent6"/>
+                </a:solidFill>
+              </a:rPr>
+              <a:t>   : </a:t>
             </a:r>
             <a:r>
               <a:rPr lang="en-US" sz="1800" dirty="0">
@@ -10834,15 +10852,31 @@
                   <a:schemeClr val="accent6"/>
                 </a:solidFill>
               </a:rPr>
-              <a:t>" </a:t>
-            </a:r>
-            <a:r>
-              <a:rPr lang="en-US" sz="1800" dirty="0" smtClean="0">
-                <a:solidFill>
-                  <a:schemeClr val="accent6"/>
-                </a:solidFill>
-              </a:rPr>
-              <a:t>: </a:t>
+              <a:t>false,     </a:t>
+            </a:r>
+            <a:r>
+              <a:rPr lang="en-US" sz="1500" dirty="0">
+                <a:solidFill>
+                  <a:schemeClr val="accent6"/>
+                </a:solidFill>
+              </a:rPr>
+              <a:t>// true: Tolerate use of `</a:t>
+            </a:r>
+            <a:r>
+              <a:rPr lang="en-US" sz="1500" dirty="0" err="1">
+                <a:solidFill>
+                  <a:schemeClr val="accent6"/>
+                </a:solidFill>
+              </a:rPr>
+              <a:t>eval</a:t>
+            </a:r>
+            <a:r>
+              <a:rPr lang="en-US" sz="1500" dirty="0">
+                <a:solidFill>
+                  <a:schemeClr val="accent6"/>
+                </a:solidFill>
+              </a:rPr>
+              <a:t>` and `new Function()</a:t>
             </a:r>
             <a:r>
               <a:rPr lang="en-US" sz="1800" dirty="0">
@@ -10850,15 +10884,7 @@
                   <a:schemeClr val="accent6"/>
                 </a:solidFill>
               </a:rPr>
-              <a:t>false,     </a:t>
-            </a:r>
-            <a:r>
-              <a:rPr lang="en-US" sz="1500" dirty="0">
-                <a:solidFill>
-                  <a:schemeClr val="accent6"/>
-                </a:solidFill>
-              </a:rPr>
-              <a:t>// true: Tolerate defining variables inside control statements</a:t>
+              <a:t>`</a:t>
             </a:r>
           </a:p>
           <a:p>
@@ -10866,12 +10892,20 @@
               <a:buNone/>
             </a:pPr>
             <a:r>
+              <a:rPr lang="en-US" sz="1800" dirty="0">
+                <a:solidFill>
+                  <a:schemeClr val="accent6"/>
+                </a:solidFill>
+              </a:rPr>
+              <a:t>    "expr"          </a:t>
+            </a:r>
+            <a:r>
               <a:rPr lang="en-US" sz="1800" dirty="0" smtClean="0">
                 <a:solidFill>
                   <a:schemeClr val="accent6"/>
                 </a:solidFill>
               </a:rPr>
-              <a:t>    "</a:t>
+              <a:t> : </a:t>
             </a:r>
             <a:r>
               <a:rPr lang="en-US" sz="1800" dirty="0">
@@ -10879,7 +10913,7 @@
                   <a:schemeClr val="accent6"/>
                 </a:solidFill>
               </a:rPr>
-              <a:t>iterator"      : false,     </a:t>
+              <a:t>false,     </a:t>
             </a:r>
             <a:r>
               <a:rPr lang="en-US" sz="1500" dirty="0">
@@ -10887,7 +10921,23 @@
                   <a:schemeClr val="accent6"/>
                 </a:solidFill>
               </a:rPr>
-              <a:t>// true: Tolerate using the `__iterator__` property</a:t>
+              <a:t>// true: Tolerate `</a:t>
+            </a:r>
+            <a:r>
+              <a:rPr lang="en-US" sz="1500" dirty="0" err="1">
+                <a:solidFill>
+                  <a:schemeClr val="accent6"/>
+                </a:solidFill>
+              </a:rPr>
+              <a:t>ExpressionStatement</a:t>
+            </a:r>
+            <a:r>
+              <a:rPr lang="en-US" sz="1500" dirty="0">
+                <a:solidFill>
+                  <a:schemeClr val="accent6"/>
+                </a:solidFill>
+              </a:rPr>
+              <a:t>` as Programs</a:t>
             </a:r>
           </a:p>
           <a:p>
@@ -10895,44 +10945,20 @@
               <a:buNone/>
             </a:pPr>
             <a:r>
+              <a:rPr lang="en-US" sz="1800" dirty="0" smtClean="0">
+                <a:solidFill>
+                  <a:schemeClr val="accent6"/>
+                </a:solidFill>
+              </a:rPr>
+              <a:t>    "</a:t>
+            </a:r>
+            <a:r>
               <a:rPr lang="en-US" sz="1800" dirty="0">
                 <a:solidFill>
                   <a:schemeClr val="accent6"/>
                 </a:solidFill>
               </a:rPr>
-              <a:t>    "</a:t>
-            </a:r>
-            <a:r>
-              <a:rPr lang="en-US" sz="1800" dirty="0" err="1">
-                <a:solidFill>
-                  <a:schemeClr val="accent6"/>
-                </a:solidFill>
-              </a:rPr>
-              <a:t>lastsemic</a:t>
-            </a:r>
-            <a:r>
-              <a:rPr lang="en-US" sz="1800" dirty="0">
-                <a:solidFill>
-                  <a:schemeClr val="accent6"/>
-                </a:solidFill>
-              </a:rPr>
-              <a:t>"   </a:t>
-            </a:r>
-            <a:r>
-              <a:rPr lang="en-US" sz="1800" dirty="0" smtClean="0">
-                <a:solidFill>
-                  <a:schemeClr val="accent6"/>
-                </a:solidFill>
-              </a:rPr>
-              <a:t>: </a:t>
-            </a:r>
-            <a:r>
-              <a:rPr lang="en-US" sz="1800" dirty="0">
-                <a:solidFill>
-                  <a:schemeClr val="accent6"/>
-                </a:solidFill>
-              </a:rPr>
-              <a:t>false,     </a:t>
+              <a:t>iterator"      : false,     </a:t>
             </a:r>
             <a:r>
               <a:rPr lang="en-US" sz="1500" dirty="0">
@@ -10940,7 +10966,7 @@
                   <a:schemeClr val="accent6"/>
                 </a:solidFill>
               </a:rPr>
-              <a:t>// true: Tolerate omitting a semicolon for the last statement of a 1-line block</a:t>
+              <a:t>// true: Tolerate using the `__iterator__` property</a:t>
             </a:r>
           </a:p>
           <a:p>
@@ -10961,7 +10987,7 @@
                   <a:schemeClr val="accent6"/>
                 </a:solidFill>
               </a:rPr>
-              <a:t>laxbreak</a:t>
+              <a:t>lastsemic</a:t>
             </a:r>
             <a:r>
               <a:rPr lang="en-US" sz="1800" dirty="0">
@@ -10969,7 +10995,7 @@
                   <a:schemeClr val="accent6"/>
                 </a:solidFill>
               </a:rPr>
-              <a:t>"     </a:t>
+              <a:t>"   </a:t>
             </a:r>
             <a:r>
               <a:rPr lang="en-US" sz="1800" dirty="0" smtClean="0">
@@ -10993,7 +11019,7 @@
                   <a:schemeClr val="accent6"/>
                 </a:solidFill>
               </a:rPr>
-              <a:t>// true: Tolerate possibly unsafe line breakings</a:t>
+              <a:t>// true: Tolerate omitting a semicolon for the last statement of a 1-line block</a:t>
             </a:r>
           </a:p>
           <a:p>
@@ -11014,7 +11040,7 @@
                   <a:schemeClr val="accent6"/>
                 </a:solidFill>
               </a:rPr>
-              <a:t>laxcomma</a:t>
+              <a:t>laxbreak</a:t>
             </a:r>
             <a:r>
               <a:rPr lang="en-US" sz="1800" dirty="0">
@@ -11022,7 +11048,7 @@
                   <a:schemeClr val="accent6"/>
                 </a:solidFill>
               </a:rPr>
-              <a:t>"  </a:t>
+              <a:t>"     </a:t>
             </a:r>
             <a:r>
               <a:rPr lang="en-US" sz="1800" dirty="0" smtClean="0">
@@ -11046,7 +11072,7 @@
                   <a:schemeClr val="accent6"/>
                 </a:solidFill>
               </a:rPr>
-              <a:t>// true: Tolerate comma-first style coding</a:t>
+              <a:t>// true: Tolerate possibly unsafe line breakings</a:t>
             </a:r>
           </a:p>
           <a:p>
@@ -11067,7 +11093,7 @@
                   <a:schemeClr val="accent6"/>
                 </a:solidFill>
               </a:rPr>
-              <a:t>loopfunc</a:t>
+              <a:t>laxcomma</a:t>
             </a:r>
             <a:r>
               <a:rPr lang="en-US" sz="1800" dirty="0">
@@ -11075,7 +11101,7 @@
                   <a:schemeClr val="accent6"/>
                 </a:solidFill>
               </a:rPr>
-              <a:t>"     </a:t>
+              <a:t>"  </a:t>
             </a:r>
             <a:r>
               <a:rPr lang="en-US" sz="1800" dirty="0" smtClean="0">
@@ -11099,10 +11125,21 @@
                   <a:schemeClr val="accent6"/>
                 </a:solidFill>
               </a:rPr>
-              <a:t>// true: Tolerate functions being defined in loops</a:t>
-            </a:r>
-          </a:p>
-          <a:p>
+              <a:t>// true: Tolerate comma-first style coding</a:t>
+            </a:r>
+          </a:p>
+          <a:p>
+            <a:pPr marL="0" indent="0">
+              <a:buNone/>
+            </a:pPr>
+            <a:r>
+              <a:rPr lang="en-US" sz="1800" dirty="0">
+                <a:solidFill>
+                  <a:schemeClr val="accent6"/>
+                </a:solidFill>
+              </a:rPr>
+              <a:t>    </a:t>
+            </a:r>
             <a:endParaRPr lang="en-US" dirty="0"/>
           </a:p>
         </p:txBody>
@@ -11350,6 +11387,60 @@
               <a:buNone/>
             </a:pPr>
             <a:r>
+              <a:rPr lang="en-US" sz="1800" dirty="0" smtClean="0">
+                <a:solidFill>
+                  <a:schemeClr val="accent6"/>
+                </a:solidFill>
+              </a:rPr>
+              <a:t>    "</a:t>
+            </a:r>
+            <a:r>
+              <a:rPr lang="en-US" sz="1800" dirty="0" err="1">
+                <a:solidFill>
+                  <a:schemeClr val="accent6"/>
+                </a:solidFill>
+              </a:rPr>
+              <a:t>devel</a:t>
+            </a:r>
+            <a:r>
+              <a:rPr lang="en-US" sz="1800" dirty="0">
+                <a:solidFill>
+                  <a:schemeClr val="accent6"/>
+                </a:solidFill>
+              </a:rPr>
+              <a:t>"               : true,     </a:t>
+            </a:r>
+            <a:r>
+              <a:rPr lang="en-US" sz="1500" dirty="0">
+                <a:solidFill>
+                  <a:schemeClr val="accent6"/>
+                </a:solidFill>
+              </a:rPr>
+              <a:t>// Development/debugging (alert, confirm, </a:t>
+            </a:r>
+            <a:r>
+              <a:rPr lang="en-US" sz="1500" dirty="0" err="1">
+                <a:solidFill>
+                  <a:schemeClr val="accent6"/>
+                </a:solidFill>
+              </a:rPr>
+              <a:t>etc</a:t>
+            </a:r>
+            <a:r>
+              <a:rPr lang="en-US" sz="1500" dirty="0" smtClean="0">
+                <a:solidFill>
+                  <a:schemeClr val="accent6"/>
+                </a:solidFill>
+              </a:rPr>
+              <a:t>)</a:t>
+            </a:r>
+            <a:endParaRPr lang="en-US" sz="1500" dirty="0" smtClean="0"/>
+          </a:p>
+          <a:p>
+            <a:pPr marL="0" indent="0">
+              <a:buNone/>
+            </a:pPr>
+            <a:r>
               <a:rPr lang="en-US" sz="1800" dirty="0"/>
               <a:t> </a:t>
             </a:r>
@@ -11427,73 +11518,12 @@
               <a:t>    "</a:t>
             </a:r>
             <a:r>
-              <a:rPr lang="en-US" sz="1800" dirty="0" err="1">
-                <a:solidFill>
-                  <a:schemeClr val="accent6"/>
-                </a:solidFill>
-              </a:rPr>
-              <a:t>devel</a:t>
-            </a:r>
-            <a:r>
               <a:rPr lang="en-US" sz="1800" dirty="0">
                 <a:solidFill>
                   <a:schemeClr val="accent6"/>
                 </a:solidFill>
               </a:rPr>
-              <a:t>"         </a:t>
-            </a:r>
-            <a:r>
-              <a:rPr lang="en-US" sz="1800" dirty="0" smtClean="0">
-                <a:solidFill>
-                  <a:schemeClr val="accent6"/>
-                </a:solidFill>
-              </a:rPr>
-              <a:t>      : </a:t>
-            </a:r>
-            <a:r>
-              <a:rPr lang="en-US" sz="1800" dirty="0">
-                <a:solidFill>
-                  <a:schemeClr val="accent6"/>
-                </a:solidFill>
-              </a:rPr>
-              <a:t>true,     </a:t>
-            </a:r>
-            <a:r>
-              <a:rPr lang="en-US" sz="1500" dirty="0">
-                <a:solidFill>
-                  <a:schemeClr val="accent6"/>
-                </a:solidFill>
-              </a:rPr>
-              <a:t>// Development/debugging (alert, confirm, </a:t>
-            </a:r>
-            <a:r>
-              <a:rPr lang="en-US" sz="1500" dirty="0" err="1">
-                <a:solidFill>
-                  <a:schemeClr val="accent6"/>
-                </a:solidFill>
-              </a:rPr>
-              <a:t>etc</a:t>
-            </a:r>
-            <a:r>
-              <a:rPr lang="en-US" sz="1500" dirty="0">
-                <a:solidFill>
-                  <a:schemeClr val="accent6"/>
-                </a:solidFill>
-              </a:rPr>
-              <a:t>)</a:t>
-            </a:r>
-          </a:p>
-          <a:p>
-            <a:pPr marL="0" indent="0">
-              <a:buNone/>
-            </a:pPr>
-            <a:r>
-              <a:rPr lang="en-US" sz="1800" dirty="0">
-                <a:solidFill>
-                  <a:schemeClr val="accent6"/>
-                </a:solidFill>
-              </a:rPr>
-              <a:t>    "dojo"         </a:t>
+              <a:t>dojo"         </a:t>
             </a:r>
             <a:r>
               <a:rPr lang="en-US" sz="1800" dirty="0" smtClean="0">
@@ -13314,7 +13344,7 @@
           <p:nvPr/>
         </p:nvPicPr>
         <p:blipFill>
-          <a:blip r:embed="rId2">
+          <a:blip r:embed="rId3">
             <a:extLst>
               <a:ext uri="{28A0092B-C50C-407E-A947-70E740481C1C}">
                 <a14:useLocalDpi xmlns:a14="http://schemas.microsoft.com/office/drawing/2010/main" val="0"/>
@@ -14530,12 +14560,8 @@
           <a:lstStyle/>
           <a:p>
             <a:r>
-              <a:rPr lang="en-US" dirty="0" err="1" smtClean="0"/>
-              <a:t>Cutomize</a:t>
-            </a:r>
-            <a:r>
               <a:rPr lang="en-US" dirty="0" smtClean="0"/>
-              <a:t> </a:t>
+              <a:t>Customize </a:t>
             </a:r>
             <a:r>
               <a:rPr lang="en-US" dirty="0" err="1" smtClean="0"/>
@@ -18208,15 +18234,11 @@
             </a:r>
             <a:r>
               <a:rPr lang="en-US" sz="2000" dirty="0" smtClean="0"/>
-              <a:t>Put your </a:t>
-            </a:r>
-            <a:r>
-              <a:rPr lang="en-US" sz="2000" dirty="0" err="1"/>
-              <a:t>config</a:t>
+              <a:t>Put your configuration </a:t>
             </a:r>
             <a:r>
               <a:rPr lang="en-US" sz="2000" dirty="0"/>
-              <a:t> into your projects </a:t>
+              <a:t>into your projects </a:t>
             </a:r>
             <a:r>
               <a:rPr lang="en-US" sz="2000" dirty="0" err="1"/>
@@ -18227,72 +18249,76 @@
               <a:t> file under </a:t>
             </a:r>
             <a:r>
+              <a:rPr lang="en-US" sz="2000" dirty="0" smtClean="0"/>
+              <a:t>	</a:t>
+            </a:r>
+            <a:r>
+              <a:rPr lang="en-US" sz="2000" dirty="0" err="1" smtClean="0"/>
+              <a:t>jshintconfig</a:t>
+            </a:r>
+            <a:r>
+              <a:rPr lang="en-US" sz="2000" dirty="0" smtClean="0"/>
+              <a:t> property</a:t>
+            </a:r>
+            <a:r>
+              <a:rPr lang="en-US" sz="2000" dirty="0"/>
+              <a:t>.(For </a:t>
+            </a:r>
+            <a:r>
+              <a:rPr lang="en-US" sz="2000" dirty="0" smtClean="0"/>
+              <a:t>Node </a:t>
+            </a:r>
+            <a:r>
+              <a:rPr lang="en-US" sz="2000" dirty="0" smtClean="0"/>
+              <a:t>project)</a:t>
+            </a:r>
+          </a:p>
+          <a:p>
+            <a:pPr lvl="0"/>
+            <a:r>
+              <a:rPr lang="en-US" b="1" dirty="0" smtClean="0"/>
+              <a:t>Inline Configuration</a:t>
+            </a:r>
+          </a:p>
+          <a:p>
+            <a:pPr marL="0" lvl="0" indent="0">
+              <a:buNone/>
+            </a:pPr>
+            <a:r>
+              <a:rPr lang="en-US" sz="2000" dirty="0" smtClean="0"/>
+              <a:t>In </a:t>
+            </a:r>
+            <a:r>
+              <a:rPr lang="en-US" sz="2000" dirty="0"/>
+              <a:t>addition to using configuration files you can configure </a:t>
+            </a:r>
+            <a:r>
               <a:rPr lang="en-US" sz="2000" dirty="0" err="1"/>
-              <a:t>jshintconfig</a:t>
+              <a:t>JSHint</a:t>
             </a:r>
             <a:r>
               <a:rPr lang="en-US" sz="2000" dirty="0"/>
               <a:t> </a:t>
             </a:r>
             <a:r>
-              <a:rPr lang="en-US" sz="2000" dirty="0"/>
-              <a:t> </a:t>
-            </a:r>
-            <a:r>
-              <a:rPr lang="en-US" sz="2000" dirty="0" smtClean="0"/>
-              <a:t>             	</a:t>
-            </a:r>
-            <a:r>
-              <a:rPr lang="en-US" sz="2000" dirty="0" smtClean="0"/>
-              <a:t>property</a:t>
-            </a:r>
-            <a:r>
-              <a:rPr lang="en-US" sz="2000" dirty="0"/>
-              <a:t>.(For </a:t>
-            </a:r>
-            <a:r>
-              <a:rPr lang="en-US" sz="2000" dirty="0" smtClean="0"/>
-              <a:t>Node </a:t>
-            </a:r>
-            <a:r>
-              <a:rPr lang="en-US" sz="2000" dirty="0" smtClean="0"/>
-              <a:t>project)</a:t>
-            </a:r>
-          </a:p>
-          <a:p>
-            <a:pPr lvl="0"/>
-            <a:r>
-              <a:rPr lang="en-US" b="1" dirty="0" smtClean="0"/>
-              <a:t>Inline Configuration</a:t>
-            </a:r>
-          </a:p>
-          <a:p>
-            <a:pPr marL="0" lvl="0" indent="0">
-              <a:buNone/>
-            </a:pPr>
-            <a:r>
-              <a:rPr lang="en-US" sz="2000" dirty="0" smtClean="0"/>
-              <a:t>In </a:t>
-            </a:r>
-            <a:r>
-              <a:rPr lang="en-US" sz="2000" dirty="0"/>
-              <a:t>addition to using configuration files you can configure </a:t>
-            </a:r>
-            <a:r>
-              <a:rPr lang="en-US" sz="2000" dirty="0" err="1"/>
-              <a:t>JSHint</a:t>
-            </a:r>
-            <a:r>
-              <a:rPr lang="en-US" sz="2000" dirty="0"/>
-              <a:t> </a:t>
-            </a:r>
-            <a:r>
               <a:rPr lang="en-US" sz="2000" dirty="0" smtClean="0"/>
               <a:t>within </a:t>
             </a:r>
             <a:r>
               <a:rPr lang="en-US" sz="2000" dirty="0"/>
-              <a:t>your files using special comments</a:t>
+              <a:t>your </a:t>
+            </a:r>
+            <a:r>
+              <a:rPr lang="en-US" sz="2000" dirty="0" err="1" smtClean="0"/>
+              <a:t>javascript</a:t>
+            </a:r>
+            <a:r>
+              <a:rPr lang="en-US" sz="2000" dirty="0" smtClean="0"/>
+              <a:t> code using </a:t>
+            </a:r>
+            <a:r>
+              <a:rPr lang="en-US" sz="2000" dirty="0"/>
+              <a:t>special comments</a:t>
             </a:r>
             <a:r>
               <a:rPr lang="en-US" sz="2000" dirty="0" smtClean="0"/>
